--- a/connect2016/developer/02/02.pptx
+++ b/connect2016/developer/02/02.pptx
@@ -6,10 +6,10 @@
     <p:sldMasterId id="2147483684" r:id="rId2"/>
   </p:sldMasterIdLst>
   <p:notesMasterIdLst>
-    <p:notesMasterId r:id="rId15"/>
+    <p:notesMasterId r:id="rId18"/>
   </p:notesMasterIdLst>
   <p:handoutMasterIdLst>
-    <p:handoutMasterId r:id="rId16"/>
+    <p:handoutMasterId r:id="rId19"/>
   </p:handoutMasterIdLst>
   <p:sldIdLst>
     <p:sldId id="444" r:id="rId3"/>
@@ -18,12 +18,15 @@
     <p:sldId id="472" r:id="rId6"/>
     <p:sldId id="487" r:id="rId7"/>
     <p:sldId id="489" r:id="rId8"/>
-    <p:sldId id="490" r:id="rId9"/>
-    <p:sldId id="491" r:id="rId10"/>
-    <p:sldId id="492" r:id="rId11"/>
-    <p:sldId id="494" r:id="rId12"/>
+    <p:sldId id="494" r:id="rId9"/>
+    <p:sldId id="498" r:id="rId10"/>
+    <p:sldId id="497" r:id="rId11"/>
+    <p:sldId id="496" r:id="rId12"/>
     <p:sldId id="495" r:id="rId13"/>
-    <p:sldId id="484" r:id="rId14"/>
+    <p:sldId id="490" r:id="rId14"/>
+    <p:sldId id="491" r:id="rId15"/>
+    <p:sldId id="492" r:id="rId16"/>
+    <p:sldId id="484" r:id="rId17"/>
   </p:sldIdLst>
   <p:sldSz cx="9144000" cy="5143500" type="screen16x9"/>
   <p:notesSz cx="6858000" cy="9144000"/>
@@ -133,11 +136,14 @@
             <p14:sldId id="472"/>
             <p14:sldId id="487"/>
             <p14:sldId id="489"/>
+            <p14:sldId id="494"/>
+            <p14:sldId id="498"/>
+            <p14:sldId id="497"/>
+            <p14:sldId id="496"/>
+            <p14:sldId id="495"/>
             <p14:sldId id="490"/>
             <p14:sldId id="491"/>
             <p14:sldId id="492"/>
-            <p14:sldId id="494"/>
-            <p14:sldId id="495"/>
             <p14:sldId id="484"/>
           </p14:sldIdLst>
         </p14:section>
@@ -267,7 +273,7 @@
           <a:p>
             <a:fld id="{B5389E1E-C654-E943-9883-792E99AD7287}" type="datetimeFigureOut">
               <a:rPr lang="en-US" smtClean="0"/>
-              <a:t>10/6/2016</a:t>
+              <a:t>10/20/2016</a:t>
             </a:fld>
             <a:endParaRPr lang="en-US"/>
           </a:p>
@@ -433,7 +439,7 @@
           <a:p>
             <a:fld id="{9920D99B-2862-464A-984E-65BFC5FC0BBC}" type="datetimeFigureOut">
               <a:rPr lang="en-US" smtClean="0"/>
-              <a:t>10/6/2016</a:t>
+              <a:t>10/20/2016</a:t>
             </a:fld>
             <a:endParaRPr lang="en-US"/>
           </a:p>
@@ -745,19 +751,7 @@
           <a:bodyPr/>
           <a:lstStyle/>
           <a:p>
-            <a:pPr marL="0" indent="0">
-              <a:lnSpc>
-                <a:spcPct val="140000"/>
-              </a:lnSpc>
-              <a:buClr>
-                <a:schemeClr val="accent2"/>
-              </a:buClr>
-              <a:buFont typeface="Arial"/>
-              <a:buNone/>
-            </a:pPr>
-            <a:endParaRPr lang="en-US" sz="1200" dirty="0">
-              <a:latin typeface="+mn-lt"/>
-            </a:endParaRPr>
+            <a:endParaRPr lang="en-US" dirty="0"/>
           </a:p>
         </p:txBody>
       </p:sp>
@@ -778,6 +772,102 @@
           <a:p>
             <a:fld id="{F39351FC-18D6-4741-8EEB-9FDB1F020AAC}" type="slidenum">
               <a:rPr lang="en-US" smtClean="0"/>
+              <a:t>3</a:t>
+            </a:fld>
+            <a:endParaRPr lang="en-US"/>
+          </a:p>
+        </p:txBody>
+      </p:sp>
+    </p:spTree>
+    <p:extLst>
+      <p:ext uri="{BB962C8B-B14F-4D97-AF65-F5344CB8AC3E}">
+        <p14:creationId xmlns:p14="http://schemas.microsoft.com/office/powerpoint/2010/main" val="1795725675"/>
+      </p:ext>
+    </p:extLst>
+  </p:cSld>
+  <p:clrMapOvr>
+    <a:masterClrMapping/>
+  </p:clrMapOvr>
+</p:notes>
+</file>
+
+<file path=ppt/notesSlides/notesSlide2.xml><?xml version="1.0" encoding="utf-8"?>
+<p:notes xmlns:a="http://schemas.openxmlformats.org/drawingml/2006/main" xmlns:r="http://schemas.openxmlformats.org/officeDocument/2006/relationships" xmlns:p="http://schemas.openxmlformats.org/presentationml/2006/main">
+  <p:cSld>
+    <p:spTree>
+      <p:nvGrpSpPr>
+        <p:cNvPr id="1" name=""/>
+        <p:cNvGrpSpPr/>
+        <p:nvPr/>
+      </p:nvGrpSpPr>
+      <p:grpSpPr>
+        <a:xfrm>
+          <a:off x="0" y="0"/>
+          <a:ext cx="0" cy="0"/>
+          <a:chOff x="0" y="0"/>
+          <a:chExt cx="0" cy="0"/>
+        </a:xfrm>
+      </p:grpSpPr>
+      <p:sp>
+        <p:nvSpPr>
+          <p:cNvPr id="2" name="Slide Image Placeholder 1"/>
+          <p:cNvSpPr>
+            <a:spLocks noGrp="1" noRot="1" noChangeAspect="1"/>
+          </p:cNvSpPr>
+          <p:nvPr>
+            <p:ph type="sldImg"/>
+          </p:nvPr>
+        </p:nvSpPr>
+        <p:spPr/>
+      </p:sp>
+      <p:sp>
+        <p:nvSpPr>
+          <p:cNvPr id="3" name="Notes Placeholder 2"/>
+          <p:cNvSpPr>
+            <a:spLocks noGrp="1"/>
+          </p:cNvSpPr>
+          <p:nvPr>
+            <p:ph type="body" idx="1"/>
+          </p:nvPr>
+        </p:nvSpPr>
+        <p:spPr/>
+        <p:txBody>
+          <a:bodyPr/>
+          <a:lstStyle/>
+          <a:p>
+            <a:pPr marL="0" indent="0">
+              <a:lnSpc>
+                <a:spcPct val="140000"/>
+              </a:lnSpc>
+              <a:buClr>
+                <a:schemeClr val="accent2"/>
+              </a:buClr>
+              <a:buFont typeface="Arial"/>
+              <a:buNone/>
+            </a:pPr>
+            <a:endParaRPr lang="en-US" sz="1200" dirty="0">
+              <a:latin typeface="+mn-lt"/>
+            </a:endParaRPr>
+          </a:p>
+        </p:txBody>
+      </p:sp>
+      <p:sp>
+        <p:nvSpPr>
+          <p:cNvPr id="4" name="Slide Number Placeholder 3"/>
+          <p:cNvSpPr>
+            <a:spLocks noGrp="1"/>
+          </p:cNvSpPr>
+          <p:nvPr>
+            <p:ph type="sldNum" sz="quarter" idx="10"/>
+          </p:nvPr>
+        </p:nvSpPr>
+        <p:spPr/>
+        <p:txBody>
+          <a:bodyPr/>
+          <a:lstStyle/>
+          <a:p>
+            <a:fld id="{F39351FC-18D6-4741-8EEB-9FDB1F020AAC}" type="slidenum">
+              <a:rPr lang="en-US" smtClean="0"/>
               <a:t>4</a:t>
             </a:fld>
             <a:endParaRPr lang="en-US"/>
@@ -788,6 +878,231 @@
     <p:extLst>
       <p:ext uri="{BB962C8B-B14F-4D97-AF65-F5344CB8AC3E}">
         <p14:creationId xmlns:p14="http://schemas.microsoft.com/office/powerpoint/2010/main" val="2268015358"/>
+      </p:ext>
+    </p:extLst>
+  </p:cSld>
+  <p:clrMapOvr>
+    <a:masterClrMapping/>
+  </p:clrMapOvr>
+</p:notes>
+</file>
+
+<file path=ppt/notesSlides/notesSlide3.xml><?xml version="1.0" encoding="utf-8"?>
+<p:notes xmlns:a="http://schemas.openxmlformats.org/drawingml/2006/main" xmlns:r="http://schemas.openxmlformats.org/officeDocument/2006/relationships" xmlns:p="http://schemas.openxmlformats.org/presentationml/2006/main">
+  <p:cSld>
+    <p:spTree>
+      <p:nvGrpSpPr>
+        <p:cNvPr id="1" name=""/>
+        <p:cNvGrpSpPr/>
+        <p:nvPr/>
+      </p:nvGrpSpPr>
+      <p:grpSpPr>
+        <a:xfrm>
+          <a:off x="0" y="0"/>
+          <a:ext cx="0" cy="0"/>
+          <a:chOff x="0" y="0"/>
+          <a:chExt cx="0" cy="0"/>
+        </a:xfrm>
+      </p:grpSpPr>
+      <p:sp>
+        <p:nvSpPr>
+          <p:cNvPr id="2" name="Slide Image Placeholder 1"/>
+          <p:cNvSpPr>
+            <a:spLocks noGrp="1" noRot="1" noChangeAspect="1"/>
+          </p:cNvSpPr>
+          <p:nvPr>
+            <p:ph type="sldImg"/>
+          </p:nvPr>
+        </p:nvSpPr>
+        <p:spPr/>
+      </p:sp>
+      <p:sp>
+        <p:nvSpPr>
+          <p:cNvPr id="3" name="Notes Placeholder 2"/>
+          <p:cNvSpPr>
+            <a:spLocks noGrp="1"/>
+          </p:cNvSpPr>
+          <p:nvPr>
+            <p:ph type="body" idx="1"/>
+          </p:nvPr>
+        </p:nvSpPr>
+        <p:spPr/>
+        <p:txBody>
+          <a:bodyPr/>
+          <a:lstStyle/>
+          <a:p>
+            <a:endParaRPr lang="en-US" dirty="0"/>
+          </a:p>
+        </p:txBody>
+      </p:sp>
+      <p:sp>
+        <p:nvSpPr>
+          <p:cNvPr id="4" name="Slide Number Placeholder 3"/>
+          <p:cNvSpPr>
+            <a:spLocks noGrp="1"/>
+          </p:cNvSpPr>
+          <p:nvPr>
+            <p:ph type="sldNum" sz="quarter" idx="10"/>
+          </p:nvPr>
+        </p:nvSpPr>
+        <p:spPr/>
+        <p:txBody>
+          <a:bodyPr/>
+          <a:lstStyle/>
+          <a:p>
+            <a:pPr marL="0" marR="0" lvl="0" indent="0" defTabSz="914400" eaLnBrk="1" fontAlgn="auto" latinLnBrk="0" hangingPunct="1">
+              <a:lnSpc>
+                <a:spcPct val="100000"/>
+              </a:lnSpc>
+              <a:spcBef>
+                <a:spcPts val="0"/>
+              </a:spcBef>
+              <a:spcAft>
+                <a:spcPts val="0"/>
+              </a:spcAft>
+              <a:buClrTx/>
+              <a:buSzTx/>
+              <a:buFontTx/>
+              <a:buNone/>
+              <a:tabLst/>
+              <a:defRPr/>
+            </a:pPr>
+            <a:fld id="{F39351FC-18D6-4741-8EEB-9FDB1F020AAC}" type="slidenum">
+              <a:rPr kumimoji="0" lang="en-US" sz="1800" b="0" i="0" u="none" strike="noStrike" kern="0" cap="none" spc="0" normalizeH="0" baseline="0" noProof="0" smtClean="0">
+                <a:ln>
+                  <a:noFill/>
+                </a:ln>
+                <a:solidFill>
+                  <a:sysClr val="windowText" lastClr="000000"/>
+                </a:solidFill>
+                <a:effectLst/>
+                <a:uLnTx/>
+                <a:uFillTx/>
+              </a:rPr>
+              <a:pPr marL="0" marR="0" lvl="0" indent="0" defTabSz="914400" eaLnBrk="1" fontAlgn="auto" latinLnBrk="0" hangingPunct="1">
+                <a:lnSpc>
+                  <a:spcPct val="100000"/>
+                </a:lnSpc>
+                <a:spcBef>
+                  <a:spcPts val="0"/>
+                </a:spcBef>
+                <a:spcAft>
+                  <a:spcPts val="0"/>
+                </a:spcAft>
+                <a:buClrTx/>
+                <a:buSzTx/>
+                <a:buFontTx/>
+                <a:buNone/>
+                <a:tabLst/>
+                <a:defRPr/>
+              </a:pPr>
+              <a:t>8</a:t>
+            </a:fld>
+            <a:endParaRPr kumimoji="0" lang="en-US" sz="1800" b="0" i="0" u="none" strike="noStrike" kern="0" cap="none" spc="0" normalizeH="0" baseline="0" noProof="0">
+              <a:ln>
+                <a:noFill/>
+              </a:ln>
+              <a:solidFill>
+                <a:sysClr val="windowText" lastClr="000000"/>
+              </a:solidFill>
+              <a:effectLst/>
+              <a:uLnTx/>
+              <a:uFillTx/>
+            </a:endParaRPr>
+          </a:p>
+        </p:txBody>
+      </p:sp>
+    </p:spTree>
+    <p:extLst>
+      <p:ext uri="{BB962C8B-B14F-4D97-AF65-F5344CB8AC3E}">
+        <p14:creationId xmlns:p14="http://schemas.microsoft.com/office/powerpoint/2010/main" val="2218008037"/>
+      </p:ext>
+    </p:extLst>
+  </p:cSld>
+  <p:clrMapOvr>
+    <a:masterClrMapping/>
+  </p:clrMapOvr>
+</p:notes>
+</file>
+
+<file path=ppt/notesSlides/notesSlide4.xml><?xml version="1.0" encoding="utf-8"?>
+<p:notes xmlns:a="http://schemas.openxmlformats.org/drawingml/2006/main" xmlns:r="http://schemas.openxmlformats.org/officeDocument/2006/relationships" xmlns:p="http://schemas.openxmlformats.org/presentationml/2006/main">
+  <p:cSld>
+    <p:spTree>
+      <p:nvGrpSpPr>
+        <p:cNvPr id="1" name=""/>
+        <p:cNvGrpSpPr/>
+        <p:nvPr/>
+      </p:nvGrpSpPr>
+      <p:grpSpPr>
+        <a:xfrm>
+          <a:off x="0" y="0"/>
+          <a:ext cx="0" cy="0"/>
+          <a:chOff x="0" y="0"/>
+          <a:chExt cx="0" cy="0"/>
+        </a:xfrm>
+      </p:grpSpPr>
+      <p:sp>
+        <p:nvSpPr>
+          <p:cNvPr id="2" name="Slide Image Placeholder 1"/>
+          <p:cNvSpPr>
+            <a:spLocks noGrp="1" noRot="1" noChangeAspect="1"/>
+          </p:cNvSpPr>
+          <p:nvPr>
+            <p:ph type="sldImg"/>
+          </p:nvPr>
+        </p:nvSpPr>
+        <p:spPr/>
+      </p:sp>
+      <p:sp>
+        <p:nvSpPr>
+          <p:cNvPr id="3" name="Notes Placeholder 2"/>
+          <p:cNvSpPr>
+            <a:spLocks noGrp="1"/>
+          </p:cNvSpPr>
+          <p:nvPr>
+            <p:ph type="body" idx="1"/>
+          </p:nvPr>
+        </p:nvSpPr>
+        <p:spPr/>
+        <p:txBody>
+          <a:bodyPr/>
+          <a:lstStyle/>
+          <a:p>
+            <a:r>
+              <a:rPr lang="en-US" dirty="0"/>
+              <a:t>It may not be as nicely formatted in your browser</a:t>
+            </a:r>
+          </a:p>
+        </p:txBody>
+      </p:sp>
+      <p:sp>
+        <p:nvSpPr>
+          <p:cNvPr id="4" name="Slide Number Placeholder 3"/>
+          <p:cNvSpPr>
+            <a:spLocks noGrp="1"/>
+          </p:cNvSpPr>
+          <p:nvPr>
+            <p:ph type="sldNum" sz="quarter" idx="10"/>
+          </p:nvPr>
+        </p:nvSpPr>
+        <p:spPr/>
+        <p:txBody>
+          <a:bodyPr/>
+          <a:lstStyle/>
+          <a:p>
+            <a:fld id="{F39351FC-18D6-4741-8EEB-9FDB1F020AAC}" type="slidenum">
+              <a:rPr lang="en-US" smtClean="0"/>
+              <a:t>10</a:t>
+            </a:fld>
+            <a:endParaRPr lang="en-US"/>
+          </a:p>
+        </p:txBody>
+      </p:sp>
+    </p:spTree>
+    <p:extLst>
+      <p:ext uri="{BB962C8B-B14F-4D97-AF65-F5344CB8AC3E}">
+        <p14:creationId xmlns:p14="http://schemas.microsoft.com/office/powerpoint/2010/main" val="3217261693"/>
       </p:ext>
     </p:extLst>
   </p:cSld>
@@ -6716,291 +7031,385 @@
           <a:p>
             <a:r>
               <a:rPr lang="en-US" dirty="0"/>
-              <a:t>Exercise 1: N1QL</a:t>
+              <a:t>/pools/default</a:t>
             </a:r>
           </a:p>
         </p:txBody>
       </p:sp>
       <p:sp>
         <p:nvSpPr>
-          <p:cNvPr id="3" name="Content Placeholder 2"/>
-          <p:cNvSpPr txBox="1">
-            <a:spLocks/>
-          </p:cNvSpPr>
+          <p:cNvPr id="4" name="Rectangle 3"/>
+          <p:cNvSpPr/>
           <p:nvPr/>
         </p:nvSpPr>
         <p:spPr>
           <a:xfrm>
-            <a:off x="609600" y="838200"/>
-            <a:ext cx="8007739" cy="3394472"/>
+            <a:off x="438152" y="677198"/>
+            <a:ext cx="8448674" cy="4154984"/>
           </a:xfrm>
           <a:prstGeom prst="rect">
             <a:avLst/>
           </a:prstGeom>
         </p:spPr>
         <p:txBody>
-          <a:bodyPr/>
-          <a:lstStyle>
-            <a:lvl1pPr marL="228600" indent="-228600" algn="l" defTabSz="457200" rtl="0" eaLnBrk="1" latinLnBrk="0" hangingPunct="1">
-              <a:spcBef>
-                <a:spcPts val="0"/>
-              </a:spcBef>
-              <a:buClr>
-                <a:schemeClr val="accent1"/>
-              </a:buClr>
-              <a:buFont typeface="Wingdings" charset="2"/>
-              <a:buChar char="§"/>
-              <a:defRPr sz="2400" kern="1200">
-                <a:solidFill>
-                  <a:schemeClr val="tx1"/>
-                </a:solidFill>
-                <a:latin typeface="+mn-lt"/>
-                <a:ea typeface="+mn-ea"/>
-                <a:cs typeface="+mn-cs"/>
-              </a:defRPr>
-            </a:lvl1pPr>
-            <a:lvl2pPr marL="455613" indent="-227013" algn="l" defTabSz="457200" rtl="0" eaLnBrk="1" latinLnBrk="0" hangingPunct="1">
-              <a:spcBef>
-                <a:spcPts val="0"/>
-              </a:spcBef>
-              <a:buClr>
-                <a:srgbClr val="262626"/>
-              </a:buClr>
-              <a:buFont typeface="Wingdings" charset="2"/>
-              <a:buChar char="§"/>
-              <a:defRPr sz="2000" kern="1200">
-                <a:solidFill>
-                  <a:schemeClr val="tx1"/>
-                </a:solidFill>
-                <a:latin typeface="+mn-lt"/>
-                <a:ea typeface="+mn-ea"/>
-                <a:cs typeface="+mn-cs"/>
-              </a:defRPr>
-            </a:lvl2pPr>
-            <a:lvl3pPr marL="455613" indent="-228600" algn="l" defTabSz="457200" rtl="0" eaLnBrk="1" latinLnBrk="0" hangingPunct="1">
-              <a:spcBef>
-                <a:spcPts val="0"/>
-              </a:spcBef>
-              <a:buClr>
-                <a:srgbClr val="262626"/>
-              </a:buClr>
-              <a:buFont typeface="Wingdings" charset="2"/>
-              <a:buChar char="§"/>
-              <a:defRPr sz="2000" kern="1200">
-                <a:solidFill>
-                  <a:schemeClr val="tx1"/>
-                </a:solidFill>
-                <a:latin typeface="+mn-lt"/>
-                <a:ea typeface="+mn-ea"/>
-                <a:cs typeface="+mn-cs"/>
-              </a:defRPr>
-            </a:lvl3pPr>
-            <a:lvl4pPr marL="455613" indent="-228600" algn="l" defTabSz="457200" rtl="0" eaLnBrk="1" latinLnBrk="0" hangingPunct="1">
-              <a:spcBef>
-                <a:spcPts val="0"/>
-              </a:spcBef>
-              <a:buClr>
-                <a:srgbClr val="262626"/>
-              </a:buClr>
-              <a:buFont typeface="Wingdings" charset="2"/>
-              <a:buChar char="§"/>
-              <a:defRPr sz="2000" kern="1200">
-                <a:solidFill>
-                  <a:schemeClr val="tx1"/>
-                </a:solidFill>
-                <a:latin typeface="+mn-lt"/>
-                <a:ea typeface="+mn-ea"/>
-                <a:cs typeface="+mn-cs"/>
-              </a:defRPr>
-            </a:lvl4pPr>
-            <a:lvl5pPr marL="455613" indent="-228600" algn="l" defTabSz="457200" rtl="0" eaLnBrk="1" latinLnBrk="0" hangingPunct="1">
-              <a:spcBef>
-                <a:spcPts val="200"/>
-              </a:spcBef>
-              <a:buClr>
-                <a:srgbClr val="262626"/>
-              </a:buClr>
-              <a:buFont typeface="Wingdings" charset="2"/>
-              <a:buChar char="§"/>
-              <a:defRPr sz="2000" kern="1200">
-                <a:solidFill>
-                  <a:schemeClr val="tx1"/>
-                </a:solidFill>
-                <a:latin typeface="+mn-lt"/>
-                <a:ea typeface="+mn-ea"/>
-                <a:cs typeface="+mn-cs"/>
-              </a:defRPr>
-            </a:lvl5pPr>
-            <a:lvl6pPr marL="2514600" indent="-228600" algn="l" defTabSz="457200" rtl="0" eaLnBrk="1" latinLnBrk="0" hangingPunct="1">
-              <a:spcBef>
-                <a:spcPct val="20000"/>
-              </a:spcBef>
-              <a:buFont typeface="Arial"/>
-              <a:buChar char="•"/>
-              <a:defRPr sz="2000" kern="1200">
-                <a:solidFill>
-                  <a:schemeClr val="tx1"/>
-                </a:solidFill>
-                <a:latin typeface="+mn-lt"/>
-                <a:ea typeface="+mn-ea"/>
-                <a:cs typeface="+mn-cs"/>
-              </a:defRPr>
-            </a:lvl6pPr>
-            <a:lvl7pPr marL="2971800" indent="-228600" algn="l" defTabSz="457200" rtl="0" eaLnBrk="1" latinLnBrk="0" hangingPunct="1">
-              <a:spcBef>
-                <a:spcPct val="20000"/>
-              </a:spcBef>
-              <a:buFont typeface="Arial"/>
-              <a:buChar char="•"/>
-              <a:defRPr sz="2000" kern="1200">
-                <a:solidFill>
-                  <a:schemeClr val="tx1"/>
-                </a:solidFill>
-                <a:latin typeface="+mn-lt"/>
-                <a:ea typeface="+mn-ea"/>
-                <a:cs typeface="+mn-cs"/>
-              </a:defRPr>
-            </a:lvl7pPr>
-            <a:lvl8pPr marL="3429000" indent="-228600" algn="l" defTabSz="457200" rtl="0" eaLnBrk="1" latinLnBrk="0" hangingPunct="1">
-              <a:spcBef>
-                <a:spcPct val="20000"/>
-              </a:spcBef>
-              <a:buFont typeface="Arial"/>
-              <a:buChar char="•"/>
-              <a:defRPr sz="2000" kern="1200">
-                <a:solidFill>
-                  <a:schemeClr val="tx1"/>
-                </a:solidFill>
-                <a:latin typeface="+mn-lt"/>
-                <a:ea typeface="+mn-ea"/>
-                <a:cs typeface="+mn-cs"/>
-              </a:defRPr>
-            </a:lvl8pPr>
-            <a:lvl9pPr marL="3886200" indent="-228600" algn="l" defTabSz="457200" rtl="0" eaLnBrk="1" latinLnBrk="0" hangingPunct="1">
-              <a:spcBef>
-                <a:spcPct val="20000"/>
-              </a:spcBef>
-              <a:buFont typeface="Arial"/>
-              <a:buChar char="•"/>
-              <a:defRPr sz="2000" kern="1200">
-                <a:solidFill>
-                  <a:schemeClr val="tx1"/>
-                </a:solidFill>
-                <a:latin typeface="+mn-lt"/>
-                <a:ea typeface="+mn-ea"/>
-                <a:cs typeface="+mn-cs"/>
-              </a:defRPr>
-            </a:lvl9pPr>
-          </a:lstStyle>
-          <a:p>
-            <a:pPr marL="342900" indent="-342900">
-              <a:buFont typeface="Arial" charset="0"/>
-              <a:buChar char="•"/>
-            </a:pPr>
-            <a:r>
-              <a:rPr lang="en-US" dirty="0"/>
-              <a:t>Create a primary index on default bucket</a:t>
-            </a:r>
-          </a:p>
-          <a:p>
-            <a:pPr marL="342900" indent="-342900">
-              <a:buFont typeface="Arial" charset="0"/>
-              <a:buChar char="•"/>
-            </a:pPr>
-            <a:endParaRPr lang="en-US" dirty="0"/>
-          </a:p>
-          <a:p>
-            <a:pPr marL="227013" lvl="1" indent="0">
-              <a:buNone/>
-            </a:pPr>
-            <a:r>
-              <a:rPr lang="en-US" dirty="0"/>
-              <a:t>          CREATE PRIMARY INDEX on `default`</a:t>
-            </a:r>
-          </a:p>
-          <a:p>
-            <a:pPr marL="342900" indent="-342900">
-              <a:buFont typeface="Arial" charset="0"/>
-              <a:buChar char="•"/>
-            </a:pPr>
-            <a:endParaRPr lang="en-US" dirty="0"/>
-          </a:p>
-          <a:p>
-            <a:pPr marL="342900" indent="-342900">
-              <a:buFont typeface="Arial" charset="0"/>
-              <a:buChar char="•"/>
-            </a:pPr>
-            <a:r>
-              <a:rPr lang="en-US" dirty="0"/>
-              <a:t>Add document(s) to default bucket</a:t>
-            </a:r>
-          </a:p>
-          <a:p>
-            <a:pPr marL="342900" indent="-342900">
-              <a:buFont typeface="Arial" charset="0"/>
-              <a:buChar char="•"/>
-            </a:pPr>
-            <a:endParaRPr lang="en-US" dirty="0"/>
-          </a:p>
-          <a:p>
-            <a:pPr marL="569913" lvl="1" indent="-342900">
-              <a:buFont typeface="Arial" charset="0"/>
-              <a:buChar char="•"/>
-            </a:pPr>
-            <a:r>
-              <a:rPr lang="en-US" dirty="0"/>
-              <a:t>Use “Create Document” button in Documents view</a:t>
-            </a:r>
-          </a:p>
-          <a:p>
-            <a:pPr marL="342900" indent="-342900">
-              <a:buFont typeface="Arial" charset="0"/>
-              <a:buChar char="•"/>
-            </a:pPr>
-            <a:endParaRPr lang="en-US" dirty="0"/>
-          </a:p>
-          <a:p>
-            <a:pPr marL="342900" indent="-342900">
-              <a:buFont typeface="Arial" charset="0"/>
-              <a:buChar char="•"/>
-            </a:pPr>
-            <a:r>
-              <a:rPr lang="en-US" dirty="0"/>
-              <a:t>SELECT documents</a:t>
-            </a:r>
-          </a:p>
-          <a:p>
-            <a:pPr marL="342900" indent="-342900">
-              <a:buFont typeface="Arial" charset="0"/>
-              <a:buChar char="•"/>
-            </a:pPr>
-            <a:endParaRPr lang="en-US" dirty="0"/>
-          </a:p>
-          <a:p>
-            <a:pPr marL="227013" lvl="1" indent="0">
-              <a:buNone/>
-            </a:pPr>
-            <a:r>
-              <a:rPr lang="en-US" dirty="0"/>
-              <a:t>          SELECT d.* FROM `default` d</a:t>
-            </a:r>
-          </a:p>
-          <a:p>
-            <a:pPr marL="342900" indent="-342900">
-              <a:buFont typeface="Arial" charset="0"/>
-              <a:buChar char="•"/>
-            </a:pPr>
-            <a:endParaRPr lang="en-US" dirty="0"/>
-          </a:p>
-          <a:p>
-            <a:endParaRPr lang="en-US" dirty="0"/>
+          <a:bodyPr wrap="square">
+            <a:spAutoFit/>
+          </a:bodyPr>
+          <a:lstStyle/>
+          <a:p>
+            <a:r>
+              <a:rPr lang="en-US" sz="1100" dirty="0">
+                <a:latin typeface="Consolas" panose="020B0609020204030204" pitchFamily="49" charset="0"/>
+              </a:rPr>
+              <a:t>{</a:t>
+            </a:r>
+          </a:p>
+          <a:p>
+            <a:r>
+              <a:rPr lang="en-US" sz="1100" dirty="0">
+                <a:latin typeface="Consolas" panose="020B0609020204030204" pitchFamily="49" charset="0"/>
+              </a:rPr>
+              <a:t>	"</a:t>
+            </a:r>
+            <a:r>
+              <a:rPr lang="en-US" sz="1100" dirty="0" err="1">
+                <a:latin typeface="Consolas" panose="020B0609020204030204" pitchFamily="49" charset="0"/>
+              </a:rPr>
+              <a:t>storageTotals</a:t>
+            </a:r>
+            <a:r>
+              <a:rPr lang="en-US" sz="1100" dirty="0">
+                <a:latin typeface="Consolas" panose="020B0609020204030204" pitchFamily="49" charset="0"/>
+              </a:rPr>
+              <a:t>": {</a:t>
+            </a:r>
+          </a:p>
+          <a:p>
+            <a:r>
+              <a:rPr lang="en-US" sz="1100" dirty="0">
+                <a:latin typeface="Consolas" panose="020B0609020204030204" pitchFamily="49" charset="0"/>
+              </a:rPr>
+              <a:t>		"ram": {</a:t>
+            </a:r>
+          </a:p>
+          <a:p>
+            <a:r>
+              <a:rPr lang="en-US" sz="1100" dirty="0">
+                <a:latin typeface="Consolas" panose="020B0609020204030204" pitchFamily="49" charset="0"/>
+              </a:rPr>
+              <a:t>			"total": 2061664256,</a:t>
+            </a:r>
+          </a:p>
+          <a:p>
+            <a:r>
+              <a:rPr lang="en-US" sz="1100" dirty="0">
+                <a:latin typeface="Consolas" panose="020B0609020204030204" pitchFamily="49" charset="0"/>
+              </a:rPr>
+              <a:t>			"</a:t>
+            </a:r>
+            <a:r>
+              <a:rPr lang="en-US" sz="1100" dirty="0" err="1">
+                <a:latin typeface="Consolas" panose="020B0609020204030204" pitchFamily="49" charset="0"/>
+              </a:rPr>
+              <a:t>quotaTotal</a:t>
+            </a:r>
+            <a:r>
+              <a:rPr lang="en-US" sz="1100" dirty="0">
+                <a:latin typeface="Consolas" panose="020B0609020204030204" pitchFamily="49" charset="0"/>
+              </a:rPr>
+              <a:t>": 268435456,</a:t>
+            </a:r>
+          </a:p>
+          <a:p>
+            <a:r>
+              <a:rPr lang="en-US" sz="1100" dirty="0">
+                <a:latin typeface="Consolas" panose="020B0609020204030204" pitchFamily="49" charset="0"/>
+              </a:rPr>
+              <a:t>			"</a:t>
+            </a:r>
+            <a:r>
+              <a:rPr lang="en-US" sz="1100" dirty="0" err="1">
+                <a:latin typeface="Consolas" panose="020B0609020204030204" pitchFamily="49" charset="0"/>
+              </a:rPr>
+              <a:t>quotaUsed</a:t>
+            </a:r>
+            <a:r>
+              <a:rPr lang="en-US" sz="1100" dirty="0">
+                <a:latin typeface="Consolas" panose="020B0609020204030204" pitchFamily="49" charset="0"/>
+              </a:rPr>
+              <a:t>": 209715200,</a:t>
+            </a:r>
+          </a:p>
+          <a:p>
+            <a:r>
+              <a:rPr lang="en-US" sz="1100" dirty="0">
+                <a:latin typeface="Consolas" panose="020B0609020204030204" pitchFamily="49" charset="0"/>
+              </a:rPr>
+              <a:t>			"used": 1674903552,</a:t>
+            </a:r>
+          </a:p>
+          <a:p>
+            <a:r>
+              <a:rPr lang="en-US" sz="1100" dirty="0">
+                <a:latin typeface="Consolas" panose="020B0609020204030204" pitchFamily="49" charset="0"/>
+              </a:rPr>
+              <a:t>			"</a:t>
+            </a:r>
+            <a:r>
+              <a:rPr lang="en-US" sz="1100" dirty="0" err="1">
+                <a:latin typeface="Consolas" panose="020B0609020204030204" pitchFamily="49" charset="0"/>
+              </a:rPr>
+              <a:t>usedByData</a:t>
+            </a:r>
+            <a:r>
+              <a:rPr lang="en-US" sz="1100" dirty="0">
+                <a:latin typeface="Consolas" panose="020B0609020204030204" pitchFamily="49" charset="0"/>
+              </a:rPr>
+              <a:t>": 119026504,</a:t>
+            </a:r>
+          </a:p>
+          <a:p>
+            <a:r>
+              <a:rPr lang="en-US" sz="1100" dirty="0">
+                <a:latin typeface="Consolas" panose="020B0609020204030204" pitchFamily="49" charset="0"/>
+              </a:rPr>
+              <a:t>			"</a:t>
+            </a:r>
+            <a:r>
+              <a:rPr lang="en-US" sz="1100" dirty="0" err="1">
+                <a:latin typeface="Consolas" panose="020B0609020204030204" pitchFamily="49" charset="0"/>
+              </a:rPr>
+              <a:t>quotaUsedPeraNode</a:t>
+            </a:r>
+            <a:r>
+              <a:rPr lang="en-US" sz="1100" dirty="0">
+                <a:latin typeface="Consolas" panose="020B0609020204030204" pitchFamily="49" charset="0"/>
+              </a:rPr>
+              <a:t>": 209715200,</a:t>
+            </a:r>
+          </a:p>
+          <a:p>
+            <a:r>
+              <a:rPr lang="en-US" sz="1100" dirty="0">
+                <a:latin typeface="Consolas" panose="020B0609020204030204" pitchFamily="49" charset="0"/>
+              </a:rPr>
+              <a:t>			"</a:t>
+            </a:r>
+            <a:r>
+              <a:rPr lang="en-US" sz="1100" dirty="0" err="1">
+                <a:latin typeface="Consolas" panose="020B0609020204030204" pitchFamily="49" charset="0"/>
+              </a:rPr>
+              <a:t>quotaTotalPerNode</a:t>
+            </a:r>
+            <a:r>
+              <a:rPr lang="en-US" sz="1100" dirty="0">
+                <a:latin typeface="Consolas" panose="020B0609020204030204" pitchFamily="49" charset="0"/>
+              </a:rPr>
+              <a:t>": 268435456</a:t>
+            </a:r>
+          </a:p>
+          <a:p>
+            <a:r>
+              <a:rPr lang="en-US" sz="1100" dirty="0">
+                <a:latin typeface="Consolas" panose="020B0609020204030204" pitchFamily="49" charset="0"/>
+              </a:rPr>
+              <a:t>		},</a:t>
+            </a:r>
+          </a:p>
+          <a:p>
+            <a:r>
+              <a:rPr lang="en-US" sz="1100" dirty="0">
+                <a:latin typeface="Consolas" panose="020B0609020204030204" pitchFamily="49" charset="0"/>
+              </a:rPr>
+              <a:t>		"</a:t>
+            </a:r>
+            <a:r>
+              <a:rPr lang="en-US" sz="1100" dirty="0" err="1">
+                <a:latin typeface="Consolas" panose="020B0609020204030204" pitchFamily="49" charset="0"/>
+              </a:rPr>
+              <a:t>hdd</a:t>
+            </a:r>
+            <a:r>
+              <a:rPr lang="en-US" sz="1100" dirty="0">
+                <a:latin typeface="Consolas" panose="020B0609020204030204" pitchFamily="49" charset="0"/>
+              </a:rPr>
+              <a:t>": {</a:t>
+            </a:r>
+          </a:p>
+          <a:p>
+            <a:r>
+              <a:rPr lang="en-US" sz="1100" dirty="0">
+                <a:latin typeface="Consolas" panose="020B0609020204030204" pitchFamily="49" charset="0"/>
+              </a:rPr>
+              <a:t>			"total": 59151257600,</a:t>
+            </a:r>
+          </a:p>
+          <a:p>
+            <a:r>
+              <a:rPr lang="en-US" sz="1100" dirty="0">
+                <a:latin typeface="Consolas" panose="020B0609020204030204" pitchFamily="49" charset="0"/>
+              </a:rPr>
+              <a:t>			"</a:t>
+            </a:r>
+            <a:r>
+              <a:rPr lang="en-US" sz="1100" dirty="0" err="1">
+                <a:latin typeface="Consolas" panose="020B0609020204030204" pitchFamily="49" charset="0"/>
+              </a:rPr>
+              <a:t>quotaTotal</a:t>
+            </a:r>
+            <a:r>
+              <a:rPr lang="en-US" sz="1100" dirty="0">
+                <a:latin typeface="Consolas" panose="020B0609020204030204" pitchFamily="49" charset="0"/>
+              </a:rPr>
+              <a:t>": 59151257600,</a:t>
+            </a:r>
+          </a:p>
+          <a:p>
+            <a:r>
+              <a:rPr lang="en-US" sz="1100" dirty="0">
+                <a:latin typeface="Consolas" panose="020B0609020204030204" pitchFamily="49" charset="0"/>
+              </a:rPr>
+              <a:t>			"used": 1183025152,</a:t>
+            </a:r>
+          </a:p>
+          <a:p>
+            <a:r>
+              <a:rPr lang="en-US" sz="1100" dirty="0">
+                <a:latin typeface="Consolas" panose="020B0609020204030204" pitchFamily="49" charset="0"/>
+              </a:rPr>
+              <a:t>			"</a:t>
+            </a:r>
+            <a:r>
+              <a:rPr lang="en-US" sz="1100" dirty="0" err="1">
+                <a:latin typeface="Consolas" panose="020B0609020204030204" pitchFamily="49" charset="0"/>
+              </a:rPr>
+              <a:t>usedByData</a:t>
+            </a:r>
+            <a:r>
+              <a:rPr lang="en-US" sz="1100" dirty="0">
+                <a:latin typeface="Consolas" panose="020B0609020204030204" pitchFamily="49" charset="0"/>
+              </a:rPr>
+              <a:t>": 130504611,</a:t>
+            </a:r>
+          </a:p>
+          <a:p>
+            <a:r>
+              <a:rPr lang="en-US" sz="1100" dirty="0">
+                <a:latin typeface="Consolas" panose="020B0609020204030204" pitchFamily="49" charset="0"/>
+              </a:rPr>
+              <a:t>			"free": 57968232448</a:t>
+            </a:r>
+          </a:p>
+          <a:p>
+            <a:r>
+              <a:rPr lang="en-US" sz="1100" dirty="0">
+                <a:latin typeface="Consolas" panose="020B0609020204030204" pitchFamily="49" charset="0"/>
+              </a:rPr>
+              <a:t>		}</a:t>
+            </a:r>
+          </a:p>
+          <a:p>
+            <a:r>
+              <a:rPr lang="en-US" sz="1100" dirty="0">
+                <a:latin typeface="Consolas" panose="020B0609020204030204" pitchFamily="49" charset="0"/>
+              </a:rPr>
+              <a:t>	},</a:t>
+            </a:r>
+          </a:p>
+          <a:p>
+            <a:r>
+              <a:rPr lang="en-US" sz="1100" dirty="0">
+                <a:latin typeface="Consolas" panose="020B0609020204030204" pitchFamily="49" charset="0"/>
+              </a:rPr>
+              <a:t>	"</a:t>
+            </a:r>
+            <a:r>
+              <a:rPr lang="en-US" sz="1100" dirty="0" err="1">
+                <a:latin typeface="Consolas" panose="020B0609020204030204" pitchFamily="49" charset="0"/>
+              </a:rPr>
+              <a:t>ftsMemoryQuota</a:t>
+            </a:r>
+            <a:r>
+              <a:rPr lang="en-US" sz="1100" dirty="0">
+                <a:latin typeface="Consolas" panose="020B0609020204030204" pitchFamily="49" charset="0"/>
+              </a:rPr>
+              <a:t>": 256,</a:t>
+            </a:r>
+          </a:p>
+          <a:p>
+            <a:r>
+              <a:rPr lang="en-US" sz="1100" dirty="0">
+                <a:latin typeface="Consolas" panose="020B0609020204030204" pitchFamily="49" charset="0"/>
+              </a:rPr>
+              <a:t>	"</a:t>
+            </a:r>
+            <a:r>
+              <a:rPr lang="en-US" sz="1100" dirty="0" err="1">
+                <a:latin typeface="Consolas" panose="020B0609020204030204" pitchFamily="49" charset="0"/>
+              </a:rPr>
+              <a:t>indexMemoryQuota</a:t>
+            </a:r>
+            <a:r>
+              <a:rPr lang="en-US" sz="1100" dirty="0">
+                <a:latin typeface="Consolas" panose="020B0609020204030204" pitchFamily="49" charset="0"/>
+              </a:rPr>
+              <a:t>": 512,</a:t>
+            </a:r>
+          </a:p>
+          <a:p>
+            <a:r>
+              <a:rPr lang="en-US" sz="1100" dirty="0">
+                <a:latin typeface="Consolas" panose="020B0609020204030204" pitchFamily="49" charset="0"/>
+              </a:rPr>
+              <a:t>	"</a:t>
+            </a:r>
+            <a:r>
+              <a:rPr lang="en-US" sz="1100" dirty="0" err="1">
+                <a:latin typeface="Consolas" panose="020B0609020204030204" pitchFamily="49" charset="0"/>
+              </a:rPr>
+              <a:t>memoryQuota</a:t>
+            </a:r>
+            <a:r>
+              <a:rPr lang="en-US" sz="1100" dirty="0">
+                <a:latin typeface="Consolas" panose="020B0609020204030204" pitchFamily="49" charset="0"/>
+              </a:rPr>
+              <a:t>": 256,</a:t>
+            </a:r>
+          </a:p>
+          <a:p>
+            <a:r>
+              <a:rPr lang="en-US" sz="1100" dirty="0">
+                <a:latin typeface="Consolas" panose="020B0609020204030204" pitchFamily="49" charset="0"/>
+              </a:rPr>
+              <a:t>	"name": "default",</a:t>
+            </a:r>
+          </a:p>
+          <a:p>
+            <a:r>
+              <a:rPr lang="en-US" sz="1100" dirty="0">
+                <a:latin typeface="Consolas" panose="020B0609020204030204" pitchFamily="49" charset="0"/>
+              </a:rPr>
+              <a:t>	"alerts": [],				// </a:t>
+            </a:r>
+            <a:r>
+              <a:rPr lang="en-US" sz="1100" dirty="0" err="1">
+                <a:latin typeface="Consolas" panose="020B0609020204030204" pitchFamily="49" charset="0"/>
+              </a:rPr>
+              <a:t>etc</a:t>
+            </a:r>
+            <a:r>
+              <a:rPr lang="en-US" sz="1100" dirty="0">
+                <a:latin typeface="Consolas" panose="020B0609020204030204" pitchFamily="49" charset="0"/>
+              </a:rPr>
+              <a:t>…..</a:t>
+            </a:r>
           </a:p>
         </p:txBody>
       </p:sp>
     </p:spTree>
     <p:extLst>
       <p:ext uri="{BB962C8B-B14F-4D97-AF65-F5344CB8AC3E}">
-        <p14:creationId xmlns:p14="http://schemas.microsoft.com/office/powerpoint/2010/main" val="4131121896"/>
+        <p14:creationId xmlns:p14="http://schemas.microsoft.com/office/powerpoint/2010/main" val="1239733629"/>
       </p:ext>
     </p:extLst>
   </p:cSld>
@@ -7044,7 +7453,7 @@
           <a:p>
             <a:r>
               <a:rPr lang="en-US" dirty="0"/>
-              <a:t>Exercise 2: Using SDK in “Hello World”</a:t>
+              <a:t>Exercise 3: Using SDK in “Hello World”</a:t>
             </a:r>
           </a:p>
         </p:txBody>
@@ -7317,6 +7726,3609 @@
 </file>
 
 <file path=ppt/slides/slide12.xml><?xml version="1.0" encoding="utf-8"?>
+<p:sld xmlns:a="http://schemas.openxmlformats.org/drawingml/2006/main" xmlns:r="http://schemas.openxmlformats.org/officeDocument/2006/relationships" xmlns:p="http://schemas.openxmlformats.org/presentationml/2006/main">
+  <p:cSld>
+    <p:spTree>
+      <p:nvGrpSpPr>
+        <p:cNvPr id="1" name=""/>
+        <p:cNvGrpSpPr/>
+        <p:nvPr/>
+      </p:nvGrpSpPr>
+      <p:grpSpPr>
+        <a:xfrm>
+          <a:off x="0" y="0"/>
+          <a:ext cx="0" cy="0"/>
+          <a:chOff x="0" y="0"/>
+          <a:chExt cx="0" cy="0"/>
+        </a:xfrm>
+      </p:grpSpPr>
+      <p:sp>
+        <p:nvSpPr>
+          <p:cNvPr id="2" name="Title 1"/>
+          <p:cNvSpPr>
+            <a:spLocks noGrp="1"/>
+          </p:cNvSpPr>
+          <p:nvPr>
+            <p:ph type="title"/>
+          </p:nvPr>
+        </p:nvSpPr>
+        <p:spPr/>
+        <p:txBody>
+          <a:bodyPr/>
+          <a:lstStyle/>
+          <a:p>
+            <a:r>
+              <a:rPr lang="en-US" dirty="0"/>
+              <a:t>SDK: .NET</a:t>
+            </a:r>
+          </a:p>
+        </p:txBody>
+      </p:sp>
+      <p:sp>
+        <p:nvSpPr>
+          <p:cNvPr id="3" name="Content Placeholder 2"/>
+          <p:cNvSpPr txBox="1">
+            <a:spLocks/>
+          </p:cNvSpPr>
+          <p:nvPr/>
+        </p:nvSpPr>
+        <p:spPr>
+          <a:xfrm>
+            <a:off x="609600" y="838200"/>
+            <a:ext cx="8007739" cy="1924050"/>
+          </a:xfrm>
+          <a:prstGeom prst="rect">
+            <a:avLst/>
+          </a:prstGeom>
+        </p:spPr>
+        <p:txBody>
+          <a:bodyPr/>
+          <a:lstStyle>
+            <a:lvl1pPr marL="228600" indent="-228600" algn="l" defTabSz="457200" rtl="0" eaLnBrk="1" latinLnBrk="0" hangingPunct="1">
+              <a:spcBef>
+                <a:spcPts val="0"/>
+              </a:spcBef>
+              <a:buClr>
+                <a:schemeClr val="accent1"/>
+              </a:buClr>
+              <a:buFont typeface="Wingdings" charset="2"/>
+              <a:buChar char="§"/>
+              <a:defRPr sz="2400" kern="1200">
+                <a:solidFill>
+                  <a:schemeClr val="tx1"/>
+                </a:solidFill>
+                <a:latin typeface="+mn-lt"/>
+                <a:ea typeface="+mn-ea"/>
+                <a:cs typeface="+mn-cs"/>
+              </a:defRPr>
+            </a:lvl1pPr>
+            <a:lvl2pPr marL="455613" indent="-227013" algn="l" defTabSz="457200" rtl="0" eaLnBrk="1" latinLnBrk="0" hangingPunct="1">
+              <a:spcBef>
+                <a:spcPts val="0"/>
+              </a:spcBef>
+              <a:buClr>
+                <a:srgbClr val="262626"/>
+              </a:buClr>
+              <a:buFont typeface="Wingdings" charset="2"/>
+              <a:buChar char="§"/>
+              <a:defRPr sz="2000" kern="1200">
+                <a:solidFill>
+                  <a:schemeClr val="tx1"/>
+                </a:solidFill>
+                <a:latin typeface="+mn-lt"/>
+                <a:ea typeface="+mn-ea"/>
+                <a:cs typeface="+mn-cs"/>
+              </a:defRPr>
+            </a:lvl2pPr>
+            <a:lvl3pPr marL="455613" indent="-228600" algn="l" defTabSz="457200" rtl="0" eaLnBrk="1" latinLnBrk="0" hangingPunct="1">
+              <a:spcBef>
+                <a:spcPts val="0"/>
+              </a:spcBef>
+              <a:buClr>
+                <a:srgbClr val="262626"/>
+              </a:buClr>
+              <a:buFont typeface="Wingdings" charset="2"/>
+              <a:buChar char="§"/>
+              <a:defRPr sz="2000" kern="1200">
+                <a:solidFill>
+                  <a:schemeClr val="tx1"/>
+                </a:solidFill>
+                <a:latin typeface="+mn-lt"/>
+                <a:ea typeface="+mn-ea"/>
+                <a:cs typeface="+mn-cs"/>
+              </a:defRPr>
+            </a:lvl3pPr>
+            <a:lvl4pPr marL="455613" indent="-228600" algn="l" defTabSz="457200" rtl="0" eaLnBrk="1" latinLnBrk="0" hangingPunct="1">
+              <a:spcBef>
+                <a:spcPts val="0"/>
+              </a:spcBef>
+              <a:buClr>
+                <a:srgbClr val="262626"/>
+              </a:buClr>
+              <a:buFont typeface="Wingdings" charset="2"/>
+              <a:buChar char="§"/>
+              <a:defRPr sz="2000" kern="1200">
+                <a:solidFill>
+                  <a:schemeClr val="tx1"/>
+                </a:solidFill>
+                <a:latin typeface="+mn-lt"/>
+                <a:ea typeface="+mn-ea"/>
+                <a:cs typeface="+mn-cs"/>
+              </a:defRPr>
+            </a:lvl4pPr>
+            <a:lvl5pPr marL="455613" indent="-228600" algn="l" defTabSz="457200" rtl="0" eaLnBrk="1" latinLnBrk="0" hangingPunct="1">
+              <a:spcBef>
+                <a:spcPts val="200"/>
+              </a:spcBef>
+              <a:buClr>
+                <a:srgbClr val="262626"/>
+              </a:buClr>
+              <a:buFont typeface="Wingdings" charset="2"/>
+              <a:buChar char="§"/>
+              <a:defRPr sz="2000" kern="1200">
+                <a:solidFill>
+                  <a:schemeClr val="tx1"/>
+                </a:solidFill>
+                <a:latin typeface="+mn-lt"/>
+                <a:ea typeface="+mn-ea"/>
+                <a:cs typeface="+mn-cs"/>
+              </a:defRPr>
+            </a:lvl5pPr>
+            <a:lvl6pPr marL="2514600" indent="-228600" algn="l" defTabSz="457200" rtl="0" eaLnBrk="1" latinLnBrk="0" hangingPunct="1">
+              <a:spcBef>
+                <a:spcPct val="20000"/>
+              </a:spcBef>
+              <a:buFont typeface="Arial"/>
+              <a:buChar char="•"/>
+              <a:defRPr sz="2000" kern="1200">
+                <a:solidFill>
+                  <a:schemeClr val="tx1"/>
+                </a:solidFill>
+                <a:latin typeface="+mn-lt"/>
+                <a:ea typeface="+mn-ea"/>
+                <a:cs typeface="+mn-cs"/>
+              </a:defRPr>
+            </a:lvl6pPr>
+            <a:lvl7pPr marL="2971800" indent="-228600" algn="l" defTabSz="457200" rtl="0" eaLnBrk="1" latinLnBrk="0" hangingPunct="1">
+              <a:spcBef>
+                <a:spcPct val="20000"/>
+              </a:spcBef>
+              <a:buFont typeface="Arial"/>
+              <a:buChar char="•"/>
+              <a:defRPr sz="2000" kern="1200">
+                <a:solidFill>
+                  <a:schemeClr val="tx1"/>
+                </a:solidFill>
+                <a:latin typeface="+mn-lt"/>
+                <a:ea typeface="+mn-ea"/>
+                <a:cs typeface="+mn-cs"/>
+              </a:defRPr>
+            </a:lvl7pPr>
+            <a:lvl8pPr marL="3429000" indent="-228600" algn="l" defTabSz="457200" rtl="0" eaLnBrk="1" latinLnBrk="0" hangingPunct="1">
+              <a:spcBef>
+                <a:spcPct val="20000"/>
+              </a:spcBef>
+              <a:buFont typeface="Arial"/>
+              <a:buChar char="•"/>
+              <a:defRPr sz="2000" kern="1200">
+                <a:solidFill>
+                  <a:schemeClr val="tx1"/>
+                </a:solidFill>
+                <a:latin typeface="+mn-lt"/>
+                <a:ea typeface="+mn-ea"/>
+                <a:cs typeface="+mn-cs"/>
+              </a:defRPr>
+            </a:lvl8pPr>
+            <a:lvl9pPr marL="3886200" indent="-228600" algn="l" defTabSz="457200" rtl="0" eaLnBrk="1" latinLnBrk="0" hangingPunct="1">
+              <a:spcBef>
+                <a:spcPct val="20000"/>
+              </a:spcBef>
+              <a:buFont typeface="Arial"/>
+              <a:buChar char="•"/>
+              <a:defRPr sz="2000" kern="1200">
+                <a:solidFill>
+                  <a:schemeClr val="tx1"/>
+                </a:solidFill>
+                <a:latin typeface="+mn-lt"/>
+                <a:ea typeface="+mn-ea"/>
+                <a:cs typeface="+mn-cs"/>
+              </a:defRPr>
+            </a:lvl9pPr>
+          </a:lstStyle>
+          <a:p>
+            <a:pPr marL="342900" indent="-342900">
+              <a:buFont typeface="Arial" charset="0"/>
+              <a:buChar char="•"/>
+            </a:pPr>
+            <a:r>
+              <a:rPr lang="en-US" sz="2000" dirty="0"/>
+              <a:t>How to install </a:t>
+            </a:r>
+          </a:p>
+          <a:p>
+            <a:pPr marL="569913" lvl="1" indent="-342900">
+              <a:buFont typeface="Arial" charset="0"/>
+              <a:buChar char="•"/>
+            </a:pPr>
+            <a:endParaRPr lang="en-US" sz="1800" dirty="0"/>
+          </a:p>
+          <a:p>
+            <a:pPr marL="569913" lvl="1" indent="-342900">
+              <a:buFont typeface="Arial" charset="0"/>
+              <a:buChar char="•"/>
+            </a:pPr>
+            <a:r>
+              <a:rPr lang="en-US" sz="1800" dirty="0" err="1"/>
+              <a:t>NuGet</a:t>
+            </a:r>
+            <a:r>
+              <a:rPr lang="en-US" sz="1800" dirty="0"/>
+              <a:t>: Install-Package </a:t>
+            </a:r>
+            <a:r>
+              <a:rPr lang="en-US" sz="1800" dirty="0" err="1"/>
+              <a:t>CouchbaseNetClient</a:t>
+            </a:r>
+            <a:endParaRPr lang="en-US" sz="1800" dirty="0"/>
+          </a:p>
+          <a:p>
+            <a:pPr marL="569913" lvl="1" indent="-342900">
+              <a:buFont typeface="Arial" charset="0"/>
+              <a:buChar char="•"/>
+            </a:pPr>
+            <a:endParaRPr lang="en-US" sz="1800" dirty="0"/>
+          </a:p>
+          <a:p>
+            <a:pPr marL="342900" indent="-342900">
+              <a:buFont typeface="Arial" charset="0"/>
+              <a:buChar char="•"/>
+            </a:pPr>
+            <a:r>
+              <a:rPr lang="en-US" sz="2000" dirty="0"/>
+              <a:t>How to connect to a </a:t>
+            </a:r>
+            <a:r>
+              <a:rPr lang="en-US" sz="2000" dirty="0" err="1"/>
+              <a:t>Couchbase</a:t>
+            </a:r>
+            <a:r>
+              <a:rPr lang="en-US" sz="2000" dirty="0"/>
+              <a:t> cluster</a:t>
+            </a:r>
+          </a:p>
+          <a:p>
+            <a:pPr marL="342900" indent="-342900">
+              <a:buFont typeface="Arial" charset="0"/>
+              <a:buChar char="•"/>
+            </a:pPr>
+            <a:endParaRPr lang="en-US" sz="2000" dirty="0"/>
+          </a:p>
+          <a:p>
+            <a:pPr marL="569913" lvl="1" indent="-342900">
+              <a:buFont typeface="Arial" charset="0"/>
+              <a:buChar char="•"/>
+            </a:pPr>
+            <a:endParaRPr lang="en-US" sz="1800" dirty="0"/>
+          </a:p>
+          <a:p>
+            <a:pPr marL="0" indent="0">
+              <a:buNone/>
+            </a:pPr>
+            <a:endParaRPr lang="en-US" sz="1400" dirty="0"/>
+          </a:p>
+          <a:p>
+            <a:pPr marL="569913" lvl="1" indent="-342900">
+              <a:buFont typeface="Arial" charset="0"/>
+              <a:buChar char="•"/>
+            </a:pPr>
+            <a:endParaRPr lang="en-US" sz="1800" dirty="0"/>
+          </a:p>
+          <a:p>
+            <a:pPr marL="342900" indent="-342900">
+              <a:buFont typeface="Arial" charset="0"/>
+              <a:buChar char="•"/>
+            </a:pPr>
+            <a:endParaRPr lang="en-US" sz="2000" dirty="0"/>
+          </a:p>
+          <a:p>
+            <a:endParaRPr lang="en-US" sz="2000" dirty="0"/>
+          </a:p>
+        </p:txBody>
+      </p:sp>
+      <p:sp>
+        <p:nvSpPr>
+          <p:cNvPr id="5" name="Shape 1658"/>
+          <p:cNvSpPr txBox="1">
+            <a:spLocks/>
+          </p:cNvSpPr>
+          <p:nvPr/>
+        </p:nvSpPr>
+        <p:spPr>
+          <a:xfrm>
+            <a:off x="1546418" y="2409825"/>
+            <a:ext cx="6854631" cy="2409825"/>
+          </a:xfrm>
+          <a:prstGeom prst="rect">
+            <a:avLst/>
+          </a:prstGeom>
+        </p:spPr>
+        <p:txBody>
+          <a:bodyPr lIns="0" tIns="0" rIns="0" bIns="0">
+            <a:noAutofit/>
+          </a:bodyPr>
+          <a:lstStyle>
+            <a:lvl1pPr marL="228600" indent="-228600" algn="l" defTabSz="457200" rtl="0" eaLnBrk="1" latinLnBrk="0" hangingPunct="1">
+              <a:spcBef>
+                <a:spcPts val="0"/>
+              </a:spcBef>
+              <a:buClr>
+                <a:schemeClr val="accent1"/>
+              </a:buClr>
+              <a:buFont typeface="Wingdings" charset="2"/>
+              <a:buChar char="§"/>
+              <a:defRPr sz="2400" kern="1200">
+                <a:solidFill>
+                  <a:schemeClr val="tx1"/>
+                </a:solidFill>
+                <a:latin typeface="+mn-lt"/>
+                <a:ea typeface="+mn-ea"/>
+                <a:cs typeface="+mn-cs"/>
+              </a:defRPr>
+            </a:lvl1pPr>
+            <a:lvl2pPr marL="455613" indent="-227013" algn="l" defTabSz="457200" rtl="0" eaLnBrk="1" latinLnBrk="0" hangingPunct="1">
+              <a:spcBef>
+                <a:spcPts val="0"/>
+              </a:spcBef>
+              <a:buClr>
+                <a:srgbClr val="262626"/>
+              </a:buClr>
+              <a:buFont typeface="Wingdings" charset="2"/>
+              <a:buChar char="§"/>
+              <a:defRPr sz="2000" kern="1200">
+                <a:solidFill>
+                  <a:schemeClr val="tx1"/>
+                </a:solidFill>
+                <a:latin typeface="+mn-lt"/>
+                <a:ea typeface="+mn-ea"/>
+                <a:cs typeface="+mn-cs"/>
+              </a:defRPr>
+            </a:lvl2pPr>
+            <a:lvl3pPr marL="455613" indent="-228600" algn="l" defTabSz="457200" rtl="0" eaLnBrk="1" latinLnBrk="0" hangingPunct="1">
+              <a:spcBef>
+                <a:spcPts val="0"/>
+              </a:spcBef>
+              <a:buClr>
+                <a:srgbClr val="262626"/>
+              </a:buClr>
+              <a:buFont typeface="Wingdings" charset="2"/>
+              <a:buChar char="§"/>
+              <a:defRPr sz="2000" kern="1200">
+                <a:solidFill>
+                  <a:schemeClr val="tx1"/>
+                </a:solidFill>
+                <a:latin typeface="+mn-lt"/>
+                <a:ea typeface="+mn-ea"/>
+                <a:cs typeface="+mn-cs"/>
+              </a:defRPr>
+            </a:lvl3pPr>
+            <a:lvl4pPr marL="455613" indent="-228600" algn="l" defTabSz="457200" rtl="0" eaLnBrk="1" latinLnBrk="0" hangingPunct="1">
+              <a:spcBef>
+                <a:spcPts val="0"/>
+              </a:spcBef>
+              <a:buClr>
+                <a:srgbClr val="262626"/>
+              </a:buClr>
+              <a:buFont typeface="Wingdings" charset="2"/>
+              <a:buChar char="§"/>
+              <a:defRPr sz="2000" kern="1200">
+                <a:solidFill>
+                  <a:schemeClr val="tx1"/>
+                </a:solidFill>
+                <a:latin typeface="+mn-lt"/>
+                <a:ea typeface="+mn-ea"/>
+                <a:cs typeface="+mn-cs"/>
+              </a:defRPr>
+            </a:lvl4pPr>
+            <a:lvl5pPr marL="455613" indent="-228600" algn="l" defTabSz="457200" rtl="0" eaLnBrk="1" latinLnBrk="0" hangingPunct="1">
+              <a:spcBef>
+                <a:spcPts val="200"/>
+              </a:spcBef>
+              <a:buClr>
+                <a:srgbClr val="262626"/>
+              </a:buClr>
+              <a:buFont typeface="Wingdings" charset="2"/>
+              <a:buChar char="§"/>
+              <a:defRPr sz="2000" kern="1200">
+                <a:solidFill>
+                  <a:schemeClr val="tx1"/>
+                </a:solidFill>
+                <a:latin typeface="+mn-lt"/>
+                <a:ea typeface="+mn-ea"/>
+                <a:cs typeface="+mn-cs"/>
+              </a:defRPr>
+            </a:lvl5pPr>
+            <a:lvl6pPr marL="2514600" indent="-228600" algn="l" defTabSz="457200" rtl="0" eaLnBrk="1" latinLnBrk="0" hangingPunct="1">
+              <a:spcBef>
+                <a:spcPct val="20000"/>
+              </a:spcBef>
+              <a:buFont typeface="Arial"/>
+              <a:buChar char="•"/>
+              <a:defRPr sz="2000" kern="1200">
+                <a:solidFill>
+                  <a:schemeClr val="tx1"/>
+                </a:solidFill>
+                <a:latin typeface="+mn-lt"/>
+                <a:ea typeface="+mn-ea"/>
+                <a:cs typeface="+mn-cs"/>
+              </a:defRPr>
+            </a:lvl6pPr>
+            <a:lvl7pPr marL="2971800" indent="-228600" algn="l" defTabSz="457200" rtl="0" eaLnBrk="1" latinLnBrk="0" hangingPunct="1">
+              <a:spcBef>
+                <a:spcPct val="20000"/>
+              </a:spcBef>
+              <a:buFont typeface="Arial"/>
+              <a:buChar char="•"/>
+              <a:defRPr sz="2000" kern="1200">
+                <a:solidFill>
+                  <a:schemeClr val="tx1"/>
+                </a:solidFill>
+                <a:latin typeface="+mn-lt"/>
+                <a:ea typeface="+mn-ea"/>
+                <a:cs typeface="+mn-cs"/>
+              </a:defRPr>
+            </a:lvl7pPr>
+            <a:lvl8pPr marL="3429000" indent="-228600" algn="l" defTabSz="457200" rtl="0" eaLnBrk="1" latinLnBrk="0" hangingPunct="1">
+              <a:spcBef>
+                <a:spcPct val="20000"/>
+              </a:spcBef>
+              <a:buFont typeface="Arial"/>
+              <a:buChar char="•"/>
+              <a:defRPr sz="2000" kern="1200">
+                <a:solidFill>
+                  <a:schemeClr val="tx1"/>
+                </a:solidFill>
+                <a:latin typeface="+mn-lt"/>
+                <a:ea typeface="+mn-ea"/>
+                <a:cs typeface="+mn-cs"/>
+              </a:defRPr>
+            </a:lvl8pPr>
+            <a:lvl9pPr marL="3886200" indent="-228600" algn="l" defTabSz="457200" rtl="0" eaLnBrk="1" latinLnBrk="0" hangingPunct="1">
+              <a:spcBef>
+                <a:spcPct val="20000"/>
+              </a:spcBef>
+              <a:buFont typeface="Arial"/>
+              <a:buChar char="•"/>
+              <a:defRPr sz="2000" kern="1200">
+                <a:solidFill>
+                  <a:schemeClr val="tx1"/>
+                </a:solidFill>
+                <a:latin typeface="+mn-lt"/>
+                <a:ea typeface="+mn-ea"/>
+                <a:cs typeface="+mn-cs"/>
+              </a:defRPr>
+            </a:lvl9pPr>
+          </a:lstStyle>
+          <a:p>
+            <a:pPr marL="0" indent="0">
+              <a:buNone/>
+              <a:defRPr sz="1800">
+                <a:solidFill>
+                  <a:srgbClr val="000000"/>
+                </a:solidFill>
+              </a:defRPr>
+            </a:pPr>
+            <a:r>
+              <a:rPr lang="en-US" sz="1100" dirty="0">
+                <a:solidFill>
+                  <a:srgbClr val="1BB2E2"/>
+                </a:solidFill>
+                <a:latin typeface="Courier" charset="0"/>
+                <a:ea typeface="Courier" charset="0"/>
+                <a:cs typeface="Courier" charset="0"/>
+                <a:sym typeface="Consolas"/>
+              </a:rPr>
+              <a:t>//connecting to a </a:t>
+            </a:r>
+            <a:r>
+              <a:rPr lang="en-US" sz="1100" dirty="0" err="1">
+                <a:solidFill>
+                  <a:srgbClr val="1BB2E2"/>
+                </a:solidFill>
+                <a:latin typeface="Courier" charset="0"/>
+                <a:ea typeface="Courier" charset="0"/>
+                <a:cs typeface="Courier" charset="0"/>
+                <a:sym typeface="Consolas"/>
+              </a:rPr>
+              <a:t>Couchbase</a:t>
+            </a:r>
+            <a:r>
+              <a:rPr lang="en-US" sz="1100" dirty="0">
+                <a:solidFill>
+                  <a:srgbClr val="1BB2E2"/>
+                </a:solidFill>
+                <a:latin typeface="Courier" charset="0"/>
+                <a:ea typeface="Courier" charset="0"/>
+                <a:cs typeface="Courier" charset="0"/>
+                <a:sym typeface="Consolas"/>
+              </a:rPr>
+              <a:t> cluster</a:t>
+            </a:r>
+          </a:p>
+          <a:p>
+            <a:pPr marL="0" indent="0">
+              <a:buNone/>
+              <a:defRPr sz="1800">
+                <a:solidFill>
+                  <a:srgbClr val="000000"/>
+                </a:solidFill>
+              </a:defRPr>
+            </a:pPr>
+            <a:r>
+              <a:rPr lang="en-US" sz="1100" dirty="0" err="1">
+                <a:solidFill>
+                  <a:srgbClr val="1E1C1C"/>
+                </a:solidFill>
+                <a:latin typeface="Courier" charset="0"/>
+                <a:ea typeface="Courier" charset="0"/>
+                <a:cs typeface="Courier" charset="0"/>
+                <a:sym typeface="Consolas"/>
+              </a:rPr>
+              <a:t>var</a:t>
+            </a:r>
+            <a:r>
+              <a:rPr lang="en-US" sz="1100" dirty="0">
+                <a:solidFill>
+                  <a:srgbClr val="1E1C1C"/>
+                </a:solidFill>
+                <a:latin typeface="Courier" charset="0"/>
+                <a:ea typeface="Courier" charset="0"/>
+                <a:cs typeface="Courier" charset="0"/>
+                <a:sym typeface="Consolas"/>
+              </a:rPr>
+              <a:t> </a:t>
+            </a:r>
+            <a:r>
+              <a:rPr lang="en-US" sz="1100" dirty="0" err="1">
+                <a:solidFill>
+                  <a:srgbClr val="1E1C1C"/>
+                </a:solidFill>
+                <a:latin typeface="Courier" charset="0"/>
+                <a:ea typeface="Courier" charset="0"/>
+                <a:cs typeface="Courier" charset="0"/>
+                <a:sym typeface="Consolas"/>
+              </a:rPr>
+              <a:t>config</a:t>
+            </a:r>
+            <a:r>
+              <a:rPr lang="en-US" sz="1100" dirty="0">
+                <a:solidFill>
+                  <a:srgbClr val="1E1C1C"/>
+                </a:solidFill>
+                <a:latin typeface="Courier" charset="0"/>
+                <a:ea typeface="Courier" charset="0"/>
+                <a:cs typeface="Courier" charset="0"/>
+                <a:sym typeface="Consolas"/>
+              </a:rPr>
+              <a:t> = new </a:t>
+            </a:r>
+            <a:r>
+              <a:rPr lang="en-US" sz="1100" dirty="0" err="1">
+                <a:solidFill>
+                  <a:srgbClr val="1E1C1C"/>
+                </a:solidFill>
+                <a:latin typeface="Courier" charset="0"/>
+                <a:ea typeface="Courier" charset="0"/>
+                <a:cs typeface="Courier" charset="0"/>
+                <a:sym typeface="Consolas"/>
+              </a:rPr>
+              <a:t>ClientConfiguration</a:t>
+            </a:r>
+            <a:r>
+              <a:rPr lang="en-US" sz="1100" dirty="0">
+                <a:solidFill>
+                  <a:srgbClr val="1E1C1C"/>
+                </a:solidFill>
+                <a:latin typeface="Courier" charset="0"/>
+                <a:ea typeface="Courier" charset="0"/>
+                <a:cs typeface="Courier" charset="0"/>
+                <a:sym typeface="Consolas"/>
+              </a:rPr>
+              <a:t>();</a:t>
+            </a:r>
+          </a:p>
+          <a:p>
+            <a:pPr marL="0" indent="0">
+              <a:buNone/>
+              <a:defRPr sz="1800">
+                <a:solidFill>
+                  <a:srgbClr val="000000"/>
+                </a:solidFill>
+              </a:defRPr>
+            </a:pPr>
+            <a:r>
+              <a:rPr lang="en-US" sz="1100" dirty="0" err="1">
+                <a:solidFill>
+                  <a:srgbClr val="1E1C1C"/>
+                </a:solidFill>
+                <a:latin typeface="Courier" charset="0"/>
+                <a:ea typeface="Courier" charset="0"/>
+                <a:cs typeface="Courier" charset="0"/>
+                <a:sym typeface="Consolas"/>
+              </a:rPr>
+              <a:t>config.Services</a:t>
+            </a:r>
+            <a:r>
+              <a:rPr lang="en-US" sz="1100" dirty="0">
+                <a:solidFill>
+                  <a:srgbClr val="1E1C1C"/>
+                </a:solidFill>
+                <a:latin typeface="Courier" charset="0"/>
+                <a:ea typeface="Courier" charset="0"/>
+                <a:cs typeface="Courier" charset="0"/>
+                <a:sym typeface="Consolas"/>
+              </a:rPr>
+              <a:t> = new List&lt;Uri&gt; { “</a:t>
+            </a:r>
+            <a:r>
+              <a:rPr lang="en-US" sz="1100" dirty="0" err="1">
+                <a:solidFill>
+                  <a:srgbClr val="1E1C1C"/>
+                </a:solidFill>
+                <a:latin typeface="Courier" charset="0"/>
+                <a:ea typeface="Courier" charset="0"/>
+                <a:cs typeface="Courier" charset="0"/>
+                <a:sym typeface="Consolas"/>
+              </a:rPr>
+              <a:t>couchbase</a:t>
+            </a:r>
+            <a:r>
+              <a:rPr lang="en-US" sz="1100" dirty="0">
+                <a:solidFill>
+                  <a:srgbClr val="1E1C1C"/>
+                </a:solidFill>
+                <a:latin typeface="Courier" charset="0"/>
+                <a:ea typeface="Courier" charset="0"/>
+                <a:cs typeface="Courier" charset="0"/>
+                <a:sym typeface="Consolas"/>
+              </a:rPr>
+              <a:t>://localhost” };</a:t>
+            </a:r>
+          </a:p>
+          <a:p>
+            <a:pPr marL="0" indent="0">
+              <a:buNone/>
+              <a:defRPr sz="1800">
+                <a:solidFill>
+                  <a:srgbClr val="000000"/>
+                </a:solidFill>
+              </a:defRPr>
+            </a:pPr>
+            <a:r>
+              <a:rPr lang="en-US" sz="1100" dirty="0" err="1">
+                <a:solidFill>
+                  <a:srgbClr val="1E1C1C"/>
+                </a:solidFill>
+                <a:latin typeface="Courier" charset="0"/>
+                <a:ea typeface="Courier" charset="0"/>
+                <a:cs typeface="Courier" charset="0"/>
+                <a:sym typeface="Consolas"/>
+              </a:rPr>
+              <a:t>ClusterHelper.Initialize</a:t>
+            </a:r>
+            <a:r>
+              <a:rPr lang="en-US" sz="1100" dirty="0">
+                <a:solidFill>
+                  <a:srgbClr val="1E1C1C"/>
+                </a:solidFill>
+                <a:latin typeface="Courier" charset="0"/>
+                <a:ea typeface="Courier" charset="0"/>
+                <a:cs typeface="Courier" charset="0"/>
+                <a:sym typeface="Consolas"/>
+              </a:rPr>
+              <a:t>(</a:t>
+            </a:r>
+            <a:r>
+              <a:rPr lang="en-US" sz="1100" dirty="0" err="1">
+                <a:solidFill>
+                  <a:srgbClr val="1E1C1C"/>
+                </a:solidFill>
+                <a:latin typeface="Courier" charset="0"/>
+                <a:ea typeface="Courier" charset="0"/>
+                <a:cs typeface="Courier" charset="0"/>
+                <a:sym typeface="Consolas"/>
+              </a:rPr>
+              <a:t>config</a:t>
+            </a:r>
+            <a:r>
+              <a:rPr lang="en-US" sz="1100" dirty="0">
+                <a:solidFill>
+                  <a:srgbClr val="1E1C1C"/>
+                </a:solidFill>
+                <a:latin typeface="Courier" charset="0"/>
+                <a:ea typeface="Courier" charset="0"/>
+                <a:cs typeface="Courier" charset="0"/>
+                <a:sym typeface="Consolas"/>
+              </a:rPr>
+              <a:t>);</a:t>
+            </a:r>
+          </a:p>
+          <a:p>
+            <a:pPr marL="0" indent="0">
+              <a:buNone/>
+              <a:defRPr sz="1800">
+                <a:solidFill>
+                  <a:srgbClr val="000000"/>
+                </a:solidFill>
+              </a:defRPr>
+            </a:pPr>
+            <a:endParaRPr lang="en-US" sz="1100" dirty="0">
+              <a:solidFill>
+                <a:srgbClr val="1E1C1C"/>
+              </a:solidFill>
+              <a:latin typeface="Courier" charset="0"/>
+              <a:ea typeface="Courier" charset="0"/>
+              <a:cs typeface="Courier" charset="0"/>
+              <a:sym typeface="Consolas"/>
+            </a:endParaRPr>
+          </a:p>
+          <a:p>
+            <a:pPr marL="0" indent="0">
+              <a:buNone/>
+              <a:defRPr sz="1800">
+                <a:solidFill>
+                  <a:srgbClr val="000000"/>
+                </a:solidFill>
+              </a:defRPr>
+            </a:pPr>
+            <a:r>
+              <a:rPr lang="en-US" sz="1100" dirty="0">
+                <a:solidFill>
+                  <a:srgbClr val="1BB2E2"/>
+                </a:solidFill>
+                <a:latin typeface="Courier" charset="0"/>
+                <a:ea typeface="Courier" charset="0"/>
+                <a:cs typeface="Courier" charset="0"/>
+                <a:sym typeface="Consolas"/>
+              </a:rPr>
+              <a:t>//opening a bucket in the cluster</a:t>
+            </a:r>
+          </a:p>
+          <a:p>
+            <a:pPr marL="0" indent="0">
+              <a:buNone/>
+              <a:defRPr sz="1800">
+                <a:solidFill>
+                  <a:srgbClr val="000000"/>
+                </a:solidFill>
+              </a:defRPr>
+            </a:pPr>
+            <a:r>
+              <a:rPr lang="en-US" sz="1100" dirty="0">
+                <a:solidFill>
+                  <a:srgbClr val="1E1C1C"/>
+                </a:solidFill>
+                <a:latin typeface="Courier" charset="0"/>
+                <a:ea typeface="Courier" charset="0"/>
+                <a:cs typeface="Courier" charset="0"/>
+                <a:sym typeface="Consolas"/>
+              </a:rPr>
+              <a:t>_bucket = </a:t>
+            </a:r>
+            <a:r>
+              <a:rPr lang="en-US" sz="1100" dirty="0" err="1">
+                <a:solidFill>
+                  <a:srgbClr val="1E1C1C"/>
+                </a:solidFill>
+                <a:latin typeface="Courier" charset="0"/>
+                <a:ea typeface="Courier" charset="0"/>
+                <a:cs typeface="Courier" charset="0"/>
+                <a:sym typeface="Consolas"/>
+              </a:rPr>
+              <a:t>ClusterHelper.GetBucket</a:t>
+            </a:r>
+            <a:r>
+              <a:rPr lang="en-US" sz="1100" dirty="0">
+                <a:solidFill>
+                  <a:srgbClr val="1E1C1C"/>
+                </a:solidFill>
+                <a:latin typeface="Courier" charset="0"/>
+                <a:ea typeface="Courier" charset="0"/>
+                <a:cs typeface="Courier" charset="0"/>
+                <a:sym typeface="Consolas"/>
+              </a:rPr>
+              <a:t>(</a:t>
+            </a:r>
+            <a:r>
+              <a:rPr lang="en-US" sz="1100" dirty="0">
+                <a:solidFill>
+                  <a:srgbClr val="E40121"/>
+                </a:solidFill>
+                <a:latin typeface="Courier" charset="0"/>
+                <a:ea typeface="Courier" charset="0"/>
+                <a:cs typeface="Courier" charset="0"/>
+                <a:sym typeface="Consolas"/>
+              </a:rPr>
+              <a:t>"travel-sample"</a:t>
+            </a:r>
+            <a:r>
+              <a:rPr lang="en-US" sz="1100" dirty="0">
+                <a:solidFill>
+                  <a:srgbClr val="1E1C1C"/>
+                </a:solidFill>
+                <a:latin typeface="Courier" charset="0"/>
+                <a:ea typeface="Courier" charset="0"/>
+                <a:cs typeface="Courier" charset="0"/>
+                <a:sym typeface="Consolas"/>
+              </a:rPr>
+              <a:t>, </a:t>
+            </a:r>
+            <a:r>
+              <a:rPr lang="en-US" sz="1100" dirty="0">
+                <a:solidFill>
+                  <a:srgbClr val="E40121"/>
+                </a:solidFill>
+                <a:latin typeface="Courier" charset="0"/>
+                <a:ea typeface="Courier" charset="0"/>
+                <a:cs typeface="Courier" charset="0"/>
+                <a:sym typeface="Consolas"/>
+              </a:rPr>
+              <a:t>“password"</a:t>
+            </a:r>
+            <a:r>
+              <a:rPr lang="en-US" sz="1100" dirty="0">
+                <a:solidFill>
+                  <a:srgbClr val="1E1C1C"/>
+                </a:solidFill>
+                <a:latin typeface="Courier" charset="0"/>
+                <a:ea typeface="Courier" charset="0"/>
+                <a:cs typeface="Courier" charset="0"/>
+                <a:sym typeface="Consolas"/>
+              </a:rPr>
+              <a:t>);</a:t>
+            </a:r>
+          </a:p>
+          <a:p>
+            <a:pPr marL="0" indent="0">
+              <a:buNone/>
+              <a:defRPr sz="1800">
+                <a:solidFill>
+                  <a:srgbClr val="000000"/>
+                </a:solidFill>
+              </a:defRPr>
+            </a:pPr>
+            <a:endParaRPr lang="en-US" sz="1100" dirty="0">
+              <a:solidFill>
+                <a:srgbClr val="1E1C1C"/>
+              </a:solidFill>
+              <a:latin typeface="Courier" charset="0"/>
+              <a:ea typeface="Courier" charset="0"/>
+              <a:cs typeface="Courier" charset="0"/>
+              <a:sym typeface="Consolas"/>
+            </a:endParaRPr>
+          </a:p>
+          <a:p>
+            <a:pPr marL="0" indent="0">
+              <a:buNone/>
+              <a:defRPr sz="1800">
+                <a:solidFill>
+                  <a:srgbClr val="000000"/>
+                </a:solidFill>
+              </a:defRPr>
+            </a:pPr>
+            <a:r>
+              <a:rPr lang="en-US" sz="1100" dirty="0">
+                <a:solidFill>
+                  <a:srgbClr val="1BB2E2"/>
+                </a:solidFill>
+                <a:latin typeface="Courier" charset="0"/>
+                <a:ea typeface="Courier" charset="0"/>
+                <a:cs typeface="Courier" charset="0"/>
+                <a:sym typeface="Consolas"/>
+              </a:rPr>
+              <a:t>//preparing N1ql</a:t>
+            </a:r>
+          </a:p>
+          <a:p>
+            <a:pPr marL="0" indent="0">
+              <a:buNone/>
+              <a:defRPr sz="1800">
+                <a:solidFill>
+                  <a:srgbClr val="000000"/>
+                </a:solidFill>
+              </a:defRPr>
+            </a:pPr>
+            <a:r>
+              <a:rPr lang="en-US" sz="1100" dirty="0" err="1">
+                <a:solidFill>
+                  <a:srgbClr val="2E2E2C"/>
+                </a:solidFill>
+                <a:latin typeface="Courier" charset="0"/>
+                <a:ea typeface="Courier" charset="0"/>
+                <a:cs typeface="Courier" charset="0"/>
+                <a:sym typeface="Consolas"/>
+              </a:rPr>
+              <a:t>var</a:t>
+            </a:r>
+            <a:r>
+              <a:rPr lang="en-US" sz="1100" dirty="0">
+                <a:solidFill>
+                  <a:srgbClr val="2E2E2C"/>
+                </a:solidFill>
+                <a:latin typeface="Courier" charset="0"/>
+                <a:ea typeface="Courier" charset="0"/>
+                <a:cs typeface="Courier" charset="0"/>
+                <a:sym typeface="Consolas"/>
+              </a:rPr>
+              <a:t> </a:t>
+            </a:r>
+            <a:r>
+              <a:rPr lang="en-US" sz="1100" dirty="0" err="1">
+                <a:solidFill>
+                  <a:srgbClr val="2E2E2C"/>
+                </a:solidFill>
+                <a:latin typeface="Courier" charset="0"/>
+                <a:ea typeface="Courier" charset="0"/>
+                <a:cs typeface="Courier" charset="0"/>
+                <a:sym typeface="Consolas"/>
+              </a:rPr>
+              <a:t>myQuery</a:t>
+            </a:r>
+            <a:r>
+              <a:rPr lang="en-US" sz="1100" dirty="0">
+                <a:solidFill>
+                  <a:srgbClr val="2E2E2C"/>
+                </a:solidFill>
+                <a:latin typeface="Courier" charset="0"/>
+                <a:ea typeface="Courier" charset="0"/>
+                <a:cs typeface="Courier" charset="0"/>
+                <a:sym typeface="Consolas"/>
+              </a:rPr>
+              <a:t> = </a:t>
+            </a:r>
+            <a:r>
+              <a:rPr lang="en-US" sz="1100" dirty="0" err="1">
+                <a:solidFill>
+                  <a:srgbClr val="2E2E2C"/>
+                </a:solidFill>
+                <a:latin typeface="Courier" charset="0"/>
+                <a:ea typeface="Courier" charset="0"/>
+                <a:cs typeface="Courier" charset="0"/>
+                <a:sym typeface="Consolas"/>
+              </a:rPr>
+              <a:t>QueryRequest.Create</a:t>
+            </a:r>
+            <a:r>
+              <a:rPr lang="en-US" sz="1100" dirty="0">
+                <a:solidFill>
+                  <a:srgbClr val="2E2E2C"/>
+                </a:solidFill>
+                <a:latin typeface="Courier" charset="0"/>
+                <a:ea typeface="Courier" charset="0"/>
+                <a:cs typeface="Courier" charset="0"/>
+                <a:sym typeface="Consolas"/>
+              </a:rPr>
+              <a:t>(</a:t>
+            </a:r>
+            <a:r>
+              <a:rPr lang="en-US" sz="1100" dirty="0">
+                <a:solidFill>
+                  <a:srgbClr val="E40121"/>
+                </a:solidFill>
+                <a:latin typeface="Courier" charset="0"/>
+                <a:ea typeface="Courier" charset="0"/>
+                <a:cs typeface="Courier" charset="0"/>
+                <a:sym typeface="Consolas"/>
+              </a:rPr>
+              <a:t>“SELECT * FROM `travel-sample`“</a:t>
+            </a:r>
+            <a:r>
+              <a:rPr lang="en-US" sz="1100" dirty="0">
+                <a:solidFill>
+                  <a:srgbClr val="2E2E2C"/>
+                </a:solidFill>
+                <a:latin typeface="Courier" charset="0"/>
+                <a:ea typeface="Courier" charset="0"/>
+                <a:cs typeface="Courier" charset="0"/>
+                <a:sym typeface="Consolas"/>
+              </a:rPr>
+              <a:t>);</a:t>
+            </a:r>
+          </a:p>
+          <a:p>
+            <a:pPr marL="0" indent="0">
+              <a:buNone/>
+              <a:defRPr sz="1800">
+                <a:solidFill>
+                  <a:srgbClr val="000000"/>
+                </a:solidFill>
+              </a:defRPr>
+            </a:pPr>
+            <a:endParaRPr lang="en-US" sz="1100" dirty="0">
+              <a:solidFill>
+                <a:srgbClr val="1E1C1C"/>
+              </a:solidFill>
+              <a:latin typeface="Courier" charset="0"/>
+              <a:ea typeface="Courier" charset="0"/>
+              <a:cs typeface="Courier" charset="0"/>
+              <a:sym typeface="Consolas"/>
+            </a:endParaRPr>
+          </a:p>
+          <a:p>
+            <a:pPr marL="0" indent="0">
+              <a:buNone/>
+              <a:defRPr sz="1800">
+                <a:solidFill>
+                  <a:srgbClr val="000000"/>
+                </a:solidFill>
+              </a:defRPr>
+            </a:pPr>
+            <a:r>
+              <a:rPr lang="en-US" sz="1100" dirty="0">
+                <a:solidFill>
+                  <a:srgbClr val="1BB2E2"/>
+                </a:solidFill>
+                <a:latin typeface="Courier" charset="0"/>
+                <a:ea typeface="Courier" charset="0"/>
+                <a:cs typeface="Courier" charset="0"/>
+                <a:sym typeface="Consolas"/>
+              </a:rPr>
+              <a:t>//creating and saving a Document</a:t>
+            </a:r>
+          </a:p>
+          <a:p>
+            <a:pPr marL="0" indent="0">
+              <a:buNone/>
+              <a:defRPr sz="1800">
+                <a:solidFill>
+                  <a:srgbClr val="000000"/>
+                </a:solidFill>
+              </a:defRPr>
+            </a:pPr>
+            <a:r>
+              <a:rPr lang="en-US" sz="1100" dirty="0" err="1">
+                <a:solidFill>
+                  <a:srgbClr val="2E2E2C"/>
+                </a:solidFill>
+                <a:latin typeface="Courier" charset="0"/>
+                <a:ea typeface="Courier" charset="0"/>
+                <a:cs typeface="Courier" charset="0"/>
+                <a:sym typeface="Consolas"/>
+              </a:rPr>
+              <a:t>var</a:t>
+            </a:r>
+            <a:r>
+              <a:rPr lang="en-US" sz="1100" dirty="0">
+                <a:solidFill>
+                  <a:srgbClr val="2E2E2C"/>
+                </a:solidFill>
+                <a:latin typeface="Courier" charset="0"/>
+                <a:ea typeface="Courier" charset="0"/>
+                <a:cs typeface="Courier" charset="0"/>
+                <a:sym typeface="Consolas"/>
+              </a:rPr>
+              <a:t> document = new Document&lt;</a:t>
+            </a:r>
+            <a:r>
+              <a:rPr lang="en-US" sz="1100" dirty="0" err="1">
+                <a:solidFill>
+                  <a:srgbClr val="2E2E2C"/>
+                </a:solidFill>
+                <a:latin typeface="Courier" charset="0"/>
+                <a:ea typeface="Courier" charset="0"/>
+                <a:cs typeface="Courier" charset="0"/>
+                <a:sym typeface="Consolas"/>
+              </a:rPr>
+              <a:t>MyType</a:t>
+            </a:r>
+            <a:r>
+              <a:rPr lang="en-US" sz="1100" dirty="0">
+                <a:solidFill>
+                  <a:srgbClr val="2E2E2C"/>
+                </a:solidFill>
+                <a:latin typeface="Courier" charset="0"/>
+                <a:ea typeface="Courier" charset="0"/>
+                <a:cs typeface="Courier" charset="0"/>
+                <a:sym typeface="Consolas"/>
+              </a:rPr>
+              <a:t>&gt; { Id = “123”, Content = new </a:t>
+            </a:r>
+            <a:r>
+              <a:rPr lang="en-US" sz="1100" dirty="0" err="1">
+                <a:solidFill>
+                  <a:srgbClr val="2E2E2C"/>
+                </a:solidFill>
+                <a:latin typeface="Courier" charset="0"/>
+                <a:ea typeface="Courier" charset="0"/>
+                <a:cs typeface="Courier" charset="0"/>
+                <a:sym typeface="Consolas"/>
+              </a:rPr>
+              <a:t>MyType</a:t>
+            </a:r>
+            <a:r>
+              <a:rPr lang="en-US" sz="1100" dirty="0">
+                <a:solidFill>
+                  <a:srgbClr val="2E2E2C"/>
+                </a:solidFill>
+                <a:latin typeface="Courier" charset="0"/>
+                <a:ea typeface="Courier" charset="0"/>
+                <a:cs typeface="Courier" charset="0"/>
+                <a:sym typeface="Consolas"/>
+              </a:rPr>
+              <a:t>() };</a:t>
+            </a:r>
+          </a:p>
+          <a:p>
+            <a:pPr marL="0" indent="0">
+              <a:buNone/>
+              <a:defRPr sz="1800">
+                <a:solidFill>
+                  <a:srgbClr val="000000"/>
+                </a:solidFill>
+              </a:defRPr>
+            </a:pPr>
+            <a:r>
+              <a:rPr lang="en-US" sz="1100" dirty="0">
+                <a:solidFill>
+                  <a:srgbClr val="2E2E2C"/>
+                </a:solidFill>
+                <a:latin typeface="Courier" charset="0"/>
+                <a:ea typeface="Courier" charset="0"/>
+                <a:cs typeface="Courier" charset="0"/>
+                <a:sym typeface="Consolas"/>
+              </a:rPr>
+              <a:t>_</a:t>
+            </a:r>
+            <a:r>
+              <a:rPr lang="en-US" sz="1100" dirty="0" err="1">
+                <a:solidFill>
+                  <a:srgbClr val="2E2E2C"/>
+                </a:solidFill>
+                <a:latin typeface="Courier" charset="0"/>
+                <a:ea typeface="Courier" charset="0"/>
+                <a:cs typeface="Courier" charset="0"/>
+                <a:sym typeface="Consolas"/>
+              </a:rPr>
+              <a:t>bucket.Insert</a:t>
+            </a:r>
+            <a:r>
+              <a:rPr lang="en-US" sz="1100" dirty="0">
+                <a:solidFill>
+                  <a:srgbClr val="2E2E2C"/>
+                </a:solidFill>
+                <a:latin typeface="Courier" charset="0"/>
+                <a:ea typeface="Courier" charset="0"/>
+                <a:cs typeface="Courier" charset="0"/>
+                <a:sym typeface="Consolas"/>
+              </a:rPr>
+              <a:t>(document);</a:t>
+            </a:r>
+          </a:p>
+        </p:txBody>
+      </p:sp>
+    </p:spTree>
+    <p:extLst>
+      <p:ext uri="{BB962C8B-B14F-4D97-AF65-F5344CB8AC3E}">
+        <p14:creationId xmlns:p14="http://schemas.microsoft.com/office/powerpoint/2010/main" val="731843618"/>
+      </p:ext>
+    </p:extLst>
+  </p:cSld>
+  <p:clrMapOvr>
+    <a:masterClrMapping/>
+  </p:clrMapOvr>
+</p:sld>
+</file>
+
+<file path=ppt/slides/slide13.xml><?xml version="1.0" encoding="utf-8"?>
+<p:sld xmlns:a="http://schemas.openxmlformats.org/drawingml/2006/main" xmlns:r="http://schemas.openxmlformats.org/officeDocument/2006/relationships" xmlns:p="http://schemas.openxmlformats.org/presentationml/2006/main">
+  <p:cSld>
+    <p:spTree>
+      <p:nvGrpSpPr>
+        <p:cNvPr id="1" name=""/>
+        <p:cNvGrpSpPr/>
+        <p:nvPr/>
+      </p:nvGrpSpPr>
+      <p:grpSpPr>
+        <a:xfrm>
+          <a:off x="0" y="0"/>
+          <a:ext cx="0" cy="0"/>
+          <a:chOff x="0" y="0"/>
+          <a:chExt cx="0" cy="0"/>
+        </a:xfrm>
+      </p:grpSpPr>
+      <p:sp>
+        <p:nvSpPr>
+          <p:cNvPr id="2" name="Title 1"/>
+          <p:cNvSpPr>
+            <a:spLocks noGrp="1"/>
+          </p:cNvSpPr>
+          <p:nvPr>
+            <p:ph type="title"/>
+          </p:nvPr>
+        </p:nvSpPr>
+        <p:spPr/>
+        <p:txBody>
+          <a:bodyPr/>
+          <a:lstStyle/>
+          <a:p>
+            <a:r>
+              <a:rPr lang="en-US" dirty="0"/>
+              <a:t>SDK: Node</a:t>
+            </a:r>
+          </a:p>
+        </p:txBody>
+      </p:sp>
+      <p:sp>
+        <p:nvSpPr>
+          <p:cNvPr id="3" name="Content Placeholder 2"/>
+          <p:cNvSpPr txBox="1">
+            <a:spLocks/>
+          </p:cNvSpPr>
+          <p:nvPr/>
+        </p:nvSpPr>
+        <p:spPr>
+          <a:xfrm>
+            <a:off x="609600" y="676275"/>
+            <a:ext cx="8007739" cy="2009775"/>
+          </a:xfrm>
+          <a:prstGeom prst="rect">
+            <a:avLst/>
+          </a:prstGeom>
+        </p:spPr>
+        <p:txBody>
+          <a:bodyPr/>
+          <a:lstStyle>
+            <a:lvl1pPr marL="228600" indent="-228600" algn="l" defTabSz="457200" rtl="0" eaLnBrk="1" latinLnBrk="0" hangingPunct="1">
+              <a:spcBef>
+                <a:spcPts val="0"/>
+              </a:spcBef>
+              <a:buClr>
+                <a:schemeClr val="accent1"/>
+              </a:buClr>
+              <a:buFont typeface="Wingdings" charset="2"/>
+              <a:buChar char="§"/>
+              <a:defRPr sz="2400" kern="1200">
+                <a:solidFill>
+                  <a:schemeClr val="tx1"/>
+                </a:solidFill>
+                <a:latin typeface="+mn-lt"/>
+                <a:ea typeface="+mn-ea"/>
+                <a:cs typeface="+mn-cs"/>
+              </a:defRPr>
+            </a:lvl1pPr>
+            <a:lvl2pPr marL="455613" indent="-227013" algn="l" defTabSz="457200" rtl="0" eaLnBrk="1" latinLnBrk="0" hangingPunct="1">
+              <a:spcBef>
+                <a:spcPts val="0"/>
+              </a:spcBef>
+              <a:buClr>
+                <a:srgbClr val="262626"/>
+              </a:buClr>
+              <a:buFont typeface="Wingdings" charset="2"/>
+              <a:buChar char="§"/>
+              <a:defRPr sz="2000" kern="1200">
+                <a:solidFill>
+                  <a:schemeClr val="tx1"/>
+                </a:solidFill>
+                <a:latin typeface="+mn-lt"/>
+                <a:ea typeface="+mn-ea"/>
+                <a:cs typeface="+mn-cs"/>
+              </a:defRPr>
+            </a:lvl2pPr>
+            <a:lvl3pPr marL="455613" indent="-228600" algn="l" defTabSz="457200" rtl="0" eaLnBrk="1" latinLnBrk="0" hangingPunct="1">
+              <a:spcBef>
+                <a:spcPts val="0"/>
+              </a:spcBef>
+              <a:buClr>
+                <a:srgbClr val="262626"/>
+              </a:buClr>
+              <a:buFont typeface="Wingdings" charset="2"/>
+              <a:buChar char="§"/>
+              <a:defRPr sz="2000" kern="1200">
+                <a:solidFill>
+                  <a:schemeClr val="tx1"/>
+                </a:solidFill>
+                <a:latin typeface="+mn-lt"/>
+                <a:ea typeface="+mn-ea"/>
+                <a:cs typeface="+mn-cs"/>
+              </a:defRPr>
+            </a:lvl3pPr>
+            <a:lvl4pPr marL="455613" indent="-228600" algn="l" defTabSz="457200" rtl="0" eaLnBrk="1" latinLnBrk="0" hangingPunct="1">
+              <a:spcBef>
+                <a:spcPts val="0"/>
+              </a:spcBef>
+              <a:buClr>
+                <a:srgbClr val="262626"/>
+              </a:buClr>
+              <a:buFont typeface="Wingdings" charset="2"/>
+              <a:buChar char="§"/>
+              <a:defRPr sz="2000" kern="1200">
+                <a:solidFill>
+                  <a:schemeClr val="tx1"/>
+                </a:solidFill>
+                <a:latin typeface="+mn-lt"/>
+                <a:ea typeface="+mn-ea"/>
+                <a:cs typeface="+mn-cs"/>
+              </a:defRPr>
+            </a:lvl4pPr>
+            <a:lvl5pPr marL="455613" indent="-228600" algn="l" defTabSz="457200" rtl="0" eaLnBrk="1" latinLnBrk="0" hangingPunct="1">
+              <a:spcBef>
+                <a:spcPts val="200"/>
+              </a:spcBef>
+              <a:buClr>
+                <a:srgbClr val="262626"/>
+              </a:buClr>
+              <a:buFont typeface="Wingdings" charset="2"/>
+              <a:buChar char="§"/>
+              <a:defRPr sz="2000" kern="1200">
+                <a:solidFill>
+                  <a:schemeClr val="tx1"/>
+                </a:solidFill>
+                <a:latin typeface="+mn-lt"/>
+                <a:ea typeface="+mn-ea"/>
+                <a:cs typeface="+mn-cs"/>
+              </a:defRPr>
+            </a:lvl5pPr>
+            <a:lvl6pPr marL="2514600" indent="-228600" algn="l" defTabSz="457200" rtl="0" eaLnBrk="1" latinLnBrk="0" hangingPunct="1">
+              <a:spcBef>
+                <a:spcPct val="20000"/>
+              </a:spcBef>
+              <a:buFont typeface="Arial"/>
+              <a:buChar char="•"/>
+              <a:defRPr sz="2000" kern="1200">
+                <a:solidFill>
+                  <a:schemeClr val="tx1"/>
+                </a:solidFill>
+                <a:latin typeface="+mn-lt"/>
+                <a:ea typeface="+mn-ea"/>
+                <a:cs typeface="+mn-cs"/>
+              </a:defRPr>
+            </a:lvl6pPr>
+            <a:lvl7pPr marL="2971800" indent="-228600" algn="l" defTabSz="457200" rtl="0" eaLnBrk="1" latinLnBrk="0" hangingPunct="1">
+              <a:spcBef>
+                <a:spcPct val="20000"/>
+              </a:spcBef>
+              <a:buFont typeface="Arial"/>
+              <a:buChar char="•"/>
+              <a:defRPr sz="2000" kern="1200">
+                <a:solidFill>
+                  <a:schemeClr val="tx1"/>
+                </a:solidFill>
+                <a:latin typeface="+mn-lt"/>
+                <a:ea typeface="+mn-ea"/>
+                <a:cs typeface="+mn-cs"/>
+              </a:defRPr>
+            </a:lvl7pPr>
+            <a:lvl8pPr marL="3429000" indent="-228600" algn="l" defTabSz="457200" rtl="0" eaLnBrk="1" latinLnBrk="0" hangingPunct="1">
+              <a:spcBef>
+                <a:spcPct val="20000"/>
+              </a:spcBef>
+              <a:buFont typeface="Arial"/>
+              <a:buChar char="•"/>
+              <a:defRPr sz="2000" kern="1200">
+                <a:solidFill>
+                  <a:schemeClr val="tx1"/>
+                </a:solidFill>
+                <a:latin typeface="+mn-lt"/>
+                <a:ea typeface="+mn-ea"/>
+                <a:cs typeface="+mn-cs"/>
+              </a:defRPr>
+            </a:lvl8pPr>
+            <a:lvl9pPr marL="3886200" indent="-228600" algn="l" defTabSz="457200" rtl="0" eaLnBrk="1" latinLnBrk="0" hangingPunct="1">
+              <a:spcBef>
+                <a:spcPct val="20000"/>
+              </a:spcBef>
+              <a:buFont typeface="Arial"/>
+              <a:buChar char="•"/>
+              <a:defRPr sz="2000" kern="1200">
+                <a:solidFill>
+                  <a:schemeClr val="tx1"/>
+                </a:solidFill>
+                <a:latin typeface="+mn-lt"/>
+                <a:ea typeface="+mn-ea"/>
+                <a:cs typeface="+mn-cs"/>
+              </a:defRPr>
+            </a:lvl9pPr>
+          </a:lstStyle>
+          <a:p>
+            <a:pPr marL="342900" indent="-342900">
+              <a:buFont typeface="Arial" charset="0"/>
+              <a:buChar char="•"/>
+            </a:pPr>
+            <a:r>
+              <a:rPr lang="en-US" dirty="0"/>
+              <a:t>How to install</a:t>
+            </a:r>
+          </a:p>
+          <a:p>
+            <a:pPr marL="342900" indent="-342900">
+              <a:buFont typeface="Arial" charset="0"/>
+              <a:buChar char="•"/>
+            </a:pPr>
+            <a:endParaRPr lang="en-US" dirty="0"/>
+          </a:p>
+          <a:p>
+            <a:pPr marL="569913" lvl="1" indent="-342900">
+              <a:buFont typeface="Arial" charset="0"/>
+              <a:buChar char="•"/>
+            </a:pPr>
+            <a:r>
+              <a:rPr lang="en-US" dirty="0" err="1"/>
+              <a:t>npm</a:t>
+            </a:r>
+            <a:r>
+              <a:rPr lang="en-US" dirty="0"/>
+              <a:t> install </a:t>
+            </a:r>
+            <a:r>
+              <a:rPr lang="en-US" dirty="0" err="1"/>
+              <a:t>couchbase</a:t>
+            </a:r>
+            <a:endParaRPr lang="en-US" dirty="0"/>
+          </a:p>
+          <a:p>
+            <a:pPr marL="569913" lvl="1" indent="-342900">
+              <a:buFont typeface="Arial" charset="0"/>
+              <a:buChar char="•"/>
+            </a:pPr>
+            <a:endParaRPr lang="en-US" dirty="0"/>
+          </a:p>
+          <a:p>
+            <a:pPr marL="342900" indent="-342900">
+              <a:buFont typeface="Arial" charset="0"/>
+              <a:buChar char="•"/>
+            </a:pPr>
+            <a:r>
+              <a:rPr lang="en-US" dirty="0"/>
+              <a:t>How to connect to a </a:t>
+            </a:r>
+            <a:r>
+              <a:rPr lang="en-US" dirty="0" err="1"/>
+              <a:t>Couchbase</a:t>
+            </a:r>
+            <a:r>
+              <a:rPr lang="en-US" dirty="0"/>
+              <a:t> cluster</a:t>
+            </a:r>
+          </a:p>
+          <a:p>
+            <a:pPr marL="342900" indent="-342900">
+              <a:buFont typeface="Arial" charset="0"/>
+              <a:buChar char="•"/>
+            </a:pPr>
+            <a:endParaRPr lang="en-US" dirty="0"/>
+          </a:p>
+          <a:p>
+            <a:pPr marL="342900" indent="-342900">
+              <a:buFont typeface="Arial" charset="0"/>
+              <a:buChar char="•"/>
+            </a:pPr>
+            <a:endParaRPr lang="en-US" dirty="0"/>
+          </a:p>
+          <a:p>
+            <a:endParaRPr lang="en-US" dirty="0"/>
+          </a:p>
+        </p:txBody>
+      </p:sp>
+      <p:sp>
+        <p:nvSpPr>
+          <p:cNvPr id="4" name="Shape 1658"/>
+          <p:cNvSpPr txBox="1">
+            <a:spLocks/>
+          </p:cNvSpPr>
+          <p:nvPr/>
+        </p:nvSpPr>
+        <p:spPr>
+          <a:xfrm>
+            <a:off x="1288661" y="2419349"/>
+            <a:ext cx="6236089" cy="2420551"/>
+          </a:xfrm>
+          <a:prstGeom prst="rect">
+            <a:avLst/>
+          </a:prstGeom>
+        </p:spPr>
+        <p:txBody>
+          <a:bodyPr lIns="0" tIns="0" rIns="0" bIns="0">
+            <a:noAutofit/>
+          </a:bodyPr>
+          <a:lstStyle>
+            <a:lvl1pPr marL="228600" indent="-228600" algn="l" defTabSz="457200" rtl="0" eaLnBrk="1" latinLnBrk="0" hangingPunct="1">
+              <a:spcBef>
+                <a:spcPts val="0"/>
+              </a:spcBef>
+              <a:buClr>
+                <a:schemeClr val="accent1"/>
+              </a:buClr>
+              <a:buFont typeface="Wingdings" charset="2"/>
+              <a:buChar char="§"/>
+              <a:defRPr sz="2400" kern="1200">
+                <a:solidFill>
+                  <a:schemeClr val="tx1"/>
+                </a:solidFill>
+                <a:latin typeface="+mn-lt"/>
+                <a:ea typeface="+mn-ea"/>
+                <a:cs typeface="+mn-cs"/>
+              </a:defRPr>
+            </a:lvl1pPr>
+            <a:lvl2pPr marL="455613" indent="-227013" algn="l" defTabSz="457200" rtl="0" eaLnBrk="1" latinLnBrk="0" hangingPunct="1">
+              <a:spcBef>
+                <a:spcPts val="0"/>
+              </a:spcBef>
+              <a:buClr>
+                <a:srgbClr val="262626"/>
+              </a:buClr>
+              <a:buFont typeface="Wingdings" charset="2"/>
+              <a:buChar char="§"/>
+              <a:defRPr sz="2000" kern="1200">
+                <a:solidFill>
+                  <a:schemeClr val="tx1"/>
+                </a:solidFill>
+                <a:latin typeface="+mn-lt"/>
+                <a:ea typeface="+mn-ea"/>
+                <a:cs typeface="+mn-cs"/>
+              </a:defRPr>
+            </a:lvl2pPr>
+            <a:lvl3pPr marL="455613" indent="-228600" algn="l" defTabSz="457200" rtl="0" eaLnBrk="1" latinLnBrk="0" hangingPunct="1">
+              <a:spcBef>
+                <a:spcPts val="0"/>
+              </a:spcBef>
+              <a:buClr>
+                <a:srgbClr val="262626"/>
+              </a:buClr>
+              <a:buFont typeface="Wingdings" charset="2"/>
+              <a:buChar char="§"/>
+              <a:defRPr sz="2000" kern="1200">
+                <a:solidFill>
+                  <a:schemeClr val="tx1"/>
+                </a:solidFill>
+                <a:latin typeface="+mn-lt"/>
+                <a:ea typeface="+mn-ea"/>
+                <a:cs typeface="+mn-cs"/>
+              </a:defRPr>
+            </a:lvl3pPr>
+            <a:lvl4pPr marL="455613" indent="-228600" algn="l" defTabSz="457200" rtl="0" eaLnBrk="1" latinLnBrk="0" hangingPunct="1">
+              <a:spcBef>
+                <a:spcPts val="0"/>
+              </a:spcBef>
+              <a:buClr>
+                <a:srgbClr val="262626"/>
+              </a:buClr>
+              <a:buFont typeface="Wingdings" charset="2"/>
+              <a:buChar char="§"/>
+              <a:defRPr sz="2000" kern="1200">
+                <a:solidFill>
+                  <a:schemeClr val="tx1"/>
+                </a:solidFill>
+                <a:latin typeface="+mn-lt"/>
+                <a:ea typeface="+mn-ea"/>
+                <a:cs typeface="+mn-cs"/>
+              </a:defRPr>
+            </a:lvl4pPr>
+            <a:lvl5pPr marL="455613" indent="-228600" algn="l" defTabSz="457200" rtl="0" eaLnBrk="1" latinLnBrk="0" hangingPunct="1">
+              <a:spcBef>
+                <a:spcPts val="200"/>
+              </a:spcBef>
+              <a:buClr>
+                <a:srgbClr val="262626"/>
+              </a:buClr>
+              <a:buFont typeface="Wingdings" charset="2"/>
+              <a:buChar char="§"/>
+              <a:defRPr sz="2000" kern="1200">
+                <a:solidFill>
+                  <a:schemeClr val="tx1"/>
+                </a:solidFill>
+                <a:latin typeface="+mn-lt"/>
+                <a:ea typeface="+mn-ea"/>
+                <a:cs typeface="+mn-cs"/>
+              </a:defRPr>
+            </a:lvl5pPr>
+            <a:lvl6pPr marL="2514600" indent="-228600" algn="l" defTabSz="457200" rtl="0" eaLnBrk="1" latinLnBrk="0" hangingPunct="1">
+              <a:spcBef>
+                <a:spcPct val="20000"/>
+              </a:spcBef>
+              <a:buFont typeface="Arial"/>
+              <a:buChar char="•"/>
+              <a:defRPr sz="2000" kern="1200">
+                <a:solidFill>
+                  <a:schemeClr val="tx1"/>
+                </a:solidFill>
+                <a:latin typeface="+mn-lt"/>
+                <a:ea typeface="+mn-ea"/>
+                <a:cs typeface="+mn-cs"/>
+              </a:defRPr>
+            </a:lvl6pPr>
+            <a:lvl7pPr marL="2971800" indent="-228600" algn="l" defTabSz="457200" rtl="0" eaLnBrk="1" latinLnBrk="0" hangingPunct="1">
+              <a:spcBef>
+                <a:spcPct val="20000"/>
+              </a:spcBef>
+              <a:buFont typeface="Arial"/>
+              <a:buChar char="•"/>
+              <a:defRPr sz="2000" kern="1200">
+                <a:solidFill>
+                  <a:schemeClr val="tx1"/>
+                </a:solidFill>
+                <a:latin typeface="+mn-lt"/>
+                <a:ea typeface="+mn-ea"/>
+                <a:cs typeface="+mn-cs"/>
+              </a:defRPr>
+            </a:lvl7pPr>
+            <a:lvl8pPr marL="3429000" indent="-228600" algn="l" defTabSz="457200" rtl="0" eaLnBrk="1" latinLnBrk="0" hangingPunct="1">
+              <a:spcBef>
+                <a:spcPct val="20000"/>
+              </a:spcBef>
+              <a:buFont typeface="Arial"/>
+              <a:buChar char="•"/>
+              <a:defRPr sz="2000" kern="1200">
+                <a:solidFill>
+                  <a:schemeClr val="tx1"/>
+                </a:solidFill>
+                <a:latin typeface="+mn-lt"/>
+                <a:ea typeface="+mn-ea"/>
+                <a:cs typeface="+mn-cs"/>
+              </a:defRPr>
+            </a:lvl8pPr>
+            <a:lvl9pPr marL="3886200" indent="-228600" algn="l" defTabSz="457200" rtl="0" eaLnBrk="1" latinLnBrk="0" hangingPunct="1">
+              <a:spcBef>
+                <a:spcPct val="20000"/>
+              </a:spcBef>
+              <a:buFont typeface="Arial"/>
+              <a:buChar char="•"/>
+              <a:defRPr sz="2000" kern="1200">
+                <a:solidFill>
+                  <a:schemeClr val="tx1"/>
+                </a:solidFill>
+                <a:latin typeface="+mn-lt"/>
+                <a:ea typeface="+mn-ea"/>
+                <a:cs typeface="+mn-cs"/>
+              </a:defRPr>
+            </a:lvl9pPr>
+          </a:lstStyle>
+          <a:p>
+            <a:pPr marL="0" indent="0">
+              <a:buNone/>
+              <a:defRPr sz="1800">
+                <a:solidFill>
+                  <a:srgbClr val="000000"/>
+                </a:solidFill>
+              </a:defRPr>
+            </a:pPr>
+            <a:r>
+              <a:rPr lang="en-US" sz="1100" dirty="0">
+                <a:solidFill>
+                  <a:srgbClr val="1BB2E2"/>
+                </a:solidFill>
+                <a:latin typeface="Courier" charset="0"/>
+                <a:ea typeface="Courier" charset="0"/>
+                <a:cs typeface="Courier" charset="0"/>
+                <a:sym typeface="Consolas"/>
+              </a:rPr>
+              <a:t>//including the Node.js dependency</a:t>
+            </a:r>
+          </a:p>
+          <a:p>
+            <a:pPr marL="0" indent="0">
+              <a:buNone/>
+              <a:defRPr sz="1800">
+                <a:solidFill>
+                  <a:srgbClr val="000000"/>
+                </a:solidFill>
+              </a:defRPr>
+            </a:pPr>
+            <a:r>
+              <a:rPr lang="en-US" sz="1100" dirty="0" err="1">
+                <a:solidFill>
+                  <a:srgbClr val="1E1C1C"/>
+                </a:solidFill>
+                <a:latin typeface="Courier" charset="0"/>
+                <a:ea typeface="Courier" charset="0"/>
+                <a:cs typeface="Courier" charset="0"/>
+                <a:sym typeface="Consolas"/>
+              </a:rPr>
+              <a:t>var</a:t>
+            </a:r>
+            <a:r>
+              <a:rPr lang="en-US" sz="1100" dirty="0">
+                <a:solidFill>
+                  <a:srgbClr val="1E1C1C"/>
+                </a:solidFill>
+                <a:latin typeface="Courier" charset="0"/>
+                <a:ea typeface="Courier" charset="0"/>
+                <a:cs typeface="Courier" charset="0"/>
+                <a:sym typeface="Consolas"/>
+              </a:rPr>
+              <a:t> </a:t>
+            </a:r>
+            <a:r>
+              <a:rPr lang="en-US" sz="1100" dirty="0" err="1">
+                <a:solidFill>
+                  <a:srgbClr val="1E1C1C"/>
+                </a:solidFill>
+                <a:latin typeface="Courier" charset="0"/>
+                <a:ea typeface="Courier" charset="0"/>
+                <a:cs typeface="Courier" charset="0"/>
+                <a:sym typeface="Consolas"/>
+              </a:rPr>
+              <a:t>Couchbase</a:t>
+            </a:r>
+            <a:r>
+              <a:rPr lang="en-US" sz="1100" dirty="0">
+                <a:solidFill>
+                  <a:srgbClr val="1E1C1C"/>
+                </a:solidFill>
+                <a:latin typeface="Courier" charset="0"/>
+                <a:ea typeface="Courier" charset="0"/>
+                <a:cs typeface="Courier" charset="0"/>
+                <a:sym typeface="Consolas"/>
+              </a:rPr>
+              <a:t> = require(</a:t>
+            </a:r>
+            <a:r>
+              <a:rPr lang="en-US" sz="1100" dirty="0">
+                <a:solidFill>
+                  <a:srgbClr val="E40121"/>
+                </a:solidFill>
+                <a:latin typeface="Courier" charset="0"/>
+                <a:ea typeface="Courier" charset="0"/>
+                <a:cs typeface="Courier" charset="0"/>
+                <a:sym typeface="Consolas"/>
+              </a:rPr>
+              <a:t>”</a:t>
+            </a:r>
+            <a:r>
+              <a:rPr lang="en-US" sz="1100" dirty="0" err="1">
+                <a:solidFill>
+                  <a:srgbClr val="E40121"/>
+                </a:solidFill>
+                <a:latin typeface="Courier" charset="0"/>
+                <a:ea typeface="Courier" charset="0"/>
+                <a:cs typeface="Courier" charset="0"/>
+                <a:sym typeface="Consolas"/>
+              </a:rPr>
+              <a:t>couchbase</a:t>
+            </a:r>
+            <a:r>
+              <a:rPr lang="en-US" sz="1100" dirty="0">
+                <a:solidFill>
+                  <a:srgbClr val="E40121"/>
+                </a:solidFill>
+                <a:latin typeface="Courier" charset="0"/>
+                <a:ea typeface="Courier" charset="0"/>
+                <a:cs typeface="Courier" charset="0"/>
+                <a:sym typeface="Consolas"/>
+              </a:rPr>
+              <a:t>"</a:t>
+            </a:r>
+            <a:r>
+              <a:rPr lang="en-US" sz="1100" dirty="0">
+                <a:solidFill>
+                  <a:srgbClr val="1E1C1C"/>
+                </a:solidFill>
+                <a:latin typeface="Courier" charset="0"/>
+                <a:ea typeface="Courier" charset="0"/>
+                <a:cs typeface="Courier" charset="0"/>
+                <a:sym typeface="Consolas"/>
+              </a:rPr>
+              <a:t>);</a:t>
+            </a:r>
+          </a:p>
+          <a:p>
+            <a:pPr marL="0" indent="0">
+              <a:buNone/>
+              <a:defRPr sz="1800">
+                <a:solidFill>
+                  <a:srgbClr val="000000"/>
+                </a:solidFill>
+              </a:defRPr>
+            </a:pPr>
+            <a:endParaRPr lang="en-US" sz="1100" dirty="0">
+              <a:solidFill>
+                <a:srgbClr val="1E1C1C"/>
+              </a:solidFill>
+              <a:latin typeface="Courier" charset="0"/>
+              <a:ea typeface="Courier" charset="0"/>
+              <a:cs typeface="Courier" charset="0"/>
+              <a:sym typeface="Consolas"/>
+            </a:endParaRPr>
+          </a:p>
+          <a:p>
+            <a:pPr marL="0" indent="0">
+              <a:buNone/>
+              <a:defRPr sz="1800">
+                <a:solidFill>
+                  <a:srgbClr val="000000"/>
+                </a:solidFill>
+              </a:defRPr>
+            </a:pPr>
+            <a:r>
+              <a:rPr lang="en-US" sz="1100" dirty="0">
+                <a:solidFill>
+                  <a:srgbClr val="1BB2E2"/>
+                </a:solidFill>
+                <a:latin typeface="Courier" charset="0"/>
+                <a:ea typeface="Courier" charset="0"/>
+                <a:cs typeface="Courier" charset="0"/>
+                <a:sym typeface="Consolas"/>
+              </a:rPr>
+              <a:t>//connecting to a </a:t>
+            </a:r>
+            <a:r>
+              <a:rPr lang="en-US" sz="1100" dirty="0" err="1">
+                <a:solidFill>
+                  <a:srgbClr val="1BB2E2"/>
+                </a:solidFill>
+                <a:latin typeface="Courier" charset="0"/>
+                <a:ea typeface="Courier" charset="0"/>
+                <a:cs typeface="Courier" charset="0"/>
+                <a:sym typeface="Consolas"/>
+              </a:rPr>
+              <a:t>Couchbase</a:t>
+            </a:r>
+            <a:r>
+              <a:rPr lang="en-US" sz="1100" dirty="0">
+                <a:solidFill>
+                  <a:srgbClr val="1BB2E2"/>
+                </a:solidFill>
+                <a:latin typeface="Courier" charset="0"/>
+                <a:ea typeface="Courier" charset="0"/>
+                <a:cs typeface="Courier" charset="0"/>
+                <a:sym typeface="Consolas"/>
+              </a:rPr>
+              <a:t> cluster</a:t>
+            </a:r>
+          </a:p>
+          <a:p>
+            <a:pPr marL="0" indent="0">
+              <a:buNone/>
+              <a:defRPr sz="1800">
+                <a:solidFill>
+                  <a:srgbClr val="000000"/>
+                </a:solidFill>
+              </a:defRPr>
+            </a:pPr>
+            <a:r>
+              <a:rPr lang="en-US" sz="1100" dirty="0" err="1">
+                <a:solidFill>
+                  <a:srgbClr val="1E1C1C"/>
+                </a:solidFill>
+                <a:latin typeface="Courier" charset="0"/>
+                <a:ea typeface="Courier" charset="0"/>
+                <a:cs typeface="Courier" charset="0"/>
+                <a:sym typeface="Consolas"/>
+              </a:rPr>
+              <a:t>var</a:t>
+            </a:r>
+            <a:r>
+              <a:rPr lang="en-US" sz="1100" dirty="0">
+                <a:solidFill>
+                  <a:srgbClr val="1E1C1C"/>
+                </a:solidFill>
+                <a:latin typeface="Courier" charset="0"/>
+                <a:ea typeface="Courier" charset="0"/>
+                <a:cs typeface="Courier" charset="0"/>
+                <a:sym typeface="Consolas"/>
+              </a:rPr>
+              <a:t> cluster = new </a:t>
+            </a:r>
+            <a:r>
+              <a:rPr lang="en-US" sz="1100" dirty="0" err="1">
+                <a:solidFill>
+                  <a:srgbClr val="1E1C1C"/>
+                </a:solidFill>
+                <a:latin typeface="Courier" charset="0"/>
+                <a:ea typeface="Courier" charset="0"/>
+                <a:cs typeface="Courier" charset="0"/>
+                <a:sym typeface="Consolas"/>
+              </a:rPr>
+              <a:t>Couchbase.Cluster</a:t>
+            </a:r>
+            <a:r>
+              <a:rPr lang="en-US" sz="1100" dirty="0">
+                <a:solidFill>
+                  <a:srgbClr val="1E1C1C"/>
+                </a:solidFill>
+                <a:latin typeface="Courier" charset="0"/>
+                <a:ea typeface="Courier" charset="0"/>
+                <a:cs typeface="Courier" charset="0"/>
+                <a:sym typeface="Consolas"/>
+              </a:rPr>
+              <a:t>(</a:t>
+            </a:r>
+            <a:r>
+              <a:rPr lang="en-US" sz="1100" dirty="0">
+                <a:solidFill>
+                  <a:srgbClr val="E40121"/>
+                </a:solidFill>
+                <a:latin typeface="Courier" charset="0"/>
+                <a:ea typeface="Courier" charset="0"/>
+                <a:cs typeface="Courier" charset="0"/>
+                <a:sym typeface="Consolas"/>
+              </a:rPr>
+              <a:t>"</a:t>
+            </a:r>
+            <a:r>
+              <a:rPr lang="en-US" sz="1100" dirty="0" err="1">
+                <a:solidFill>
+                  <a:srgbClr val="E40121"/>
+                </a:solidFill>
+                <a:latin typeface="Courier" charset="0"/>
+                <a:ea typeface="Courier" charset="0"/>
+                <a:cs typeface="Courier" charset="0"/>
+                <a:sym typeface="Consolas"/>
+              </a:rPr>
+              <a:t>couchbase</a:t>
+            </a:r>
+            <a:r>
+              <a:rPr lang="en-US" sz="1100" dirty="0">
+                <a:solidFill>
+                  <a:srgbClr val="E40121"/>
+                </a:solidFill>
+                <a:latin typeface="Courier" charset="0"/>
+                <a:ea typeface="Courier" charset="0"/>
+                <a:cs typeface="Courier" charset="0"/>
+                <a:sym typeface="Consolas"/>
+              </a:rPr>
+              <a:t>://localhost:8091"</a:t>
+            </a:r>
+            <a:r>
+              <a:rPr lang="en-US" sz="1100" dirty="0">
+                <a:solidFill>
+                  <a:srgbClr val="1E1C1C"/>
+                </a:solidFill>
+                <a:latin typeface="Courier" charset="0"/>
+                <a:ea typeface="Courier" charset="0"/>
+                <a:cs typeface="Courier" charset="0"/>
+                <a:sym typeface="Consolas"/>
+              </a:rPr>
+              <a:t>);</a:t>
+            </a:r>
+          </a:p>
+          <a:p>
+            <a:pPr marL="0" indent="0">
+              <a:buNone/>
+              <a:defRPr sz="1800">
+                <a:solidFill>
+                  <a:srgbClr val="000000"/>
+                </a:solidFill>
+              </a:defRPr>
+            </a:pPr>
+            <a:endParaRPr lang="en-US" sz="1100" dirty="0">
+              <a:solidFill>
+                <a:srgbClr val="1E1C1C"/>
+              </a:solidFill>
+              <a:latin typeface="Courier" charset="0"/>
+              <a:ea typeface="Courier" charset="0"/>
+              <a:cs typeface="Courier" charset="0"/>
+              <a:sym typeface="Consolas"/>
+            </a:endParaRPr>
+          </a:p>
+          <a:p>
+            <a:pPr marL="0" indent="0">
+              <a:buNone/>
+              <a:defRPr sz="1800">
+                <a:solidFill>
+                  <a:srgbClr val="000000"/>
+                </a:solidFill>
+              </a:defRPr>
+            </a:pPr>
+            <a:r>
+              <a:rPr lang="en-US" sz="1100" dirty="0">
+                <a:solidFill>
+                  <a:srgbClr val="1BB2E2"/>
+                </a:solidFill>
+                <a:latin typeface="Courier" charset="0"/>
+                <a:ea typeface="Courier" charset="0"/>
+                <a:cs typeface="Courier" charset="0"/>
+                <a:sym typeface="Consolas"/>
+              </a:rPr>
+              <a:t>//opening a bucket in the cluster</a:t>
+            </a:r>
+          </a:p>
+          <a:p>
+            <a:pPr marL="0" indent="0">
+              <a:buNone/>
+              <a:defRPr sz="1800">
+                <a:solidFill>
+                  <a:srgbClr val="000000"/>
+                </a:solidFill>
+              </a:defRPr>
+            </a:pPr>
+            <a:r>
+              <a:rPr lang="en-US" sz="1100" dirty="0" err="1">
+                <a:solidFill>
+                  <a:srgbClr val="1E1C1C"/>
+                </a:solidFill>
+                <a:latin typeface="Courier" charset="0"/>
+                <a:ea typeface="Courier" charset="0"/>
+                <a:cs typeface="Courier" charset="0"/>
+                <a:sym typeface="Consolas"/>
+              </a:rPr>
+              <a:t>var</a:t>
+            </a:r>
+            <a:r>
+              <a:rPr lang="en-US" sz="1100" dirty="0">
+                <a:solidFill>
+                  <a:srgbClr val="1E1C1C"/>
+                </a:solidFill>
+                <a:latin typeface="Courier" charset="0"/>
+                <a:ea typeface="Courier" charset="0"/>
+                <a:cs typeface="Courier" charset="0"/>
+                <a:sym typeface="Consolas"/>
+              </a:rPr>
+              <a:t> </a:t>
+            </a:r>
+            <a:r>
+              <a:rPr lang="en-US" sz="1100" dirty="0" err="1">
+                <a:solidFill>
+                  <a:srgbClr val="1E1C1C"/>
+                </a:solidFill>
+                <a:latin typeface="Courier" charset="0"/>
+                <a:ea typeface="Courier" charset="0"/>
+                <a:cs typeface="Courier" charset="0"/>
+                <a:sym typeface="Consolas"/>
+              </a:rPr>
+              <a:t>myBucket</a:t>
+            </a:r>
+            <a:r>
+              <a:rPr lang="en-US" sz="1100" dirty="0">
+                <a:solidFill>
+                  <a:srgbClr val="1E1C1C"/>
+                </a:solidFill>
+                <a:latin typeface="Courier" charset="0"/>
+                <a:ea typeface="Courier" charset="0"/>
+                <a:cs typeface="Courier" charset="0"/>
+                <a:sym typeface="Consolas"/>
+              </a:rPr>
+              <a:t> = </a:t>
+            </a:r>
+            <a:r>
+              <a:rPr lang="en-US" sz="1100" dirty="0" err="1">
+                <a:solidFill>
+                  <a:srgbClr val="1E1C1C"/>
+                </a:solidFill>
+                <a:latin typeface="Courier" charset="0"/>
+                <a:ea typeface="Courier" charset="0"/>
+                <a:cs typeface="Courier" charset="0"/>
+                <a:sym typeface="Consolas"/>
+              </a:rPr>
+              <a:t>cluster.openBucket</a:t>
+            </a:r>
+            <a:r>
+              <a:rPr lang="en-US" sz="1100" dirty="0">
+                <a:solidFill>
+                  <a:srgbClr val="1E1C1C"/>
+                </a:solidFill>
+                <a:latin typeface="Courier" charset="0"/>
+                <a:ea typeface="Courier" charset="0"/>
+                <a:cs typeface="Courier" charset="0"/>
+                <a:sym typeface="Consolas"/>
+              </a:rPr>
+              <a:t>(</a:t>
+            </a:r>
+            <a:r>
+              <a:rPr lang="en-US" sz="1100" dirty="0">
+                <a:solidFill>
+                  <a:srgbClr val="E40121"/>
+                </a:solidFill>
+                <a:latin typeface="Courier" charset="0"/>
+                <a:ea typeface="Courier" charset="0"/>
+                <a:cs typeface="Courier" charset="0"/>
+                <a:sym typeface="Consolas"/>
+              </a:rPr>
+              <a:t>"travel-sample"</a:t>
+            </a:r>
+            <a:r>
+              <a:rPr lang="en-US" sz="1100" dirty="0">
+                <a:solidFill>
+                  <a:srgbClr val="1E1C1C"/>
+                </a:solidFill>
+                <a:latin typeface="Courier" charset="0"/>
+                <a:ea typeface="Courier" charset="0"/>
+                <a:cs typeface="Courier" charset="0"/>
+                <a:sym typeface="Consolas"/>
+              </a:rPr>
+              <a:t>, </a:t>
+            </a:r>
+            <a:r>
+              <a:rPr lang="en-US" sz="1100" dirty="0">
+                <a:solidFill>
+                  <a:srgbClr val="E40121"/>
+                </a:solidFill>
+                <a:latin typeface="Courier" charset="0"/>
+                <a:ea typeface="Courier" charset="0"/>
+                <a:cs typeface="Courier" charset="0"/>
+                <a:sym typeface="Consolas"/>
+              </a:rPr>
+              <a:t>“password"</a:t>
+            </a:r>
+            <a:r>
+              <a:rPr lang="en-US" sz="1100" dirty="0">
+                <a:solidFill>
+                  <a:srgbClr val="1E1C1C"/>
+                </a:solidFill>
+                <a:latin typeface="Courier" charset="0"/>
+                <a:ea typeface="Courier" charset="0"/>
+                <a:cs typeface="Courier" charset="0"/>
+                <a:sym typeface="Consolas"/>
+              </a:rPr>
+              <a:t>);</a:t>
+            </a:r>
+          </a:p>
+          <a:p>
+            <a:pPr marL="0" indent="0">
+              <a:buNone/>
+              <a:defRPr sz="1800">
+                <a:solidFill>
+                  <a:srgbClr val="000000"/>
+                </a:solidFill>
+              </a:defRPr>
+            </a:pPr>
+            <a:endParaRPr lang="en-US" sz="1100" dirty="0">
+              <a:solidFill>
+                <a:srgbClr val="1E1C1C"/>
+              </a:solidFill>
+              <a:latin typeface="Courier" charset="0"/>
+              <a:ea typeface="Courier" charset="0"/>
+              <a:cs typeface="Courier" charset="0"/>
+              <a:sym typeface="Consolas"/>
+            </a:endParaRPr>
+          </a:p>
+          <a:p>
+            <a:pPr marL="0" indent="0">
+              <a:buNone/>
+              <a:defRPr sz="1800">
+                <a:solidFill>
+                  <a:srgbClr val="000000"/>
+                </a:solidFill>
+              </a:defRPr>
+            </a:pPr>
+            <a:r>
+              <a:rPr lang="en-US" sz="1100" dirty="0">
+                <a:solidFill>
+                  <a:srgbClr val="1BB2E2"/>
+                </a:solidFill>
+                <a:latin typeface="Courier" charset="0"/>
+                <a:ea typeface="Courier" charset="0"/>
+                <a:cs typeface="Courier" charset="0"/>
+                <a:sym typeface="Consolas"/>
+              </a:rPr>
+              <a:t>//preparing N1ql</a:t>
+            </a:r>
+          </a:p>
+          <a:p>
+            <a:pPr marL="0" indent="0">
+              <a:buNone/>
+              <a:defRPr sz="1800">
+                <a:solidFill>
+                  <a:srgbClr val="000000"/>
+                </a:solidFill>
+              </a:defRPr>
+            </a:pPr>
+            <a:r>
+              <a:rPr lang="en-US" sz="1100" dirty="0" err="1">
+                <a:solidFill>
+                  <a:srgbClr val="2E2E2C"/>
+                </a:solidFill>
+                <a:latin typeface="Courier" charset="0"/>
+                <a:ea typeface="Courier" charset="0"/>
+                <a:cs typeface="Courier" charset="0"/>
+                <a:sym typeface="Consolas"/>
+              </a:rPr>
+              <a:t>var</a:t>
+            </a:r>
+            <a:r>
+              <a:rPr lang="en-US" sz="1100" dirty="0">
+                <a:solidFill>
+                  <a:srgbClr val="2E2E2C"/>
+                </a:solidFill>
+                <a:latin typeface="Courier" charset="0"/>
+                <a:ea typeface="Courier" charset="0"/>
+                <a:cs typeface="Courier" charset="0"/>
+                <a:sym typeface="Consolas"/>
+              </a:rPr>
+              <a:t> </a:t>
+            </a:r>
+            <a:r>
+              <a:rPr lang="en-US" sz="1100" dirty="0" err="1">
+                <a:solidFill>
+                  <a:srgbClr val="2E2E2C"/>
+                </a:solidFill>
+                <a:latin typeface="Courier" charset="0"/>
+                <a:ea typeface="Courier" charset="0"/>
+                <a:cs typeface="Courier" charset="0"/>
+                <a:sym typeface="Consolas"/>
+              </a:rPr>
+              <a:t>myQuery</a:t>
+            </a:r>
+            <a:r>
+              <a:rPr lang="en-US" sz="1100" dirty="0">
+                <a:solidFill>
+                  <a:srgbClr val="2E2E2C"/>
+                </a:solidFill>
+                <a:latin typeface="Courier" charset="0"/>
+                <a:ea typeface="Courier" charset="0"/>
+                <a:cs typeface="Courier" charset="0"/>
+                <a:sym typeface="Consolas"/>
+              </a:rPr>
+              <a:t> = Couchbase.N1qlQuery();</a:t>
+            </a:r>
+          </a:p>
+          <a:p>
+            <a:pPr marL="0" indent="0">
+              <a:buNone/>
+              <a:defRPr sz="1800">
+                <a:solidFill>
+                  <a:srgbClr val="000000"/>
+                </a:solidFill>
+              </a:defRPr>
+            </a:pPr>
+            <a:endParaRPr lang="en-US" sz="1100" dirty="0">
+              <a:solidFill>
+                <a:srgbClr val="1E1C1C"/>
+              </a:solidFill>
+              <a:latin typeface="Courier" charset="0"/>
+              <a:ea typeface="Courier" charset="0"/>
+              <a:cs typeface="Courier" charset="0"/>
+              <a:sym typeface="Consolas"/>
+            </a:endParaRPr>
+          </a:p>
+          <a:p>
+            <a:pPr marL="0" indent="0">
+              <a:buNone/>
+              <a:defRPr sz="1800">
+                <a:solidFill>
+                  <a:srgbClr val="000000"/>
+                </a:solidFill>
+              </a:defRPr>
+            </a:pPr>
+            <a:r>
+              <a:rPr lang="en-US" sz="1100" dirty="0">
+                <a:solidFill>
+                  <a:srgbClr val="1BB2E2"/>
+                </a:solidFill>
+                <a:latin typeface="Courier" charset="0"/>
+                <a:ea typeface="Courier" charset="0"/>
+                <a:cs typeface="Courier" charset="0"/>
+                <a:sym typeface="Consolas"/>
+              </a:rPr>
+              <a:t>//creating and saving a Document</a:t>
+            </a:r>
+          </a:p>
+          <a:p>
+            <a:pPr marL="0" indent="0">
+              <a:buNone/>
+              <a:defRPr sz="1800">
+                <a:solidFill>
+                  <a:srgbClr val="000000"/>
+                </a:solidFill>
+              </a:defRPr>
+            </a:pPr>
+            <a:r>
+              <a:rPr lang="en-US" sz="1100" dirty="0" err="1">
+                <a:solidFill>
+                  <a:srgbClr val="2E2E2C"/>
+                </a:solidFill>
+                <a:latin typeface="Courier" charset="0"/>
+                <a:ea typeface="Courier" charset="0"/>
+                <a:cs typeface="Courier" charset="0"/>
+                <a:sym typeface="Consolas"/>
+              </a:rPr>
+              <a:t>var</a:t>
+            </a:r>
+            <a:r>
+              <a:rPr lang="en-US" sz="1100" dirty="0">
+                <a:solidFill>
+                  <a:srgbClr val="2E2E2C"/>
+                </a:solidFill>
+                <a:latin typeface="Courier" charset="0"/>
+                <a:ea typeface="Courier" charset="0"/>
+                <a:cs typeface="Courier" charset="0"/>
+                <a:sym typeface="Consolas"/>
+              </a:rPr>
+              <a:t> document = { </a:t>
+            </a:r>
+            <a:r>
+              <a:rPr lang="en-US" sz="1100" dirty="0" err="1">
+                <a:solidFill>
+                  <a:srgbClr val="2E2E2C"/>
+                </a:solidFill>
+                <a:latin typeface="Courier" charset="0"/>
+                <a:ea typeface="Courier" charset="0"/>
+                <a:cs typeface="Courier" charset="0"/>
+                <a:sym typeface="Consolas"/>
+              </a:rPr>
+              <a:t>firstname</a:t>
+            </a:r>
+            <a:r>
+              <a:rPr lang="en-US" sz="1100" dirty="0">
+                <a:solidFill>
+                  <a:srgbClr val="2E2E2C"/>
+                </a:solidFill>
+                <a:latin typeface="Courier" charset="0"/>
+                <a:ea typeface="Courier" charset="0"/>
+                <a:cs typeface="Courier" charset="0"/>
+                <a:sym typeface="Consolas"/>
+              </a:rPr>
+              <a:t>: </a:t>
+            </a:r>
+            <a:r>
+              <a:rPr lang="en-US" sz="1100" dirty="0">
+                <a:solidFill>
+                  <a:srgbClr val="E40121"/>
+                </a:solidFill>
+                <a:latin typeface="Courier" charset="0"/>
+                <a:ea typeface="Courier" charset="0"/>
+                <a:cs typeface="Courier" charset="0"/>
+                <a:sym typeface="Consolas"/>
+              </a:rPr>
+              <a:t>“Matt"</a:t>
+            </a:r>
+            <a:r>
+              <a:rPr lang="en-US" sz="1100" dirty="0">
+                <a:solidFill>
+                  <a:srgbClr val="2E2E2C"/>
+                </a:solidFill>
+                <a:latin typeface="Courier" charset="0"/>
+                <a:ea typeface="Courier" charset="0"/>
+                <a:cs typeface="Courier" charset="0"/>
+                <a:sym typeface="Consolas"/>
+              </a:rPr>
+              <a:t>, </a:t>
+            </a:r>
+            <a:r>
+              <a:rPr lang="en-US" sz="1100" dirty="0" err="1">
+                <a:solidFill>
+                  <a:srgbClr val="2E2E2C"/>
+                </a:solidFill>
+                <a:latin typeface="Courier" charset="0"/>
+                <a:ea typeface="Courier" charset="0"/>
+                <a:cs typeface="Courier" charset="0"/>
+                <a:sym typeface="Consolas"/>
+              </a:rPr>
+              <a:t>lastname</a:t>
+            </a:r>
+            <a:r>
+              <a:rPr lang="en-US" sz="1100" dirty="0">
+                <a:solidFill>
+                  <a:srgbClr val="2E2E2C"/>
+                </a:solidFill>
+                <a:latin typeface="Courier" charset="0"/>
+                <a:ea typeface="Courier" charset="0"/>
+                <a:cs typeface="Courier" charset="0"/>
+                <a:sym typeface="Consolas"/>
+              </a:rPr>
+              <a:t>: </a:t>
+            </a:r>
+            <a:r>
+              <a:rPr lang="en-US" sz="1100" dirty="0">
+                <a:solidFill>
+                  <a:srgbClr val="E40121"/>
+                </a:solidFill>
+                <a:latin typeface="Courier" charset="0"/>
+                <a:ea typeface="Courier" charset="0"/>
+                <a:cs typeface="Courier" charset="0"/>
+                <a:sym typeface="Consolas"/>
+              </a:rPr>
+              <a:t>“Groves“ </a:t>
+            </a:r>
+            <a:r>
+              <a:rPr lang="en-US" sz="1100" dirty="0">
+                <a:solidFill>
+                  <a:srgbClr val="2E2E2C"/>
+                </a:solidFill>
+                <a:latin typeface="Courier" charset="0"/>
+                <a:ea typeface="Courier" charset="0"/>
+                <a:cs typeface="Courier" charset="0"/>
+                <a:sym typeface="Consolas"/>
+              </a:rPr>
+              <a:t>};</a:t>
+            </a:r>
+          </a:p>
+          <a:p>
+            <a:pPr marL="0" indent="0">
+              <a:buNone/>
+              <a:defRPr sz="1800">
+                <a:solidFill>
+                  <a:srgbClr val="000000"/>
+                </a:solidFill>
+              </a:defRPr>
+            </a:pPr>
+            <a:r>
+              <a:rPr lang="en-US" sz="1100" dirty="0" err="1">
+                <a:solidFill>
+                  <a:srgbClr val="2E2E2C"/>
+                </a:solidFill>
+                <a:latin typeface="Courier" charset="0"/>
+                <a:ea typeface="Courier" charset="0"/>
+                <a:cs typeface="Courier" charset="0"/>
+                <a:sym typeface="Consolas"/>
+              </a:rPr>
+              <a:t>myBucket.insert</a:t>
+            </a:r>
+            <a:r>
+              <a:rPr lang="en-US" sz="1100" dirty="0">
+                <a:solidFill>
+                  <a:srgbClr val="2E2E2C"/>
+                </a:solidFill>
+                <a:latin typeface="Courier" charset="0"/>
+                <a:ea typeface="Courier" charset="0"/>
+                <a:cs typeface="Courier" charset="0"/>
+                <a:sym typeface="Consolas"/>
+              </a:rPr>
+              <a:t>(</a:t>
+            </a:r>
+            <a:r>
+              <a:rPr lang="en-US" sz="1100" dirty="0">
+                <a:solidFill>
+                  <a:srgbClr val="E40121"/>
+                </a:solidFill>
+                <a:latin typeface="Courier" charset="0"/>
+                <a:ea typeface="Courier" charset="0"/>
+                <a:cs typeface="Courier" charset="0"/>
+                <a:sym typeface="Consolas"/>
+              </a:rPr>
+              <a:t>"my-key"</a:t>
+            </a:r>
+            <a:r>
+              <a:rPr lang="en-US" sz="1100" dirty="0">
+                <a:solidFill>
+                  <a:srgbClr val="2E2E2C"/>
+                </a:solidFill>
+                <a:latin typeface="Courier" charset="0"/>
+                <a:ea typeface="Courier" charset="0"/>
+                <a:cs typeface="Courier" charset="0"/>
+                <a:sym typeface="Consolas"/>
+              </a:rPr>
+              <a:t>, document, function(error, result) {});</a:t>
+            </a:r>
+          </a:p>
+        </p:txBody>
+      </p:sp>
+    </p:spTree>
+    <p:extLst>
+      <p:ext uri="{BB962C8B-B14F-4D97-AF65-F5344CB8AC3E}">
+        <p14:creationId xmlns:p14="http://schemas.microsoft.com/office/powerpoint/2010/main" val="181234665"/>
+      </p:ext>
+    </p:extLst>
+  </p:cSld>
+  <p:clrMapOvr>
+    <a:masterClrMapping/>
+  </p:clrMapOvr>
+</p:sld>
+</file>
+
+<file path=ppt/slides/slide14.xml><?xml version="1.0" encoding="utf-8"?>
+<p:sld xmlns:a="http://schemas.openxmlformats.org/drawingml/2006/main" xmlns:r="http://schemas.openxmlformats.org/officeDocument/2006/relationships" xmlns:p="http://schemas.openxmlformats.org/presentationml/2006/main">
+  <p:cSld>
+    <p:spTree>
+      <p:nvGrpSpPr>
+        <p:cNvPr id="1" name=""/>
+        <p:cNvGrpSpPr/>
+        <p:nvPr/>
+      </p:nvGrpSpPr>
+      <p:grpSpPr>
+        <a:xfrm>
+          <a:off x="0" y="0"/>
+          <a:ext cx="0" cy="0"/>
+          <a:chOff x="0" y="0"/>
+          <a:chExt cx="0" cy="0"/>
+        </a:xfrm>
+      </p:grpSpPr>
+      <p:sp>
+        <p:nvSpPr>
+          <p:cNvPr id="2" name="Title 1"/>
+          <p:cNvSpPr>
+            <a:spLocks noGrp="1"/>
+          </p:cNvSpPr>
+          <p:nvPr>
+            <p:ph type="title"/>
+          </p:nvPr>
+        </p:nvSpPr>
+        <p:spPr/>
+        <p:txBody>
+          <a:bodyPr/>
+          <a:lstStyle/>
+          <a:p>
+            <a:r>
+              <a:rPr lang="en-US" dirty="0"/>
+              <a:t>SDK: Java</a:t>
+            </a:r>
+          </a:p>
+        </p:txBody>
+      </p:sp>
+      <p:sp>
+        <p:nvSpPr>
+          <p:cNvPr id="3" name="Content Placeholder 2"/>
+          <p:cNvSpPr txBox="1">
+            <a:spLocks/>
+          </p:cNvSpPr>
+          <p:nvPr/>
+        </p:nvSpPr>
+        <p:spPr>
+          <a:xfrm>
+            <a:off x="609600" y="838200"/>
+            <a:ext cx="8007739" cy="3394472"/>
+          </a:xfrm>
+          <a:prstGeom prst="rect">
+            <a:avLst/>
+          </a:prstGeom>
+        </p:spPr>
+        <p:txBody>
+          <a:bodyPr/>
+          <a:lstStyle>
+            <a:lvl1pPr marL="228600" indent="-228600" algn="l" defTabSz="457200" rtl="0" eaLnBrk="1" latinLnBrk="0" hangingPunct="1">
+              <a:spcBef>
+                <a:spcPts val="0"/>
+              </a:spcBef>
+              <a:buClr>
+                <a:schemeClr val="accent1"/>
+              </a:buClr>
+              <a:buFont typeface="Wingdings" charset="2"/>
+              <a:buChar char="§"/>
+              <a:defRPr sz="2400" kern="1200">
+                <a:solidFill>
+                  <a:schemeClr val="tx1"/>
+                </a:solidFill>
+                <a:latin typeface="+mn-lt"/>
+                <a:ea typeface="+mn-ea"/>
+                <a:cs typeface="+mn-cs"/>
+              </a:defRPr>
+            </a:lvl1pPr>
+            <a:lvl2pPr marL="455613" indent="-227013" algn="l" defTabSz="457200" rtl="0" eaLnBrk="1" latinLnBrk="0" hangingPunct="1">
+              <a:spcBef>
+                <a:spcPts val="0"/>
+              </a:spcBef>
+              <a:buClr>
+                <a:srgbClr val="262626"/>
+              </a:buClr>
+              <a:buFont typeface="Wingdings" charset="2"/>
+              <a:buChar char="§"/>
+              <a:defRPr sz="2000" kern="1200">
+                <a:solidFill>
+                  <a:schemeClr val="tx1"/>
+                </a:solidFill>
+                <a:latin typeface="+mn-lt"/>
+                <a:ea typeface="+mn-ea"/>
+                <a:cs typeface="+mn-cs"/>
+              </a:defRPr>
+            </a:lvl2pPr>
+            <a:lvl3pPr marL="455613" indent="-228600" algn="l" defTabSz="457200" rtl="0" eaLnBrk="1" latinLnBrk="0" hangingPunct="1">
+              <a:spcBef>
+                <a:spcPts val="0"/>
+              </a:spcBef>
+              <a:buClr>
+                <a:srgbClr val="262626"/>
+              </a:buClr>
+              <a:buFont typeface="Wingdings" charset="2"/>
+              <a:buChar char="§"/>
+              <a:defRPr sz="2000" kern="1200">
+                <a:solidFill>
+                  <a:schemeClr val="tx1"/>
+                </a:solidFill>
+                <a:latin typeface="+mn-lt"/>
+                <a:ea typeface="+mn-ea"/>
+                <a:cs typeface="+mn-cs"/>
+              </a:defRPr>
+            </a:lvl3pPr>
+            <a:lvl4pPr marL="455613" indent="-228600" algn="l" defTabSz="457200" rtl="0" eaLnBrk="1" latinLnBrk="0" hangingPunct="1">
+              <a:spcBef>
+                <a:spcPts val="0"/>
+              </a:spcBef>
+              <a:buClr>
+                <a:srgbClr val="262626"/>
+              </a:buClr>
+              <a:buFont typeface="Wingdings" charset="2"/>
+              <a:buChar char="§"/>
+              <a:defRPr sz="2000" kern="1200">
+                <a:solidFill>
+                  <a:schemeClr val="tx1"/>
+                </a:solidFill>
+                <a:latin typeface="+mn-lt"/>
+                <a:ea typeface="+mn-ea"/>
+                <a:cs typeface="+mn-cs"/>
+              </a:defRPr>
+            </a:lvl4pPr>
+            <a:lvl5pPr marL="455613" indent="-228600" algn="l" defTabSz="457200" rtl="0" eaLnBrk="1" latinLnBrk="0" hangingPunct="1">
+              <a:spcBef>
+                <a:spcPts val="200"/>
+              </a:spcBef>
+              <a:buClr>
+                <a:srgbClr val="262626"/>
+              </a:buClr>
+              <a:buFont typeface="Wingdings" charset="2"/>
+              <a:buChar char="§"/>
+              <a:defRPr sz="2000" kern="1200">
+                <a:solidFill>
+                  <a:schemeClr val="tx1"/>
+                </a:solidFill>
+                <a:latin typeface="+mn-lt"/>
+                <a:ea typeface="+mn-ea"/>
+                <a:cs typeface="+mn-cs"/>
+              </a:defRPr>
+            </a:lvl5pPr>
+            <a:lvl6pPr marL="2514600" indent="-228600" algn="l" defTabSz="457200" rtl="0" eaLnBrk="1" latinLnBrk="0" hangingPunct="1">
+              <a:spcBef>
+                <a:spcPct val="20000"/>
+              </a:spcBef>
+              <a:buFont typeface="Arial"/>
+              <a:buChar char="•"/>
+              <a:defRPr sz="2000" kern="1200">
+                <a:solidFill>
+                  <a:schemeClr val="tx1"/>
+                </a:solidFill>
+                <a:latin typeface="+mn-lt"/>
+                <a:ea typeface="+mn-ea"/>
+                <a:cs typeface="+mn-cs"/>
+              </a:defRPr>
+            </a:lvl6pPr>
+            <a:lvl7pPr marL="2971800" indent="-228600" algn="l" defTabSz="457200" rtl="0" eaLnBrk="1" latinLnBrk="0" hangingPunct="1">
+              <a:spcBef>
+                <a:spcPct val="20000"/>
+              </a:spcBef>
+              <a:buFont typeface="Arial"/>
+              <a:buChar char="•"/>
+              <a:defRPr sz="2000" kern="1200">
+                <a:solidFill>
+                  <a:schemeClr val="tx1"/>
+                </a:solidFill>
+                <a:latin typeface="+mn-lt"/>
+                <a:ea typeface="+mn-ea"/>
+                <a:cs typeface="+mn-cs"/>
+              </a:defRPr>
+            </a:lvl7pPr>
+            <a:lvl8pPr marL="3429000" indent="-228600" algn="l" defTabSz="457200" rtl="0" eaLnBrk="1" latinLnBrk="0" hangingPunct="1">
+              <a:spcBef>
+                <a:spcPct val="20000"/>
+              </a:spcBef>
+              <a:buFont typeface="Arial"/>
+              <a:buChar char="•"/>
+              <a:defRPr sz="2000" kern="1200">
+                <a:solidFill>
+                  <a:schemeClr val="tx1"/>
+                </a:solidFill>
+                <a:latin typeface="+mn-lt"/>
+                <a:ea typeface="+mn-ea"/>
+                <a:cs typeface="+mn-cs"/>
+              </a:defRPr>
+            </a:lvl8pPr>
+            <a:lvl9pPr marL="3886200" indent="-228600" algn="l" defTabSz="457200" rtl="0" eaLnBrk="1" latinLnBrk="0" hangingPunct="1">
+              <a:spcBef>
+                <a:spcPct val="20000"/>
+              </a:spcBef>
+              <a:buFont typeface="Arial"/>
+              <a:buChar char="•"/>
+              <a:defRPr sz="2000" kern="1200">
+                <a:solidFill>
+                  <a:schemeClr val="tx1"/>
+                </a:solidFill>
+                <a:latin typeface="+mn-lt"/>
+                <a:ea typeface="+mn-ea"/>
+                <a:cs typeface="+mn-cs"/>
+              </a:defRPr>
+            </a:lvl9pPr>
+          </a:lstStyle>
+          <a:p>
+            <a:pPr marL="342900" indent="-342900">
+              <a:buFont typeface="Arial" charset="0"/>
+              <a:buChar char="•"/>
+            </a:pPr>
+            <a:r>
+              <a:rPr lang="en-US" dirty="0"/>
+              <a:t>How to install</a:t>
+            </a:r>
+          </a:p>
+          <a:p>
+            <a:pPr marL="342900" indent="-342900">
+              <a:buFont typeface="Arial" charset="0"/>
+              <a:buChar char="•"/>
+            </a:pPr>
+            <a:endParaRPr lang="en-US" dirty="0"/>
+          </a:p>
+          <a:p>
+            <a:pPr marL="569913" lvl="1" indent="-342900">
+              <a:buFont typeface="Arial" charset="0"/>
+              <a:buChar char="•"/>
+            </a:pPr>
+            <a:r>
+              <a:rPr lang="en-US" dirty="0" err="1"/>
+              <a:t>mvn</a:t>
+            </a:r>
+            <a:r>
+              <a:rPr lang="en-US" dirty="0"/>
+              <a:t> compile</a:t>
+            </a:r>
+          </a:p>
+          <a:p>
+            <a:pPr marL="569913" lvl="1" indent="-342900">
+              <a:buFont typeface="Arial" charset="0"/>
+              <a:buChar char="•"/>
+            </a:pPr>
+            <a:endParaRPr lang="en-US" dirty="0"/>
+          </a:p>
+          <a:p>
+            <a:pPr marL="342900" indent="-342900">
+              <a:buFont typeface="Arial" charset="0"/>
+              <a:buChar char="•"/>
+            </a:pPr>
+            <a:r>
+              <a:rPr lang="en-US" dirty="0"/>
+              <a:t>How to connect to a </a:t>
+            </a:r>
+            <a:r>
+              <a:rPr lang="en-US" dirty="0" err="1"/>
+              <a:t>Couchbase</a:t>
+            </a:r>
+            <a:r>
+              <a:rPr lang="en-US" dirty="0"/>
+              <a:t> cluster</a:t>
+            </a:r>
+          </a:p>
+          <a:p>
+            <a:pPr marL="342900" indent="-342900">
+              <a:buFont typeface="Arial" charset="0"/>
+              <a:buChar char="•"/>
+            </a:pPr>
+            <a:endParaRPr lang="en-US" dirty="0"/>
+          </a:p>
+          <a:p>
+            <a:pPr marL="342900" indent="-342900">
+              <a:buFont typeface="Arial" charset="0"/>
+              <a:buChar char="•"/>
+            </a:pPr>
+            <a:endParaRPr lang="en-US" dirty="0"/>
+          </a:p>
+          <a:p>
+            <a:endParaRPr lang="en-US" dirty="0"/>
+          </a:p>
+        </p:txBody>
+      </p:sp>
+      <p:sp>
+        <p:nvSpPr>
+          <p:cNvPr id="4" name="Shape 1658"/>
+          <p:cNvSpPr txBox="1">
+            <a:spLocks/>
+          </p:cNvSpPr>
+          <p:nvPr/>
+        </p:nvSpPr>
+        <p:spPr>
+          <a:xfrm>
+            <a:off x="1288661" y="1812120"/>
+            <a:ext cx="6236089" cy="2855130"/>
+          </a:xfrm>
+          <a:prstGeom prst="rect">
+            <a:avLst/>
+          </a:prstGeom>
+        </p:spPr>
+        <p:txBody>
+          <a:bodyPr lIns="0" tIns="0" rIns="0" bIns="0">
+            <a:noAutofit/>
+          </a:bodyPr>
+          <a:lstStyle>
+            <a:lvl1pPr marL="228600" indent="-228600" algn="l" defTabSz="457200" rtl="0" eaLnBrk="1" latinLnBrk="0" hangingPunct="1">
+              <a:spcBef>
+                <a:spcPts val="0"/>
+              </a:spcBef>
+              <a:buClr>
+                <a:schemeClr val="accent1"/>
+              </a:buClr>
+              <a:buFont typeface="Wingdings" charset="2"/>
+              <a:buChar char="§"/>
+              <a:defRPr sz="2400" kern="1200">
+                <a:solidFill>
+                  <a:schemeClr val="tx1"/>
+                </a:solidFill>
+                <a:latin typeface="+mn-lt"/>
+                <a:ea typeface="+mn-ea"/>
+                <a:cs typeface="+mn-cs"/>
+              </a:defRPr>
+            </a:lvl1pPr>
+            <a:lvl2pPr marL="455613" indent="-227013" algn="l" defTabSz="457200" rtl="0" eaLnBrk="1" latinLnBrk="0" hangingPunct="1">
+              <a:spcBef>
+                <a:spcPts val="0"/>
+              </a:spcBef>
+              <a:buClr>
+                <a:srgbClr val="262626"/>
+              </a:buClr>
+              <a:buFont typeface="Wingdings" charset="2"/>
+              <a:buChar char="§"/>
+              <a:defRPr sz="2000" kern="1200">
+                <a:solidFill>
+                  <a:schemeClr val="tx1"/>
+                </a:solidFill>
+                <a:latin typeface="+mn-lt"/>
+                <a:ea typeface="+mn-ea"/>
+                <a:cs typeface="+mn-cs"/>
+              </a:defRPr>
+            </a:lvl2pPr>
+            <a:lvl3pPr marL="455613" indent="-228600" algn="l" defTabSz="457200" rtl="0" eaLnBrk="1" latinLnBrk="0" hangingPunct="1">
+              <a:spcBef>
+                <a:spcPts val="0"/>
+              </a:spcBef>
+              <a:buClr>
+                <a:srgbClr val="262626"/>
+              </a:buClr>
+              <a:buFont typeface="Wingdings" charset="2"/>
+              <a:buChar char="§"/>
+              <a:defRPr sz="2000" kern="1200">
+                <a:solidFill>
+                  <a:schemeClr val="tx1"/>
+                </a:solidFill>
+                <a:latin typeface="+mn-lt"/>
+                <a:ea typeface="+mn-ea"/>
+                <a:cs typeface="+mn-cs"/>
+              </a:defRPr>
+            </a:lvl3pPr>
+            <a:lvl4pPr marL="455613" indent="-228600" algn="l" defTabSz="457200" rtl="0" eaLnBrk="1" latinLnBrk="0" hangingPunct="1">
+              <a:spcBef>
+                <a:spcPts val="0"/>
+              </a:spcBef>
+              <a:buClr>
+                <a:srgbClr val="262626"/>
+              </a:buClr>
+              <a:buFont typeface="Wingdings" charset="2"/>
+              <a:buChar char="§"/>
+              <a:defRPr sz="2000" kern="1200">
+                <a:solidFill>
+                  <a:schemeClr val="tx1"/>
+                </a:solidFill>
+                <a:latin typeface="+mn-lt"/>
+                <a:ea typeface="+mn-ea"/>
+                <a:cs typeface="+mn-cs"/>
+              </a:defRPr>
+            </a:lvl4pPr>
+            <a:lvl5pPr marL="455613" indent="-228600" algn="l" defTabSz="457200" rtl="0" eaLnBrk="1" latinLnBrk="0" hangingPunct="1">
+              <a:spcBef>
+                <a:spcPts val="200"/>
+              </a:spcBef>
+              <a:buClr>
+                <a:srgbClr val="262626"/>
+              </a:buClr>
+              <a:buFont typeface="Wingdings" charset="2"/>
+              <a:buChar char="§"/>
+              <a:defRPr sz="2000" kern="1200">
+                <a:solidFill>
+                  <a:schemeClr val="tx1"/>
+                </a:solidFill>
+                <a:latin typeface="+mn-lt"/>
+                <a:ea typeface="+mn-ea"/>
+                <a:cs typeface="+mn-cs"/>
+              </a:defRPr>
+            </a:lvl5pPr>
+            <a:lvl6pPr marL="2514600" indent="-228600" algn="l" defTabSz="457200" rtl="0" eaLnBrk="1" latinLnBrk="0" hangingPunct="1">
+              <a:spcBef>
+                <a:spcPct val="20000"/>
+              </a:spcBef>
+              <a:buFont typeface="Arial"/>
+              <a:buChar char="•"/>
+              <a:defRPr sz="2000" kern="1200">
+                <a:solidFill>
+                  <a:schemeClr val="tx1"/>
+                </a:solidFill>
+                <a:latin typeface="+mn-lt"/>
+                <a:ea typeface="+mn-ea"/>
+                <a:cs typeface="+mn-cs"/>
+              </a:defRPr>
+            </a:lvl6pPr>
+            <a:lvl7pPr marL="2971800" indent="-228600" algn="l" defTabSz="457200" rtl="0" eaLnBrk="1" latinLnBrk="0" hangingPunct="1">
+              <a:spcBef>
+                <a:spcPct val="20000"/>
+              </a:spcBef>
+              <a:buFont typeface="Arial"/>
+              <a:buChar char="•"/>
+              <a:defRPr sz="2000" kern="1200">
+                <a:solidFill>
+                  <a:schemeClr val="tx1"/>
+                </a:solidFill>
+                <a:latin typeface="+mn-lt"/>
+                <a:ea typeface="+mn-ea"/>
+                <a:cs typeface="+mn-cs"/>
+              </a:defRPr>
+            </a:lvl7pPr>
+            <a:lvl8pPr marL="3429000" indent="-228600" algn="l" defTabSz="457200" rtl="0" eaLnBrk="1" latinLnBrk="0" hangingPunct="1">
+              <a:spcBef>
+                <a:spcPct val="20000"/>
+              </a:spcBef>
+              <a:buFont typeface="Arial"/>
+              <a:buChar char="•"/>
+              <a:defRPr sz="2000" kern="1200">
+                <a:solidFill>
+                  <a:schemeClr val="tx1"/>
+                </a:solidFill>
+                <a:latin typeface="+mn-lt"/>
+                <a:ea typeface="+mn-ea"/>
+                <a:cs typeface="+mn-cs"/>
+              </a:defRPr>
+            </a:lvl8pPr>
+            <a:lvl9pPr marL="3886200" indent="-228600" algn="l" defTabSz="457200" rtl="0" eaLnBrk="1" latinLnBrk="0" hangingPunct="1">
+              <a:spcBef>
+                <a:spcPct val="20000"/>
+              </a:spcBef>
+              <a:buFont typeface="Arial"/>
+              <a:buChar char="•"/>
+              <a:defRPr sz="2000" kern="1200">
+                <a:solidFill>
+                  <a:schemeClr val="tx1"/>
+                </a:solidFill>
+                <a:latin typeface="+mn-lt"/>
+                <a:ea typeface="+mn-ea"/>
+                <a:cs typeface="+mn-cs"/>
+              </a:defRPr>
+            </a:lvl9pPr>
+          </a:lstStyle>
+          <a:p>
+            <a:pPr marL="0" indent="0">
+              <a:buNone/>
+              <a:defRPr sz="1800">
+                <a:solidFill>
+                  <a:srgbClr val="000000"/>
+                </a:solidFill>
+              </a:defRPr>
+            </a:pPr>
+            <a:endParaRPr lang="en-US" sz="1100" dirty="0">
+              <a:solidFill>
+                <a:srgbClr val="2E2E2C"/>
+              </a:solidFill>
+              <a:latin typeface="Courier" charset="0"/>
+              <a:ea typeface="Courier" charset="0"/>
+              <a:cs typeface="Courier" charset="0"/>
+              <a:sym typeface="Consolas"/>
+            </a:endParaRPr>
+          </a:p>
+        </p:txBody>
+      </p:sp>
+      <p:sp>
+        <p:nvSpPr>
+          <p:cNvPr id="5" name="Shape 1658"/>
+          <p:cNvSpPr txBox="1">
+            <a:spLocks/>
+          </p:cNvSpPr>
+          <p:nvPr/>
+        </p:nvSpPr>
+        <p:spPr>
+          <a:xfrm>
+            <a:off x="1424797" y="2631270"/>
+            <a:ext cx="6779014" cy="2420551"/>
+          </a:xfrm>
+          <a:prstGeom prst="rect">
+            <a:avLst/>
+          </a:prstGeom>
+        </p:spPr>
+        <p:txBody>
+          <a:bodyPr lIns="0" tIns="0" rIns="0" bIns="0">
+            <a:noAutofit/>
+          </a:bodyPr>
+          <a:lstStyle>
+            <a:lvl1pPr marL="228600" indent="-228600" algn="l" defTabSz="457200" rtl="0" eaLnBrk="1" latinLnBrk="0" hangingPunct="1">
+              <a:spcBef>
+                <a:spcPts val="0"/>
+              </a:spcBef>
+              <a:buClr>
+                <a:schemeClr val="accent1"/>
+              </a:buClr>
+              <a:buFont typeface="Wingdings" charset="2"/>
+              <a:buChar char="§"/>
+              <a:defRPr sz="2400" kern="1200">
+                <a:solidFill>
+                  <a:schemeClr val="tx1"/>
+                </a:solidFill>
+                <a:latin typeface="+mn-lt"/>
+                <a:ea typeface="+mn-ea"/>
+                <a:cs typeface="+mn-cs"/>
+              </a:defRPr>
+            </a:lvl1pPr>
+            <a:lvl2pPr marL="455613" indent="-227013" algn="l" defTabSz="457200" rtl="0" eaLnBrk="1" latinLnBrk="0" hangingPunct="1">
+              <a:spcBef>
+                <a:spcPts val="0"/>
+              </a:spcBef>
+              <a:buClr>
+                <a:srgbClr val="262626"/>
+              </a:buClr>
+              <a:buFont typeface="Wingdings" charset="2"/>
+              <a:buChar char="§"/>
+              <a:defRPr sz="2000" kern="1200">
+                <a:solidFill>
+                  <a:schemeClr val="tx1"/>
+                </a:solidFill>
+                <a:latin typeface="+mn-lt"/>
+                <a:ea typeface="+mn-ea"/>
+                <a:cs typeface="+mn-cs"/>
+              </a:defRPr>
+            </a:lvl2pPr>
+            <a:lvl3pPr marL="455613" indent="-228600" algn="l" defTabSz="457200" rtl="0" eaLnBrk="1" latinLnBrk="0" hangingPunct="1">
+              <a:spcBef>
+                <a:spcPts val="0"/>
+              </a:spcBef>
+              <a:buClr>
+                <a:srgbClr val="262626"/>
+              </a:buClr>
+              <a:buFont typeface="Wingdings" charset="2"/>
+              <a:buChar char="§"/>
+              <a:defRPr sz="2000" kern="1200">
+                <a:solidFill>
+                  <a:schemeClr val="tx1"/>
+                </a:solidFill>
+                <a:latin typeface="+mn-lt"/>
+                <a:ea typeface="+mn-ea"/>
+                <a:cs typeface="+mn-cs"/>
+              </a:defRPr>
+            </a:lvl3pPr>
+            <a:lvl4pPr marL="455613" indent="-228600" algn="l" defTabSz="457200" rtl="0" eaLnBrk="1" latinLnBrk="0" hangingPunct="1">
+              <a:spcBef>
+                <a:spcPts val="0"/>
+              </a:spcBef>
+              <a:buClr>
+                <a:srgbClr val="262626"/>
+              </a:buClr>
+              <a:buFont typeface="Wingdings" charset="2"/>
+              <a:buChar char="§"/>
+              <a:defRPr sz="2000" kern="1200">
+                <a:solidFill>
+                  <a:schemeClr val="tx1"/>
+                </a:solidFill>
+                <a:latin typeface="+mn-lt"/>
+                <a:ea typeface="+mn-ea"/>
+                <a:cs typeface="+mn-cs"/>
+              </a:defRPr>
+            </a:lvl4pPr>
+            <a:lvl5pPr marL="455613" indent="-228600" algn="l" defTabSz="457200" rtl="0" eaLnBrk="1" latinLnBrk="0" hangingPunct="1">
+              <a:spcBef>
+                <a:spcPts val="200"/>
+              </a:spcBef>
+              <a:buClr>
+                <a:srgbClr val="262626"/>
+              </a:buClr>
+              <a:buFont typeface="Wingdings" charset="2"/>
+              <a:buChar char="§"/>
+              <a:defRPr sz="2000" kern="1200">
+                <a:solidFill>
+                  <a:schemeClr val="tx1"/>
+                </a:solidFill>
+                <a:latin typeface="+mn-lt"/>
+                <a:ea typeface="+mn-ea"/>
+                <a:cs typeface="+mn-cs"/>
+              </a:defRPr>
+            </a:lvl5pPr>
+            <a:lvl6pPr marL="2514600" indent="-228600" algn="l" defTabSz="457200" rtl="0" eaLnBrk="1" latinLnBrk="0" hangingPunct="1">
+              <a:spcBef>
+                <a:spcPct val="20000"/>
+              </a:spcBef>
+              <a:buFont typeface="Arial"/>
+              <a:buChar char="•"/>
+              <a:defRPr sz="2000" kern="1200">
+                <a:solidFill>
+                  <a:schemeClr val="tx1"/>
+                </a:solidFill>
+                <a:latin typeface="+mn-lt"/>
+                <a:ea typeface="+mn-ea"/>
+                <a:cs typeface="+mn-cs"/>
+              </a:defRPr>
+            </a:lvl6pPr>
+            <a:lvl7pPr marL="2971800" indent="-228600" algn="l" defTabSz="457200" rtl="0" eaLnBrk="1" latinLnBrk="0" hangingPunct="1">
+              <a:spcBef>
+                <a:spcPct val="20000"/>
+              </a:spcBef>
+              <a:buFont typeface="Arial"/>
+              <a:buChar char="•"/>
+              <a:defRPr sz="2000" kern="1200">
+                <a:solidFill>
+                  <a:schemeClr val="tx1"/>
+                </a:solidFill>
+                <a:latin typeface="+mn-lt"/>
+                <a:ea typeface="+mn-ea"/>
+                <a:cs typeface="+mn-cs"/>
+              </a:defRPr>
+            </a:lvl7pPr>
+            <a:lvl8pPr marL="3429000" indent="-228600" algn="l" defTabSz="457200" rtl="0" eaLnBrk="1" latinLnBrk="0" hangingPunct="1">
+              <a:spcBef>
+                <a:spcPct val="20000"/>
+              </a:spcBef>
+              <a:buFont typeface="Arial"/>
+              <a:buChar char="•"/>
+              <a:defRPr sz="2000" kern="1200">
+                <a:solidFill>
+                  <a:schemeClr val="tx1"/>
+                </a:solidFill>
+                <a:latin typeface="+mn-lt"/>
+                <a:ea typeface="+mn-ea"/>
+                <a:cs typeface="+mn-cs"/>
+              </a:defRPr>
+            </a:lvl8pPr>
+            <a:lvl9pPr marL="3886200" indent="-228600" algn="l" defTabSz="457200" rtl="0" eaLnBrk="1" latinLnBrk="0" hangingPunct="1">
+              <a:spcBef>
+                <a:spcPct val="20000"/>
+              </a:spcBef>
+              <a:buFont typeface="Arial"/>
+              <a:buChar char="•"/>
+              <a:defRPr sz="2000" kern="1200">
+                <a:solidFill>
+                  <a:schemeClr val="tx1"/>
+                </a:solidFill>
+                <a:latin typeface="+mn-lt"/>
+                <a:ea typeface="+mn-ea"/>
+                <a:cs typeface="+mn-cs"/>
+              </a:defRPr>
+            </a:lvl9pPr>
+          </a:lstStyle>
+          <a:p>
+            <a:pPr marL="0" indent="0">
+              <a:buNone/>
+              <a:defRPr sz="1800">
+                <a:solidFill>
+                  <a:srgbClr val="000000"/>
+                </a:solidFill>
+              </a:defRPr>
+            </a:pPr>
+            <a:r>
+              <a:rPr lang="en-US" sz="1100" dirty="0">
+                <a:latin typeface="Courier" charset="0"/>
+                <a:ea typeface="Courier" charset="0"/>
+                <a:cs typeface="Courier" charset="0"/>
+                <a:sym typeface="Consolas"/>
+              </a:rPr>
+              <a:t>// connecting to a cluster</a:t>
+            </a:r>
+          </a:p>
+          <a:p>
+            <a:pPr marL="0" indent="0">
+              <a:buNone/>
+              <a:defRPr sz="1800">
+                <a:solidFill>
+                  <a:srgbClr val="000000"/>
+                </a:solidFill>
+              </a:defRPr>
+            </a:pPr>
+            <a:r>
+              <a:rPr lang="en-US" sz="1100" dirty="0">
+                <a:latin typeface="Courier" charset="0"/>
+                <a:ea typeface="Courier" charset="0"/>
+                <a:cs typeface="Courier" charset="0"/>
+                <a:sym typeface="Consolas"/>
+              </a:rPr>
+              <a:t>Cluster </a:t>
+            </a:r>
+            <a:r>
+              <a:rPr lang="en-US" sz="1100" dirty="0" err="1">
+                <a:latin typeface="Courier" charset="0"/>
+                <a:ea typeface="Courier" charset="0"/>
+                <a:cs typeface="Courier" charset="0"/>
+                <a:sym typeface="Consolas"/>
+              </a:rPr>
+              <a:t>cluster</a:t>
+            </a:r>
+            <a:r>
+              <a:rPr lang="en-US" sz="1100" dirty="0">
+                <a:latin typeface="Courier" charset="0"/>
+                <a:ea typeface="Courier" charset="0"/>
+                <a:cs typeface="Courier" charset="0"/>
+                <a:sym typeface="Consolas"/>
+              </a:rPr>
+              <a:t> = </a:t>
+            </a:r>
+            <a:r>
+              <a:rPr lang="en-US" sz="1100" dirty="0" err="1">
+                <a:latin typeface="Courier" charset="0"/>
+                <a:ea typeface="Courier" charset="0"/>
+                <a:cs typeface="Courier" charset="0"/>
+                <a:sym typeface="Consolas"/>
+              </a:rPr>
+              <a:t>CouchbaseCluster.create</a:t>
+            </a:r>
+            <a:r>
+              <a:rPr lang="en-US" sz="1100" dirty="0">
+                <a:latin typeface="Courier" charset="0"/>
+                <a:ea typeface="Courier" charset="0"/>
+                <a:cs typeface="Courier" charset="0"/>
+                <a:sym typeface="Consolas"/>
+              </a:rPr>
+              <a:t>("localhost");</a:t>
+            </a:r>
+          </a:p>
+          <a:p>
+            <a:pPr marL="0" indent="0">
+              <a:buNone/>
+              <a:defRPr sz="1800">
+                <a:solidFill>
+                  <a:srgbClr val="000000"/>
+                </a:solidFill>
+              </a:defRPr>
+            </a:pPr>
+            <a:endParaRPr lang="en-US" sz="1100" dirty="0">
+              <a:latin typeface="Courier" charset="0"/>
+              <a:ea typeface="Courier" charset="0"/>
+              <a:cs typeface="Courier" charset="0"/>
+              <a:sym typeface="Consolas"/>
+            </a:endParaRPr>
+          </a:p>
+          <a:p>
+            <a:pPr marL="0" indent="0">
+              <a:buNone/>
+              <a:defRPr sz="1800">
+                <a:solidFill>
+                  <a:srgbClr val="000000"/>
+                </a:solidFill>
+              </a:defRPr>
+            </a:pPr>
+            <a:r>
+              <a:rPr lang="en-US" sz="1100" dirty="0">
+                <a:latin typeface="Courier" charset="0"/>
+                <a:ea typeface="Courier" charset="0"/>
+                <a:cs typeface="Courier" charset="0"/>
+                <a:sym typeface="Consolas"/>
+              </a:rPr>
+              <a:t>// opening a bucket in the cluster</a:t>
+            </a:r>
+          </a:p>
+          <a:p>
+            <a:pPr marL="0" indent="0">
+              <a:buNone/>
+              <a:defRPr sz="1800">
+                <a:solidFill>
+                  <a:srgbClr val="000000"/>
+                </a:solidFill>
+              </a:defRPr>
+            </a:pPr>
+            <a:r>
+              <a:rPr lang="en-US" sz="1100" dirty="0">
+                <a:latin typeface="Courier" charset="0"/>
+                <a:ea typeface="Courier" charset="0"/>
+                <a:cs typeface="Courier" charset="0"/>
+                <a:sym typeface="Consolas"/>
+              </a:rPr>
+              <a:t>Bucket </a:t>
+            </a:r>
+            <a:r>
+              <a:rPr lang="en-US" sz="1100" dirty="0" err="1">
+                <a:latin typeface="Courier" charset="0"/>
+                <a:ea typeface="Courier" charset="0"/>
+                <a:cs typeface="Courier" charset="0"/>
+                <a:sym typeface="Consolas"/>
+              </a:rPr>
+              <a:t>bucket</a:t>
+            </a:r>
+            <a:r>
+              <a:rPr lang="en-US" sz="1100" dirty="0">
+                <a:latin typeface="Courier" charset="0"/>
+                <a:ea typeface="Courier" charset="0"/>
+                <a:cs typeface="Courier" charset="0"/>
+                <a:sym typeface="Consolas"/>
+              </a:rPr>
+              <a:t> = </a:t>
+            </a:r>
+            <a:r>
+              <a:rPr lang="en-US" sz="1100" dirty="0" err="1">
+                <a:latin typeface="Courier" charset="0"/>
+                <a:ea typeface="Courier" charset="0"/>
+                <a:cs typeface="Courier" charset="0"/>
+                <a:sym typeface="Consolas"/>
+              </a:rPr>
+              <a:t>cluster.openBucket</a:t>
+            </a:r>
+            <a:r>
+              <a:rPr lang="en-US" sz="1100" dirty="0">
+                <a:latin typeface="Courier" charset="0"/>
+                <a:ea typeface="Courier" charset="0"/>
+                <a:cs typeface="Courier" charset="0"/>
+                <a:sym typeface="Consolas"/>
+              </a:rPr>
+              <a:t>("default");</a:t>
+            </a:r>
+          </a:p>
+          <a:p>
+            <a:pPr marL="0" indent="0">
+              <a:buNone/>
+              <a:defRPr sz="1800">
+                <a:solidFill>
+                  <a:srgbClr val="000000"/>
+                </a:solidFill>
+              </a:defRPr>
+            </a:pPr>
+            <a:endParaRPr lang="en-US" sz="1100" dirty="0">
+              <a:latin typeface="Courier" charset="0"/>
+              <a:ea typeface="Courier" charset="0"/>
+              <a:cs typeface="Courier" charset="0"/>
+              <a:sym typeface="Consolas"/>
+            </a:endParaRPr>
+          </a:p>
+          <a:p>
+            <a:pPr marL="0" indent="0">
+              <a:buNone/>
+              <a:defRPr sz="1800">
+                <a:solidFill>
+                  <a:srgbClr val="000000"/>
+                </a:solidFill>
+              </a:defRPr>
+            </a:pPr>
+            <a:r>
+              <a:rPr lang="en-US" sz="1100" dirty="0">
+                <a:latin typeface="Courier" charset="0"/>
+                <a:ea typeface="Courier" charset="0"/>
+                <a:cs typeface="Courier" charset="0"/>
+                <a:sym typeface="Consolas"/>
+              </a:rPr>
+              <a:t>// preparing N1QL</a:t>
+            </a:r>
+          </a:p>
+          <a:p>
+            <a:pPr marL="0" indent="0">
+              <a:buNone/>
+              <a:defRPr sz="1800">
+                <a:solidFill>
+                  <a:srgbClr val="000000"/>
+                </a:solidFill>
+              </a:defRPr>
+            </a:pPr>
+            <a:r>
+              <a:rPr lang="en-US" sz="1100" dirty="0">
+                <a:latin typeface="Courier" charset="0"/>
+                <a:ea typeface="Courier" charset="0"/>
+                <a:cs typeface="Courier" charset="0"/>
+                <a:sym typeface="Consolas"/>
+              </a:rPr>
+              <a:t>N1qlQuery query =  N1qlQuery.parameterized(“SELECT * FROM `travel-sample`”);</a:t>
+            </a:r>
+          </a:p>
+          <a:p>
+            <a:pPr marL="0" indent="0">
+              <a:buNone/>
+              <a:defRPr sz="1800">
+                <a:solidFill>
+                  <a:srgbClr val="000000"/>
+                </a:solidFill>
+              </a:defRPr>
+            </a:pPr>
+            <a:endParaRPr lang="en-US" sz="1100" dirty="0">
+              <a:solidFill>
+                <a:srgbClr val="2E2E2C"/>
+              </a:solidFill>
+              <a:latin typeface="Courier" charset="0"/>
+              <a:ea typeface="Courier" charset="0"/>
+              <a:cs typeface="Courier" charset="0"/>
+              <a:sym typeface="Consolas"/>
+            </a:endParaRPr>
+          </a:p>
+          <a:p>
+            <a:pPr marL="0" indent="0">
+              <a:buNone/>
+              <a:defRPr sz="1800">
+                <a:solidFill>
+                  <a:srgbClr val="000000"/>
+                </a:solidFill>
+              </a:defRPr>
+            </a:pPr>
+            <a:r>
+              <a:rPr lang="en-US" sz="1100" dirty="0">
+                <a:solidFill>
+                  <a:srgbClr val="2E2E2C"/>
+                </a:solidFill>
+                <a:latin typeface="Courier" charset="0"/>
+                <a:ea typeface="Courier" charset="0"/>
+                <a:cs typeface="Courier" charset="0"/>
+                <a:sym typeface="Consolas"/>
+              </a:rPr>
+              <a:t>// creating and saving a document</a:t>
+            </a:r>
+          </a:p>
+          <a:p>
+            <a:pPr marL="0" indent="0">
+              <a:buNone/>
+              <a:defRPr sz="1800">
+                <a:solidFill>
+                  <a:srgbClr val="000000"/>
+                </a:solidFill>
+              </a:defRPr>
+            </a:pPr>
+            <a:r>
+              <a:rPr lang="en-US" sz="1100" dirty="0" err="1">
+                <a:solidFill>
+                  <a:srgbClr val="2E2E2C"/>
+                </a:solidFill>
+                <a:latin typeface="Courier" charset="0"/>
+                <a:ea typeface="Courier" charset="0"/>
+                <a:cs typeface="Courier" charset="0"/>
+                <a:sym typeface="Consolas"/>
+              </a:rPr>
+              <a:t>JsonObject</a:t>
+            </a:r>
+            <a:r>
+              <a:rPr lang="en-US" sz="1100" dirty="0">
+                <a:solidFill>
+                  <a:srgbClr val="2E2E2C"/>
+                </a:solidFill>
+                <a:latin typeface="Courier" charset="0"/>
+                <a:ea typeface="Courier" charset="0"/>
+                <a:cs typeface="Courier" charset="0"/>
+                <a:sym typeface="Consolas"/>
+              </a:rPr>
+              <a:t> person = </a:t>
+            </a:r>
+            <a:r>
+              <a:rPr lang="en-US" sz="1100" dirty="0" err="1">
+                <a:solidFill>
+                  <a:srgbClr val="2E2E2C"/>
+                </a:solidFill>
+                <a:latin typeface="Courier" charset="0"/>
+                <a:ea typeface="Courier" charset="0"/>
+                <a:cs typeface="Courier" charset="0"/>
+                <a:sym typeface="Consolas"/>
+              </a:rPr>
+              <a:t>JsonObject.create</a:t>
+            </a:r>
+            <a:r>
+              <a:rPr lang="en-US" sz="1100" dirty="0">
+                <a:solidFill>
+                  <a:srgbClr val="2E2E2C"/>
+                </a:solidFill>
+                <a:latin typeface="Courier" charset="0"/>
+                <a:ea typeface="Courier" charset="0"/>
+                <a:cs typeface="Courier" charset="0"/>
+                <a:sym typeface="Consolas"/>
+              </a:rPr>
+              <a:t>()</a:t>
+            </a:r>
+          </a:p>
+          <a:p>
+            <a:pPr marL="0" indent="0">
+              <a:buNone/>
+              <a:defRPr sz="1800">
+                <a:solidFill>
+                  <a:srgbClr val="000000"/>
+                </a:solidFill>
+              </a:defRPr>
+            </a:pPr>
+            <a:r>
+              <a:rPr lang="en-US" sz="1100" dirty="0">
+                <a:solidFill>
+                  <a:srgbClr val="2E2E2C"/>
+                </a:solidFill>
+                <a:latin typeface="Courier" charset="0"/>
+                <a:ea typeface="Courier" charset="0"/>
+                <a:cs typeface="Courier" charset="0"/>
+                <a:sym typeface="Consolas"/>
+              </a:rPr>
+              <a:t>                .put("</a:t>
+            </a:r>
+            <a:r>
+              <a:rPr lang="en-US" sz="1100" dirty="0" err="1">
+                <a:solidFill>
+                  <a:srgbClr val="2E2E2C"/>
+                </a:solidFill>
+                <a:latin typeface="Courier" charset="0"/>
+                <a:ea typeface="Courier" charset="0"/>
+                <a:cs typeface="Courier" charset="0"/>
+                <a:sym typeface="Consolas"/>
+              </a:rPr>
+              <a:t>firstName</a:t>
+            </a:r>
+            <a:r>
+              <a:rPr lang="en-US" sz="1100" dirty="0">
+                <a:solidFill>
+                  <a:srgbClr val="2E2E2C"/>
+                </a:solidFill>
+                <a:latin typeface="Courier" charset="0"/>
+                <a:ea typeface="Courier" charset="0"/>
+                <a:cs typeface="Courier" charset="0"/>
+                <a:sym typeface="Consolas"/>
+              </a:rPr>
+              <a:t>", "John")</a:t>
+            </a:r>
+          </a:p>
+          <a:p>
+            <a:pPr marL="0" indent="0">
+              <a:buNone/>
+              <a:defRPr sz="1800">
+                <a:solidFill>
+                  <a:srgbClr val="000000"/>
+                </a:solidFill>
+              </a:defRPr>
+            </a:pPr>
+            <a:r>
+              <a:rPr lang="en-US" sz="1100" dirty="0">
+                <a:solidFill>
+                  <a:srgbClr val="2E2E2C"/>
+                </a:solidFill>
+                <a:latin typeface="Courier" charset="0"/>
+                <a:ea typeface="Courier" charset="0"/>
+                <a:cs typeface="Courier" charset="0"/>
+                <a:sym typeface="Consolas"/>
+              </a:rPr>
+              <a:t>                .put("</a:t>
+            </a:r>
+            <a:r>
+              <a:rPr lang="en-US" sz="1100" dirty="0" err="1">
+                <a:solidFill>
+                  <a:srgbClr val="2E2E2C"/>
+                </a:solidFill>
+                <a:latin typeface="Courier" charset="0"/>
+                <a:ea typeface="Courier" charset="0"/>
+                <a:cs typeface="Courier" charset="0"/>
+                <a:sym typeface="Consolas"/>
+              </a:rPr>
+              <a:t>lastName</a:t>
+            </a:r>
+            <a:r>
+              <a:rPr lang="en-US" sz="1100" dirty="0">
+                <a:solidFill>
+                  <a:srgbClr val="2E2E2C"/>
+                </a:solidFill>
+                <a:latin typeface="Courier" charset="0"/>
+                <a:ea typeface="Courier" charset="0"/>
+                <a:cs typeface="Courier" charset="0"/>
+                <a:sym typeface="Consolas"/>
+              </a:rPr>
+              <a:t>", "Doe");</a:t>
+            </a:r>
+          </a:p>
+          <a:p>
+            <a:pPr marL="0" indent="0">
+              <a:buNone/>
+              <a:defRPr sz="1800">
+                <a:solidFill>
+                  <a:srgbClr val="000000"/>
+                </a:solidFill>
+              </a:defRPr>
+            </a:pPr>
+            <a:r>
+              <a:rPr lang="en-US" sz="1100" dirty="0" err="1">
+                <a:solidFill>
+                  <a:srgbClr val="2E2E2C"/>
+                </a:solidFill>
+                <a:latin typeface="Courier" charset="0"/>
+                <a:ea typeface="Courier" charset="0"/>
+                <a:cs typeface="Courier" charset="0"/>
+                <a:sym typeface="Consolas"/>
+              </a:rPr>
+              <a:t>bucket.upsert</a:t>
+            </a:r>
+            <a:r>
+              <a:rPr lang="en-US" sz="1100" dirty="0">
+                <a:solidFill>
+                  <a:srgbClr val="2E2E2C"/>
+                </a:solidFill>
+                <a:latin typeface="Courier" charset="0"/>
+                <a:ea typeface="Courier" charset="0"/>
+                <a:cs typeface="Courier" charset="0"/>
+                <a:sym typeface="Consolas"/>
+              </a:rPr>
+              <a:t>(</a:t>
+            </a:r>
+            <a:r>
+              <a:rPr lang="en-US" sz="1100" dirty="0" err="1">
+                <a:solidFill>
+                  <a:srgbClr val="2E2E2C"/>
+                </a:solidFill>
+                <a:latin typeface="Courier" charset="0"/>
+                <a:ea typeface="Courier" charset="0"/>
+                <a:cs typeface="Courier" charset="0"/>
+                <a:sym typeface="Consolas"/>
+              </a:rPr>
+              <a:t>JsonDocument.create</a:t>
+            </a:r>
+            <a:r>
+              <a:rPr lang="en-US" sz="1100" dirty="0">
+                <a:solidFill>
+                  <a:srgbClr val="2E2E2C"/>
+                </a:solidFill>
+                <a:latin typeface="Courier" charset="0"/>
+                <a:ea typeface="Courier" charset="0"/>
+                <a:cs typeface="Courier" charset="0"/>
+                <a:sym typeface="Consolas"/>
+              </a:rPr>
+              <a:t>(key, person));</a:t>
+            </a:r>
+          </a:p>
+        </p:txBody>
+      </p:sp>
+    </p:spTree>
+    <p:extLst>
+      <p:ext uri="{BB962C8B-B14F-4D97-AF65-F5344CB8AC3E}">
+        <p14:creationId xmlns:p14="http://schemas.microsoft.com/office/powerpoint/2010/main" val="1324995767"/>
+      </p:ext>
+    </p:extLst>
+  </p:cSld>
+  <p:clrMapOvr>
+    <a:masterClrMapping/>
+  </p:clrMapOvr>
+</p:sld>
+</file>
+
+<file path=ppt/slides/slide15.xml><?xml version="1.0" encoding="utf-8"?>
 <p:sld xmlns:a="http://schemas.openxmlformats.org/drawingml/2006/main" xmlns:r="http://schemas.openxmlformats.org/officeDocument/2006/relationships" xmlns:p="http://schemas.openxmlformats.org/presentationml/2006/main">
   <p:cSld>
     <p:spTree>
@@ -7566,7 +11578,7 @@
           <p:nvPr/>
         </p:nvPicPr>
         <p:blipFill>
-          <a:blip r:embed="rId2"/>
+          <a:blip r:embed="rId3"/>
           <a:stretch>
             <a:fillRect/>
           </a:stretch>
@@ -7605,7 +11617,7 @@
           <a:p>
             <a:r>
               <a:rPr lang="en-US" dirty="0">
-                <a:hlinkClick r:id="rId3"/>
+                <a:hlinkClick r:id="rId4"/>
               </a:rPr>
               <a:t>http://localhost:8091</a:t>
             </a:r>
@@ -8265,6 +12277,30 @@
             <a:endParaRPr lang="en-US" dirty="0"/>
           </a:p>
           <a:p>
+            <a:pPr marL="342900" indent="-342900">
+              <a:buFont typeface="Arial" charset="0"/>
+              <a:buChar char="•"/>
+            </a:pPr>
+            <a:r>
+              <a:rPr lang="en-US" dirty="0"/>
+              <a:t>Cluster details: </a:t>
+            </a:r>
+            <a:r>
+              <a:rPr lang="en-US" dirty="0">
+                <a:hlinkClick r:id="rId3"/>
+              </a:rPr>
+              <a:t>http://localhost:8091/pools/default</a:t>
+            </a:r>
+            <a:endParaRPr lang="en-US" dirty="0"/>
+          </a:p>
+          <a:p>
+            <a:pPr marL="342900" indent="-342900">
+              <a:buFont typeface="Arial" charset="0"/>
+              <a:buChar char="•"/>
+            </a:pPr>
+            <a:endParaRPr lang="en-US" dirty="0"/>
+          </a:p>
+          <a:p>
             <a:endParaRPr lang="en-US" dirty="0"/>
           </a:p>
         </p:txBody>
@@ -8661,7 +12697,7 @@
           <a:p>
             <a:r>
               <a:rPr lang="en-US" dirty="0"/>
-              <a:t>SDK: .NET</a:t>
+              <a:t>Exercise 1: N1QL</a:t>
             </a:r>
           </a:p>
         </p:txBody>
@@ -8677,7 +12713,7 @@
         <p:spPr>
           <a:xfrm>
             <a:off x="609600" y="838200"/>
-            <a:ext cx="8007739" cy="1924050"/>
+            <a:ext cx="8007739" cy="3394472"/>
           </a:xfrm>
           <a:prstGeom prst="rect">
             <a:avLst/>
@@ -8843,974 +12879,109 @@
               <a:buChar char="•"/>
             </a:pPr>
             <a:r>
-              <a:rPr lang="en-US" sz="2000" dirty="0"/>
-              <a:t>How to install </a:t>
-            </a:r>
+              <a:rPr lang="en-US" dirty="0"/>
+              <a:t>Create a primary index on default bucket</a:t>
+            </a:r>
+          </a:p>
+          <a:p>
+            <a:pPr marL="342900" indent="-342900">
+              <a:buFont typeface="Arial" charset="0"/>
+              <a:buChar char="•"/>
+            </a:pPr>
+            <a:endParaRPr lang="en-US" dirty="0"/>
+          </a:p>
+          <a:p>
+            <a:pPr marL="227013" lvl="1" indent="0">
+              <a:buNone/>
+            </a:pPr>
+            <a:r>
+              <a:rPr lang="en-US" dirty="0"/>
+              <a:t>          CREATE PRIMARY INDEX on `default`</a:t>
+            </a:r>
+          </a:p>
+          <a:p>
+            <a:pPr marL="342900" indent="-342900">
+              <a:buFont typeface="Arial" charset="0"/>
+              <a:buChar char="•"/>
+            </a:pPr>
+            <a:endParaRPr lang="en-US" dirty="0"/>
+          </a:p>
+          <a:p>
+            <a:pPr marL="342900" indent="-342900">
+              <a:buFont typeface="Arial" charset="0"/>
+              <a:buChar char="•"/>
+            </a:pPr>
+            <a:r>
+              <a:rPr lang="en-US" dirty="0"/>
+              <a:t>Add document(s) to default bucket</a:t>
+            </a:r>
+          </a:p>
+          <a:p>
+            <a:pPr marL="342900" indent="-342900">
+              <a:buFont typeface="Arial" charset="0"/>
+              <a:buChar char="•"/>
+            </a:pPr>
+            <a:endParaRPr lang="en-US" dirty="0"/>
           </a:p>
           <a:p>
             <a:pPr marL="569913" lvl="1" indent="-342900">
               <a:buFont typeface="Arial" charset="0"/>
               <a:buChar char="•"/>
             </a:pPr>
-            <a:endParaRPr lang="en-US" sz="1800" dirty="0"/>
-          </a:p>
-          <a:p>
-            <a:pPr marL="569913" lvl="1" indent="-342900">
-              <a:buFont typeface="Arial" charset="0"/>
-              <a:buChar char="•"/>
-            </a:pPr>
-            <a:r>
-              <a:rPr lang="en-US" sz="1800" dirty="0" err="1"/>
-              <a:t>NuGet</a:t>
-            </a:r>
-            <a:r>
-              <a:rPr lang="en-US" sz="1800" dirty="0"/>
-              <a:t>: Install-Package </a:t>
-            </a:r>
-            <a:r>
-              <a:rPr lang="en-US" sz="1800" dirty="0" err="1"/>
-              <a:t>CouchbaseNetClient</a:t>
-            </a:r>
-            <a:endParaRPr lang="en-US" sz="1800" dirty="0"/>
-          </a:p>
-          <a:p>
-            <a:pPr marL="569913" lvl="1" indent="-342900">
-              <a:buFont typeface="Arial" charset="0"/>
-              <a:buChar char="•"/>
-            </a:pPr>
-            <a:endParaRPr lang="en-US" sz="1800" dirty="0"/>
+            <a:r>
+              <a:rPr lang="en-US" dirty="0"/>
+              <a:t>Use “Create Document” button in Documents view</a:t>
+            </a:r>
           </a:p>
           <a:p>
             <a:pPr marL="342900" indent="-342900">
               <a:buFont typeface="Arial" charset="0"/>
               <a:buChar char="•"/>
             </a:pPr>
-            <a:r>
-              <a:rPr lang="en-US" sz="2000" dirty="0"/>
-              <a:t>How to connect to a </a:t>
-            </a:r>
-            <a:r>
-              <a:rPr lang="en-US" sz="2000" dirty="0" err="1"/>
-              <a:t>Couchbase</a:t>
-            </a:r>
-            <a:r>
-              <a:rPr lang="en-US" sz="2000" dirty="0"/>
-              <a:t> cluster</a:t>
-            </a:r>
+            <a:endParaRPr lang="en-US" dirty="0"/>
           </a:p>
           <a:p>
             <a:pPr marL="342900" indent="-342900">
               <a:buFont typeface="Arial" charset="0"/>
               <a:buChar char="•"/>
             </a:pPr>
-            <a:endParaRPr lang="en-US" sz="2000" dirty="0"/>
-          </a:p>
-          <a:p>
-            <a:pPr marL="569913" lvl="1" indent="-342900">
-              <a:buFont typeface="Arial" charset="0"/>
-              <a:buChar char="•"/>
-            </a:pPr>
-            <a:endParaRPr lang="en-US" sz="1800" dirty="0"/>
-          </a:p>
-          <a:p>
-            <a:pPr marL="0" indent="0">
-              <a:buNone/>
-            </a:pPr>
-            <a:endParaRPr lang="en-US" sz="1400" dirty="0"/>
-          </a:p>
-          <a:p>
-            <a:pPr marL="569913" lvl="1" indent="-342900">
-              <a:buFont typeface="Arial" charset="0"/>
-              <a:buChar char="•"/>
-            </a:pPr>
-            <a:endParaRPr lang="en-US" sz="1800" dirty="0"/>
+            <a:r>
+              <a:rPr lang="en-US" dirty="0"/>
+              <a:t>SELECT documents</a:t>
+            </a:r>
           </a:p>
           <a:p>
             <a:pPr marL="342900" indent="-342900">
               <a:buFont typeface="Arial" charset="0"/>
               <a:buChar char="•"/>
             </a:pPr>
-            <a:endParaRPr lang="en-US" sz="2000" dirty="0"/>
-          </a:p>
-          <a:p>
-            <a:endParaRPr lang="en-US" sz="2000" dirty="0"/>
-          </a:p>
-        </p:txBody>
-      </p:sp>
-      <p:sp>
-        <p:nvSpPr>
-          <p:cNvPr id="5" name="Shape 1658"/>
-          <p:cNvSpPr txBox="1">
-            <a:spLocks/>
-          </p:cNvSpPr>
-          <p:nvPr/>
-        </p:nvSpPr>
-        <p:spPr>
-          <a:xfrm>
-            <a:off x="1546418" y="2409825"/>
-            <a:ext cx="6854631" cy="2409825"/>
-          </a:xfrm>
-          <a:prstGeom prst="rect">
-            <a:avLst/>
-          </a:prstGeom>
-        </p:spPr>
-        <p:txBody>
-          <a:bodyPr lIns="0" tIns="0" rIns="0" bIns="0">
-            <a:noAutofit/>
-          </a:bodyPr>
-          <a:lstStyle>
-            <a:lvl1pPr marL="228600" indent="-228600" algn="l" defTabSz="457200" rtl="0" eaLnBrk="1" latinLnBrk="0" hangingPunct="1">
-              <a:spcBef>
-                <a:spcPts val="0"/>
-              </a:spcBef>
-              <a:buClr>
-                <a:schemeClr val="accent1"/>
-              </a:buClr>
-              <a:buFont typeface="Wingdings" charset="2"/>
-              <a:buChar char="§"/>
-              <a:defRPr sz="2400" kern="1200">
-                <a:solidFill>
-                  <a:schemeClr val="tx1"/>
-                </a:solidFill>
-                <a:latin typeface="+mn-lt"/>
-                <a:ea typeface="+mn-ea"/>
-                <a:cs typeface="+mn-cs"/>
-              </a:defRPr>
-            </a:lvl1pPr>
-            <a:lvl2pPr marL="455613" indent="-227013" algn="l" defTabSz="457200" rtl="0" eaLnBrk="1" latinLnBrk="0" hangingPunct="1">
-              <a:spcBef>
-                <a:spcPts val="0"/>
-              </a:spcBef>
-              <a:buClr>
-                <a:srgbClr val="262626"/>
-              </a:buClr>
-              <a:buFont typeface="Wingdings" charset="2"/>
-              <a:buChar char="§"/>
-              <a:defRPr sz="2000" kern="1200">
-                <a:solidFill>
-                  <a:schemeClr val="tx1"/>
-                </a:solidFill>
-                <a:latin typeface="+mn-lt"/>
-                <a:ea typeface="+mn-ea"/>
-                <a:cs typeface="+mn-cs"/>
-              </a:defRPr>
-            </a:lvl2pPr>
-            <a:lvl3pPr marL="455613" indent="-228600" algn="l" defTabSz="457200" rtl="0" eaLnBrk="1" latinLnBrk="0" hangingPunct="1">
-              <a:spcBef>
-                <a:spcPts val="0"/>
-              </a:spcBef>
-              <a:buClr>
-                <a:srgbClr val="262626"/>
-              </a:buClr>
-              <a:buFont typeface="Wingdings" charset="2"/>
-              <a:buChar char="§"/>
-              <a:defRPr sz="2000" kern="1200">
-                <a:solidFill>
-                  <a:schemeClr val="tx1"/>
-                </a:solidFill>
-                <a:latin typeface="+mn-lt"/>
-                <a:ea typeface="+mn-ea"/>
-                <a:cs typeface="+mn-cs"/>
-              </a:defRPr>
-            </a:lvl3pPr>
-            <a:lvl4pPr marL="455613" indent="-228600" algn="l" defTabSz="457200" rtl="0" eaLnBrk="1" latinLnBrk="0" hangingPunct="1">
-              <a:spcBef>
-                <a:spcPts val="0"/>
-              </a:spcBef>
-              <a:buClr>
-                <a:srgbClr val="262626"/>
-              </a:buClr>
-              <a:buFont typeface="Wingdings" charset="2"/>
-              <a:buChar char="§"/>
-              <a:defRPr sz="2000" kern="1200">
-                <a:solidFill>
-                  <a:schemeClr val="tx1"/>
-                </a:solidFill>
-                <a:latin typeface="+mn-lt"/>
-                <a:ea typeface="+mn-ea"/>
-                <a:cs typeface="+mn-cs"/>
-              </a:defRPr>
-            </a:lvl4pPr>
-            <a:lvl5pPr marL="455613" indent="-228600" algn="l" defTabSz="457200" rtl="0" eaLnBrk="1" latinLnBrk="0" hangingPunct="1">
-              <a:spcBef>
-                <a:spcPts val="200"/>
-              </a:spcBef>
-              <a:buClr>
-                <a:srgbClr val="262626"/>
-              </a:buClr>
-              <a:buFont typeface="Wingdings" charset="2"/>
-              <a:buChar char="§"/>
-              <a:defRPr sz="2000" kern="1200">
-                <a:solidFill>
-                  <a:schemeClr val="tx1"/>
-                </a:solidFill>
-                <a:latin typeface="+mn-lt"/>
-                <a:ea typeface="+mn-ea"/>
-                <a:cs typeface="+mn-cs"/>
-              </a:defRPr>
-            </a:lvl5pPr>
-            <a:lvl6pPr marL="2514600" indent="-228600" algn="l" defTabSz="457200" rtl="0" eaLnBrk="1" latinLnBrk="0" hangingPunct="1">
-              <a:spcBef>
-                <a:spcPct val="20000"/>
-              </a:spcBef>
-              <a:buFont typeface="Arial"/>
+            <a:endParaRPr lang="en-US" dirty="0"/>
+          </a:p>
+          <a:p>
+            <a:pPr marL="227013" lvl="1" indent="0">
+              <a:buNone/>
+            </a:pPr>
+            <a:r>
+              <a:rPr lang="en-US" dirty="0"/>
+              <a:t>          SELECT d.* FROM `default` d</a:t>
+            </a:r>
+          </a:p>
+          <a:p>
+            <a:pPr marL="342900" indent="-342900">
+              <a:buFont typeface="Arial" charset="0"/>
               <a:buChar char="•"/>
-              <a:defRPr sz="2000" kern="1200">
-                <a:solidFill>
-                  <a:schemeClr val="tx1"/>
-                </a:solidFill>
-                <a:latin typeface="+mn-lt"/>
-                <a:ea typeface="+mn-ea"/>
-                <a:cs typeface="+mn-cs"/>
-              </a:defRPr>
-            </a:lvl6pPr>
-            <a:lvl7pPr marL="2971800" indent="-228600" algn="l" defTabSz="457200" rtl="0" eaLnBrk="1" latinLnBrk="0" hangingPunct="1">
-              <a:spcBef>
-                <a:spcPct val="20000"/>
-              </a:spcBef>
-              <a:buFont typeface="Arial"/>
-              <a:buChar char="•"/>
-              <a:defRPr sz="2000" kern="1200">
-                <a:solidFill>
-                  <a:schemeClr val="tx1"/>
-                </a:solidFill>
-                <a:latin typeface="+mn-lt"/>
-                <a:ea typeface="+mn-ea"/>
-                <a:cs typeface="+mn-cs"/>
-              </a:defRPr>
-            </a:lvl7pPr>
-            <a:lvl8pPr marL="3429000" indent="-228600" algn="l" defTabSz="457200" rtl="0" eaLnBrk="1" latinLnBrk="0" hangingPunct="1">
-              <a:spcBef>
-                <a:spcPct val="20000"/>
-              </a:spcBef>
-              <a:buFont typeface="Arial"/>
-              <a:buChar char="•"/>
-              <a:defRPr sz="2000" kern="1200">
-                <a:solidFill>
-                  <a:schemeClr val="tx1"/>
-                </a:solidFill>
-                <a:latin typeface="+mn-lt"/>
-                <a:ea typeface="+mn-ea"/>
-                <a:cs typeface="+mn-cs"/>
-              </a:defRPr>
-            </a:lvl8pPr>
-            <a:lvl9pPr marL="3886200" indent="-228600" algn="l" defTabSz="457200" rtl="0" eaLnBrk="1" latinLnBrk="0" hangingPunct="1">
-              <a:spcBef>
-                <a:spcPct val="20000"/>
-              </a:spcBef>
-              <a:buFont typeface="Arial"/>
-              <a:buChar char="•"/>
-              <a:defRPr sz="2000" kern="1200">
-                <a:solidFill>
-                  <a:schemeClr val="tx1"/>
-                </a:solidFill>
-                <a:latin typeface="+mn-lt"/>
-                <a:ea typeface="+mn-ea"/>
-                <a:cs typeface="+mn-cs"/>
-              </a:defRPr>
-            </a:lvl9pPr>
-          </a:lstStyle>
-          <a:p>
-            <a:pPr marL="0" indent="0">
-              <a:buNone/>
-              <a:defRPr sz="1800">
-                <a:solidFill>
-                  <a:srgbClr val="000000"/>
-                </a:solidFill>
-              </a:defRPr>
             </a:pPr>
-            <a:r>
-              <a:rPr lang="en-US" sz="1100" dirty="0">
-                <a:solidFill>
-                  <a:srgbClr val="1BB2E2"/>
-                </a:solidFill>
-                <a:latin typeface="Courier" charset="0"/>
-                <a:ea typeface="Courier" charset="0"/>
-                <a:cs typeface="Courier" charset="0"/>
-                <a:sym typeface="Consolas"/>
-              </a:rPr>
-              <a:t>//connecting to a </a:t>
-            </a:r>
-            <a:r>
-              <a:rPr lang="en-US" sz="1100" dirty="0" err="1">
-                <a:solidFill>
-                  <a:srgbClr val="1BB2E2"/>
-                </a:solidFill>
-                <a:latin typeface="Courier" charset="0"/>
-                <a:ea typeface="Courier" charset="0"/>
-                <a:cs typeface="Courier" charset="0"/>
-                <a:sym typeface="Consolas"/>
-              </a:rPr>
-              <a:t>Couchbase</a:t>
-            </a:r>
-            <a:r>
-              <a:rPr lang="en-US" sz="1100" dirty="0">
-                <a:solidFill>
-                  <a:srgbClr val="1BB2E2"/>
-                </a:solidFill>
-                <a:latin typeface="Courier" charset="0"/>
-                <a:ea typeface="Courier" charset="0"/>
-                <a:cs typeface="Courier" charset="0"/>
-                <a:sym typeface="Consolas"/>
-              </a:rPr>
-              <a:t> cluster</a:t>
-            </a:r>
-          </a:p>
-          <a:p>
-            <a:pPr marL="0" indent="0">
-              <a:buNone/>
-              <a:defRPr sz="1800">
-                <a:solidFill>
-                  <a:srgbClr val="000000"/>
-                </a:solidFill>
-              </a:defRPr>
-            </a:pPr>
-            <a:r>
-              <a:rPr lang="en-US" sz="1100" dirty="0" err="1">
-                <a:solidFill>
-                  <a:srgbClr val="1E1C1C"/>
-                </a:solidFill>
-                <a:latin typeface="Courier" charset="0"/>
-                <a:ea typeface="Courier" charset="0"/>
-                <a:cs typeface="Courier" charset="0"/>
-                <a:sym typeface="Consolas"/>
-              </a:rPr>
-              <a:t>var</a:t>
-            </a:r>
-            <a:r>
-              <a:rPr lang="en-US" sz="1100" dirty="0">
-                <a:solidFill>
-                  <a:srgbClr val="1E1C1C"/>
-                </a:solidFill>
-                <a:latin typeface="Courier" charset="0"/>
-                <a:ea typeface="Courier" charset="0"/>
-                <a:cs typeface="Courier" charset="0"/>
-                <a:sym typeface="Consolas"/>
-              </a:rPr>
-              <a:t> </a:t>
-            </a:r>
-            <a:r>
-              <a:rPr lang="en-US" sz="1100" dirty="0" err="1">
-                <a:solidFill>
-                  <a:srgbClr val="1E1C1C"/>
-                </a:solidFill>
-                <a:latin typeface="Courier" charset="0"/>
-                <a:ea typeface="Courier" charset="0"/>
-                <a:cs typeface="Courier" charset="0"/>
-                <a:sym typeface="Consolas"/>
-              </a:rPr>
-              <a:t>config</a:t>
-            </a:r>
-            <a:r>
-              <a:rPr lang="en-US" sz="1100" dirty="0">
-                <a:solidFill>
-                  <a:srgbClr val="1E1C1C"/>
-                </a:solidFill>
-                <a:latin typeface="Courier" charset="0"/>
-                <a:ea typeface="Courier" charset="0"/>
-                <a:cs typeface="Courier" charset="0"/>
-                <a:sym typeface="Consolas"/>
-              </a:rPr>
-              <a:t> = new </a:t>
-            </a:r>
-            <a:r>
-              <a:rPr lang="en-US" sz="1100" dirty="0" err="1">
-                <a:solidFill>
-                  <a:srgbClr val="1E1C1C"/>
-                </a:solidFill>
-                <a:latin typeface="Courier" charset="0"/>
-                <a:ea typeface="Courier" charset="0"/>
-                <a:cs typeface="Courier" charset="0"/>
-                <a:sym typeface="Consolas"/>
-              </a:rPr>
-              <a:t>ClientConfiguration</a:t>
-            </a:r>
-            <a:r>
-              <a:rPr lang="en-US" sz="1100" dirty="0">
-                <a:solidFill>
-                  <a:srgbClr val="1E1C1C"/>
-                </a:solidFill>
-                <a:latin typeface="Courier" charset="0"/>
-                <a:ea typeface="Courier" charset="0"/>
-                <a:cs typeface="Courier" charset="0"/>
-                <a:sym typeface="Consolas"/>
-              </a:rPr>
-              <a:t>();</a:t>
-            </a:r>
-          </a:p>
-          <a:p>
-            <a:pPr marL="0" indent="0">
-              <a:buNone/>
-              <a:defRPr sz="1800">
-                <a:solidFill>
-                  <a:srgbClr val="000000"/>
-                </a:solidFill>
-              </a:defRPr>
-            </a:pPr>
-            <a:r>
-              <a:rPr lang="en-US" sz="1100" dirty="0" err="1">
-                <a:solidFill>
-                  <a:srgbClr val="1E1C1C"/>
-                </a:solidFill>
-                <a:latin typeface="Courier" charset="0"/>
-                <a:ea typeface="Courier" charset="0"/>
-                <a:cs typeface="Courier" charset="0"/>
-                <a:sym typeface="Consolas"/>
-              </a:rPr>
-              <a:t>config.Services</a:t>
-            </a:r>
-            <a:r>
-              <a:rPr lang="en-US" sz="1100" dirty="0">
-                <a:solidFill>
-                  <a:srgbClr val="1E1C1C"/>
-                </a:solidFill>
-                <a:latin typeface="Courier" charset="0"/>
-                <a:ea typeface="Courier" charset="0"/>
-                <a:cs typeface="Courier" charset="0"/>
-                <a:sym typeface="Consolas"/>
-              </a:rPr>
-              <a:t> = new List&lt;Uri&gt; { “</a:t>
-            </a:r>
-            <a:r>
-              <a:rPr lang="en-US" sz="1100" dirty="0" err="1">
-                <a:solidFill>
-                  <a:srgbClr val="1E1C1C"/>
-                </a:solidFill>
-                <a:latin typeface="Courier" charset="0"/>
-                <a:ea typeface="Courier" charset="0"/>
-                <a:cs typeface="Courier" charset="0"/>
-                <a:sym typeface="Consolas"/>
-              </a:rPr>
-              <a:t>couchbase</a:t>
-            </a:r>
-            <a:r>
-              <a:rPr lang="en-US" sz="1100" dirty="0">
-                <a:solidFill>
-                  <a:srgbClr val="1E1C1C"/>
-                </a:solidFill>
-                <a:latin typeface="Courier" charset="0"/>
-                <a:ea typeface="Courier" charset="0"/>
-                <a:cs typeface="Courier" charset="0"/>
-                <a:sym typeface="Consolas"/>
-              </a:rPr>
-              <a:t>://localhost” };</a:t>
-            </a:r>
-          </a:p>
-          <a:p>
-            <a:pPr marL="0" indent="0">
-              <a:buNone/>
-              <a:defRPr sz="1800">
-                <a:solidFill>
-                  <a:srgbClr val="000000"/>
-                </a:solidFill>
-              </a:defRPr>
-            </a:pPr>
-            <a:r>
-              <a:rPr lang="en-US" sz="1100" dirty="0" err="1">
-                <a:solidFill>
-                  <a:srgbClr val="1E1C1C"/>
-                </a:solidFill>
-                <a:latin typeface="Courier" charset="0"/>
-                <a:ea typeface="Courier" charset="0"/>
-                <a:cs typeface="Courier" charset="0"/>
-                <a:sym typeface="Consolas"/>
-              </a:rPr>
-              <a:t>ClusterHelper.Initialize</a:t>
-            </a:r>
-            <a:r>
-              <a:rPr lang="en-US" sz="1100" dirty="0">
-                <a:solidFill>
-                  <a:srgbClr val="1E1C1C"/>
-                </a:solidFill>
-                <a:latin typeface="Courier" charset="0"/>
-                <a:ea typeface="Courier" charset="0"/>
-                <a:cs typeface="Courier" charset="0"/>
-                <a:sym typeface="Consolas"/>
-              </a:rPr>
-              <a:t>(</a:t>
-            </a:r>
-            <a:r>
-              <a:rPr lang="en-US" sz="1100" dirty="0" err="1">
-                <a:solidFill>
-                  <a:srgbClr val="1E1C1C"/>
-                </a:solidFill>
-                <a:latin typeface="Courier" charset="0"/>
-                <a:ea typeface="Courier" charset="0"/>
-                <a:cs typeface="Courier" charset="0"/>
-                <a:sym typeface="Consolas"/>
-              </a:rPr>
-              <a:t>config</a:t>
-            </a:r>
-            <a:r>
-              <a:rPr lang="en-US" sz="1100" dirty="0">
-                <a:solidFill>
-                  <a:srgbClr val="1E1C1C"/>
-                </a:solidFill>
-                <a:latin typeface="Courier" charset="0"/>
-                <a:ea typeface="Courier" charset="0"/>
-                <a:cs typeface="Courier" charset="0"/>
-                <a:sym typeface="Consolas"/>
-              </a:rPr>
-              <a:t>);</a:t>
-            </a:r>
-          </a:p>
-          <a:p>
-            <a:pPr marL="0" indent="0">
-              <a:buNone/>
-              <a:defRPr sz="1800">
-                <a:solidFill>
-                  <a:srgbClr val="000000"/>
-                </a:solidFill>
-              </a:defRPr>
-            </a:pPr>
-            <a:endParaRPr lang="en-US" sz="1100" dirty="0">
-              <a:solidFill>
-                <a:srgbClr val="1E1C1C"/>
-              </a:solidFill>
-              <a:latin typeface="Courier" charset="0"/>
-              <a:ea typeface="Courier" charset="0"/>
-              <a:cs typeface="Courier" charset="0"/>
-              <a:sym typeface="Consolas"/>
-            </a:endParaRPr>
-          </a:p>
-          <a:p>
-            <a:pPr marL="0" indent="0">
-              <a:buNone/>
-              <a:defRPr sz="1800">
-                <a:solidFill>
-                  <a:srgbClr val="000000"/>
-                </a:solidFill>
-              </a:defRPr>
-            </a:pPr>
-            <a:r>
-              <a:rPr lang="en-US" sz="1100" dirty="0">
-                <a:solidFill>
-                  <a:srgbClr val="1BB2E2"/>
-                </a:solidFill>
-                <a:latin typeface="Courier" charset="0"/>
-                <a:ea typeface="Courier" charset="0"/>
-                <a:cs typeface="Courier" charset="0"/>
-                <a:sym typeface="Consolas"/>
-              </a:rPr>
-              <a:t>//opening a bucket in the cluster</a:t>
-            </a:r>
-          </a:p>
-          <a:p>
-            <a:pPr marL="0" indent="0">
-              <a:buNone/>
-              <a:defRPr sz="1800">
-                <a:solidFill>
-                  <a:srgbClr val="000000"/>
-                </a:solidFill>
-              </a:defRPr>
-            </a:pPr>
-            <a:r>
-              <a:rPr lang="en-US" sz="1100" dirty="0">
-                <a:solidFill>
-                  <a:srgbClr val="1E1C1C"/>
-                </a:solidFill>
-                <a:latin typeface="Courier" charset="0"/>
-                <a:ea typeface="Courier" charset="0"/>
-                <a:cs typeface="Courier" charset="0"/>
-                <a:sym typeface="Consolas"/>
-              </a:rPr>
-              <a:t>_bucket = </a:t>
-            </a:r>
-            <a:r>
-              <a:rPr lang="en-US" sz="1100" dirty="0" err="1">
-                <a:solidFill>
-                  <a:srgbClr val="1E1C1C"/>
-                </a:solidFill>
-                <a:latin typeface="Courier" charset="0"/>
-                <a:ea typeface="Courier" charset="0"/>
-                <a:cs typeface="Courier" charset="0"/>
-                <a:sym typeface="Consolas"/>
-              </a:rPr>
-              <a:t>ClusterHelper.GetBucket</a:t>
-            </a:r>
-            <a:r>
-              <a:rPr lang="en-US" sz="1100" dirty="0">
-                <a:solidFill>
-                  <a:srgbClr val="1E1C1C"/>
-                </a:solidFill>
-                <a:latin typeface="Courier" charset="0"/>
-                <a:ea typeface="Courier" charset="0"/>
-                <a:cs typeface="Courier" charset="0"/>
-                <a:sym typeface="Consolas"/>
-              </a:rPr>
-              <a:t>(</a:t>
-            </a:r>
-            <a:r>
-              <a:rPr lang="en-US" sz="1100" dirty="0">
-                <a:solidFill>
-                  <a:srgbClr val="E40121"/>
-                </a:solidFill>
-                <a:latin typeface="Courier" charset="0"/>
-                <a:ea typeface="Courier" charset="0"/>
-                <a:cs typeface="Courier" charset="0"/>
-                <a:sym typeface="Consolas"/>
-              </a:rPr>
-              <a:t>"travel-sample"</a:t>
-            </a:r>
-            <a:r>
-              <a:rPr lang="en-US" sz="1100" dirty="0">
-                <a:solidFill>
-                  <a:srgbClr val="1E1C1C"/>
-                </a:solidFill>
-                <a:latin typeface="Courier" charset="0"/>
-                <a:ea typeface="Courier" charset="0"/>
-                <a:cs typeface="Courier" charset="0"/>
-                <a:sym typeface="Consolas"/>
-              </a:rPr>
-              <a:t>, </a:t>
-            </a:r>
-            <a:r>
-              <a:rPr lang="en-US" sz="1100" dirty="0">
-                <a:solidFill>
-                  <a:srgbClr val="E40121"/>
-                </a:solidFill>
-                <a:latin typeface="Courier" charset="0"/>
-                <a:ea typeface="Courier" charset="0"/>
-                <a:cs typeface="Courier" charset="0"/>
-                <a:sym typeface="Consolas"/>
-              </a:rPr>
-              <a:t>“password"</a:t>
-            </a:r>
-            <a:r>
-              <a:rPr lang="en-US" sz="1100" dirty="0">
-                <a:solidFill>
-                  <a:srgbClr val="1E1C1C"/>
-                </a:solidFill>
-                <a:latin typeface="Courier" charset="0"/>
-                <a:ea typeface="Courier" charset="0"/>
-                <a:cs typeface="Courier" charset="0"/>
-                <a:sym typeface="Consolas"/>
-              </a:rPr>
-              <a:t>);</a:t>
-            </a:r>
-          </a:p>
-          <a:p>
-            <a:pPr marL="0" indent="0">
-              <a:buNone/>
-              <a:defRPr sz="1800">
-                <a:solidFill>
-                  <a:srgbClr val="000000"/>
-                </a:solidFill>
-              </a:defRPr>
-            </a:pPr>
-            <a:endParaRPr lang="en-US" sz="1100" dirty="0">
-              <a:solidFill>
-                <a:srgbClr val="1E1C1C"/>
-              </a:solidFill>
-              <a:latin typeface="Courier" charset="0"/>
-              <a:ea typeface="Courier" charset="0"/>
-              <a:cs typeface="Courier" charset="0"/>
-              <a:sym typeface="Consolas"/>
-            </a:endParaRPr>
-          </a:p>
-          <a:p>
-            <a:pPr marL="0" indent="0">
-              <a:buNone/>
-              <a:defRPr sz="1800">
-                <a:solidFill>
-                  <a:srgbClr val="000000"/>
-                </a:solidFill>
-              </a:defRPr>
-            </a:pPr>
-            <a:r>
-              <a:rPr lang="en-US" sz="1100" dirty="0">
-                <a:solidFill>
-                  <a:srgbClr val="1BB2E2"/>
-                </a:solidFill>
-                <a:latin typeface="Courier" charset="0"/>
-                <a:ea typeface="Courier" charset="0"/>
-                <a:cs typeface="Courier" charset="0"/>
-                <a:sym typeface="Consolas"/>
-              </a:rPr>
-              <a:t>//preparing N1ql</a:t>
-            </a:r>
-          </a:p>
-          <a:p>
-            <a:pPr marL="0" indent="0">
-              <a:buNone/>
-              <a:defRPr sz="1800">
-                <a:solidFill>
-                  <a:srgbClr val="000000"/>
-                </a:solidFill>
-              </a:defRPr>
-            </a:pPr>
-            <a:r>
-              <a:rPr lang="en-US" sz="1100" dirty="0" err="1">
-                <a:solidFill>
-                  <a:srgbClr val="2E2E2C"/>
-                </a:solidFill>
-                <a:latin typeface="Courier" charset="0"/>
-                <a:ea typeface="Courier" charset="0"/>
-                <a:cs typeface="Courier" charset="0"/>
-                <a:sym typeface="Consolas"/>
-              </a:rPr>
-              <a:t>var</a:t>
-            </a:r>
-            <a:r>
-              <a:rPr lang="en-US" sz="1100" dirty="0">
-                <a:solidFill>
-                  <a:srgbClr val="2E2E2C"/>
-                </a:solidFill>
-                <a:latin typeface="Courier" charset="0"/>
-                <a:ea typeface="Courier" charset="0"/>
-                <a:cs typeface="Courier" charset="0"/>
-                <a:sym typeface="Consolas"/>
-              </a:rPr>
-              <a:t> </a:t>
-            </a:r>
-            <a:r>
-              <a:rPr lang="en-US" sz="1100" dirty="0" err="1">
-                <a:solidFill>
-                  <a:srgbClr val="2E2E2C"/>
-                </a:solidFill>
-                <a:latin typeface="Courier" charset="0"/>
-                <a:ea typeface="Courier" charset="0"/>
-                <a:cs typeface="Courier" charset="0"/>
-                <a:sym typeface="Consolas"/>
-              </a:rPr>
-              <a:t>myQuery</a:t>
-            </a:r>
-            <a:r>
-              <a:rPr lang="en-US" sz="1100" dirty="0">
-                <a:solidFill>
-                  <a:srgbClr val="2E2E2C"/>
-                </a:solidFill>
-                <a:latin typeface="Courier" charset="0"/>
-                <a:ea typeface="Courier" charset="0"/>
-                <a:cs typeface="Courier" charset="0"/>
-                <a:sym typeface="Consolas"/>
-              </a:rPr>
-              <a:t> = </a:t>
-            </a:r>
-            <a:r>
-              <a:rPr lang="en-US" sz="1100" dirty="0" err="1">
-                <a:solidFill>
-                  <a:srgbClr val="2E2E2C"/>
-                </a:solidFill>
-                <a:latin typeface="Courier" charset="0"/>
-                <a:ea typeface="Courier" charset="0"/>
-                <a:cs typeface="Courier" charset="0"/>
-                <a:sym typeface="Consolas"/>
-              </a:rPr>
-              <a:t>QueryRequest.Create</a:t>
-            </a:r>
-            <a:r>
-              <a:rPr lang="en-US" sz="1100" dirty="0">
-                <a:solidFill>
-                  <a:srgbClr val="2E2E2C"/>
-                </a:solidFill>
-                <a:latin typeface="Courier" charset="0"/>
-                <a:ea typeface="Courier" charset="0"/>
-                <a:cs typeface="Courier" charset="0"/>
-                <a:sym typeface="Consolas"/>
-              </a:rPr>
-              <a:t>(</a:t>
-            </a:r>
-            <a:r>
-              <a:rPr lang="en-US" sz="1100" dirty="0">
-                <a:solidFill>
-                  <a:srgbClr val="E40121"/>
-                </a:solidFill>
-                <a:latin typeface="Courier" charset="0"/>
-                <a:ea typeface="Courier" charset="0"/>
-                <a:cs typeface="Courier" charset="0"/>
-                <a:sym typeface="Consolas"/>
-              </a:rPr>
-              <a:t>“SELECT * FROM `travel-sample`“</a:t>
-            </a:r>
-            <a:r>
-              <a:rPr lang="en-US" sz="1100" dirty="0">
-                <a:solidFill>
-                  <a:srgbClr val="2E2E2C"/>
-                </a:solidFill>
-                <a:latin typeface="Courier" charset="0"/>
-                <a:ea typeface="Courier" charset="0"/>
-                <a:cs typeface="Courier" charset="0"/>
-                <a:sym typeface="Consolas"/>
-              </a:rPr>
-              <a:t>);</a:t>
-            </a:r>
-          </a:p>
-          <a:p>
-            <a:pPr marL="0" indent="0">
-              <a:buNone/>
-              <a:defRPr sz="1800">
-                <a:solidFill>
-                  <a:srgbClr val="000000"/>
-                </a:solidFill>
-              </a:defRPr>
-            </a:pPr>
-            <a:endParaRPr lang="en-US" sz="1100" dirty="0">
-              <a:solidFill>
-                <a:srgbClr val="1E1C1C"/>
-              </a:solidFill>
-              <a:latin typeface="Courier" charset="0"/>
-              <a:ea typeface="Courier" charset="0"/>
-              <a:cs typeface="Courier" charset="0"/>
-              <a:sym typeface="Consolas"/>
-            </a:endParaRPr>
-          </a:p>
-          <a:p>
-            <a:pPr marL="0" indent="0">
-              <a:buNone/>
-              <a:defRPr sz="1800">
-                <a:solidFill>
-                  <a:srgbClr val="000000"/>
-                </a:solidFill>
-              </a:defRPr>
-            </a:pPr>
-            <a:r>
-              <a:rPr lang="en-US" sz="1100" dirty="0">
-                <a:solidFill>
-                  <a:srgbClr val="1BB2E2"/>
-                </a:solidFill>
-                <a:latin typeface="Courier" charset="0"/>
-                <a:ea typeface="Courier" charset="0"/>
-                <a:cs typeface="Courier" charset="0"/>
-                <a:sym typeface="Consolas"/>
-              </a:rPr>
-              <a:t>//creating and saving a Document</a:t>
-            </a:r>
-          </a:p>
-          <a:p>
-            <a:pPr marL="0" indent="0">
-              <a:buNone/>
-              <a:defRPr sz="1800">
-                <a:solidFill>
-                  <a:srgbClr val="000000"/>
-                </a:solidFill>
-              </a:defRPr>
-            </a:pPr>
-            <a:r>
-              <a:rPr lang="en-US" sz="1100" dirty="0" err="1">
-                <a:solidFill>
-                  <a:srgbClr val="2E2E2C"/>
-                </a:solidFill>
-                <a:latin typeface="Courier" charset="0"/>
-                <a:ea typeface="Courier" charset="0"/>
-                <a:cs typeface="Courier" charset="0"/>
-                <a:sym typeface="Consolas"/>
-              </a:rPr>
-              <a:t>var</a:t>
-            </a:r>
-            <a:r>
-              <a:rPr lang="en-US" sz="1100" dirty="0">
-                <a:solidFill>
-                  <a:srgbClr val="2E2E2C"/>
-                </a:solidFill>
-                <a:latin typeface="Courier" charset="0"/>
-                <a:ea typeface="Courier" charset="0"/>
-                <a:cs typeface="Courier" charset="0"/>
-                <a:sym typeface="Consolas"/>
-              </a:rPr>
-              <a:t> document = new Document&lt;</a:t>
-            </a:r>
-            <a:r>
-              <a:rPr lang="en-US" sz="1100" dirty="0" err="1">
-                <a:solidFill>
-                  <a:srgbClr val="2E2E2C"/>
-                </a:solidFill>
-                <a:latin typeface="Courier" charset="0"/>
-                <a:ea typeface="Courier" charset="0"/>
-                <a:cs typeface="Courier" charset="0"/>
-                <a:sym typeface="Consolas"/>
-              </a:rPr>
-              <a:t>MyType</a:t>
-            </a:r>
-            <a:r>
-              <a:rPr lang="en-US" sz="1100" dirty="0">
-                <a:solidFill>
-                  <a:srgbClr val="2E2E2C"/>
-                </a:solidFill>
-                <a:latin typeface="Courier" charset="0"/>
-                <a:ea typeface="Courier" charset="0"/>
-                <a:cs typeface="Courier" charset="0"/>
-                <a:sym typeface="Consolas"/>
-              </a:rPr>
-              <a:t>&gt; { Id = “123”, Content = new </a:t>
-            </a:r>
-            <a:r>
-              <a:rPr lang="en-US" sz="1100" dirty="0" err="1">
-                <a:solidFill>
-                  <a:srgbClr val="2E2E2C"/>
-                </a:solidFill>
-                <a:latin typeface="Courier" charset="0"/>
-                <a:ea typeface="Courier" charset="0"/>
-                <a:cs typeface="Courier" charset="0"/>
-                <a:sym typeface="Consolas"/>
-              </a:rPr>
-              <a:t>MyType</a:t>
-            </a:r>
-            <a:r>
-              <a:rPr lang="en-US" sz="1100" dirty="0">
-                <a:solidFill>
-                  <a:srgbClr val="2E2E2C"/>
-                </a:solidFill>
-                <a:latin typeface="Courier" charset="0"/>
-                <a:ea typeface="Courier" charset="0"/>
-                <a:cs typeface="Courier" charset="0"/>
-                <a:sym typeface="Consolas"/>
-              </a:rPr>
-              <a:t>() };</a:t>
-            </a:r>
-          </a:p>
-          <a:p>
-            <a:pPr marL="0" indent="0">
-              <a:buNone/>
-              <a:defRPr sz="1800">
-                <a:solidFill>
-                  <a:srgbClr val="000000"/>
-                </a:solidFill>
-              </a:defRPr>
-            </a:pPr>
-            <a:r>
-              <a:rPr lang="en-US" sz="1100" dirty="0">
-                <a:solidFill>
-                  <a:srgbClr val="2E2E2C"/>
-                </a:solidFill>
-                <a:latin typeface="Courier" charset="0"/>
-                <a:ea typeface="Courier" charset="0"/>
-                <a:cs typeface="Courier" charset="0"/>
-                <a:sym typeface="Consolas"/>
-              </a:rPr>
-              <a:t>_</a:t>
-            </a:r>
-            <a:r>
-              <a:rPr lang="en-US" sz="1100" dirty="0" err="1">
-                <a:solidFill>
-                  <a:srgbClr val="2E2E2C"/>
-                </a:solidFill>
-                <a:latin typeface="Courier" charset="0"/>
-                <a:ea typeface="Courier" charset="0"/>
-                <a:cs typeface="Courier" charset="0"/>
-                <a:sym typeface="Consolas"/>
-              </a:rPr>
-              <a:t>bucket.Insert</a:t>
-            </a:r>
-            <a:r>
-              <a:rPr lang="en-US" sz="1100" dirty="0">
-                <a:solidFill>
-                  <a:srgbClr val="2E2E2C"/>
-                </a:solidFill>
-                <a:latin typeface="Courier" charset="0"/>
-                <a:ea typeface="Courier" charset="0"/>
-                <a:cs typeface="Courier" charset="0"/>
-                <a:sym typeface="Consolas"/>
-              </a:rPr>
-              <a:t>(document);</a:t>
-            </a:r>
+            <a:endParaRPr lang="en-US" dirty="0"/>
+          </a:p>
+          <a:p>
+            <a:endParaRPr lang="en-US" dirty="0"/>
           </a:p>
         </p:txBody>
       </p:sp>
     </p:spTree>
     <p:extLst>
       <p:ext uri="{BB962C8B-B14F-4D97-AF65-F5344CB8AC3E}">
-        <p14:creationId xmlns:p14="http://schemas.microsoft.com/office/powerpoint/2010/main" val="731843618"/>
+        <p14:creationId xmlns:p14="http://schemas.microsoft.com/office/powerpoint/2010/main" val="4131121896"/>
       </p:ext>
     </p:extLst>
   </p:cSld>
@@ -9854,1239 +13025,39 @@
           <a:p>
             <a:r>
               <a:rPr lang="en-US" dirty="0"/>
-              <a:t>SDK: Node</a:t>
+              <a:t>Query Workbench</a:t>
             </a:r>
           </a:p>
         </p:txBody>
       </p:sp>
-      <p:sp>
-        <p:nvSpPr>
-          <p:cNvPr id="3" name="Content Placeholder 2"/>
-          <p:cNvSpPr txBox="1">
-            <a:spLocks/>
-          </p:cNvSpPr>
+      <p:pic>
+        <p:nvPicPr>
+          <p:cNvPr id="4" name="Picture 3"/>
+          <p:cNvPicPr>
+            <a:picLocks noChangeAspect="1"/>
+          </p:cNvPicPr>
           <p:nvPr/>
-        </p:nvSpPr>
+        </p:nvPicPr>
+        <p:blipFill>
+          <a:blip r:embed="rId3"/>
+          <a:stretch>
+            <a:fillRect/>
+          </a:stretch>
+        </p:blipFill>
         <p:spPr>
           <a:xfrm>
-            <a:off x="609600" y="676275"/>
-            <a:ext cx="8007739" cy="2009775"/>
+            <a:off x="590550" y="752759"/>
+            <a:ext cx="8020050" cy="3965053"/>
           </a:xfrm>
           <a:prstGeom prst="rect">
             <a:avLst/>
           </a:prstGeom>
         </p:spPr>
-        <p:txBody>
-          <a:bodyPr/>
-          <a:lstStyle>
-            <a:lvl1pPr marL="228600" indent="-228600" algn="l" defTabSz="457200" rtl="0" eaLnBrk="1" latinLnBrk="0" hangingPunct="1">
-              <a:spcBef>
-                <a:spcPts val="0"/>
-              </a:spcBef>
-              <a:buClr>
-                <a:schemeClr val="accent1"/>
-              </a:buClr>
-              <a:buFont typeface="Wingdings" charset="2"/>
-              <a:buChar char="§"/>
-              <a:defRPr sz="2400" kern="1200">
-                <a:solidFill>
-                  <a:schemeClr val="tx1"/>
-                </a:solidFill>
-                <a:latin typeface="+mn-lt"/>
-                <a:ea typeface="+mn-ea"/>
-                <a:cs typeface="+mn-cs"/>
-              </a:defRPr>
-            </a:lvl1pPr>
-            <a:lvl2pPr marL="455613" indent="-227013" algn="l" defTabSz="457200" rtl="0" eaLnBrk="1" latinLnBrk="0" hangingPunct="1">
-              <a:spcBef>
-                <a:spcPts val="0"/>
-              </a:spcBef>
-              <a:buClr>
-                <a:srgbClr val="262626"/>
-              </a:buClr>
-              <a:buFont typeface="Wingdings" charset="2"/>
-              <a:buChar char="§"/>
-              <a:defRPr sz="2000" kern="1200">
-                <a:solidFill>
-                  <a:schemeClr val="tx1"/>
-                </a:solidFill>
-                <a:latin typeface="+mn-lt"/>
-                <a:ea typeface="+mn-ea"/>
-                <a:cs typeface="+mn-cs"/>
-              </a:defRPr>
-            </a:lvl2pPr>
-            <a:lvl3pPr marL="455613" indent="-228600" algn="l" defTabSz="457200" rtl="0" eaLnBrk="1" latinLnBrk="0" hangingPunct="1">
-              <a:spcBef>
-                <a:spcPts val="0"/>
-              </a:spcBef>
-              <a:buClr>
-                <a:srgbClr val="262626"/>
-              </a:buClr>
-              <a:buFont typeface="Wingdings" charset="2"/>
-              <a:buChar char="§"/>
-              <a:defRPr sz="2000" kern="1200">
-                <a:solidFill>
-                  <a:schemeClr val="tx1"/>
-                </a:solidFill>
-                <a:latin typeface="+mn-lt"/>
-                <a:ea typeface="+mn-ea"/>
-                <a:cs typeface="+mn-cs"/>
-              </a:defRPr>
-            </a:lvl3pPr>
-            <a:lvl4pPr marL="455613" indent="-228600" algn="l" defTabSz="457200" rtl="0" eaLnBrk="1" latinLnBrk="0" hangingPunct="1">
-              <a:spcBef>
-                <a:spcPts val="0"/>
-              </a:spcBef>
-              <a:buClr>
-                <a:srgbClr val="262626"/>
-              </a:buClr>
-              <a:buFont typeface="Wingdings" charset="2"/>
-              <a:buChar char="§"/>
-              <a:defRPr sz="2000" kern="1200">
-                <a:solidFill>
-                  <a:schemeClr val="tx1"/>
-                </a:solidFill>
-                <a:latin typeface="+mn-lt"/>
-                <a:ea typeface="+mn-ea"/>
-                <a:cs typeface="+mn-cs"/>
-              </a:defRPr>
-            </a:lvl4pPr>
-            <a:lvl5pPr marL="455613" indent="-228600" algn="l" defTabSz="457200" rtl="0" eaLnBrk="1" latinLnBrk="0" hangingPunct="1">
-              <a:spcBef>
-                <a:spcPts val="200"/>
-              </a:spcBef>
-              <a:buClr>
-                <a:srgbClr val="262626"/>
-              </a:buClr>
-              <a:buFont typeface="Wingdings" charset="2"/>
-              <a:buChar char="§"/>
-              <a:defRPr sz="2000" kern="1200">
-                <a:solidFill>
-                  <a:schemeClr val="tx1"/>
-                </a:solidFill>
-                <a:latin typeface="+mn-lt"/>
-                <a:ea typeface="+mn-ea"/>
-                <a:cs typeface="+mn-cs"/>
-              </a:defRPr>
-            </a:lvl5pPr>
-            <a:lvl6pPr marL="2514600" indent="-228600" algn="l" defTabSz="457200" rtl="0" eaLnBrk="1" latinLnBrk="0" hangingPunct="1">
-              <a:spcBef>
-                <a:spcPct val="20000"/>
-              </a:spcBef>
-              <a:buFont typeface="Arial"/>
-              <a:buChar char="•"/>
-              <a:defRPr sz="2000" kern="1200">
-                <a:solidFill>
-                  <a:schemeClr val="tx1"/>
-                </a:solidFill>
-                <a:latin typeface="+mn-lt"/>
-                <a:ea typeface="+mn-ea"/>
-                <a:cs typeface="+mn-cs"/>
-              </a:defRPr>
-            </a:lvl6pPr>
-            <a:lvl7pPr marL="2971800" indent="-228600" algn="l" defTabSz="457200" rtl="0" eaLnBrk="1" latinLnBrk="0" hangingPunct="1">
-              <a:spcBef>
-                <a:spcPct val="20000"/>
-              </a:spcBef>
-              <a:buFont typeface="Arial"/>
-              <a:buChar char="•"/>
-              <a:defRPr sz="2000" kern="1200">
-                <a:solidFill>
-                  <a:schemeClr val="tx1"/>
-                </a:solidFill>
-                <a:latin typeface="+mn-lt"/>
-                <a:ea typeface="+mn-ea"/>
-                <a:cs typeface="+mn-cs"/>
-              </a:defRPr>
-            </a:lvl7pPr>
-            <a:lvl8pPr marL="3429000" indent="-228600" algn="l" defTabSz="457200" rtl="0" eaLnBrk="1" latinLnBrk="0" hangingPunct="1">
-              <a:spcBef>
-                <a:spcPct val="20000"/>
-              </a:spcBef>
-              <a:buFont typeface="Arial"/>
-              <a:buChar char="•"/>
-              <a:defRPr sz="2000" kern="1200">
-                <a:solidFill>
-                  <a:schemeClr val="tx1"/>
-                </a:solidFill>
-                <a:latin typeface="+mn-lt"/>
-                <a:ea typeface="+mn-ea"/>
-                <a:cs typeface="+mn-cs"/>
-              </a:defRPr>
-            </a:lvl8pPr>
-            <a:lvl9pPr marL="3886200" indent="-228600" algn="l" defTabSz="457200" rtl="0" eaLnBrk="1" latinLnBrk="0" hangingPunct="1">
-              <a:spcBef>
-                <a:spcPct val="20000"/>
-              </a:spcBef>
-              <a:buFont typeface="Arial"/>
-              <a:buChar char="•"/>
-              <a:defRPr sz="2000" kern="1200">
-                <a:solidFill>
-                  <a:schemeClr val="tx1"/>
-                </a:solidFill>
-                <a:latin typeface="+mn-lt"/>
-                <a:ea typeface="+mn-ea"/>
-                <a:cs typeface="+mn-cs"/>
-              </a:defRPr>
-            </a:lvl9pPr>
-          </a:lstStyle>
-          <a:p>
-            <a:pPr marL="342900" indent="-342900">
-              <a:buFont typeface="Arial" charset="0"/>
-              <a:buChar char="•"/>
-            </a:pPr>
-            <a:r>
-              <a:rPr lang="en-US" dirty="0"/>
-              <a:t>How to install</a:t>
-            </a:r>
-          </a:p>
-          <a:p>
-            <a:pPr marL="342900" indent="-342900">
-              <a:buFont typeface="Arial" charset="0"/>
-              <a:buChar char="•"/>
-            </a:pPr>
-            <a:endParaRPr lang="en-US" dirty="0"/>
-          </a:p>
-          <a:p>
-            <a:pPr marL="569913" lvl="1" indent="-342900">
-              <a:buFont typeface="Arial" charset="0"/>
-              <a:buChar char="•"/>
-            </a:pPr>
-            <a:r>
-              <a:rPr lang="en-US" dirty="0" err="1"/>
-              <a:t>npm</a:t>
-            </a:r>
-            <a:r>
-              <a:rPr lang="en-US" dirty="0"/>
-              <a:t> install </a:t>
-            </a:r>
-            <a:r>
-              <a:rPr lang="en-US" dirty="0" err="1"/>
-              <a:t>couchbase</a:t>
-            </a:r>
-            <a:endParaRPr lang="en-US" dirty="0"/>
-          </a:p>
-          <a:p>
-            <a:pPr marL="569913" lvl="1" indent="-342900">
-              <a:buFont typeface="Arial" charset="0"/>
-              <a:buChar char="•"/>
-            </a:pPr>
-            <a:endParaRPr lang="en-US" dirty="0"/>
-          </a:p>
-          <a:p>
-            <a:pPr marL="342900" indent="-342900">
-              <a:buFont typeface="Arial" charset="0"/>
-              <a:buChar char="•"/>
-            </a:pPr>
-            <a:r>
-              <a:rPr lang="en-US" dirty="0"/>
-              <a:t>How to connect to a </a:t>
-            </a:r>
-            <a:r>
-              <a:rPr lang="en-US" dirty="0" err="1"/>
-              <a:t>Couchbase</a:t>
-            </a:r>
-            <a:r>
-              <a:rPr lang="en-US" dirty="0"/>
-              <a:t> cluster</a:t>
-            </a:r>
-          </a:p>
-          <a:p>
-            <a:pPr marL="342900" indent="-342900">
-              <a:buFont typeface="Arial" charset="0"/>
-              <a:buChar char="•"/>
-            </a:pPr>
-            <a:endParaRPr lang="en-US" dirty="0"/>
-          </a:p>
-          <a:p>
-            <a:pPr marL="342900" indent="-342900">
-              <a:buFont typeface="Arial" charset="0"/>
-              <a:buChar char="•"/>
-            </a:pPr>
-            <a:endParaRPr lang="en-US" dirty="0"/>
-          </a:p>
-          <a:p>
-            <a:endParaRPr lang="en-US" dirty="0"/>
-          </a:p>
-        </p:txBody>
-      </p:sp>
-      <p:sp>
-        <p:nvSpPr>
-          <p:cNvPr id="4" name="Shape 1658"/>
-          <p:cNvSpPr txBox="1">
-            <a:spLocks/>
-          </p:cNvSpPr>
-          <p:nvPr/>
-        </p:nvSpPr>
-        <p:spPr>
-          <a:xfrm>
-            <a:off x="1288661" y="2419349"/>
-            <a:ext cx="6236089" cy="2420551"/>
-          </a:xfrm>
-          <a:prstGeom prst="rect">
-            <a:avLst/>
-          </a:prstGeom>
-        </p:spPr>
-        <p:txBody>
-          <a:bodyPr lIns="0" tIns="0" rIns="0" bIns="0">
-            <a:noAutofit/>
-          </a:bodyPr>
-          <a:lstStyle>
-            <a:lvl1pPr marL="228600" indent="-228600" algn="l" defTabSz="457200" rtl="0" eaLnBrk="1" latinLnBrk="0" hangingPunct="1">
-              <a:spcBef>
-                <a:spcPts val="0"/>
-              </a:spcBef>
-              <a:buClr>
-                <a:schemeClr val="accent1"/>
-              </a:buClr>
-              <a:buFont typeface="Wingdings" charset="2"/>
-              <a:buChar char="§"/>
-              <a:defRPr sz="2400" kern="1200">
-                <a:solidFill>
-                  <a:schemeClr val="tx1"/>
-                </a:solidFill>
-                <a:latin typeface="+mn-lt"/>
-                <a:ea typeface="+mn-ea"/>
-                <a:cs typeface="+mn-cs"/>
-              </a:defRPr>
-            </a:lvl1pPr>
-            <a:lvl2pPr marL="455613" indent="-227013" algn="l" defTabSz="457200" rtl="0" eaLnBrk="1" latinLnBrk="0" hangingPunct="1">
-              <a:spcBef>
-                <a:spcPts val="0"/>
-              </a:spcBef>
-              <a:buClr>
-                <a:srgbClr val="262626"/>
-              </a:buClr>
-              <a:buFont typeface="Wingdings" charset="2"/>
-              <a:buChar char="§"/>
-              <a:defRPr sz="2000" kern="1200">
-                <a:solidFill>
-                  <a:schemeClr val="tx1"/>
-                </a:solidFill>
-                <a:latin typeface="+mn-lt"/>
-                <a:ea typeface="+mn-ea"/>
-                <a:cs typeface="+mn-cs"/>
-              </a:defRPr>
-            </a:lvl2pPr>
-            <a:lvl3pPr marL="455613" indent="-228600" algn="l" defTabSz="457200" rtl="0" eaLnBrk="1" latinLnBrk="0" hangingPunct="1">
-              <a:spcBef>
-                <a:spcPts val="0"/>
-              </a:spcBef>
-              <a:buClr>
-                <a:srgbClr val="262626"/>
-              </a:buClr>
-              <a:buFont typeface="Wingdings" charset="2"/>
-              <a:buChar char="§"/>
-              <a:defRPr sz="2000" kern="1200">
-                <a:solidFill>
-                  <a:schemeClr val="tx1"/>
-                </a:solidFill>
-                <a:latin typeface="+mn-lt"/>
-                <a:ea typeface="+mn-ea"/>
-                <a:cs typeface="+mn-cs"/>
-              </a:defRPr>
-            </a:lvl3pPr>
-            <a:lvl4pPr marL="455613" indent="-228600" algn="l" defTabSz="457200" rtl="0" eaLnBrk="1" latinLnBrk="0" hangingPunct="1">
-              <a:spcBef>
-                <a:spcPts val="0"/>
-              </a:spcBef>
-              <a:buClr>
-                <a:srgbClr val="262626"/>
-              </a:buClr>
-              <a:buFont typeface="Wingdings" charset="2"/>
-              <a:buChar char="§"/>
-              <a:defRPr sz="2000" kern="1200">
-                <a:solidFill>
-                  <a:schemeClr val="tx1"/>
-                </a:solidFill>
-                <a:latin typeface="+mn-lt"/>
-                <a:ea typeface="+mn-ea"/>
-                <a:cs typeface="+mn-cs"/>
-              </a:defRPr>
-            </a:lvl4pPr>
-            <a:lvl5pPr marL="455613" indent="-228600" algn="l" defTabSz="457200" rtl="0" eaLnBrk="1" latinLnBrk="0" hangingPunct="1">
-              <a:spcBef>
-                <a:spcPts val="200"/>
-              </a:spcBef>
-              <a:buClr>
-                <a:srgbClr val="262626"/>
-              </a:buClr>
-              <a:buFont typeface="Wingdings" charset="2"/>
-              <a:buChar char="§"/>
-              <a:defRPr sz="2000" kern="1200">
-                <a:solidFill>
-                  <a:schemeClr val="tx1"/>
-                </a:solidFill>
-                <a:latin typeface="+mn-lt"/>
-                <a:ea typeface="+mn-ea"/>
-                <a:cs typeface="+mn-cs"/>
-              </a:defRPr>
-            </a:lvl5pPr>
-            <a:lvl6pPr marL="2514600" indent="-228600" algn="l" defTabSz="457200" rtl="0" eaLnBrk="1" latinLnBrk="0" hangingPunct="1">
-              <a:spcBef>
-                <a:spcPct val="20000"/>
-              </a:spcBef>
-              <a:buFont typeface="Arial"/>
-              <a:buChar char="•"/>
-              <a:defRPr sz="2000" kern="1200">
-                <a:solidFill>
-                  <a:schemeClr val="tx1"/>
-                </a:solidFill>
-                <a:latin typeface="+mn-lt"/>
-                <a:ea typeface="+mn-ea"/>
-                <a:cs typeface="+mn-cs"/>
-              </a:defRPr>
-            </a:lvl6pPr>
-            <a:lvl7pPr marL="2971800" indent="-228600" algn="l" defTabSz="457200" rtl="0" eaLnBrk="1" latinLnBrk="0" hangingPunct="1">
-              <a:spcBef>
-                <a:spcPct val="20000"/>
-              </a:spcBef>
-              <a:buFont typeface="Arial"/>
-              <a:buChar char="•"/>
-              <a:defRPr sz="2000" kern="1200">
-                <a:solidFill>
-                  <a:schemeClr val="tx1"/>
-                </a:solidFill>
-                <a:latin typeface="+mn-lt"/>
-                <a:ea typeface="+mn-ea"/>
-                <a:cs typeface="+mn-cs"/>
-              </a:defRPr>
-            </a:lvl7pPr>
-            <a:lvl8pPr marL="3429000" indent="-228600" algn="l" defTabSz="457200" rtl="0" eaLnBrk="1" latinLnBrk="0" hangingPunct="1">
-              <a:spcBef>
-                <a:spcPct val="20000"/>
-              </a:spcBef>
-              <a:buFont typeface="Arial"/>
-              <a:buChar char="•"/>
-              <a:defRPr sz="2000" kern="1200">
-                <a:solidFill>
-                  <a:schemeClr val="tx1"/>
-                </a:solidFill>
-                <a:latin typeface="+mn-lt"/>
-                <a:ea typeface="+mn-ea"/>
-                <a:cs typeface="+mn-cs"/>
-              </a:defRPr>
-            </a:lvl8pPr>
-            <a:lvl9pPr marL="3886200" indent="-228600" algn="l" defTabSz="457200" rtl="0" eaLnBrk="1" latinLnBrk="0" hangingPunct="1">
-              <a:spcBef>
-                <a:spcPct val="20000"/>
-              </a:spcBef>
-              <a:buFont typeface="Arial"/>
-              <a:buChar char="•"/>
-              <a:defRPr sz="2000" kern="1200">
-                <a:solidFill>
-                  <a:schemeClr val="tx1"/>
-                </a:solidFill>
-                <a:latin typeface="+mn-lt"/>
-                <a:ea typeface="+mn-ea"/>
-                <a:cs typeface="+mn-cs"/>
-              </a:defRPr>
-            </a:lvl9pPr>
-          </a:lstStyle>
-          <a:p>
-            <a:pPr marL="0" indent="0">
-              <a:buNone/>
-              <a:defRPr sz="1800">
-                <a:solidFill>
-                  <a:srgbClr val="000000"/>
-                </a:solidFill>
-              </a:defRPr>
-            </a:pPr>
-            <a:r>
-              <a:rPr lang="en-US" sz="1100" dirty="0">
-                <a:solidFill>
-                  <a:srgbClr val="1BB2E2"/>
-                </a:solidFill>
-                <a:latin typeface="Courier" charset="0"/>
-                <a:ea typeface="Courier" charset="0"/>
-                <a:cs typeface="Courier" charset="0"/>
-                <a:sym typeface="Consolas"/>
-              </a:rPr>
-              <a:t>//including the Node.js dependency</a:t>
-            </a:r>
-          </a:p>
-          <a:p>
-            <a:pPr marL="0" indent="0">
-              <a:buNone/>
-              <a:defRPr sz="1800">
-                <a:solidFill>
-                  <a:srgbClr val="000000"/>
-                </a:solidFill>
-              </a:defRPr>
-            </a:pPr>
-            <a:r>
-              <a:rPr lang="en-US" sz="1100" dirty="0" err="1">
-                <a:solidFill>
-                  <a:srgbClr val="1E1C1C"/>
-                </a:solidFill>
-                <a:latin typeface="Courier" charset="0"/>
-                <a:ea typeface="Courier" charset="0"/>
-                <a:cs typeface="Courier" charset="0"/>
-                <a:sym typeface="Consolas"/>
-              </a:rPr>
-              <a:t>var</a:t>
-            </a:r>
-            <a:r>
-              <a:rPr lang="en-US" sz="1100" dirty="0">
-                <a:solidFill>
-                  <a:srgbClr val="1E1C1C"/>
-                </a:solidFill>
-                <a:latin typeface="Courier" charset="0"/>
-                <a:ea typeface="Courier" charset="0"/>
-                <a:cs typeface="Courier" charset="0"/>
-                <a:sym typeface="Consolas"/>
-              </a:rPr>
-              <a:t> </a:t>
-            </a:r>
-            <a:r>
-              <a:rPr lang="en-US" sz="1100" dirty="0" err="1">
-                <a:solidFill>
-                  <a:srgbClr val="1E1C1C"/>
-                </a:solidFill>
-                <a:latin typeface="Courier" charset="0"/>
-                <a:ea typeface="Courier" charset="0"/>
-                <a:cs typeface="Courier" charset="0"/>
-                <a:sym typeface="Consolas"/>
-              </a:rPr>
-              <a:t>Couchbase</a:t>
-            </a:r>
-            <a:r>
-              <a:rPr lang="en-US" sz="1100" dirty="0">
-                <a:solidFill>
-                  <a:srgbClr val="1E1C1C"/>
-                </a:solidFill>
-                <a:latin typeface="Courier" charset="0"/>
-                <a:ea typeface="Courier" charset="0"/>
-                <a:cs typeface="Courier" charset="0"/>
-                <a:sym typeface="Consolas"/>
-              </a:rPr>
-              <a:t> = require(</a:t>
-            </a:r>
-            <a:r>
-              <a:rPr lang="en-US" sz="1100" dirty="0">
-                <a:solidFill>
-                  <a:srgbClr val="E40121"/>
-                </a:solidFill>
-                <a:latin typeface="Courier" charset="0"/>
-                <a:ea typeface="Courier" charset="0"/>
-                <a:cs typeface="Courier" charset="0"/>
-                <a:sym typeface="Consolas"/>
-              </a:rPr>
-              <a:t>”</a:t>
-            </a:r>
-            <a:r>
-              <a:rPr lang="en-US" sz="1100" dirty="0" err="1">
-                <a:solidFill>
-                  <a:srgbClr val="E40121"/>
-                </a:solidFill>
-                <a:latin typeface="Courier" charset="0"/>
-                <a:ea typeface="Courier" charset="0"/>
-                <a:cs typeface="Courier" charset="0"/>
-                <a:sym typeface="Consolas"/>
-              </a:rPr>
-              <a:t>couchbase</a:t>
-            </a:r>
-            <a:r>
-              <a:rPr lang="en-US" sz="1100" dirty="0">
-                <a:solidFill>
-                  <a:srgbClr val="E40121"/>
-                </a:solidFill>
-                <a:latin typeface="Courier" charset="0"/>
-                <a:ea typeface="Courier" charset="0"/>
-                <a:cs typeface="Courier" charset="0"/>
-                <a:sym typeface="Consolas"/>
-              </a:rPr>
-              <a:t>"</a:t>
-            </a:r>
-            <a:r>
-              <a:rPr lang="en-US" sz="1100" dirty="0">
-                <a:solidFill>
-                  <a:srgbClr val="1E1C1C"/>
-                </a:solidFill>
-                <a:latin typeface="Courier" charset="0"/>
-                <a:ea typeface="Courier" charset="0"/>
-                <a:cs typeface="Courier" charset="0"/>
-                <a:sym typeface="Consolas"/>
-              </a:rPr>
-              <a:t>);</a:t>
-            </a:r>
-          </a:p>
-          <a:p>
-            <a:pPr marL="0" indent="0">
-              <a:buNone/>
-              <a:defRPr sz="1800">
-                <a:solidFill>
-                  <a:srgbClr val="000000"/>
-                </a:solidFill>
-              </a:defRPr>
-            </a:pPr>
-            <a:endParaRPr lang="en-US" sz="1100" dirty="0">
-              <a:solidFill>
-                <a:srgbClr val="1E1C1C"/>
-              </a:solidFill>
-              <a:latin typeface="Courier" charset="0"/>
-              <a:ea typeface="Courier" charset="0"/>
-              <a:cs typeface="Courier" charset="0"/>
-              <a:sym typeface="Consolas"/>
-            </a:endParaRPr>
-          </a:p>
-          <a:p>
-            <a:pPr marL="0" indent="0">
-              <a:buNone/>
-              <a:defRPr sz="1800">
-                <a:solidFill>
-                  <a:srgbClr val="000000"/>
-                </a:solidFill>
-              </a:defRPr>
-            </a:pPr>
-            <a:r>
-              <a:rPr lang="en-US" sz="1100" dirty="0">
-                <a:solidFill>
-                  <a:srgbClr val="1BB2E2"/>
-                </a:solidFill>
-                <a:latin typeface="Courier" charset="0"/>
-                <a:ea typeface="Courier" charset="0"/>
-                <a:cs typeface="Courier" charset="0"/>
-                <a:sym typeface="Consolas"/>
-              </a:rPr>
-              <a:t>//connecting to a </a:t>
-            </a:r>
-            <a:r>
-              <a:rPr lang="en-US" sz="1100" dirty="0" err="1">
-                <a:solidFill>
-                  <a:srgbClr val="1BB2E2"/>
-                </a:solidFill>
-                <a:latin typeface="Courier" charset="0"/>
-                <a:ea typeface="Courier" charset="0"/>
-                <a:cs typeface="Courier" charset="0"/>
-                <a:sym typeface="Consolas"/>
-              </a:rPr>
-              <a:t>Couchbase</a:t>
-            </a:r>
-            <a:r>
-              <a:rPr lang="en-US" sz="1100" dirty="0">
-                <a:solidFill>
-                  <a:srgbClr val="1BB2E2"/>
-                </a:solidFill>
-                <a:latin typeface="Courier" charset="0"/>
-                <a:ea typeface="Courier" charset="0"/>
-                <a:cs typeface="Courier" charset="0"/>
-                <a:sym typeface="Consolas"/>
-              </a:rPr>
-              <a:t> cluster</a:t>
-            </a:r>
-          </a:p>
-          <a:p>
-            <a:pPr marL="0" indent="0">
-              <a:buNone/>
-              <a:defRPr sz="1800">
-                <a:solidFill>
-                  <a:srgbClr val="000000"/>
-                </a:solidFill>
-              </a:defRPr>
-            </a:pPr>
-            <a:r>
-              <a:rPr lang="en-US" sz="1100" dirty="0" err="1">
-                <a:solidFill>
-                  <a:srgbClr val="1E1C1C"/>
-                </a:solidFill>
-                <a:latin typeface="Courier" charset="0"/>
-                <a:ea typeface="Courier" charset="0"/>
-                <a:cs typeface="Courier" charset="0"/>
-                <a:sym typeface="Consolas"/>
-              </a:rPr>
-              <a:t>var</a:t>
-            </a:r>
-            <a:r>
-              <a:rPr lang="en-US" sz="1100" dirty="0">
-                <a:solidFill>
-                  <a:srgbClr val="1E1C1C"/>
-                </a:solidFill>
-                <a:latin typeface="Courier" charset="0"/>
-                <a:ea typeface="Courier" charset="0"/>
-                <a:cs typeface="Courier" charset="0"/>
-                <a:sym typeface="Consolas"/>
-              </a:rPr>
-              <a:t> cluster = new </a:t>
-            </a:r>
-            <a:r>
-              <a:rPr lang="en-US" sz="1100" dirty="0" err="1">
-                <a:solidFill>
-                  <a:srgbClr val="1E1C1C"/>
-                </a:solidFill>
-                <a:latin typeface="Courier" charset="0"/>
-                <a:ea typeface="Courier" charset="0"/>
-                <a:cs typeface="Courier" charset="0"/>
-                <a:sym typeface="Consolas"/>
-              </a:rPr>
-              <a:t>Couchbase.Cluster</a:t>
-            </a:r>
-            <a:r>
-              <a:rPr lang="en-US" sz="1100" dirty="0">
-                <a:solidFill>
-                  <a:srgbClr val="1E1C1C"/>
-                </a:solidFill>
-                <a:latin typeface="Courier" charset="0"/>
-                <a:ea typeface="Courier" charset="0"/>
-                <a:cs typeface="Courier" charset="0"/>
-                <a:sym typeface="Consolas"/>
-              </a:rPr>
-              <a:t>(</a:t>
-            </a:r>
-            <a:r>
-              <a:rPr lang="en-US" sz="1100" dirty="0">
-                <a:solidFill>
-                  <a:srgbClr val="E40121"/>
-                </a:solidFill>
-                <a:latin typeface="Courier" charset="0"/>
-                <a:ea typeface="Courier" charset="0"/>
-                <a:cs typeface="Courier" charset="0"/>
-                <a:sym typeface="Consolas"/>
-              </a:rPr>
-              <a:t>"</a:t>
-            </a:r>
-            <a:r>
-              <a:rPr lang="en-US" sz="1100" dirty="0" err="1">
-                <a:solidFill>
-                  <a:srgbClr val="E40121"/>
-                </a:solidFill>
-                <a:latin typeface="Courier" charset="0"/>
-                <a:ea typeface="Courier" charset="0"/>
-                <a:cs typeface="Courier" charset="0"/>
-                <a:sym typeface="Consolas"/>
-              </a:rPr>
-              <a:t>couchbase</a:t>
-            </a:r>
-            <a:r>
-              <a:rPr lang="en-US" sz="1100" dirty="0">
-                <a:solidFill>
-                  <a:srgbClr val="E40121"/>
-                </a:solidFill>
-                <a:latin typeface="Courier" charset="0"/>
-                <a:ea typeface="Courier" charset="0"/>
-                <a:cs typeface="Courier" charset="0"/>
-                <a:sym typeface="Consolas"/>
-              </a:rPr>
-              <a:t>://localhost:8091"</a:t>
-            </a:r>
-            <a:r>
-              <a:rPr lang="en-US" sz="1100" dirty="0">
-                <a:solidFill>
-                  <a:srgbClr val="1E1C1C"/>
-                </a:solidFill>
-                <a:latin typeface="Courier" charset="0"/>
-                <a:ea typeface="Courier" charset="0"/>
-                <a:cs typeface="Courier" charset="0"/>
-                <a:sym typeface="Consolas"/>
-              </a:rPr>
-              <a:t>);</a:t>
-            </a:r>
-          </a:p>
-          <a:p>
-            <a:pPr marL="0" indent="0">
-              <a:buNone/>
-              <a:defRPr sz="1800">
-                <a:solidFill>
-                  <a:srgbClr val="000000"/>
-                </a:solidFill>
-              </a:defRPr>
-            </a:pPr>
-            <a:endParaRPr lang="en-US" sz="1100" dirty="0">
-              <a:solidFill>
-                <a:srgbClr val="1E1C1C"/>
-              </a:solidFill>
-              <a:latin typeface="Courier" charset="0"/>
-              <a:ea typeface="Courier" charset="0"/>
-              <a:cs typeface="Courier" charset="0"/>
-              <a:sym typeface="Consolas"/>
-            </a:endParaRPr>
-          </a:p>
-          <a:p>
-            <a:pPr marL="0" indent="0">
-              <a:buNone/>
-              <a:defRPr sz="1800">
-                <a:solidFill>
-                  <a:srgbClr val="000000"/>
-                </a:solidFill>
-              </a:defRPr>
-            </a:pPr>
-            <a:r>
-              <a:rPr lang="en-US" sz="1100" dirty="0">
-                <a:solidFill>
-                  <a:srgbClr val="1BB2E2"/>
-                </a:solidFill>
-                <a:latin typeface="Courier" charset="0"/>
-                <a:ea typeface="Courier" charset="0"/>
-                <a:cs typeface="Courier" charset="0"/>
-                <a:sym typeface="Consolas"/>
-              </a:rPr>
-              <a:t>//opening a bucket in the cluster</a:t>
-            </a:r>
-          </a:p>
-          <a:p>
-            <a:pPr marL="0" indent="0">
-              <a:buNone/>
-              <a:defRPr sz="1800">
-                <a:solidFill>
-                  <a:srgbClr val="000000"/>
-                </a:solidFill>
-              </a:defRPr>
-            </a:pPr>
-            <a:r>
-              <a:rPr lang="en-US" sz="1100" dirty="0" err="1">
-                <a:solidFill>
-                  <a:srgbClr val="1E1C1C"/>
-                </a:solidFill>
-                <a:latin typeface="Courier" charset="0"/>
-                <a:ea typeface="Courier" charset="0"/>
-                <a:cs typeface="Courier" charset="0"/>
-                <a:sym typeface="Consolas"/>
-              </a:rPr>
-              <a:t>var</a:t>
-            </a:r>
-            <a:r>
-              <a:rPr lang="en-US" sz="1100" dirty="0">
-                <a:solidFill>
-                  <a:srgbClr val="1E1C1C"/>
-                </a:solidFill>
-                <a:latin typeface="Courier" charset="0"/>
-                <a:ea typeface="Courier" charset="0"/>
-                <a:cs typeface="Courier" charset="0"/>
-                <a:sym typeface="Consolas"/>
-              </a:rPr>
-              <a:t> </a:t>
-            </a:r>
-            <a:r>
-              <a:rPr lang="en-US" sz="1100" dirty="0" err="1">
-                <a:solidFill>
-                  <a:srgbClr val="1E1C1C"/>
-                </a:solidFill>
-                <a:latin typeface="Courier" charset="0"/>
-                <a:ea typeface="Courier" charset="0"/>
-                <a:cs typeface="Courier" charset="0"/>
-                <a:sym typeface="Consolas"/>
-              </a:rPr>
-              <a:t>myBucket</a:t>
-            </a:r>
-            <a:r>
-              <a:rPr lang="en-US" sz="1100" dirty="0">
-                <a:solidFill>
-                  <a:srgbClr val="1E1C1C"/>
-                </a:solidFill>
-                <a:latin typeface="Courier" charset="0"/>
-                <a:ea typeface="Courier" charset="0"/>
-                <a:cs typeface="Courier" charset="0"/>
-                <a:sym typeface="Consolas"/>
-              </a:rPr>
-              <a:t> = </a:t>
-            </a:r>
-            <a:r>
-              <a:rPr lang="en-US" sz="1100" dirty="0" err="1">
-                <a:solidFill>
-                  <a:srgbClr val="1E1C1C"/>
-                </a:solidFill>
-                <a:latin typeface="Courier" charset="0"/>
-                <a:ea typeface="Courier" charset="0"/>
-                <a:cs typeface="Courier" charset="0"/>
-                <a:sym typeface="Consolas"/>
-              </a:rPr>
-              <a:t>cluster.openBucket</a:t>
-            </a:r>
-            <a:r>
-              <a:rPr lang="en-US" sz="1100" dirty="0">
-                <a:solidFill>
-                  <a:srgbClr val="1E1C1C"/>
-                </a:solidFill>
-                <a:latin typeface="Courier" charset="0"/>
-                <a:ea typeface="Courier" charset="0"/>
-                <a:cs typeface="Courier" charset="0"/>
-                <a:sym typeface="Consolas"/>
-              </a:rPr>
-              <a:t>(</a:t>
-            </a:r>
-            <a:r>
-              <a:rPr lang="en-US" sz="1100" dirty="0">
-                <a:solidFill>
-                  <a:srgbClr val="E40121"/>
-                </a:solidFill>
-                <a:latin typeface="Courier" charset="0"/>
-                <a:ea typeface="Courier" charset="0"/>
-                <a:cs typeface="Courier" charset="0"/>
-                <a:sym typeface="Consolas"/>
-              </a:rPr>
-              <a:t>"travel-sample"</a:t>
-            </a:r>
-            <a:r>
-              <a:rPr lang="en-US" sz="1100" dirty="0">
-                <a:solidFill>
-                  <a:srgbClr val="1E1C1C"/>
-                </a:solidFill>
-                <a:latin typeface="Courier" charset="0"/>
-                <a:ea typeface="Courier" charset="0"/>
-                <a:cs typeface="Courier" charset="0"/>
-                <a:sym typeface="Consolas"/>
-              </a:rPr>
-              <a:t>, </a:t>
-            </a:r>
-            <a:r>
-              <a:rPr lang="en-US" sz="1100" dirty="0">
-                <a:solidFill>
-                  <a:srgbClr val="E40121"/>
-                </a:solidFill>
-                <a:latin typeface="Courier" charset="0"/>
-                <a:ea typeface="Courier" charset="0"/>
-                <a:cs typeface="Courier" charset="0"/>
-                <a:sym typeface="Consolas"/>
-              </a:rPr>
-              <a:t>“password"</a:t>
-            </a:r>
-            <a:r>
-              <a:rPr lang="en-US" sz="1100" dirty="0">
-                <a:solidFill>
-                  <a:srgbClr val="1E1C1C"/>
-                </a:solidFill>
-                <a:latin typeface="Courier" charset="0"/>
-                <a:ea typeface="Courier" charset="0"/>
-                <a:cs typeface="Courier" charset="0"/>
-                <a:sym typeface="Consolas"/>
-              </a:rPr>
-              <a:t>);</a:t>
-            </a:r>
-          </a:p>
-          <a:p>
-            <a:pPr marL="0" indent="0">
-              <a:buNone/>
-              <a:defRPr sz="1800">
-                <a:solidFill>
-                  <a:srgbClr val="000000"/>
-                </a:solidFill>
-              </a:defRPr>
-            </a:pPr>
-            <a:endParaRPr lang="en-US" sz="1100" dirty="0">
-              <a:solidFill>
-                <a:srgbClr val="1E1C1C"/>
-              </a:solidFill>
-              <a:latin typeface="Courier" charset="0"/>
-              <a:ea typeface="Courier" charset="0"/>
-              <a:cs typeface="Courier" charset="0"/>
-              <a:sym typeface="Consolas"/>
-            </a:endParaRPr>
-          </a:p>
-          <a:p>
-            <a:pPr marL="0" indent="0">
-              <a:buNone/>
-              <a:defRPr sz="1800">
-                <a:solidFill>
-                  <a:srgbClr val="000000"/>
-                </a:solidFill>
-              </a:defRPr>
-            </a:pPr>
-            <a:r>
-              <a:rPr lang="en-US" sz="1100" dirty="0">
-                <a:solidFill>
-                  <a:srgbClr val="1BB2E2"/>
-                </a:solidFill>
-                <a:latin typeface="Courier" charset="0"/>
-                <a:ea typeface="Courier" charset="0"/>
-                <a:cs typeface="Courier" charset="0"/>
-                <a:sym typeface="Consolas"/>
-              </a:rPr>
-              <a:t>//preparing N1ql</a:t>
-            </a:r>
-          </a:p>
-          <a:p>
-            <a:pPr marL="0" indent="0">
-              <a:buNone/>
-              <a:defRPr sz="1800">
-                <a:solidFill>
-                  <a:srgbClr val="000000"/>
-                </a:solidFill>
-              </a:defRPr>
-            </a:pPr>
-            <a:r>
-              <a:rPr lang="en-US" sz="1100" dirty="0" err="1">
-                <a:solidFill>
-                  <a:srgbClr val="2E2E2C"/>
-                </a:solidFill>
-                <a:latin typeface="Courier" charset="0"/>
-                <a:ea typeface="Courier" charset="0"/>
-                <a:cs typeface="Courier" charset="0"/>
-                <a:sym typeface="Consolas"/>
-              </a:rPr>
-              <a:t>var</a:t>
-            </a:r>
-            <a:r>
-              <a:rPr lang="en-US" sz="1100" dirty="0">
-                <a:solidFill>
-                  <a:srgbClr val="2E2E2C"/>
-                </a:solidFill>
-                <a:latin typeface="Courier" charset="0"/>
-                <a:ea typeface="Courier" charset="0"/>
-                <a:cs typeface="Courier" charset="0"/>
-                <a:sym typeface="Consolas"/>
-              </a:rPr>
-              <a:t> </a:t>
-            </a:r>
-            <a:r>
-              <a:rPr lang="en-US" sz="1100" dirty="0" err="1">
-                <a:solidFill>
-                  <a:srgbClr val="2E2E2C"/>
-                </a:solidFill>
-                <a:latin typeface="Courier" charset="0"/>
-                <a:ea typeface="Courier" charset="0"/>
-                <a:cs typeface="Courier" charset="0"/>
-                <a:sym typeface="Consolas"/>
-              </a:rPr>
-              <a:t>myQuery</a:t>
-            </a:r>
-            <a:r>
-              <a:rPr lang="en-US" sz="1100" dirty="0">
-                <a:solidFill>
-                  <a:srgbClr val="2E2E2C"/>
-                </a:solidFill>
-                <a:latin typeface="Courier" charset="0"/>
-                <a:ea typeface="Courier" charset="0"/>
-                <a:cs typeface="Courier" charset="0"/>
-                <a:sym typeface="Consolas"/>
-              </a:rPr>
-              <a:t> = Couchbase.N1qlQuery();</a:t>
-            </a:r>
-          </a:p>
-          <a:p>
-            <a:pPr marL="0" indent="0">
-              <a:buNone/>
-              <a:defRPr sz="1800">
-                <a:solidFill>
-                  <a:srgbClr val="000000"/>
-                </a:solidFill>
-              </a:defRPr>
-            </a:pPr>
-            <a:endParaRPr lang="en-US" sz="1100" dirty="0">
-              <a:solidFill>
-                <a:srgbClr val="1E1C1C"/>
-              </a:solidFill>
-              <a:latin typeface="Courier" charset="0"/>
-              <a:ea typeface="Courier" charset="0"/>
-              <a:cs typeface="Courier" charset="0"/>
-              <a:sym typeface="Consolas"/>
-            </a:endParaRPr>
-          </a:p>
-          <a:p>
-            <a:pPr marL="0" indent="0">
-              <a:buNone/>
-              <a:defRPr sz="1800">
-                <a:solidFill>
-                  <a:srgbClr val="000000"/>
-                </a:solidFill>
-              </a:defRPr>
-            </a:pPr>
-            <a:r>
-              <a:rPr lang="en-US" sz="1100" dirty="0">
-                <a:solidFill>
-                  <a:srgbClr val="1BB2E2"/>
-                </a:solidFill>
-                <a:latin typeface="Courier" charset="0"/>
-                <a:ea typeface="Courier" charset="0"/>
-                <a:cs typeface="Courier" charset="0"/>
-                <a:sym typeface="Consolas"/>
-              </a:rPr>
-              <a:t>//creating and saving a Document</a:t>
-            </a:r>
-          </a:p>
-          <a:p>
-            <a:pPr marL="0" indent="0">
-              <a:buNone/>
-              <a:defRPr sz="1800">
-                <a:solidFill>
-                  <a:srgbClr val="000000"/>
-                </a:solidFill>
-              </a:defRPr>
-            </a:pPr>
-            <a:r>
-              <a:rPr lang="en-US" sz="1100" dirty="0" err="1">
-                <a:solidFill>
-                  <a:srgbClr val="2E2E2C"/>
-                </a:solidFill>
-                <a:latin typeface="Courier" charset="0"/>
-                <a:ea typeface="Courier" charset="0"/>
-                <a:cs typeface="Courier" charset="0"/>
-                <a:sym typeface="Consolas"/>
-              </a:rPr>
-              <a:t>var</a:t>
-            </a:r>
-            <a:r>
-              <a:rPr lang="en-US" sz="1100" dirty="0">
-                <a:solidFill>
-                  <a:srgbClr val="2E2E2C"/>
-                </a:solidFill>
-                <a:latin typeface="Courier" charset="0"/>
-                <a:ea typeface="Courier" charset="0"/>
-                <a:cs typeface="Courier" charset="0"/>
-                <a:sym typeface="Consolas"/>
-              </a:rPr>
-              <a:t> document = { </a:t>
-            </a:r>
-            <a:r>
-              <a:rPr lang="en-US" sz="1100" dirty="0" err="1">
-                <a:solidFill>
-                  <a:srgbClr val="2E2E2C"/>
-                </a:solidFill>
-                <a:latin typeface="Courier" charset="0"/>
-                <a:ea typeface="Courier" charset="0"/>
-                <a:cs typeface="Courier" charset="0"/>
-                <a:sym typeface="Consolas"/>
-              </a:rPr>
-              <a:t>firstname</a:t>
-            </a:r>
-            <a:r>
-              <a:rPr lang="en-US" sz="1100" dirty="0">
-                <a:solidFill>
-                  <a:srgbClr val="2E2E2C"/>
-                </a:solidFill>
-                <a:latin typeface="Courier" charset="0"/>
-                <a:ea typeface="Courier" charset="0"/>
-                <a:cs typeface="Courier" charset="0"/>
-                <a:sym typeface="Consolas"/>
-              </a:rPr>
-              <a:t>: </a:t>
-            </a:r>
-            <a:r>
-              <a:rPr lang="en-US" sz="1100" dirty="0">
-                <a:solidFill>
-                  <a:srgbClr val="E40121"/>
-                </a:solidFill>
-                <a:latin typeface="Courier" charset="0"/>
-                <a:ea typeface="Courier" charset="0"/>
-                <a:cs typeface="Courier" charset="0"/>
-                <a:sym typeface="Consolas"/>
-              </a:rPr>
-              <a:t>“Matt"</a:t>
-            </a:r>
-            <a:r>
-              <a:rPr lang="en-US" sz="1100" dirty="0">
-                <a:solidFill>
-                  <a:srgbClr val="2E2E2C"/>
-                </a:solidFill>
-                <a:latin typeface="Courier" charset="0"/>
-                <a:ea typeface="Courier" charset="0"/>
-                <a:cs typeface="Courier" charset="0"/>
-                <a:sym typeface="Consolas"/>
-              </a:rPr>
-              <a:t>, </a:t>
-            </a:r>
-            <a:r>
-              <a:rPr lang="en-US" sz="1100" dirty="0" err="1">
-                <a:solidFill>
-                  <a:srgbClr val="2E2E2C"/>
-                </a:solidFill>
-                <a:latin typeface="Courier" charset="0"/>
-                <a:ea typeface="Courier" charset="0"/>
-                <a:cs typeface="Courier" charset="0"/>
-                <a:sym typeface="Consolas"/>
-              </a:rPr>
-              <a:t>lastname</a:t>
-            </a:r>
-            <a:r>
-              <a:rPr lang="en-US" sz="1100" dirty="0">
-                <a:solidFill>
-                  <a:srgbClr val="2E2E2C"/>
-                </a:solidFill>
-                <a:latin typeface="Courier" charset="0"/>
-                <a:ea typeface="Courier" charset="0"/>
-                <a:cs typeface="Courier" charset="0"/>
-                <a:sym typeface="Consolas"/>
-              </a:rPr>
-              <a:t>: </a:t>
-            </a:r>
-            <a:r>
-              <a:rPr lang="en-US" sz="1100" dirty="0">
-                <a:solidFill>
-                  <a:srgbClr val="E40121"/>
-                </a:solidFill>
-                <a:latin typeface="Courier" charset="0"/>
-                <a:ea typeface="Courier" charset="0"/>
-                <a:cs typeface="Courier" charset="0"/>
-                <a:sym typeface="Consolas"/>
-              </a:rPr>
-              <a:t>“Groves“ </a:t>
-            </a:r>
-            <a:r>
-              <a:rPr lang="en-US" sz="1100" dirty="0">
-                <a:solidFill>
-                  <a:srgbClr val="2E2E2C"/>
-                </a:solidFill>
-                <a:latin typeface="Courier" charset="0"/>
-                <a:ea typeface="Courier" charset="0"/>
-                <a:cs typeface="Courier" charset="0"/>
-                <a:sym typeface="Consolas"/>
-              </a:rPr>
-              <a:t>};</a:t>
-            </a:r>
-          </a:p>
-          <a:p>
-            <a:pPr marL="0" indent="0">
-              <a:buNone/>
-              <a:defRPr sz="1800">
-                <a:solidFill>
-                  <a:srgbClr val="000000"/>
-                </a:solidFill>
-              </a:defRPr>
-            </a:pPr>
-            <a:r>
-              <a:rPr lang="en-US" sz="1100" dirty="0" err="1">
-                <a:solidFill>
-                  <a:srgbClr val="2E2E2C"/>
-                </a:solidFill>
-                <a:latin typeface="Courier" charset="0"/>
-                <a:ea typeface="Courier" charset="0"/>
-                <a:cs typeface="Courier" charset="0"/>
-                <a:sym typeface="Consolas"/>
-              </a:rPr>
-              <a:t>myBucket.insert</a:t>
-            </a:r>
-            <a:r>
-              <a:rPr lang="en-US" sz="1100" dirty="0">
-                <a:solidFill>
-                  <a:srgbClr val="2E2E2C"/>
-                </a:solidFill>
-                <a:latin typeface="Courier" charset="0"/>
-                <a:ea typeface="Courier" charset="0"/>
-                <a:cs typeface="Courier" charset="0"/>
-                <a:sym typeface="Consolas"/>
-              </a:rPr>
-              <a:t>(</a:t>
-            </a:r>
-            <a:r>
-              <a:rPr lang="en-US" sz="1100" dirty="0">
-                <a:solidFill>
-                  <a:srgbClr val="E40121"/>
-                </a:solidFill>
-                <a:latin typeface="Courier" charset="0"/>
-                <a:ea typeface="Courier" charset="0"/>
-                <a:cs typeface="Courier" charset="0"/>
-                <a:sym typeface="Consolas"/>
-              </a:rPr>
-              <a:t>"my-key"</a:t>
-            </a:r>
-            <a:r>
-              <a:rPr lang="en-US" sz="1100" dirty="0">
-                <a:solidFill>
-                  <a:srgbClr val="2E2E2C"/>
-                </a:solidFill>
-                <a:latin typeface="Courier" charset="0"/>
-                <a:ea typeface="Courier" charset="0"/>
-                <a:cs typeface="Courier" charset="0"/>
-                <a:sym typeface="Consolas"/>
-              </a:rPr>
-              <a:t>, document, function(error, result) {});</a:t>
-            </a:r>
-          </a:p>
-        </p:txBody>
-      </p:sp>
+      </p:pic>
     </p:spTree>
     <p:extLst>
       <p:ext uri="{BB962C8B-B14F-4D97-AF65-F5344CB8AC3E}">
-        <p14:creationId xmlns:p14="http://schemas.microsoft.com/office/powerpoint/2010/main" val="181234665"/>
+        <p14:creationId xmlns:p14="http://schemas.microsoft.com/office/powerpoint/2010/main" val="59992013"/>
       </p:ext>
     </p:extLst>
   </p:cSld>
@@ -11130,1077 +13101,50 @@
           <a:p>
             <a:r>
               <a:rPr lang="en-US" dirty="0"/>
-              <a:t>SDK: Java</a:t>
+              <a:t>Exercise 2: REST API</a:t>
             </a:r>
           </a:p>
         </p:txBody>
       </p:sp>
       <p:sp>
         <p:nvSpPr>
-          <p:cNvPr id="3" name="Content Placeholder 2"/>
-          <p:cNvSpPr txBox="1">
-            <a:spLocks/>
-          </p:cNvSpPr>
+          <p:cNvPr id="3" name="Rectangle 2"/>
+          <p:cNvSpPr/>
           <p:nvPr/>
         </p:nvSpPr>
         <p:spPr>
           <a:xfrm>
-            <a:off x="609600" y="838200"/>
-            <a:ext cx="8007739" cy="3394472"/>
+            <a:off x="342900" y="1067485"/>
+            <a:ext cx="7239000" cy="461665"/>
           </a:xfrm>
           <a:prstGeom prst="rect">
             <a:avLst/>
           </a:prstGeom>
         </p:spPr>
         <p:txBody>
-          <a:bodyPr/>
-          <a:lstStyle>
-            <a:lvl1pPr marL="228600" indent="-228600" algn="l" defTabSz="457200" rtl="0" eaLnBrk="1" latinLnBrk="0" hangingPunct="1">
-              <a:spcBef>
-                <a:spcPts val="0"/>
-              </a:spcBef>
-              <a:buClr>
-                <a:schemeClr val="accent1"/>
-              </a:buClr>
-              <a:buFont typeface="Wingdings" charset="2"/>
-              <a:buChar char="§"/>
-              <a:defRPr sz="2400" kern="1200">
-                <a:solidFill>
-                  <a:schemeClr val="tx1"/>
-                </a:solidFill>
-                <a:latin typeface="+mn-lt"/>
-                <a:ea typeface="+mn-ea"/>
-                <a:cs typeface="+mn-cs"/>
-              </a:defRPr>
-            </a:lvl1pPr>
-            <a:lvl2pPr marL="455613" indent="-227013" algn="l" defTabSz="457200" rtl="0" eaLnBrk="1" latinLnBrk="0" hangingPunct="1">
-              <a:spcBef>
-                <a:spcPts val="0"/>
-              </a:spcBef>
-              <a:buClr>
-                <a:srgbClr val="262626"/>
-              </a:buClr>
-              <a:buFont typeface="Wingdings" charset="2"/>
-              <a:buChar char="§"/>
-              <a:defRPr sz="2000" kern="1200">
-                <a:solidFill>
-                  <a:schemeClr val="tx1"/>
-                </a:solidFill>
-                <a:latin typeface="+mn-lt"/>
-                <a:ea typeface="+mn-ea"/>
-                <a:cs typeface="+mn-cs"/>
-              </a:defRPr>
-            </a:lvl2pPr>
-            <a:lvl3pPr marL="455613" indent="-228600" algn="l" defTabSz="457200" rtl="0" eaLnBrk="1" latinLnBrk="0" hangingPunct="1">
-              <a:spcBef>
-                <a:spcPts val="0"/>
-              </a:spcBef>
-              <a:buClr>
-                <a:srgbClr val="262626"/>
-              </a:buClr>
-              <a:buFont typeface="Wingdings" charset="2"/>
-              <a:buChar char="§"/>
-              <a:defRPr sz="2000" kern="1200">
-                <a:solidFill>
-                  <a:schemeClr val="tx1"/>
-                </a:solidFill>
-                <a:latin typeface="+mn-lt"/>
-                <a:ea typeface="+mn-ea"/>
-                <a:cs typeface="+mn-cs"/>
-              </a:defRPr>
-            </a:lvl3pPr>
-            <a:lvl4pPr marL="455613" indent="-228600" algn="l" defTabSz="457200" rtl="0" eaLnBrk="1" latinLnBrk="0" hangingPunct="1">
-              <a:spcBef>
-                <a:spcPts val="0"/>
-              </a:spcBef>
-              <a:buClr>
-                <a:srgbClr val="262626"/>
-              </a:buClr>
-              <a:buFont typeface="Wingdings" charset="2"/>
-              <a:buChar char="§"/>
-              <a:defRPr sz="2000" kern="1200">
-                <a:solidFill>
-                  <a:schemeClr val="tx1"/>
-                </a:solidFill>
-                <a:latin typeface="+mn-lt"/>
-                <a:ea typeface="+mn-ea"/>
-                <a:cs typeface="+mn-cs"/>
-              </a:defRPr>
-            </a:lvl4pPr>
-            <a:lvl5pPr marL="455613" indent="-228600" algn="l" defTabSz="457200" rtl="0" eaLnBrk="1" latinLnBrk="0" hangingPunct="1">
-              <a:spcBef>
-                <a:spcPts val="200"/>
-              </a:spcBef>
-              <a:buClr>
-                <a:srgbClr val="262626"/>
-              </a:buClr>
-              <a:buFont typeface="Wingdings" charset="2"/>
-              <a:buChar char="§"/>
-              <a:defRPr sz="2000" kern="1200">
-                <a:solidFill>
-                  <a:schemeClr val="tx1"/>
-                </a:solidFill>
-                <a:latin typeface="+mn-lt"/>
-                <a:ea typeface="+mn-ea"/>
-                <a:cs typeface="+mn-cs"/>
-              </a:defRPr>
-            </a:lvl5pPr>
-            <a:lvl6pPr marL="2514600" indent="-228600" algn="l" defTabSz="457200" rtl="0" eaLnBrk="1" latinLnBrk="0" hangingPunct="1">
-              <a:spcBef>
-                <a:spcPct val="20000"/>
-              </a:spcBef>
-              <a:buFont typeface="Arial"/>
-              <a:buChar char="•"/>
-              <a:defRPr sz="2000" kern="1200">
-                <a:solidFill>
-                  <a:schemeClr val="tx1"/>
-                </a:solidFill>
-                <a:latin typeface="+mn-lt"/>
-                <a:ea typeface="+mn-ea"/>
-                <a:cs typeface="+mn-cs"/>
-              </a:defRPr>
-            </a:lvl6pPr>
-            <a:lvl7pPr marL="2971800" indent="-228600" algn="l" defTabSz="457200" rtl="0" eaLnBrk="1" latinLnBrk="0" hangingPunct="1">
-              <a:spcBef>
-                <a:spcPct val="20000"/>
-              </a:spcBef>
-              <a:buFont typeface="Arial"/>
-              <a:buChar char="•"/>
-              <a:defRPr sz="2000" kern="1200">
-                <a:solidFill>
-                  <a:schemeClr val="tx1"/>
-                </a:solidFill>
-                <a:latin typeface="+mn-lt"/>
-                <a:ea typeface="+mn-ea"/>
-                <a:cs typeface="+mn-cs"/>
-              </a:defRPr>
-            </a:lvl7pPr>
-            <a:lvl8pPr marL="3429000" indent="-228600" algn="l" defTabSz="457200" rtl="0" eaLnBrk="1" latinLnBrk="0" hangingPunct="1">
-              <a:spcBef>
-                <a:spcPct val="20000"/>
-              </a:spcBef>
-              <a:buFont typeface="Arial"/>
-              <a:buChar char="•"/>
-              <a:defRPr sz="2000" kern="1200">
-                <a:solidFill>
-                  <a:schemeClr val="tx1"/>
-                </a:solidFill>
-                <a:latin typeface="+mn-lt"/>
-                <a:ea typeface="+mn-ea"/>
-                <a:cs typeface="+mn-cs"/>
-              </a:defRPr>
-            </a:lvl8pPr>
-            <a:lvl9pPr marL="3886200" indent="-228600" algn="l" defTabSz="457200" rtl="0" eaLnBrk="1" latinLnBrk="0" hangingPunct="1">
-              <a:spcBef>
-                <a:spcPct val="20000"/>
-              </a:spcBef>
-              <a:buFont typeface="Arial"/>
-              <a:buChar char="•"/>
-              <a:defRPr sz="2000" kern="1200">
-                <a:solidFill>
-                  <a:schemeClr val="tx1"/>
-                </a:solidFill>
-                <a:latin typeface="+mn-lt"/>
-                <a:ea typeface="+mn-ea"/>
-                <a:cs typeface="+mn-cs"/>
-              </a:defRPr>
-            </a:lvl9pPr>
-          </a:lstStyle>
-          <a:p>
-            <a:pPr marL="342900" indent="-342900">
-              <a:buFont typeface="Arial" charset="0"/>
-              <a:buChar char="•"/>
-            </a:pPr>
-            <a:r>
-              <a:rPr lang="en-US" dirty="0"/>
-              <a:t>How to install [</a:t>
-            </a:r>
-            <a:r>
-              <a:rPr lang="en-US" dirty="0" err="1"/>
-              <a:t>todo</a:t>
-            </a:r>
-            <a:r>
-              <a:rPr lang="en-US" dirty="0"/>
-              <a:t>]</a:t>
-            </a:r>
-          </a:p>
-          <a:p>
-            <a:pPr marL="342900" indent="-342900">
-              <a:buFont typeface="Arial" charset="0"/>
-              <a:buChar char="•"/>
-            </a:pPr>
-            <a:r>
-              <a:rPr lang="en-US" dirty="0"/>
-              <a:t>How to connect to a </a:t>
-            </a:r>
-            <a:r>
-              <a:rPr lang="en-US" dirty="0" err="1"/>
-              <a:t>Couchbase</a:t>
-            </a:r>
-            <a:r>
-              <a:rPr lang="en-US" dirty="0"/>
-              <a:t> cluster</a:t>
-            </a:r>
-          </a:p>
-          <a:p>
-            <a:pPr marL="342900" indent="-342900">
-              <a:buFont typeface="Arial" charset="0"/>
-              <a:buChar char="•"/>
-            </a:pPr>
-            <a:endParaRPr lang="en-US" dirty="0"/>
-          </a:p>
-          <a:p>
-            <a:pPr marL="342900" indent="-342900">
-              <a:buFont typeface="Arial" charset="0"/>
-              <a:buChar char="•"/>
-            </a:pPr>
-            <a:endParaRPr lang="en-US" dirty="0"/>
-          </a:p>
-          <a:p>
-            <a:endParaRPr lang="en-US" dirty="0"/>
-          </a:p>
-        </p:txBody>
-      </p:sp>
-      <p:sp>
-        <p:nvSpPr>
-          <p:cNvPr id="4" name="Shape 1658"/>
-          <p:cNvSpPr txBox="1">
-            <a:spLocks/>
-          </p:cNvSpPr>
-          <p:nvPr/>
-        </p:nvSpPr>
-        <p:spPr>
-          <a:xfrm>
-            <a:off x="1288661" y="1812120"/>
-            <a:ext cx="6236089" cy="2855130"/>
-          </a:xfrm>
-          <a:prstGeom prst="rect">
-            <a:avLst/>
-          </a:prstGeom>
-        </p:spPr>
-        <p:txBody>
-          <a:bodyPr lIns="0" tIns="0" rIns="0" bIns="0">
-            <a:noAutofit/>
+          <a:bodyPr wrap="square">
+            <a:spAutoFit/>
           </a:bodyPr>
-          <a:lstStyle>
-            <a:lvl1pPr marL="228600" indent="-228600" algn="l" defTabSz="457200" rtl="0" eaLnBrk="1" latinLnBrk="0" hangingPunct="1">
-              <a:spcBef>
-                <a:spcPts val="0"/>
-              </a:spcBef>
-              <a:buClr>
-                <a:schemeClr val="accent1"/>
-              </a:buClr>
-              <a:buFont typeface="Wingdings" charset="2"/>
-              <a:buChar char="§"/>
-              <a:defRPr sz="2400" kern="1200">
-                <a:solidFill>
-                  <a:schemeClr val="tx1"/>
-                </a:solidFill>
-                <a:latin typeface="+mn-lt"/>
-                <a:ea typeface="+mn-ea"/>
-                <a:cs typeface="+mn-cs"/>
-              </a:defRPr>
-            </a:lvl1pPr>
-            <a:lvl2pPr marL="455613" indent="-227013" algn="l" defTabSz="457200" rtl="0" eaLnBrk="1" latinLnBrk="0" hangingPunct="1">
-              <a:spcBef>
-                <a:spcPts val="0"/>
-              </a:spcBef>
-              <a:buClr>
-                <a:srgbClr val="262626"/>
-              </a:buClr>
-              <a:buFont typeface="Wingdings" charset="2"/>
-              <a:buChar char="§"/>
-              <a:defRPr sz="2000" kern="1200">
-                <a:solidFill>
-                  <a:schemeClr val="tx1"/>
-                </a:solidFill>
-                <a:latin typeface="+mn-lt"/>
-                <a:ea typeface="+mn-ea"/>
-                <a:cs typeface="+mn-cs"/>
-              </a:defRPr>
-            </a:lvl2pPr>
-            <a:lvl3pPr marL="455613" indent="-228600" algn="l" defTabSz="457200" rtl="0" eaLnBrk="1" latinLnBrk="0" hangingPunct="1">
-              <a:spcBef>
-                <a:spcPts val="0"/>
-              </a:spcBef>
-              <a:buClr>
-                <a:srgbClr val="262626"/>
-              </a:buClr>
-              <a:buFont typeface="Wingdings" charset="2"/>
-              <a:buChar char="§"/>
-              <a:defRPr sz="2000" kern="1200">
-                <a:solidFill>
-                  <a:schemeClr val="tx1"/>
-                </a:solidFill>
-                <a:latin typeface="+mn-lt"/>
-                <a:ea typeface="+mn-ea"/>
-                <a:cs typeface="+mn-cs"/>
-              </a:defRPr>
-            </a:lvl3pPr>
-            <a:lvl4pPr marL="455613" indent="-228600" algn="l" defTabSz="457200" rtl="0" eaLnBrk="1" latinLnBrk="0" hangingPunct="1">
-              <a:spcBef>
-                <a:spcPts val="0"/>
-              </a:spcBef>
-              <a:buClr>
-                <a:srgbClr val="262626"/>
-              </a:buClr>
-              <a:buFont typeface="Wingdings" charset="2"/>
-              <a:buChar char="§"/>
-              <a:defRPr sz="2000" kern="1200">
-                <a:solidFill>
-                  <a:schemeClr val="tx1"/>
-                </a:solidFill>
-                <a:latin typeface="+mn-lt"/>
-                <a:ea typeface="+mn-ea"/>
-                <a:cs typeface="+mn-cs"/>
-              </a:defRPr>
-            </a:lvl4pPr>
-            <a:lvl5pPr marL="455613" indent="-228600" algn="l" defTabSz="457200" rtl="0" eaLnBrk="1" latinLnBrk="0" hangingPunct="1">
-              <a:spcBef>
-                <a:spcPts val="200"/>
-              </a:spcBef>
-              <a:buClr>
-                <a:srgbClr val="262626"/>
-              </a:buClr>
-              <a:buFont typeface="Wingdings" charset="2"/>
-              <a:buChar char="§"/>
-              <a:defRPr sz="2000" kern="1200">
-                <a:solidFill>
-                  <a:schemeClr val="tx1"/>
-                </a:solidFill>
-                <a:latin typeface="+mn-lt"/>
-                <a:ea typeface="+mn-ea"/>
-                <a:cs typeface="+mn-cs"/>
-              </a:defRPr>
-            </a:lvl5pPr>
-            <a:lvl6pPr marL="2514600" indent="-228600" algn="l" defTabSz="457200" rtl="0" eaLnBrk="1" latinLnBrk="0" hangingPunct="1">
-              <a:spcBef>
-                <a:spcPct val="20000"/>
-              </a:spcBef>
-              <a:buFont typeface="Arial"/>
-              <a:buChar char="•"/>
-              <a:defRPr sz="2000" kern="1200">
-                <a:solidFill>
-                  <a:schemeClr val="tx1"/>
-                </a:solidFill>
-                <a:latin typeface="+mn-lt"/>
-                <a:ea typeface="+mn-ea"/>
-                <a:cs typeface="+mn-cs"/>
-              </a:defRPr>
-            </a:lvl6pPr>
-            <a:lvl7pPr marL="2971800" indent="-228600" algn="l" defTabSz="457200" rtl="0" eaLnBrk="1" latinLnBrk="0" hangingPunct="1">
-              <a:spcBef>
-                <a:spcPct val="20000"/>
-              </a:spcBef>
-              <a:buFont typeface="Arial"/>
-              <a:buChar char="•"/>
-              <a:defRPr sz="2000" kern="1200">
-                <a:solidFill>
-                  <a:schemeClr val="tx1"/>
-                </a:solidFill>
-                <a:latin typeface="+mn-lt"/>
-                <a:ea typeface="+mn-ea"/>
-                <a:cs typeface="+mn-cs"/>
-              </a:defRPr>
-            </a:lvl7pPr>
-            <a:lvl8pPr marL="3429000" indent="-228600" algn="l" defTabSz="457200" rtl="0" eaLnBrk="1" latinLnBrk="0" hangingPunct="1">
-              <a:spcBef>
-                <a:spcPct val="20000"/>
-              </a:spcBef>
-              <a:buFont typeface="Arial"/>
-              <a:buChar char="•"/>
-              <a:defRPr sz="2000" kern="1200">
-                <a:solidFill>
-                  <a:schemeClr val="tx1"/>
-                </a:solidFill>
-                <a:latin typeface="+mn-lt"/>
-                <a:ea typeface="+mn-ea"/>
-                <a:cs typeface="+mn-cs"/>
-              </a:defRPr>
-            </a:lvl8pPr>
-            <a:lvl9pPr marL="3886200" indent="-228600" algn="l" defTabSz="457200" rtl="0" eaLnBrk="1" latinLnBrk="0" hangingPunct="1">
-              <a:spcBef>
-                <a:spcPct val="20000"/>
-              </a:spcBef>
-              <a:buFont typeface="Arial"/>
-              <a:buChar char="•"/>
-              <a:defRPr sz="2000" kern="1200">
-                <a:solidFill>
-                  <a:schemeClr val="tx1"/>
-                </a:solidFill>
-                <a:latin typeface="+mn-lt"/>
-                <a:ea typeface="+mn-ea"/>
-                <a:cs typeface="+mn-cs"/>
-              </a:defRPr>
-            </a:lvl9pPr>
-          </a:lstStyle>
-          <a:p>
-            <a:pPr marL="0" indent="0">
-              <a:buNone/>
-              <a:defRPr sz="1800">
-                <a:solidFill>
-                  <a:srgbClr val="000000"/>
-                </a:solidFill>
-              </a:defRPr>
-            </a:pPr>
-            <a:endParaRPr lang="en-US" sz="1100" dirty="0">
-              <a:solidFill>
-                <a:srgbClr val="2E2E2C"/>
-              </a:solidFill>
-              <a:latin typeface="Courier" charset="0"/>
-              <a:ea typeface="Courier" charset="0"/>
-              <a:cs typeface="Courier" charset="0"/>
-              <a:sym typeface="Consolas"/>
-            </a:endParaRPr>
-          </a:p>
-        </p:txBody>
-      </p:sp>
-      <p:sp>
-        <p:nvSpPr>
-          <p:cNvPr id="5" name="Shape 1658"/>
-          <p:cNvSpPr txBox="1">
-            <a:spLocks/>
-          </p:cNvSpPr>
-          <p:nvPr/>
-        </p:nvSpPr>
-        <p:spPr>
-          <a:xfrm>
-            <a:off x="1288661" y="1812120"/>
-            <a:ext cx="6779014" cy="2420551"/>
-          </a:xfrm>
-          <a:prstGeom prst="rect">
-            <a:avLst/>
-          </a:prstGeom>
-        </p:spPr>
-        <p:txBody>
-          <a:bodyPr lIns="0" tIns="0" rIns="0" bIns="0">
-            <a:noAutofit/>
-          </a:bodyPr>
-          <a:lstStyle>
-            <a:lvl1pPr marL="228600" indent="-228600" algn="l" defTabSz="457200" rtl="0" eaLnBrk="1" latinLnBrk="0" hangingPunct="1">
-              <a:spcBef>
-                <a:spcPts val="0"/>
-              </a:spcBef>
-              <a:buClr>
-                <a:schemeClr val="accent1"/>
-              </a:buClr>
-              <a:buFont typeface="Wingdings" charset="2"/>
-              <a:buChar char="§"/>
-              <a:defRPr sz="2400" kern="1200">
-                <a:solidFill>
-                  <a:schemeClr val="tx1"/>
-                </a:solidFill>
-                <a:latin typeface="+mn-lt"/>
-                <a:ea typeface="+mn-ea"/>
-                <a:cs typeface="+mn-cs"/>
-              </a:defRPr>
-            </a:lvl1pPr>
-            <a:lvl2pPr marL="455613" indent="-227013" algn="l" defTabSz="457200" rtl="0" eaLnBrk="1" latinLnBrk="0" hangingPunct="1">
-              <a:spcBef>
-                <a:spcPts val="0"/>
-              </a:spcBef>
-              <a:buClr>
-                <a:srgbClr val="262626"/>
-              </a:buClr>
-              <a:buFont typeface="Wingdings" charset="2"/>
-              <a:buChar char="§"/>
-              <a:defRPr sz="2000" kern="1200">
-                <a:solidFill>
-                  <a:schemeClr val="tx1"/>
-                </a:solidFill>
-                <a:latin typeface="+mn-lt"/>
-                <a:ea typeface="+mn-ea"/>
-                <a:cs typeface="+mn-cs"/>
-              </a:defRPr>
-            </a:lvl2pPr>
-            <a:lvl3pPr marL="455613" indent="-228600" algn="l" defTabSz="457200" rtl="0" eaLnBrk="1" latinLnBrk="0" hangingPunct="1">
-              <a:spcBef>
-                <a:spcPts val="0"/>
-              </a:spcBef>
-              <a:buClr>
-                <a:srgbClr val="262626"/>
-              </a:buClr>
-              <a:buFont typeface="Wingdings" charset="2"/>
-              <a:buChar char="§"/>
-              <a:defRPr sz="2000" kern="1200">
-                <a:solidFill>
-                  <a:schemeClr val="tx1"/>
-                </a:solidFill>
-                <a:latin typeface="+mn-lt"/>
-                <a:ea typeface="+mn-ea"/>
-                <a:cs typeface="+mn-cs"/>
-              </a:defRPr>
-            </a:lvl3pPr>
-            <a:lvl4pPr marL="455613" indent="-228600" algn="l" defTabSz="457200" rtl="0" eaLnBrk="1" latinLnBrk="0" hangingPunct="1">
-              <a:spcBef>
-                <a:spcPts val="0"/>
-              </a:spcBef>
-              <a:buClr>
-                <a:srgbClr val="262626"/>
-              </a:buClr>
-              <a:buFont typeface="Wingdings" charset="2"/>
-              <a:buChar char="§"/>
-              <a:defRPr sz="2000" kern="1200">
-                <a:solidFill>
-                  <a:schemeClr val="tx1"/>
-                </a:solidFill>
-                <a:latin typeface="+mn-lt"/>
-                <a:ea typeface="+mn-ea"/>
-                <a:cs typeface="+mn-cs"/>
-              </a:defRPr>
-            </a:lvl4pPr>
-            <a:lvl5pPr marL="455613" indent="-228600" algn="l" defTabSz="457200" rtl="0" eaLnBrk="1" latinLnBrk="0" hangingPunct="1">
-              <a:spcBef>
-                <a:spcPts val="200"/>
-              </a:spcBef>
-              <a:buClr>
-                <a:srgbClr val="262626"/>
-              </a:buClr>
-              <a:buFont typeface="Wingdings" charset="2"/>
-              <a:buChar char="§"/>
-              <a:defRPr sz="2000" kern="1200">
-                <a:solidFill>
-                  <a:schemeClr val="tx1"/>
-                </a:solidFill>
-                <a:latin typeface="+mn-lt"/>
-                <a:ea typeface="+mn-ea"/>
-                <a:cs typeface="+mn-cs"/>
-              </a:defRPr>
-            </a:lvl5pPr>
-            <a:lvl6pPr marL="2514600" indent="-228600" algn="l" defTabSz="457200" rtl="0" eaLnBrk="1" latinLnBrk="0" hangingPunct="1">
-              <a:spcBef>
-                <a:spcPct val="20000"/>
-              </a:spcBef>
-              <a:buFont typeface="Arial"/>
-              <a:buChar char="•"/>
-              <a:defRPr sz="2000" kern="1200">
-                <a:solidFill>
-                  <a:schemeClr val="tx1"/>
-                </a:solidFill>
-                <a:latin typeface="+mn-lt"/>
-                <a:ea typeface="+mn-ea"/>
-                <a:cs typeface="+mn-cs"/>
-              </a:defRPr>
-            </a:lvl6pPr>
-            <a:lvl7pPr marL="2971800" indent="-228600" algn="l" defTabSz="457200" rtl="0" eaLnBrk="1" latinLnBrk="0" hangingPunct="1">
-              <a:spcBef>
-                <a:spcPct val="20000"/>
-              </a:spcBef>
-              <a:buFont typeface="Arial"/>
-              <a:buChar char="•"/>
-              <a:defRPr sz="2000" kern="1200">
-                <a:solidFill>
-                  <a:schemeClr val="tx1"/>
-                </a:solidFill>
-                <a:latin typeface="+mn-lt"/>
-                <a:ea typeface="+mn-ea"/>
-                <a:cs typeface="+mn-cs"/>
-              </a:defRPr>
-            </a:lvl7pPr>
-            <a:lvl8pPr marL="3429000" indent="-228600" algn="l" defTabSz="457200" rtl="0" eaLnBrk="1" latinLnBrk="0" hangingPunct="1">
-              <a:spcBef>
-                <a:spcPct val="20000"/>
-              </a:spcBef>
-              <a:buFont typeface="Arial"/>
-              <a:buChar char="•"/>
-              <a:defRPr sz="2000" kern="1200">
-                <a:solidFill>
-                  <a:schemeClr val="tx1"/>
-                </a:solidFill>
-                <a:latin typeface="+mn-lt"/>
-                <a:ea typeface="+mn-ea"/>
-                <a:cs typeface="+mn-cs"/>
-              </a:defRPr>
-            </a:lvl8pPr>
-            <a:lvl9pPr marL="3886200" indent="-228600" algn="l" defTabSz="457200" rtl="0" eaLnBrk="1" latinLnBrk="0" hangingPunct="1">
-              <a:spcBef>
-                <a:spcPct val="20000"/>
-              </a:spcBef>
-              <a:buFont typeface="Arial"/>
-              <a:buChar char="•"/>
-              <a:defRPr sz="2000" kern="1200">
-                <a:solidFill>
-                  <a:schemeClr val="tx1"/>
-                </a:solidFill>
-                <a:latin typeface="+mn-lt"/>
-                <a:ea typeface="+mn-ea"/>
-                <a:cs typeface="+mn-cs"/>
-              </a:defRPr>
-            </a:lvl9pPr>
-          </a:lstStyle>
-          <a:p>
-            <a:pPr marL="0" indent="0">
-              <a:buNone/>
-              <a:defRPr sz="1800">
-                <a:solidFill>
-                  <a:srgbClr val="000000"/>
-                </a:solidFill>
-              </a:defRPr>
-            </a:pPr>
-            <a:r>
-              <a:rPr lang="en-US" sz="1100" dirty="0">
-                <a:latin typeface="Courier" charset="0"/>
-                <a:ea typeface="Courier" charset="0"/>
-                <a:cs typeface="Courier" charset="0"/>
-                <a:sym typeface="Consolas"/>
-              </a:rPr>
-              <a:t>// connecting to a cluster</a:t>
-            </a:r>
-          </a:p>
-          <a:p>
-            <a:pPr marL="0" indent="0">
-              <a:buNone/>
-              <a:defRPr sz="1800">
-                <a:solidFill>
-                  <a:srgbClr val="000000"/>
-                </a:solidFill>
-              </a:defRPr>
-            </a:pPr>
-            <a:r>
-              <a:rPr lang="en-US" sz="1100" dirty="0">
-                <a:latin typeface="Courier" charset="0"/>
-                <a:ea typeface="Courier" charset="0"/>
-                <a:cs typeface="Courier" charset="0"/>
-                <a:sym typeface="Consolas"/>
-              </a:rPr>
-              <a:t>Cluster </a:t>
-            </a:r>
-            <a:r>
-              <a:rPr lang="en-US" sz="1100" dirty="0" err="1">
-                <a:latin typeface="Courier" charset="0"/>
-                <a:ea typeface="Courier" charset="0"/>
-                <a:cs typeface="Courier" charset="0"/>
-                <a:sym typeface="Consolas"/>
-              </a:rPr>
-              <a:t>cluster</a:t>
-            </a:r>
-            <a:r>
-              <a:rPr lang="en-US" sz="1100" dirty="0">
-                <a:latin typeface="Courier" charset="0"/>
-                <a:ea typeface="Courier" charset="0"/>
-                <a:cs typeface="Courier" charset="0"/>
-                <a:sym typeface="Consolas"/>
-              </a:rPr>
-              <a:t> = </a:t>
-            </a:r>
-            <a:r>
-              <a:rPr lang="en-US" sz="1100" dirty="0" err="1">
-                <a:latin typeface="Courier" charset="0"/>
-                <a:ea typeface="Courier" charset="0"/>
-                <a:cs typeface="Courier" charset="0"/>
-                <a:sym typeface="Consolas"/>
-              </a:rPr>
-              <a:t>CouchbaseCluster.create</a:t>
-            </a:r>
-            <a:r>
-              <a:rPr lang="en-US" sz="1100" dirty="0">
-                <a:latin typeface="Courier" charset="0"/>
-                <a:ea typeface="Courier" charset="0"/>
-                <a:cs typeface="Courier" charset="0"/>
-                <a:sym typeface="Consolas"/>
-              </a:rPr>
-              <a:t>("localhost");</a:t>
-            </a:r>
-          </a:p>
-          <a:p>
-            <a:pPr marL="0" indent="0">
-              <a:buNone/>
-              <a:defRPr sz="1800">
-                <a:solidFill>
-                  <a:srgbClr val="000000"/>
-                </a:solidFill>
-              </a:defRPr>
-            </a:pPr>
-            <a:endParaRPr lang="en-US" sz="1100" dirty="0">
-              <a:latin typeface="Courier" charset="0"/>
-              <a:ea typeface="Courier" charset="0"/>
-              <a:cs typeface="Courier" charset="0"/>
-              <a:sym typeface="Consolas"/>
-            </a:endParaRPr>
-          </a:p>
-          <a:p>
-            <a:pPr marL="0" indent="0">
-              <a:buNone/>
-              <a:defRPr sz="1800">
-                <a:solidFill>
-                  <a:srgbClr val="000000"/>
-                </a:solidFill>
-              </a:defRPr>
-            </a:pPr>
-            <a:r>
-              <a:rPr lang="en-US" sz="1100" dirty="0">
-                <a:latin typeface="Courier" charset="0"/>
-                <a:ea typeface="Courier" charset="0"/>
-                <a:cs typeface="Courier" charset="0"/>
-                <a:sym typeface="Consolas"/>
-              </a:rPr>
-              <a:t>// opening a bucket in the cluster</a:t>
-            </a:r>
-          </a:p>
-          <a:p>
-            <a:pPr marL="0" indent="0">
-              <a:buNone/>
-              <a:defRPr sz="1800">
-                <a:solidFill>
-                  <a:srgbClr val="000000"/>
-                </a:solidFill>
-              </a:defRPr>
-            </a:pPr>
-            <a:r>
-              <a:rPr lang="en-US" sz="1100" dirty="0">
-                <a:latin typeface="Courier" charset="0"/>
-                <a:ea typeface="Courier" charset="0"/>
-                <a:cs typeface="Courier" charset="0"/>
-                <a:sym typeface="Consolas"/>
-              </a:rPr>
-              <a:t>Bucket </a:t>
-            </a:r>
-            <a:r>
-              <a:rPr lang="en-US" sz="1100" dirty="0" err="1">
-                <a:latin typeface="Courier" charset="0"/>
-                <a:ea typeface="Courier" charset="0"/>
-                <a:cs typeface="Courier" charset="0"/>
-                <a:sym typeface="Consolas"/>
-              </a:rPr>
-              <a:t>bucket</a:t>
-            </a:r>
-            <a:r>
-              <a:rPr lang="en-US" sz="1100" dirty="0">
-                <a:latin typeface="Courier" charset="0"/>
-                <a:ea typeface="Courier" charset="0"/>
-                <a:cs typeface="Courier" charset="0"/>
-                <a:sym typeface="Consolas"/>
-              </a:rPr>
-              <a:t> = </a:t>
-            </a:r>
-            <a:r>
-              <a:rPr lang="en-US" sz="1100" dirty="0" err="1">
-                <a:latin typeface="Courier" charset="0"/>
-                <a:ea typeface="Courier" charset="0"/>
-                <a:cs typeface="Courier" charset="0"/>
-                <a:sym typeface="Consolas"/>
-              </a:rPr>
-              <a:t>cluster.openBucket</a:t>
-            </a:r>
-            <a:r>
-              <a:rPr lang="en-US" sz="1100" dirty="0">
-                <a:latin typeface="Courier" charset="0"/>
-                <a:ea typeface="Courier" charset="0"/>
-                <a:cs typeface="Courier" charset="0"/>
-                <a:sym typeface="Consolas"/>
-              </a:rPr>
-              <a:t>("default");</a:t>
-            </a:r>
-          </a:p>
-          <a:p>
-            <a:pPr marL="0" indent="0">
-              <a:buNone/>
-              <a:defRPr sz="1800">
-                <a:solidFill>
-                  <a:srgbClr val="000000"/>
-                </a:solidFill>
-              </a:defRPr>
-            </a:pPr>
-            <a:endParaRPr lang="en-US" sz="1100" dirty="0">
-              <a:latin typeface="Courier" charset="0"/>
-              <a:ea typeface="Courier" charset="0"/>
-              <a:cs typeface="Courier" charset="0"/>
-              <a:sym typeface="Consolas"/>
-            </a:endParaRPr>
-          </a:p>
-          <a:p>
-            <a:pPr marL="0" indent="0">
-              <a:buNone/>
-              <a:defRPr sz="1800">
-                <a:solidFill>
-                  <a:srgbClr val="000000"/>
-                </a:solidFill>
-              </a:defRPr>
-            </a:pPr>
-            <a:r>
-              <a:rPr lang="en-US" sz="1100" dirty="0">
-                <a:latin typeface="Courier" charset="0"/>
-                <a:ea typeface="Courier" charset="0"/>
-                <a:cs typeface="Courier" charset="0"/>
-                <a:sym typeface="Consolas"/>
-              </a:rPr>
-              <a:t>// preparing N1QL</a:t>
-            </a:r>
-          </a:p>
-          <a:p>
-            <a:pPr marL="0" indent="0">
-              <a:buNone/>
-              <a:defRPr sz="1800">
-                <a:solidFill>
-                  <a:srgbClr val="000000"/>
-                </a:solidFill>
-              </a:defRPr>
-            </a:pPr>
-            <a:r>
-              <a:rPr lang="en-US" sz="1100" dirty="0">
-                <a:latin typeface="Courier" charset="0"/>
-                <a:ea typeface="Courier" charset="0"/>
-                <a:cs typeface="Courier" charset="0"/>
-                <a:sym typeface="Consolas"/>
-              </a:rPr>
-              <a:t>N1qlQuery query =  N1qlQuery.parameterized(“SELECT * FROM `travel-sample`”);</a:t>
-            </a:r>
-          </a:p>
-          <a:p>
-            <a:pPr marL="0" indent="0">
-              <a:buNone/>
-              <a:defRPr sz="1800">
-                <a:solidFill>
-                  <a:srgbClr val="000000"/>
-                </a:solidFill>
-              </a:defRPr>
-            </a:pPr>
-            <a:endParaRPr lang="en-US" sz="1100" dirty="0">
-              <a:solidFill>
-                <a:srgbClr val="2E2E2C"/>
-              </a:solidFill>
-              <a:latin typeface="Courier" charset="0"/>
-              <a:ea typeface="Courier" charset="0"/>
-              <a:cs typeface="Courier" charset="0"/>
-              <a:sym typeface="Consolas"/>
-            </a:endParaRPr>
-          </a:p>
-          <a:p>
-            <a:pPr marL="0" indent="0">
-              <a:buNone/>
-              <a:defRPr sz="1800">
-                <a:solidFill>
-                  <a:srgbClr val="000000"/>
-                </a:solidFill>
-              </a:defRPr>
-            </a:pPr>
-            <a:r>
-              <a:rPr lang="en-US" sz="1100" dirty="0">
-                <a:solidFill>
-                  <a:srgbClr val="2E2E2C"/>
-                </a:solidFill>
-                <a:latin typeface="Courier" charset="0"/>
-                <a:ea typeface="Courier" charset="0"/>
-                <a:cs typeface="Courier" charset="0"/>
-                <a:sym typeface="Consolas"/>
-              </a:rPr>
-              <a:t>// creating and saving a document</a:t>
-            </a:r>
-          </a:p>
-          <a:p>
-            <a:pPr marL="0" indent="0">
-              <a:buNone/>
-              <a:defRPr sz="1800">
-                <a:solidFill>
-                  <a:srgbClr val="000000"/>
-                </a:solidFill>
-              </a:defRPr>
-            </a:pPr>
-            <a:r>
-              <a:rPr lang="en-US" sz="1100" dirty="0" err="1">
-                <a:solidFill>
-                  <a:srgbClr val="2E2E2C"/>
-                </a:solidFill>
-                <a:latin typeface="Courier" charset="0"/>
-                <a:ea typeface="Courier" charset="0"/>
-                <a:cs typeface="Courier" charset="0"/>
-                <a:sym typeface="Consolas"/>
-              </a:rPr>
-              <a:t>JsonObject</a:t>
-            </a:r>
-            <a:r>
-              <a:rPr lang="en-US" sz="1100" dirty="0">
-                <a:solidFill>
-                  <a:srgbClr val="2E2E2C"/>
-                </a:solidFill>
-                <a:latin typeface="Courier" charset="0"/>
-                <a:ea typeface="Courier" charset="0"/>
-                <a:cs typeface="Courier" charset="0"/>
-                <a:sym typeface="Consolas"/>
-              </a:rPr>
-              <a:t> person = </a:t>
-            </a:r>
-            <a:r>
-              <a:rPr lang="en-US" sz="1100" dirty="0" err="1">
-                <a:solidFill>
-                  <a:srgbClr val="2E2E2C"/>
-                </a:solidFill>
-                <a:latin typeface="Courier" charset="0"/>
-                <a:ea typeface="Courier" charset="0"/>
-                <a:cs typeface="Courier" charset="0"/>
-                <a:sym typeface="Consolas"/>
-              </a:rPr>
-              <a:t>JsonObject.create</a:t>
-            </a:r>
-            <a:r>
-              <a:rPr lang="en-US" sz="1100" dirty="0">
-                <a:solidFill>
-                  <a:srgbClr val="2E2E2C"/>
-                </a:solidFill>
-                <a:latin typeface="Courier" charset="0"/>
-                <a:ea typeface="Courier" charset="0"/>
-                <a:cs typeface="Courier" charset="0"/>
-                <a:sym typeface="Consolas"/>
-              </a:rPr>
-              <a:t>()</a:t>
-            </a:r>
-          </a:p>
-          <a:p>
-            <a:pPr marL="0" indent="0">
-              <a:buNone/>
-              <a:defRPr sz="1800">
-                <a:solidFill>
-                  <a:srgbClr val="000000"/>
-                </a:solidFill>
-              </a:defRPr>
-            </a:pPr>
-            <a:r>
-              <a:rPr lang="en-US" sz="1100" dirty="0">
-                <a:solidFill>
-                  <a:srgbClr val="2E2E2C"/>
-                </a:solidFill>
-                <a:latin typeface="Courier" charset="0"/>
-                <a:ea typeface="Courier" charset="0"/>
-                <a:cs typeface="Courier" charset="0"/>
-                <a:sym typeface="Consolas"/>
-              </a:rPr>
-              <a:t>                .put("</a:t>
-            </a:r>
-            <a:r>
-              <a:rPr lang="en-US" sz="1100" dirty="0" err="1">
-                <a:solidFill>
-                  <a:srgbClr val="2E2E2C"/>
-                </a:solidFill>
-                <a:latin typeface="Courier" charset="0"/>
-                <a:ea typeface="Courier" charset="0"/>
-                <a:cs typeface="Courier" charset="0"/>
-                <a:sym typeface="Consolas"/>
-              </a:rPr>
-              <a:t>firstName</a:t>
-            </a:r>
-            <a:r>
-              <a:rPr lang="en-US" sz="1100" dirty="0">
-                <a:solidFill>
-                  <a:srgbClr val="2E2E2C"/>
-                </a:solidFill>
-                <a:latin typeface="Courier" charset="0"/>
-                <a:ea typeface="Courier" charset="0"/>
-                <a:cs typeface="Courier" charset="0"/>
-                <a:sym typeface="Consolas"/>
-              </a:rPr>
-              <a:t>", "John")</a:t>
-            </a:r>
-          </a:p>
-          <a:p>
-            <a:pPr marL="0" indent="0">
-              <a:buNone/>
-              <a:defRPr sz="1800">
-                <a:solidFill>
-                  <a:srgbClr val="000000"/>
-                </a:solidFill>
-              </a:defRPr>
-            </a:pPr>
-            <a:r>
-              <a:rPr lang="en-US" sz="1100" dirty="0">
-                <a:solidFill>
-                  <a:srgbClr val="2E2E2C"/>
-                </a:solidFill>
-                <a:latin typeface="Courier" charset="0"/>
-                <a:ea typeface="Courier" charset="0"/>
-                <a:cs typeface="Courier" charset="0"/>
-                <a:sym typeface="Consolas"/>
-              </a:rPr>
-              <a:t>                .put("</a:t>
-            </a:r>
-            <a:r>
-              <a:rPr lang="en-US" sz="1100" dirty="0" err="1">
-                <a:solidFill>
-                  <a:srgbClr val="2E2E2C"/>
-                </a:solidFill>
-                <a:latin typeface="Courier" charset="0"/>
-                <a:ea typeface="Courier" charset="0"/>
-                <a:cs typeface="Courier" charset="0"/>
-                <a:sym typeface="Consolas"/>
-              </a:rPr>
-              <a:t>lastName</a:t>
-            </a:r>
-            <a:r>
-              <a:rPr lang="en-US" sz="1100" dirty="0">
-                <a:solidFill>
-                  <a:srgbClr val="2E2E2C"/>
-                </a:solidFill>
-                <a:latin typeface="Courier" charset="0"/>
-                <a:ea typeface="Courier" charset="0"/>
-                <a:cs typeface="Courier" charset="0"/>
-                <a:sym typeface="Consolas"/>
-              </a:rPr>
-              <a:t>", "Doe");</a:t>
-            </a:r>
-          </a:p>
-          <a:p>
-            <a:pPr marL="0" indent="0">
-              <a:buNone/>
-              <a:defRPr sz="1800">
-                <a:solidFill>
-                  <a:srgbClr val="000000"/>
-                </a:solidFill>
-              </a:defRPr>
-            </a:pPr>
-            <a:r>
-              <a:rPr lang="en-US" sz="1100" dirty="0" err="1">
-                <a:solidFill>
-                  <a:srgbClr val="2E2E2C"/>
-                </a:solidFill>
-                <a:latin typeface="Courier" charset="0"/>
-                <a:ea typeface="Courier" charset="0"/>
-                <a:cs typeface="Courier" charset="0"/>
-                <a:sym typeface="Consolas"/>
-              </a:rPr>
-              <a:t>bucket.upsert</a:t>
-            </a:r>
-            <a:r>
-              <a:rPr lang="en-US" sz="1100" dirty="0">
-                <a:solidFill>
-                  <a:srgbClr val="2E2E2C"/>
-                </a:solidFill>
-                <a:latin typeface="Courier" charset="0"/>
-                <a:ea typeface="Courier" charset="0"/>
-                <a:cs typeface="Courier" charset="0"/>
-                <a:sym typeface="Consolas"/>
-              </a:rPr>
-              <a:t>(</a:t>
-            </a:r>
-            <a:r>
-              <a:rPr lang="en-US" sz="1100" dirty="0" err="1">
-                <a:solidFill>
-                  <a:srgbClr val="2E2E2C"/>
-                </a:solidFill>
-                <a:latin typeface="Courier" charset="0"/>
-                <a:ea typeface="Courier" charset="0"/>
-                <a:cs typeface="Courier" charset="0"/>
-                <a:sym typeface="Consolas"/>
-              </a:rPr>
-              <a:t>JsonDocument.create</a:t>
-            </a:r>
-            <a:r>
-              <a:rPr lang="en-US" sz="1100" dirty="0">
-                <a:solidFill>
-                  <a:srgbClr val="2E2E2C"/>
-                </a:solidFill>
-                <a:latin typeface="Courier" charset="0"/>
-                <a:ea typeface="Courier" charset="0"/>
-                <a:cs typeface="Courier" charset="0"/>
-                <a:sym typeface="Consolas"/>
-              </a:rPr>
-              <a:t>(key, person));</a:t>
-            </a:r>
+          <a:lstStyle/>
+          <a:p>
+            <a:r>
+              <a:rPr lang="en-US" sz="2400" dirty="0"/>
+              <a:t>Cluster details: </a:t>
+            </a:r>
+            <a:r>
+              <a:rPr lang="en-US" sz="2400" dirty="0">
+                <a:hlinkClick r:id="rId2"/>
+              </a:rPr>
+              <a:t>http://localhost:8091/pools/default</a:t>
+            </a:r>
+            <a:endParaRPr lang="en-US" sz="2400" dirty="0"/>
           </a:p>
         </p:txBody>
       </p:sp>
     </p:spTree>
     <p:extLst>
       <p:ext uri="{BB962C8B-B14F-4D97-AF65-F5344CB8AC3E}">
-        <p14:creationId xmlns:p14="http://schemas.microsoft.com/office/powerpoint/2010/main" val="1324995767"/>
+        <p14:creationId xmlns:p14="http://schemas.microsoft.com/office/powerpoint/2010/main" val="491559436"/>
       </p:ext>
     </p:extLst>
   </p:cSld>

--- a/connect2016/developer/02/02.pptx
+++ b/connect2016/developer/02/02.pptx
@@ -6,27 +6,28 @@
     <p:sldMasterId id="2147483684" r:id="rId2"/>
   </p:sldMasterIdLst>
   <p:notesMasterIdLst>
-    <p:notesMasterId r:id="rId18"/>
+    <p:notesMasterId r:id="rId19"/>
   </p:notesMasterIdLst>
   <p:handoutMasterIdLst>
-    <p:handoutMasterId r:id="rId19"/>
+    <p:handoutMasterId r:id="rId20"/>
   </p:handoutMasterIdLst>
   <p:sldIdLst>
     <p:sldId id="444" r:id="rId3"/>
     <p:sldId id="445" r:id="rId4"/>
-    <p:sldId id="493" r:id="rId5"/>
-    <p:sldId id="472" r:id="rId6"/>
-    <p:sldId id="487" r:id="rId7"/>
-    <p:sldId id="489" r:id="rId8"/>
-    <p:sldId id="494" r:id="rId9"/>
-    <p:sldId id="498" r:id="rId10"/>
-    <p:sldId id="497" r:id="rId11"/>
-    <p:sldId id="496" r:id="rId12"/>
-    <p:sldId id="495" r:id="rId13"/>
-    <p:sldId id="490" r:id="rId14"/>
-    <p:sldId id="491" r:id="rId15"/>
-    <p:sldId id="492" r:id="rId16"/>
-    <p:sldId id="484" r:id="rId17"/>
+    <p:sldId id="499" r:id="rId5"/>
+    <p:sldId id="493" r:id="rId6"/>
+    <p:sldId id="472" r:id="rId7"/>
+    <p:sldId id="487" r:id="rId8"/>
+    <p:sldId id="489" r:id="rId9"/>
+    <p:sldId id="494" r:id="rId10"/>
+    <p:sldId id="498" r:id="rId11"/>
+    <p:sldId id="497" r:id="rId12"/>
+    <p:sldId id="496" r:id="rId13"/>
+    <p:sldId id="495" r:id="rId14"/>
+    <p:sldId id="490" r:id="rId15"/>
+    <p:sldId id="491" r:id="rId16"/>
+    <p:sldId id="492" r:id="rId17"/>
+    <p:sldId id="484" r:id="rId18"/>
   </p:sldIdLst>
   <p:sldSz cx="9144000" cy="5143500" type="screen16x9"/>
   <p:notesSz cx="6858000" cy="9144000"/>
@@ -132,6 +133,7 @@
           <p14:sldIdLst>
             <p14:sldId id="444"/>
             <p14:sldId id="445"/>
+            <p14:sldId id="499"/>
             <p14:sldId id="493"/>
             <p14:sldId id="472"/>
             <p14:sldId id="487"/>
@@ -273,7 +275,7 @@
           <a:p>
             <a:fld id="{B5389E1E-C654-E943-9883-792E99AD7287}" type="datetimeFigureOut">
               <a:rPr lang="en-US" smtClean="0"/>
-              <a:t>10/20/2016</a:t>
+              <a:t>10/24/2016</a:t>
             </a:fld>
             <a:endParaRPr lang="en-US"/>
           </a:p>
@@ -439,7 +441,7 @@
           <a:p>
             <a:fld id="{9920D99B-2862-464A-984E-65BFC5FC0BBC}" type="datetimeFigureOut">
               <a:rPr lang="en-US" smtClean="0"/>
-              <a:t>10/20/2016</a:t>
+              <a:t>10/24/2016</a:t>
             </a:fld>
             <a:endParaRPr lang="en-US"/>
           </a:p>
@@ -751,6 +753,30 @@
           <a:bodyPr/>
           <a:lstStyle/>
           <a:p>
+            <a:r>
+              <a:rPr lang="en-US" dirty="0" err="1"/>
+              <a:t>Couchbase</a:t>
+            </a:r>
+            <a:r>
+              <a:rPr lang="en-US" dirty="0"/>
+              <a:t> is open source</a:t>
+            </a:r>
+          </a:p>
+          <a:p>
+            <a:r>
+              <a:rPr lang="en-US" dirty="0"/>
+              <a:t>And so this lab is open source</a:t>
+            </a:r>
+          </a:p>
+          <a:p>
+            <a:r>
+              <a:rPr lang="en-US" dirty="0"/>
+              <a:t>Please feel</a:t>
+            </a:r>
+            <a:r>
+              <a:rPr lang="en-US" baseline="0" dirty="0"/>
+              <a:t> free to contribute, as this material will be used beyond this conference</a:t>
+            </a:r>
             <a:endParaRPr lang="en-US" dirty="0"/>
           </a:p>
         </p:txBody>
@@ -781,7 +807,7 @@
     </p:spTree>
     <p:extLst>
       <p:ext uri="{BB962C8B-B14F-4D97-AF65-F5344CB8AC3E}">
-        <p14:creationId xmlns:p14="http://schemas.microsoft.com/office/powerpoint/2010/main" val="1795725675"/>
+        <p14:creationId xmlns:p14="http://schemas.microsoft.com/office/powerpoint/2010/main" val="2854791606"/>
       </p:ext>
     </p:extLst>
   </p:cSld>
@@ -835,19 +861,7 @@
           <a:bodyPr/>
           <a:lstStyle/>
           <a:p>
-            <a:pPr marL="0" indent="0">
-              <a:lnSpc>
-                <a:spcPct val="140000"/>
-              </a:lnSpc>
-              <a:buClr>
-                <a:schemeClr val="accent2"/>
-              </a:buClr>
-              <a:buFont typeface="Arial"/>
-              <a:buNone/>
-            </a:pPr>
-            <a:endParaRPr lang="en-US" sz="1200" dirty="0">
-              <a:latin typeface="+mn-lt"/>
-            </a:endParaRPr>
+            <a:endParaRPr lang="en-US" dirty="0"/>
           </a:p>
         </p:txBody>
       </p:sp>
@@ -877,7 +891,7 @@
     </p:spTree>
     <p:extLst>
       <p:ext uri="{BB962C8B-B14F-4D97-AF65-F5344CB8AC3E}">
-        <p14:creationId xmlns:p14="http://schemas.microsoft.com/office/powerpoint/2010/main" val="2268015358"/>
+        <p14:creationId xmlns:p14="http://schemas.microsoft.com/office/powerpoint/2010/main" val="1795725675"/>
       </p:ext>
     </p:extLst>
   </p:cSld>
@@ -931,7 +945,19 @@
           <a:bodyPr/>
           <a:lstStyle/>
           <a:p>
-            <a:endParaRPr lang="en-US" dirty="0"/>
+            <a:pPr marL="0" indent="0">
+              <a:lnSpc>
+                <a:spcPct val="140000"/>
+              </a:lnSpc>
+              <a:buClr>
+                <a:schemeClr val="accent2"/>
+              </a:buClr>
+              <a:buFont typeface="Arial"/>
+              <a:buNone/>
+            </a:pPr>
+            <a:endParaRPr lang="en-US" sz="1200" dirty="0">
+              <a:latin typeface="+mn-lt"/>
+            </a:endParaRPr>
           </a:p>
         </p:txBody>
       </p:sp>
@@ -950,72 +976,18 @@
           <a:bodyPr/>
           <a:lstStyle/>
           <a:p>
-            <a:pPr marL="0" marR="0" lvl="0" indent="0" defTabSz="914400" eaLnBrk="1" fontAlgn="auto" latinLnBrk="0" hangingPunct="1">
-              <a:lnSpc>
-                <a:spcPct val="100000"/>
-              </a:lnSpc>
-              <a:spcBef>
-                <a:spcPts val="0"/>
-              </a:spcBef>
-              <a:spcAft>
-                <a:spcPts val="0"/>
-              </a:spcAft>
-              <a:buClrTx/>
-              <a:buSzTx/>
-              <a:buFontTx/>
-              <a:buNone/>
-              <a:tabLst/>
-              <a:defRPr/>
-            </a:pPr>
             <a:fld id="{F39351FC-18D6-4741-8EEB-9FDB1F020AAC}" type="slidenum">
-              <a:rPr kumimoji="0" lang="en-US" sz="1800" b="0" i="0" u="none" strike="noStrike" kern="0" cap="none" spc="0" normalizeH="0" baseline="0" noProof="0" smtClean="0">
-                <a:ln>
-                  <a:noFill/>
-                </a:ln>
-                <a:solidFill>
-                  <a:sysClr val="windowText" lastClr="000000"/>
-                </a:solidFill>
-                <a:effectLst/>
-                <a:uLnTx/>
-                <a:uFillTx/>
-              </a:rPr>
-              <a:pPr marL="0" marR="0" lvl="0" indent="0" defTabSz="914400" eaLnBrk="1" fontAlgn="auto" latinLnBrk="0" hangingPunct="1">
-                <a:lnSpc>
-                  <a:spcPct val="100000"/>
-                </a:lnSpc>
-                <a:spcBef>
-                  <a:spcPts val="0"/>
-                </a:spcBef>
-                <a:spcAft>
-                  <a:spcPts val="0"/>
-                </a:spcAft>
-                <a:buClrTx/>
-                <a:buSzTx/>
-                <a:buFontTx/>
-                <a:buNone/>
-                <a:tabLst/>
-                <a:defRPr/>
-              </a:pPr>
-              <a:t>8</a:t>
+              <a:rPr lang="en-US" smtClean="0"/>
+              <a:t>5</a:t>
             </a:fld>
-            <a:endParaRPr kumimoji="0" lang="en-US" sz="1800" b="0" i="0" u="none" strike="noStrike" kern="0" cap="none" spc="0" normalizeH="0" baseline="0" noProof="0">
-              <a:ln>
-                <a:noFill/>
-              </a:ln>
-              <a:solidFill>
-                <a:sysClr val="windowText" lastClr="000000"/>
-              </a:solidFill>
-              <a:effectLst/>
-              <a:uLnTx/>
-              <a:uFillTx/>
-            </a:endParaRPr>
+            <a:endParaRPr lang="en-US"/>
           </a:p>
         </p:txBody>
       </p:sp>
     </p:spTree>
     <p:extLst>
       <p:ext uri="{BB962C8B-B14F-4D97-AF65-F5344CB8AC3E}">
-        <p14:creationId xmlns:p14="http://schemas.microsoft.com/office/powerpoint/2010/main" val="2218008037"/>
+        <p14:creationId xmlns:p14="http://schemas.microsoft.com/office/powerpoint/2010/main" val="2268015358"/>
       </p:ext>
     </p:extLst>
   </p:cSld>
@@ -1069,10 +1041,7 @@
           <a:bodyPr/>
           <a:lstStyle/>
           <a:p>
-            <a:r>
-              <a:rPr lang="en-US" dirty="0"/>
-              <a:t>It may not be as nicely formatted in your browser</a:t>
-            </a:r>
+            <a:endParaRPr lang="en-US" dirty="0"/>
           </a:p>
         </p:txBody>
       </p:sp>
@@ -1091,9 +1060,150 @@
           <a:bodyPr/>
           <a:lstStyle/>
           <a:p>
+            <a:pPr marL="0" marR="0" lvl="0" indent="0" defTabSz="914400" eaLnBrk="1" fontAlgn="auto" latinLnBrk="0" hangingPunct="1">
+              <a:lnSpc>
+                <a:spcPct val="100000"/>
+              </a:lnSpc>
+              <a:spcBef>
+                <a:spcPts val="0"/>
+              </a:spcBef>
+              <a:spcAft>
+                <a:spcPts val="0"/>
+              </a:spcAft>
+              <a:buClrTx/>
+              <a:buSzTx/>
+              <a:buFontTx/>
+              <a:buNone/>
+              <a:tabLst/>
+              <a:defRPr/>
+            </a:pPr>
+            <a:fld id="{F39351FC-18D6-4741-8EEB-9FDB1F020AAC}" type="slidenum">
+              <a:rPr kumimoji="0" lang="en-US" sz="1800" b="0" i="0" u="none" strike="noStrike" kern="0" cap="none" spc="0" normalizeH="0" baseline="0" noProof="0" smtClean="0">
+                <a:ln>
+                  <a:noFill/>
+                </a:ln>
+                <a:solidFill>
+                  <a:sysClr val="windowText" lastClr="000000"/>
+                </a:solidFill>
+                <a:effectLst/>
+                <a:uLnTx/>
+                <a:uFillTx/>
+              </a:rPr>
+              <a:pPr marL="0" marR="0" lvl="0" indent="0" defTabSz="914400" eaLnBrk="1" fontAlgn="auto" latinLnBrk="0" hangingPunct="1">
+                <a:lnSpc>
+                  <a:spcPct val="100000"/>
+                </a:lnSpc>
+                <a:spcBef>
+                  <a:spcPts val="0"/>
+                </a:spcBef>
+                <a:spcAft>
+                  <a:spcPts val="0"/>
+                </a:spcAft>
+                <a:buClrTx/>
+                <a:buSzTx/>
+                <a:buFontTx/>
+                <a:buNone/>
+                <a:tabLst/>
+                <a:defRPr/>
+              </a:pPr>
+              <a:t>9</a:t>
+            </a:fld>
+            <a:endParaRPr kumimoji="0" lang="en-US" sz="1800" b="0" i="0" u="none" strike="noStrike" kern="0" cap="none" spc="0" normalizeH="0" baseline="0" noProof="0">
+              <a:ln>
+                <a:noFill/>
+              </a:ln>
+              <a:solidFill>
+                <a:sysClr val="windowText" lastClr="000000"/>
+              </a:solidFill>
+              <a:effectLst/>
+              <a:uLnTx/>
+              <a:uFillTx/>
+            </a:endParaRPr>
+          </a:p>
+        </p:txBody>
+      </p:sp>
+    </p:spTree>
+    <p:extLst>
+      <p:ext uri="{BB962C8B-B14F-4D97-AF65-F5344CB8AC3E}">
+        <p14:creationId xmlns:p14="http://schemas.microsoft.com/office/powerpoint/2010/main" val="2218008037"/>
+      </p:ext>
+    </p:extLst>
+  </p:cSld>
+  <p:clrMapOvr>
+    <a:masterClrMapping/>
+  </p:clrMapOvr>
+</p:notes>
+</file>
+
+<file path=ppt/notesSlides/notesSlide5.xml><?xml version="1.0" encoding="utf-8"?>
+<p:notes xmlns:a="http://schemas.openxmlformats.org/drawingml/2006/main" xmlns:r="http://schemas.openxmlformats.org/officeDocument/2006/relationships" xmlns:p="http://schemas.openxmlformats.org/presentationml/2006/main">
+  <p:cSld>
+    <p:spTree>
+      <p:nvGrpSpPr>
+        <p:cNvPr id="1" name=""/>
+        <p:cNvGrpSpPr/>
+        <p:nvPr/>
+      </p:nvGrpSpPr>
+      <p:grpSpPr>
+        <a:xfrm>
+          <a:off x="0" y="0"/>
+          <a:ext cx="0" cy="0"/>
+          <a:chOff x="0" y="0"/>
+          <a:chExt cx="0" cy="0"/>
+        </a:xfrm>
+      </p:grpSpPr>
+      <p:sp>
+        <p:nvSpPr>
+          <p:cNvPr id="2" name="Slide Image Placeholder 1"/>
+          <p:cNvSpPr>
+            <a:spLocks noGrp="1" noRot="1" noChangeAspect="1"/>
+          </p:cNvSpPr>
+          <p:nvPr>
+            <p:ph type="sldImg"/>
+          </p:nvPr>
+        </p:nvSpPr>
+        <p:spPr/>
+      </p:sp>
+      <p:sp>
+        <p:nvSpPr>
+          <p:cNvPr id="3" name="Notes Placeholder 2"/>
+          <p:cNvSpPr>
+            <a:spLocks noGrp="1"/>
+          </p:cNvSpPr>
+          <p:nvPr>
+            <p:ph type="body" idx="1"/>
+          </p:nvPr>
+        </p:nvSpPr>
+        <p:spPr/>
+        <p:txBody>
+          <a:bodyPr/>
+          <a:lstStyle/>
+          <a:p>
+            <a:r>
+              <a:rPr lang="en-US" dirty="0"/>
+              <a:t>It may not be as nicely formatted in your browser</a:t>
+            </a:r>
+          </a:p>
+        </p:txBody>
+      </p:sp>
+      <p:sp>
+        <p:nvSpPr>
+          <p:cNvPr id="4" name="Slide Number Placeholder 3"/>
+          <p:cNvSpPr>
+            <a:spLocks noGrp="1"/>
+          </p:cNvSpPr>
+          <p:nvPr>
+            <p:ph type="sldNum" sz="quarter" idx="10"/>
+          </p:nvPr>
+        </p:nvSpPr>
+        <p:spPr/>
+        <p:txBody>
+          <a:bodyPr/>
+          <a:lstStyle/>
+          <a:p>
             <a:fld id="{F39351FC-18D6-4741-8EEB-9FDB1F020AAC}" type="slidenum">
               <a:rPr lang="en-US" smtClean="0"/>
-              <a:t>10</a:t>
+              <a:t>11</a:t>
             </a:fld>
             <a:endParaRPr lang="en-US"/>
           </a:p>
@@ -7031,21 +7141,21 @@
           <a:p>
             <a:r>
               <a:rPr lang="en-US" dirty="0"/>
-              <a:t>/pools/default</a:t>
+              <a:t>Exercise 2: REST API</a:t>
             </a:r>
           </a:p>
         </p:txBody>
       </p:sp>
       <p:sp>
         <p:nvSpPr>
-          <p:cNvPr id="4" name="Rectangle 3"/>
+          <p:cNvPr id="3" name="Rectangle 2"/>
           <p:cNvSpPr/>
           <p:nvPr/>
         </p:nvSpPr>
         <p:spPr>
           <a:xfrm>
-            <a:off x="438152" y="677198"/>
-            <a:ext cx="8448674" cy="4154984"/>
+            <a:off x="342900" y="1067485"/>
+            <a:ext cx="7239000" cy="461665"/>
           </a:xfrm>
           <a:prstGeom prst="rect">
             <a:avLst/>
@@ -7058,358 +7168,23 @@
           <a:lstStyle/>
           <a:p>
             <a:r>
-              <a:rPr lang="en-US" sz="1100" dirty="0">
-                <a:latin typeface="Consolas" panose="020B0609020204030204" pitchFamily="49" charset="0"/>
-              </a:rPr>
-              <a:t>{</a:t>
-            </a:r>
-          </a:p>
-          <a:p>
-            <a:r>
-              <a:rPr lang="en-US" sz="1100" dirty="0">
-                <a:latin typeface="Consolas" panose="020B0609020204030204" pitchFamily="49" charset="0"/>
-              </a:rPr>
-              <a:t>	"</a:t>
-            </a:r>
-            <a:r>
-              <a:rPr lang="en-US" sz="1100" dirty="0" err="1">
-                <a:latin typeface="Consolas" panose="020B0609020204030204" pitchFamily="49" charset="0"/>
-              </a:rPr>
-              <a:t>storageTotals</a:t>
-            </a:r>
-            <a:r>
-              <a:rPr lang="en-US" sz="1100" dirty="0">
-                <a:latin typeface="Consolas" panose="020B0609020204030204" pitchFamily="49" charset="0"/>
-              </a:rPr>
-              <a:t>": {</a:t>
-            </a:r>
-          </a:p>
-          <a:p>
-            <a:r>
-              <a:rPr lang="en-US" sz="1100" dirty="0">
-                <a:latin typeface="Consolas" panose="020B0609020204030204" pitchFamily="49" charset="0"/>
-              </a:rPr>
-              <a:t>		"ram": {</a:t>
-            </a:r>
-          </a:p>
-          <a:p>
-            <a:r>
-              <a:rPr lang="en-US" sz="1100" dirty="0">
-                <a:latin typeface="Consolas" panose="020B0609020204030204" pitchFamily="49" charset="0"/>
-              </a:rPr>
-              <a:t>			"total": 2061664256,</a:t>
-            </a:r>
-          </a:p>
-          <a:p>
-            <a:r>
-              <a:rPr lang="en-US" sz="1100" dirty="0">
-                <a:latin typeface="Consolas" panose="020B0609020204030204" pitchFamily="49" charset="0"/>
-              </a:rPr>
-              <a:t>			"</a:t>
-            </a:r>
-            <a:r>
-              <a:rPr lang="en-US" sz="1100" dirty="0" err="1">
-                <a:latin typeface="Consolas" panose="020B0609020204030204" pitchFamily="49" charset="0"/>
-              </a:rPr>
-              <a:t>quotaTotal</a:t>
-            </a:r>
-            <a:r>
-              <a:rPr lang="en-US" sz="1100" dirty="0">
-                <a:latin typeface="Consolas" panose="020B0609020204030204" pitchFamily="49" charset="0"/>
-              </a:rPr>
-              <a:t>": 268435456,</a:t>
-            </a:r>
-          </a:p>
-          <a:p>
-            <a:r>
-              <a:rPr lang="en-US" sz="1100" dirty="0">
-                <a:latin typeface="Consolas" panose="020B0609020204030204" pitchFamily="49" charset="0"/>
-              </a:rPr>
-              <a:t>			"</a:t>
-            </a:r>
-            <a:r>
-              <a:rPr lang="en-US" sz="1100" dirty="0" err="1">
-                <a:latin typeface="Consolas" panose="020B0609020204030204" pitchFamily="49" charset="0"/>
-              </a:rPr>
-              <a:t>quotaUsed</a:t>
-            </a:r>
-            <a:r>
-              <a:rPr lang="en-US" sz="1100" dirty="0">
-                <a:latin typeface="Consolas" panose="020B0609020204030204" pitchFamily="49" charset="0"/>
-              </a:rPr>
-              <a:t>": 209715200,</a:t>
-            </a:r>
-          </a:p>
-          <a:p>
-            <a:r>
-              <a:rPr lang="en-US" sz="1100" dirty="0">
-                <a:latin typeface="Consolas" panose="020B0609020204030204" pitchFamily="49" charset="0"/>
-              </a:rPr>
-              <a:t>			"used": 1674903552,</a:t>
-            </a:r>
-          </a:p>
-          <a:p>
-            <a:r>
-              <a:rPr lang="en-US" sz="1100" dirty="0">
-                <a:latin typeface="Consolas" panose="020B0609020204030204" pitchFamily="49" charset="0"/>
-              </a:rPr>
-              <a:t>			"</a:t>
-            </a:r>
-            <a:r>
-              <a:rPr lang="en-US" sz="1100" dirty="0" err="1">
-                <a:latin typeface="Consolas" panose="020B0609020204030204" pitchFamily="49" charset="0"/>
-              </a:rPr>
-              <a:t>usedByData</a:t>
-            </a:r>
-            <a:r>
-              <a:rPr lang="en-US" sz="1100" dirty="0">
-                <a:latin typeface="Consolas" panose="020B0609020204030204" pitchFamily="49" charset="0"/>
-              </a:rPr>
-              <a:t>": 119026504,</a:t>
-            </a:r>
-          </a:p>
-          <a:p>
-            <a:r>
-              <a:rPr lang="en-US" sz="1100" dirty="0">
-                <a:latin typeface="Consolas" panose="020B0609020204030204" pitchFamily="49" charset="0"/>
-              </a:rPr>
-              <a:t>			"</a:t>
-            </a:r>
-            <a:r>
-              <a:rPr lang="en-US" sz="1100" dirty="0" err="1">
-                <a:latin typeface="Consolas" panose="020B0609020204030204" pitchFamily="49" charset="0"/>
-              </a:rPr>
-              <a:t>quotaUsedPeraNode</a:t>
-            </a:r>
-            <a:r>
-              <a:rPr lang="en-US" sz="1100" dirty="0">
-                <a:latin typeface="Consolas" panose="020B0609020204030204" pitchFamily="49" charset="0"/>
-              </a:rPr>
-              <a:t>": 209715200,</a:t>
-            </a:r>
-          </a:p>
-          <a:p>
-            <a:r>
-              <a:rPr lang="en-US" sz="1100" dirty="0">
-                <a:latin typeface="Consolas" panose="020B0609020204030204" pitchFamily="49" charset="0"/>
-              </a:rPr>
-              <a:t>			"</a:t>
-            </a:r>
-            <a:r>
-              <a:rPr lang="en-US" sz="1100" dirty="0" err="1">
-                <a:latin typeface="Consolas" panose="020B0609020204030204" pitchFamily="49" charset="0"/>
-              </a:rPr>
-              <a:t>quotaTotalPerNode</a:t>
-            </a:r>
-            <a:r>
-              <a:rPr lang="en-US" sz="1100" dirty="0">
-                <a:latin typeface="Consolas" panose="020B0609020204030204" pitchFamily="49" charset="0"/>
-              </a:rPr>
-              <a:t>": 268435456</a:t>
-            </a:r>
-          </a:p>
-          <a:p>
-            <a:r>
-              <a:rPr lang="en-US" sz="1100" dirty="0">
-                <a:latin typeface="Consolas" panose="020B0609020204030204" pitchFamily="49" charset="0"/>
-              </a:rPr>
-              <a:t>		},</a:t>
-            </a:r>
-          </a:p>
-          <a:p>
-            <a:r>
-              <a:rPr lang="en-US" sz="1100" dirty="0">
-                <a:latin typeface="Consolas" panose="020B0609020204030204" pitchFamily="49" charset="0"/>
-              </a:rPr>
-              <a:t>		"</a:t>
-            </a:r>
-            <a:r>
-              <a:rPr lang="en-US" sz="1100" dirty="0" err="1">
-                <a:latin typeface="Consolas" panose="020B0609020204030204" pitchFamily="49" charset="0"/>
-              </a:rPr>
-              <a:t>hdd</a:t>
-            </a:r>
-            <a:r>
-              <a:rPr lang="en-US" sz="1100" dirty="0">
-                <a:latin typeface="Consolas" panose="020B0609020204030204" pitchFamily="49" charset="0"/>
-              </a:rPr>
-              <a:t>": {</a:t>
-            </a:r>
-          </a:p>
-          <a:p>
-            <a:r>
-              <a:rPr lang="en-US" sz="1100" dirty="0">
-                <a:latin typeface="Consolas" panose="020B0609020204030204" pitchFamily="49" charset="0"/>
-              </a:rPr>
-              <a:t>			"total": 59151257600,</a:t>
-            </a:r>
-          </a:p>
-          <a:p>
-            <a:r>
-              <a:rPr lang="en-US" sz="1100" dirty="0">
-                <a:latin typeface="Consolas" panose="020B0609020204030204" pitchFamily="49" charset="0"/>
-              </a:rPr>
-              <a:t>			"</a:t>
-            </a:r>
-            <a:r>
-              <a:rPr lang="en-US" sz="1100" dirty="0" err="1">
-                <a:latin typeface="Consolas" panose="020B0609020204030204" pitchFamily="49" charset="0"/>
-              </a:rPr>
-              <a:t>quotaTotal</a:t>
-            </a:r>
-            <a:r>
-              <a:rPr lang="en-US" sz="1100" dirty="0">
-                <a:latin typeface="Consolas" panose="020B0609020204030204" pitchFamily="49" charset="0"/>
-              </a:rPr>
-              <a:t>": 59151257600,</a:t>
-            </a:r>
-          </a:p>
-          <a:p>
-            <a:r>
-              <a:rPr lang="en-US" sz="1100" dirty="0">
-                <a:latin typeface="Consolas" panose="020B0609020204030204" pitchFamily="49" charset="0"/>
-              </a:rPr>
-              <a:t>			"used": 1183025152,</a:t>
-            </a:r>
-          </a:p>
-          <a:p>
-            <a:r>
-              <a:rPr lang="en-US" sz="1100" dirty="0">
-                <a:latin typeface="Consolas" panose="020B0609020204030204" pitchFamily="49" charset="0"/>
-              </a:rPr>
-              <a:t>			"</a:t>
-            </a:r>
-            <a:r>
-              <a:rPr lang="en-US" sz="1100" dirty="0" err="1">
-                <a:latin typeface="Consolas" panose="020B0609020204030204" pitchFamily="49" charset="0"/>
-              </a:rPr>
-              <a:t>usedByData</a:t>
-            </a:r>
-            <a:r>
-              <a:rPr lang="en-US" sz="1100" dirty="0">
-                <a:latin typeface="Consolas" panose="020B0609020204030204" pitchFamily="49" charset="0"/>
-              </a:rPr>
-              <a:t>": 130504611,</a:t>
-            </a:r>
-          </a:p>
-          <a:p>
-            <a:r>
-              <a:rPr lang="en-US" sz="1100" dirty="0">
-                <a:latin typeface="Consolas" panose="020B0609020204030204" pitchFamily="49" charset="0"/>
-              </a:rPr>
-              <a:t>			"free": 57968232448</a:t>
-            </a:r>
-          </a:p>
-          <a:p>
-            <a:r>
-              <a:rPr lang="en-US" sz="1100" dirty="0">
-                <a:latin typeface="Consolas" panose="020B0609020204030204" pitchFamily="49" charset="0"/>
-              </a:rPr>
-              <a:t>		}</a:t>
-            </a:r>
-          </a:p>
-          <a:p>
-            <a:r>
-              <a:rPr lang="en-US" sz="1100" dirty="0">
-                <a:latin typeface="Consolas" panose="020B0609020204030204" pitchFamily="49" charset="0"/>
-              </a:rPr>
-              <a:t>	},</a:t>
-            </a:r>
-          </a:p>
-          <a:p>
-            <a:r>
-              <a:rPr lang="en-US" sz="1100" dirty="0">
-                <a:latin typeface="Consolas" panose="020B0609020204030204" pitchFamily="49" charset="0"/>
-              </a:rPr>
-              <a:t>	"</a:t>
-            </a:r>
-            <a:r>
-              <a:rPr lang="en-US" sz="1100" dirty="0" err="1">
-                <a:latin typeface="Consolas" panose="020B0609020204030204" pitchFamily="49" charset="0"/>
-              </a:rPr>
-              <a:t>ftsMemoryQuota</a:t>
-            </a:r>
-            <a:r>
-              <a:rPr lang="en-US" sz="1100" dirty="0">
-                <a:latin typeface="Consolas" panose="020B0609020204030204" pitchFamily="49" charset="0"/>
-              </a:rPr>
-              <a:t>": 256,</a:t>
-            </a:r>
-          </a:p>
-          <a:p>
-            <a:r>
-              <a:rPr lang="en-US" sz="1100" dirty="0">
-                <a:latin typeface="Consolas" panose="020B0609020204030204" pitchFamily="49" charset="0"/>
-              </a:rPr>
-              <a:t>	"</a:t>
-            </a:r>
-            <a:r>
-              <a:rPr lang="en-US" sz="1100" dirty="0" err="1">
-                <a:latin typeface="Consolas" panose="020B0609020204030204" pitchFamily="49" charset="0"/>
-              </a:rPr>
-              <a:t>indexMemoryQuota</a:t>
-            </a:r>
-            <a:r>
-              <a:rPr lang="en-US" sz="1100" dirty="0">
-                <a:latin typeface="Consolas" panose="020B0609020204030204" pitchFamily="49" charset="0"/>
-              </a:rPr>
-              <a:t>": 512,</a:t>
-            </a:r>
-          </a:p>
-          <a:p>
-            <a:r>
-              <a:rPr lang="en-US" sz="1100" dirty="0">
-                <a:latin typeface="Consolas" panose="020B0609020204030204" pitchFamily="49" charset="0"/>
-              </a:rPr>
-              <a:t>	"</a:t>
-            </a:r>
-            <a:r>
-              <a:rPr lang="en-US" sz="1100" dirty="0" err="1">
-                <a:latin typeface="Consolas" panose="020B0609020204030204" pitchFamily="49" charset="0"/>
-              </a:rPr>
-              <a:t>memoryQuota</a:t>
-            </a:r>
-            <a:r>
-              <a:rPr lang="en-US" sz="1100" dirty="0">
-                <a:latin typeface="Consolas" panose="020B0609020204030204" pitchFamily="49" charset="0"/>
-              </a:rPr>
-              <a:t>": 256,</a:t>
-            </a:r>
-          </a:p>
-          <a:p>
-            <a:r>
-              <a:rPr lang="en-US" sz="1100" dirty="0">
-                <a:latin typeface="Consolas" panose="020B0609020204030204" pitchFamily="49" charset="0"/>
-              </a:rPr>
-              <a:t>	"name": "default",</a:t>
-            </a:r>
-          </a:p>
-          <a:p>
-            <a:r>
-              <a:rPr lang="en-US" sz="1100" dirty="0">
-                <a:latin typeface="Consolas" panose="020B0609020204030204" pitchFamily="49" charset="0"/>
-              </a:rPr>
-              <a:t>	"alerts": [],				// </a:t>
-            </a:r>
-            <a:r>
-              <a:rPr lang="en-US" sz="1100" dirty="0" err="1">
-                <a:latin typeface="Consolas" panose="020B0609020204030204" pitchFamily="49" charset="0"/>
-              </a:rPr>
-              <a:t>etc</a:t>
-            </a:r>
-            <a:r>
-              <a:rPr lang="en-US" sz="1100" dirty="0">
-                <a:latin typeface="Consolas" panose="020B0609020204030204" pitchFamily="49" charset="0"/>
-              </a:rPr>
-              <a:t>…..</a:t>
-            </a:r>
+              <a:rPr lang="en-US" sz="2400" dirty="0"/>
+              <a:t>Cluster details: </a:t>
+            </a:r>
+            <a:r>
+              <a:rPr lang="en-US" sz="2400" dirty="0">
+                <a:hlinkClick r:id="rId2"/>
+              </a:rPr>
+              <a:t>http://localhost:8091/pools/default</a:t>
+            </a:r>
+            <a:endParaRPr lang="en-US" sz="2400" dirty="0"/>
           </a:p>
         </p:txBody>
       </p:sp>
     </p:spTree>
     <p:extLst>
       <p:ext uri="{BB962C8B-B14F-4D97-AF65-F5344CB8AC3E}">
-        <p14:creationId xmlns:p14="http://schemas.microsoft.com/office/powerpoint/2010/main" val="1239733629"/>
+        <p14:creationId xmlns:p14="http://schemas.microsoft.com/office/powerpoint/2010/main" val="491559436"/>
       </p:ext>
     </p:extLst>
   </p:cSld>
@@ -7453,269 +7228,385 @@
           <a:p>
             <a:r>
               <a:rPr lang="en-US" dirty="0"/>
-              <a:t>Exercise 3: Using SDK in “Hello World”</a:t>
+              <a:t>/pools/default</a:t>
             </a:r>
           </a:p>
         </p:txBody>
       </p:sp>
       <p:sp>
         <p:nvSpPr>
-          <p:cNvPr id="3" name="Content Placeholder 2"/>
-          <p:cNvSpPr txBox="1">
-            <a:spLocks/>
-          </p:cNvSpPr>
+          <p:cNvPr id="4" name="Rectangle 3"/>
+          <p:cNvSpPr/>
           <p:nvPr/>
         </p:nvSpPr>
         <p:spPr>
           <a:xfrm>
-            <a:off x="198158" y="838200"/>
-            <a:ext cx="8717242" cy="3394472"/>
+            <a:off x="438152" y="677198"/>
+            <a:ext cx="8448674" cy="4154984"/>
           </a:xfrm>
           <a:prstGeom prst="rect">
             <a:avLst/>
           </a:prstGeom>
         </p:spPr>
         <p:txBody>
-          <a:bodyPr/>
-          <a:lstStyle>
-            <a:lvl1pPr marL="228600" indent="-228600" algn="l" defTabSz="457200" rtl="0" eaLnBrk="1" latinLnBrk="0" hangingPunct="1">
-              <a:spcBef>
-                <a:spcPts val="0"/>
-              </a:spcBef>
-              <a:buClr>
-                <a:schemeClr val="accent1"/>
-              </a:buClr>
-              <a:buFont typeface="Wingdings" charset="2"/>
-              <a:buChar char="§"/>
-              <a:defRPr sz="2400" kern="1200">
-                <a:solidFill>
-                  <a:schemeClr val="tx1"/>
-                </a:solidFill>
-                <a:latin typeface="+mn-lt"/>
-                <a:ea typeface="+mn-ea"/>
-                <a:cs typeface="+mn-cs"/>
-              </a:defRPr>
-            </a:lvl1pPr>
-            <a:lvl2pPr marL="455613" indent="-227013" algn="l" defTabSz="457200" rtl="0" eaLnBrk="1" latinLnBrk="0" hangingPunct="1">
-              <a:spcBef>
-                <a:spcPts val="0"/>
-              </a:spcBef>
-              <a:buClr>
-                <a:srgbClr val="262626"/>
-              </a:buClr>
-              <a:buFont typeface="Wingdings" charset="2"/>
-              <a:buChar char="§"/>
-              <a:defRPr sz="2000" kern="1200">
-                <a:solidFill>
-                  <a:schemeClr val="tx1"/>
-                </a:solidFill>
-                <a:latin typeface="+mn-lt"/>
-                <a:ea typeface="+mn-ea"/>
-                <a:cs typeface="+mn-cs"/>
-              </a:defRPr>
-            </a:lvl2pPr>
-            <a:lvl3pPr marL="455613" indent="-228600" algn="l" defTabSz="457200" rtl="0" eaLnBrk="1" latinLnBrk="0" hangingPunct="1">
-              <a:spcBef>
-                <a:spcPts val="0"/>
-              </a:spcBef>
-              <a:buClr>
-                <a:srgbClr val="262626"/>
-              </a:buClr>
-              <a:buFont typeface="Wingdings" charset="2"/>
-              <a:buChar char="§"/>
-              <a:defRPr sz="2000" kern="1200">
-                <a:solidFill>
-                  <a:schemeClr val="tx1"/>
-                </a:solidFill>
-                <a:latin typeface="+mn-lt"/>
-                <a:ea typeface="+mn-ea"/>
-                <a:cs typeface="+mn-cs"/>
-              </a:defRPr>
-            </a:lvl3pPr>
-            <a:lvl4pPr marL="455613" indent="-228600" algn="l" defTabSz="457200" rtl="0" eaLnBrk="1" latinLnBrk="0" hangingPunct="1">
-              <a:spcBef>
-                <a:spcPts val="0"/>
-              </a:spcBef>
-              <a:buClr>
-                <a:srgbClr val="262626"/>
-              </a:buClr>
-              <a:buFont typeface="Wingdings" charset="2"/>
-              <a:buChar char="§"/>
-              <a:defRPr sz="2000" kern="1200">
-                <a:solidFill>
-                  <a:schemeClr val="tx1"/>
-                </a:solidFill>
-                <a:latin typeface="+mn-lt"/>
-                <a:ea typeface="+mn-ea"/>
-                <a:cs typeface="+mn-cs"/>
-              </a:defRPr>
-            </a:lvl4pPr>
-            <a:lvl5pPr marL="455613" indent="-228600" algn="l" defTabSz="457200" rtl="0" eaLnBrk="1" latinLnBrk="0" hangingPunct="1">
-              <a:spcBef>
-                <a:spcPts val="200"/>
-              </a:spcBef>
-              <a:buClr>
-                <a:srgbClr val="262626"/>
-              </a:buClr>
-              <a:buFont typeface="Wingdings" charset="2"/>
-              <a:buChar char="§"/>
-              <a:defRPr sz="2000" kern="1200">
-                <a:solidFill>
-                  <a:schemeClr val="tx1"/>
-                </a:solidFill>
-                <a:latin typeface="+mn-lt"/>
-                <a:ea typeface="+mn-ea"/>
-                <a:cs typeface="+mn-cs"/>
-              </a:defRPr>
-            </a:lvl5pPr>
-            <a:lvl6pPr marL="2514600" indent="-228600" algn="l" defTabSz="457200" rtl="0" eaLnBrk="1" latinLnBrk="0" hangingPunct="1">
-              <a:spcBef>
-                <a:spcPct val="20000"/>
-              </a:spcBef>
-              <a:buFont typeface="Arial"/>
-              <a:buChar char="•"/>
-              <a:defRPr sz="2000" kern="1200">
-                <a:solidFill>
-                  <a:schemeClr val="tx1"/>
-                </a:solidFill>
-                <a:latin typeface="+mn-lt"/>
-                <a:ea typeface="+mn-ea"/>
-                <a:cs typeface="+mn-cs"/>
-              </a:defRPr>
-            </a:lvl6pPr>
-            <a:lvl7pPr marL="2971800" indent="-228600" algn="l" defTabSz="457200" rtl="0" eaLnBrk="1" latinLnBrk="0" hangingPunct="1">
-              <a:spcBef>
-                <a:spcPct val="20000"/>
-              </a:spcBef>
-              <a:buFont typeface="Arial"/>
-              <a:buChar char="•"/>
-              <a:defRPr sz="2000" kern="1200">
-                <a:solidFill>
-                  <a:schemeClr val="tx1"/>
-                </a:solidFill>
-                <a:latin typeface="+mn-lt"/>
-                <a:ea typeface="+mn-ea"/>
-                <a:cs typeface="+mn-cs"/>
-              </a:defRPr>
-            </a:lvl7pPr>
-            <a:lvl8pPr marL="3429000" indent="-228600" algn="l" defTabSz="457200" rtl="0" eaLnBrk="1" latinLnBrk="0" hangingPunct="1">
-              <a:spcBef>
-                <a:spcPct val="20000"/>
-              </a:spcBef>
-              <a:buFont typeface="Arial"/>
-              <a:buChar char="•"/>
-              <a:defRPr sz="2000" kern="1200">
-                <a:solidFill>
-                  <a:schemeClr val="tx1"/>
-                </a:solidFill>
-                <a:latin typeface="+mn-lt"/>
-                <a:ea typeface="+mn-ea"/>
-                <a:cs typeface="+mn-cs"/>
-              </a:defRPr>
-            </a:lvl8pPr>
-            <a:lvl9pPr marL="3886200" indent="-228600" algn="l" defTabSz="457200" rtl="0" eaLnBrk="1" latinLnBrk="0" hangingPunct="1">
-              <a:spcBef>
-                <a:spcPct val="20000"/>
-              </a:spcBef>
-              <a:buFont typeface="Arial"/>
-              <a:buChar char="•"/>
-              <a:defRPr sz="2000" kern="1200">
-                <a:solidFill>
-                  <a:schemeClr val="tx1"/>
-                </a:solidFill>
-                <a:latin typeface="+mn-lt"/>
-                <a:ea typeface="+mn-ea"/>
-                <a:cs typeface="+mn-cs"/>
-              </a:defRPr>
-            </a:lvl9pPr>
-          </a:lstStyle>
-          <a:p>
-            <a:pPr marL="342900" indent="-342900">
-              <a:buFont typeface="Arial" charset="0"/>
-              <a:buChar char="•"/>
-            </a:pPr>
-            <a:r>
-              <a:rPr lang="en-US" sz="1800" dirty="0">
-                <a:hlinkClick r:id="rId2"/>
-              </a:rPr>
-              <a:t>https://github.com/couchbaselabs/workshop/tree/master/connect2016/developer/02</a:t>
-            </a:r>
-            <a:endParaRPr lang="en-US" sz="1800" dirty="0"/>
-          </a:p>
-          <a:p>
-            <a:pPr marL="342900" indent="-342900">
-              <a:buFont typeface="Arial" charset="0"/>
-              <a:buChar char="•"/>
-            </a:pPr>
-            <a:endParaRPr lang="en-US" dirty="0"/>
-          </a:p>
-          <a:p>
-            <a:pPr marL="342900" indent="-342900">
-              <a:buFont typeface="Arial" charset="0"/>
-              <a:buChar char="•"/>
-            </a:pPr>
-            <a:r>
-              <a:rPr lang="en-US" dirty="0" err="1"/>
-              <a:t>dotnet</a:t>
-            </a:r>
-            <a:endParaRPr lang="en-US" dirty="0"/>
-          </a:p>
-          <a:p>
-            <a:pPr marL="342900" indent="-342900">
-              <a:buFont typeface="Arial" charset="0"/>
-              <a:buChar char="•"/>
-            </a:pPr>
-            <a:r>
-              <a:rPr lang="en-US" dirty="0"/>
-              <a:t>java</a:t>
-            </a:r>
-          </a:p>
-          <a:p>
-            <a:pPr marL="342900" indent="-342900">
-              <a:buFont typeface="Arial" charset="0"/>
-              <a:buChar char="•"/>
-            </a:pPr>
-            <a:r>
-              <a:rPr lang="en-US" dirty="0"/>
-              <a:t>node</a:t>
-            </a:r>
-          </a:p>
-          <a:p>
-            <a:pPr marL="342900" indent="-342900">
-              <a:buFont typeface="Arial" charset="0"/>
-              <a:buChar char="•"/>
-            </a:pPr>
-            <a:endParaRPr lang="en-US" dirty="0"/>
-          </a:p>
-          <a:p>
-            <a:pPr marL="342900" indent="-342900">
-              <a:buFont typeface="Arial" charset="0"/>
-              <a:buChar char="•"/>
-            </a:pPr>
-            <a:r>
-              <a:rPr lang="en-US" dirty="0"/>
-              <a:t>Insert document(s)</a:t>
-            </a:r>
-          </a:p>
-          <a:p>
-            <a:pPr marL="342900" indent="-342900">
-              <a:buFont typeface="Arial" charset="0"/>
-              <a:buChar char="•"/>
-            </a:pPr>
-            <a:r>
-              <a:rPr lang="en-US" dirty="0"/>
-              <a:t>Select documents with N1QL</a:t>
-            </a:r>
-          </a:p>
-          <a:p>
-            <a:endParaRPr lang="en-US" dirty="0"/>
+          <a:bodyPr wrap="square">
+            <a:spAutoFit/>
+          </a:bodyPr>
+          <a:lstStyle/>
+          <a:p>
+            <a:r>
+              <a:rPr lang="en-US" sz="1100" dirty="0">
+                <a:latin typeface="Consolas" panose="020B0609020204030204" pitchFamily="49" charset="0"/>
+              </a:rPr>
+              <a:t>{</a:t>
+            </a:r>
+          </a:p>
+          <a:p>
+            <a:r>
+              <a:rPr lang="en-US" sz="1100" dirty="0">
+                <a:latin typeface="Consolas" panose="020B0609020204030204" pitchFamily="49" charset="0"/>
+              </a:rPr>
+              <a:t>	"</a:t>
+            </a:r>
+            <a:r>
+              <a:rPr lang="en-US" sz="1100" dirty="0" err="1">
+                <a:latin typeface="Consolas" panose="020B0609020204030204" pitchFamily="49" charset="0"/>
+              </a:rPr>
+              <a:t>storageTotals</a:t>
+            </a:r>
+            <a:r>
+              <a:rPr lang="en-US" sz="1100" dirty="0">
+                <a:latin typeface="Consolas" panose="020B0609020204030204" pitchFamily="49" charset="0"/>
+              </a:rPr>
+              <a:t>": {</a:t>
+            </a:r>
+          </a:p>
+          <a:p>
+            <a:r>
+              <a:rPr lang="en-US" sz="1100" dirty="0">
+                <a:latin typeface="Consolas" panose="020B0609020204030204" pitchFamily="49" charset="0"/>
+              </a:rPr>
+              <a:t>		"ram": {</a:t>
+            </a:r>
+          </a:p>
+          <a:p>
+            <a:r>
+              <a:rPr lang="en-US" sz="1100" dirty="0">
+                <a:latin typeface="Consolas" panose="020B0609020204030204" pitchFamily="49" charset="0"/>
+              </a:rPr>
+              <a:t>			"total": 2061664256,</a:t>
+            </a:r>
+          </a:p>
+          <a:p>
+            <a:r>
+              <a:rPr lang="en-US" sz="1100" dirty="0">
+                <a:latin typeface="Consolas" panose="020B0609020204030204" pitchFamily="49" charset="0"/>
+              </a:rPr>
+              <a:t>			"</a:t>
+            </a:r>
+            <a:r>
+              <a:rPr lang="en-US" sz="1100" dirty="0" err="1">
+                <a:latin typeface="Consolas" panose="020B0609020204030204" pitchFamily="49" charset="0"/>
+              </a:rPr>
+              <a:t>quotaTotal</a:t>
+            </a:r>
+            <a:r>
+              <a:rPr lang="en-US" sz="1100" dirty="0">
+                <a:latin typeface="Consolas" panose="020B0609020204030204" pitchFamily="49" charset="0"/>
+              </a:rPr>
+              <a:t>": 268435456,</a:t>
+            </a:r>
+          </a:p>
+          <a:p>
+            <a:r>
+              <a:rPr lang="en-US" sz="1100" dirty="0">
+                <a:latin typeface="Consolas" panose="020B0609020204030204" pitchFamily="49" charset="0"/>
+              </a:rPr>
+              <a:t>			"</a:t>
+            </a:r>
+            <a:r>
+              <a:rPr lang="en-US" sz="1100" dirty="0" err="1">
+                <a:latin typeface="Consolas" panose="020B0609020204030204" pitchFamily="49" charset="0"/>
+              </a:rPr>
+              <a:t>quotaUsed</a:t>
+            </a:r>
+            <a:r>
+              <a:rPr lang="en-US" sz="1100" dirty="0">
+                <a:latin typeface="Consolas" panose="020B0609020204030204" pitchFamily="49" charset="0"/>
+              </a:rPr>
+              <a:t>": 209715200,</a:t>
+            </a:r>
+          </a:p>
+          <a:p>
+            <a:r>
+              <a:rPr lang="en-US" sz="1100" dirty="0">
+                <a:latin typeface="Consolas" panose="020B0609020204030204" pitchFamily="49" charset="0"/>
+              </a:rPr>
+              <a:t>			"used": 1674903552,</a:t>
+            </a:r>
+          </a:p>
+          <a:p>
+            <a:r>
+              <a:rPr lang="en-US" sz="1100" dirty="0">
+                <a:latin typeface="Consolas" panose="020B0609020204030204" pitchFamily="49" charset="0"/>
+              </a:rPr>
+              <a:t>			"</a:t>
+            </a:r>
+            <a:r>
+              <a:rPr lang="en-US" sz="1100" dirty="0" err="1">
+                <a:latin typeface="Consolas" panose="020B0609020204030204" pitchFamily="49" charset="0"/>
+              </a:rPr>
+              <a:t>usedByData</a:t>
+            </a:r>
+            <a:r>
+              <a:rPr lang="en-US" sz="1100" dirty="0">
+                <a:latin typeface="Consolas" panose="020B0609020204030204" pitchFamily="49" charset="0"/>
+              </a:rPr>
+              <a:t>": 119026504,</a:t>
+            </a:r>
+          </a:p>
+          <a:p>
+            <a:r>
+              <a:rPr lang="en-US" sz="1100" dirty="0">
+                <a:latin typeface="Consolas" panose="020B0609020204030204" pitchFamily="49" charset="0"/>
+              </a:rPr>
+              <a:t>			"</a:t>
+            </a:r>
+            <a:r>
+              <a:rPr lang="en-US" sz="1100" dirty="0" err="1">
+                <a:latin typeface="Consolas" panose="020B0609020204030204" pitchFamily="49" charset="0"/>
+              </a:rPr>
+              <a:t>quotaUsedPeraNode</a:t>
+            </a:r>
+            <a:r>
+              <a:rPr lang="en-US" sz="1100" dirty="0">
+                <a:latin typeface="Consolas" panose="020B0609020204030204" pitchFamily="49" charset="0"/>
+              </a:rPr>
+              <a:t>": 209715200,</a:t>
+            </a:r>
+          </a:p>
+          <a:p>
+            <a:r>
+              <a:rPr lang="en-US" sz="1100" dirty="0">
+                <a:latin typeface="Consolas" panose="020B0609020204030204" pitchFamily="49" charset="0"/>
+              </a:rPr>
+              <a:t>			"</a:t>
+            </a:r>
+            <a:r>
+              <a:rPr lang="en-US" sz="1100" dirty="0" err="1">
+                <a:latin typeface="Consolas" panose="020B0609020204030204" pitchFamily="49" charset="0"/>
+              </a:rPr>
+              <a:t>quotaTotalPerNode</a:t>
+            </a:r>
+            <a:r>
+              <a:rPr lang="en-US" sz="1100" dirty="0">
+                <a:latin typeface="Consolas" panose="020B0609020204030204" pitchFamily="49" charset="0"/>
+              </a:rPr>
+              <a:t>": 268435456</a:t>
+            </a:r>
+          </a:p>
+          <a:p>
+            <a:r>
+              <a:rPr lang="en-US" sz="1100" dirty="0">
+                <a:latin typeface="Consolas" panose="020B0609020204030204" pitchFamily="49" charset="0"/>
+              </a:rPr>
+              <a:t>		},</a:t>
+            </a:r>
+          </a:p>
+          <a:p>
+            <a:r>
+              <a:rPr lang="en-US" sz="1100" dirty="0">
+                <a:latin typeface="Consolas" panose="020B0609020204030204" pitchFamily="49" charset="0"/>
+              </a:rPr>
+              <a:t>		"</a:t>
+            </a:r>
+            <a:r>
+              <a:rPr lang="en-US" sz="1100" dirty="0" err="1">
+                <a:latin typeface="Consolas" panose="020B0609020204030204" pitchFamily="49" charset="0"/>
+              </a:rPr>
+              <a:t>hdd</a:t>
+            </a:r>
+            <a:r>
+              <a:rPr lang="en-US" sz="1100" dirty="0">
+                <a:latin typeface="Consolas" panose="020B0609020204030204" pitchFamily="49" charset="0"/>
+              </a:rPr>
+              <a:t>": {</a:t>
+            </a:r>
+          </a:p>
+          <a:p>
+            <a:r>
+              <a:rPr lang="en-US" sz="1100" dirty="0">
+                <a:latin typeface="Consolas" panose="020B0609020204030204" pitchFamily="49" charset="0"/>
+              </a:rPr>
+              <a:t>			"total": 59151257600,</a:t>
+            </a:r>
+          </a:p>
+          <a:p>
+            <a:r>
+              <a:rPr lang="en-US" sz="1100" dirty="0">
+                <a:latin typeface="Consolas" panose="020B0609020204030204" pitchFamily="49" charset="0"/>
+              </a:rPr>
+              <a:t>			"</a:t>
+            </a:r>
+            <a:r>
+              <a:rPr lang="en-US" sz="1100" dirty="0" err="1">
+                <a:latin typeface="Consolas" panose="020B0609020204030204" pitchFamily="49" charset="0"/>
+              </a:rPr>
+              <a:t>quotaTotal</a:t>
+            </a:r>
+            <a:r>
+              <a:rPr lang="en-US" sz="1100" dirty="0">
+                <a:latin typeface="Consolas" panose="020B0609020204030204" pitchFamily="49" charset="0"/>
+              </a:rPr>
+              <a:t>": 59151257600,</a:t>
+            </a:r>
+          </a:p>
+          <a:p>
+            <a:r>
+              <a:rPr lang="en-US" sz="1100" dirty="0">
+                <a:latin typeface="Consolas" panose="020B0609020204030204" pitchFamily="49" charset="0"/>
+              </a:rPr>
+              <a:t>			"used": 1183025152,</a:t>
+            </a:r>
+          </a:p>
+          <a:p>
+            <a:r>
+              <a:rPr lang="en-US" sz="1100" dirty="0">
+                <a:latin typeface="Consolas" panose="020B0609020204030204" pitchFamily="49" charset="0"/>
+              </a:rPr>
+              <a:t>			"</a:t>
+            </a:r>
+            <a:r>
+              <a:rPr lang="en-US" sz="1100" dirty="0" err="1">
+                <a:latin typeface="Consolas" panose="020B0609020204030204" pitchFamily="49" charset="0"/>
+              </a:rPr>
+              <a:t>usedByData</a:t>
+            </a:r>
+            <a:r>
+              <a:rPr lang="en-US" sz="1100" dirty="0">
+                <a:latin typeface="Consolas" panose="020B0609020204030204" pitchFamily="49" charset="0"/>
+              </a:rPr>
+              <a:t>": 130504611,</a:t>
+            </a:r>
+          </a:p>
+          <a:p>
+            <a:r>
+              <a:rPr lang="en-US" sz="1100" dirty="0">
+                <a:latin typeface="Consolas" panose="020B0609020204030204" pitchFamily="49" charset="0"/>
+              </a:rPr>
+              <a:t>			"free": 57968232448</a:t>
+            </a:r>
+          </a:p>
+          <a:p>
+            <a:r>
+              <a:rPr lang="en-US" sz="1100" dirty="0">
+                <a:latin typeface="Consolas" panose="020B0609020204030204" pitchFamily="49" charset="0"/>
+              </a:rPr>
+              <a:t>		}</a:t>
+            </a:r>
+          </a:p>
+          <a:p>
+            <a:r>
+              <a:rPr lang="en-US" sz="1100" dirty="0">
+                <a:latin typeface="Consolas" panose="020B0609020204030204" pitchFamily="49" charset="0"/>
+              </a:rPr>
+              <a:t>	},</a:t>
+            </a:r>
+          </a:p>
+          <a:p>
+            <a:r>
+              <a:rPr lang="en-US" sz="1100" dirty="0">
+                <a:latin typeface="Consolas" panose="020B0609020204030204" pitchFamily="49" charset="0"/>
+              </a:rPr>
+              <a:t>	"</a:t>
+            </a:r>
+            <a:r>
+              <a:rPr lang="en-US" sz="1100" dirty="0" err="1">
+                <a:latin typeface="Consolas" panose="020B0609020204030204" pitchFamily="49" charset="0"/>
+              </a:rPr>
+              <a:t>ftsMemoryQuota</a:t>
+            </a:r>
+            <a:r>
+              <a:rPr lang="en-US" sz="1100" dirty="0">
+                <a:latin typeface="Consolas" panose="020B0609020204030204" pitchFamily="49" charset="0"/>
+              </a:rPr>
+              <a:t>": 256,</a:t>
+            </a:r>
+          </a:p>
+          <a:p>
+            <a:r>
+              <a:rPr lang="en-US" sz="1100" dirty="0">
+                <a:latin typeface="Consolas" panose="020B0609020204030204" pitchFamily="49" charset="0"/>
+              </a:rPr>
+              <a:t>	"</a:t>
+            </a:r>
+            <a:r>
+              <a:rPr lang="en-US" sz="1100" dirty="0" err="1">
+                <a:latin typeface="Consolas" panose="020B0609020204030204" pitchFamily="49" charset="0"/>
+              </a:rPr>
+              <a:t>indexMemoryQuota</a:t>
+            </a:r>
+            <a:r>
+              <a:rPr lang="en-US" sz="1100" dirty="0">
+                <a:latin typeface="Consolas" panose="020B0609020204030204" pitchFamily="49" charset="0"/>
+              </a:rPr>
+              <a:t>": 512,</a:t>
+            </a:r>
+          </a:p>
+          <a:p>
+            <a:r>
+              <a:rPr lang="en-US" sz="1100" dirty="0">
+                <a:latin typeface="Consolas" panose="020B0609020204030204" pitchFamily="49" charset="0"/>
+              </a:rPr>
+              <a:t>	"</a:t>
+            </a:r>
+            <a:r>
+              <a:rPr lang="en-US" sz="1100" dirty="0" err="1">
+                <a:latin typeface="Consolas" panose="020B0609020204030204" pitchFamily="49" charset="0"/>
+              </a:rPr>
+              <a:t>memoryQuota</a:t>
+            </a:r>
+            <a:r>
+              <a:rPr lang="en-US" sz="1100" dirty="0">
+                <a:latin typeface="Consolas" panose="020B0609020204030204" pitchFamily="49" charset="0"/>
+              </a:rPr>
+              <a:t>": 256,</a:t>
+            </a:r>
+          </a:p>
+          <a:p>
+            <a:r>
+              <a:rPr lang="en-US" sz="1100" dirty="0">
+                <a:latin typeface="Consolas" panose="020B0609020204030204" pitchFamily="49" charset="0"/>
+              </a:rPr>
+              <a:t>	"name": "default",</a:t>
+            </a:r>
+          </a:p>
+          <a:p>
+            <a:r>
+              <a:rPr lang="en-US" sz="1100" dirty="0">
+                <a:latin typeface="Consolas" panose="020B0609020204030204" pitchFamily="49" charset="0"/>
+              </a:rPr>
+              <a:t>	"alerts": [],				// </a:t>
+            </a:r>
+            <a:r>
+              <a:rPr lang="en-US" sz="1100" dirty="0" err="1">
+                <a:latin typeface="Consolas" panose="020B0609020204030204" pitchFamily="49" charset="0"/>
+              </a:rPr>
+              <a:t>etc</a:t>
+            </a:r>
+            <a:r>
+              <a:rPr lang="en-US" sz="1100" dirty="0">
+                <a:latin typeface="Consolas" panose="020B0609020204030204" pitchFamily="49" charset="0"/>
+              </a:rPr>
+              <a:t>…..</a:t>
+            </a:r>
           </a:p>
         </p:txBody>
       </p:sp>
     </p:spTree>
     <p:extLst>
       <p:ext uri="{BB962C8B-B14F-4D97-AF65-F5344CB8AC3E}">
-        <p14:creationId xmlns:p14="http://schemas.microsoft.com/office/powerpoint/2010/main" val="3386954043"/>
+        <p14:creationId xmlns:p14="http://schemas.microsoft.com/office/powerpoint/2010/main" val="1239733629"/>
       </p:ext>
     </p:extLst>
   </p:cSld>
@@ -7759,7 +7650,7 @@
           <a:p>
             <a:r>
               <a:rPr lang="en-US" dirty="0"/>
-              <a:t>SDK: .NET</a:t>
+              <a:t>Exercise 3: Using SDK in “Hello World”</a:t>
             </a:r>
           </a:p>
         </p:txBody>
@@ -7774,8 +7665,8 @@
         </p:nvSpPr>
         <p:spPr>
           <a:xfrm>
-            <a:off x="609600" y="838200"/>
-            <a:ext cx="8007739" cy="1924050"/>
+            <a:off x="198158" y="838200"/>
+            <a:ext cx="8717242" cy="3394472"/>
           </a:xfrm>
           <a:prstGeom prst="rect">
             <a:avLst/>
@@ -7941,41 +7832,11 @@
               <a:buChar char="•"/>
             </a:pPr>
             <a:r>
-              <a:rPr lang="en-US" sz="2000" dirty="0"/>
-              <a:t>How to install </a:t>
-            </a:r>
-          </a:p>
-          <a:p>
-            <a:pPr marL="569913" lvl="1" indent="-342900">
-              <a:buFont typeface="Arial" charset="0"/>
-              <a:buChar char="•"/>
-            </a:pPr>
-            <a:endParaRPr lang="en-US" sz="1800" dirty="0"/>
-          </a:p>
-          <a:p>
-            <a:pPr marL="569913" lvl="1" indent="-342900">
-              <a:buFont typeface="Arial" charset="0"/>
-              <a:buChar char="•"/>
-            </a:pPr>
-            <a:r>
-              <a:rPr lang="en-US" sz="1800" dirty="0" err="1"/>
-              <a:t>NuGet</a:t>
-            </a:r>
-            <a:r>
-              <a:rPr lang="en-US" sz="1800" dirty="0"/>
-              <a:t>: Install-Package </a:t>
-            </a:r>
-            <a:r>
-              <a:rPr lang="en-US" sz="1800" dirty="0" err="1"/>
-              <a:t>CouchbaseNetClient</a:t>
-            </a:r>
-            <a:endParaRPr lang="en-US" sz="1800" dirty="0"/>
-          </a:p>
-          <a:p>
-            <a:pPr marL="569913" lvl="1" indent="-342900">
-              <a:buFont typeface="Arial" charset="0"/>
-              <a:buChar char="•"/>
-            </a:pPr>
+              <a:rPr lang="en-US" sz="1800" dirty="0">
+                <a:hlinkClick r:id="rId2"/>
+              </a:rPr>
+              <a:t>https://github.com/couchbaselabs/workshop/tree/master/connect2016/developer/02</a:t>
+            </a:r>
             <a:endParaRPr lang="en-US" sz="1800" dirty="0"/>
           </a:p>
           <a:p>
@@ -7983,932 +7844,75 @@
               <a:buFont typeface="Arial" charset="0"/>
               <a:buChar char="•"/>
             </a:pPr>
-            <a:r>
-              <a:rPr lang="en-US" sz="2000" dirty="0"/>
-              <a:t>How to connect to a </a:t>
-            </a:r>
-            <a:r>
-              <a:rPr lang="en-US" sz="2000" dirty="0" err="1"/>
-              <a:t>Couchbase</a:t>
-            </a:r>
-            <a:r>
-              <a:rPr lang="en-US" sz="2000" dirty="0"/>
-              <a:t> cluster</a:t>
-            </a:r>
+            <a:endParaRPr lang="en-US" dirty="0"/>
           </a:p>
           <a:p>
             <a:pPr marL="342900" indent="-342900">
               <a:buFont typeface="Arial" charset="0"/>
               <a:buChar char="•"/>
             </a:pPr>
-            <a:endParaRPr lang="en-US" sz="2000" dirty="0"/>
-          </a:p>
-          <a:p>
-            <a:pPr marL="569913" lvl="1" indent="-342900">
-              <a:buFont typeface="Arial" charset="0"/>
-              <a:buChar char="•"/>
-            </a:pPr>
-            <a:endParaRPr lang="en-US" sz="1800" dirty="0"/>
-          </a:p>
-          <a:p>
-            <a:pPr marL="0" indent="0">
-              <a:buNone/>
-            </a:pPr>
-            <a:endParaRPr lang="en-US" sz="1400" dirty="0"/>
-          </a:p>
-          <a:p>
-            <a:pPr marL="569913" lvl="1" indent="-342900">
-              <a:buFont typeface="Arial" charset="0"/>
-              <a:buChar char="•"/>
-            </a:pPr>
-            <a:endParaRPr lang="en-US" sz="1800" dirty="0"/>
+            <a:r>
+              <a:rPr lang="en-US" dirty="0" err="1"/>
+              <a:t>dotnet</a:t>
+            </a:r>
+            <a:endParaRPr lang="en-US" dirty="0"/>
           </a:p>
           <a:p>
             <a:pPr marL="342900" indent="-342900">
               <a:buFont typeface="Arial" charset="0"/>
               <a:buChar char="•"/>
             </a:pPr>
-            <a:endParaRPr lang="en-US" sz="2000" dirty="0"/>
-          </a:p>
-          <a:p>
-            <a:endParaRPr lang="en-US" sz="2000" dirty="0"/>
-          </a:p>
-        </p:txBody>
-      </p:sp>
-      <p:sp>
-        <p:nvSpPr>
-          <p:cNvPr id="5" name="Shape 1658"/>
-          <p:cNvSpPr txBox="1">
-            <a:spLocks/>
-          </p:cNvSpPr>
-          <p:nvPr/>
-        </p:nvSpPr>
-        <p:spPr>
-          <a:xfrm>
-            <a:off x="1546418" y="2409825"/>
-            <a:ext cx="6854631" cy="2409825"/>
-          </a:xfrm>
-          <a:prstGeom prst="rect">
-            <a:avLst/>
-          </a:prstGeom>
-        </p:spPr>
-        <p:txBody>
-          <a:bodyPr lIns="0" tIns="0" rIns="0" bIns="0">
-            <a:noAutofit/>
-          </a:bodyPr>
-          <a:lstStyle>
-            <a:lvl1pPr marL="228600" indent="-228600" algn="l" defTabSz="457200" rtl="0" eaLnBrk="1" latinLnBrk="0" hangingPunct="1">
-              <a:spcBef>
-                <a:spcPts val="0"/>
-              </a:spcBef>
-              <a:buClr>
-                <a:schemeClr val="accent1"/>
-              </a:buClr>
-              <a:buFont typeface="Wingdings" charset="2"/>
-              <a:buChar char="§"/>
-              <a:defRPr sz="2400" kern="1200">
-                <a:solidFill>
-                  <a:schemeClr val="tx1"/>
-                </a:solidFill>
-                <a:latin typeface="+mn-lt"/>
-                <a:ea typeface="+mn-ea"/>
-                <a:cs typeface="+mn-cs"/>
-              </a:defRPr>
-            </a:lvl1pPr>
-            <a:lvl2pPr marL="455613" indent="-227013" algn="l" defTabSz="457200" rtl="0" eaLnBrk="1" latinLnBrk="0" hangingPunct="1">
-              <a:spcBef>
-                <a:spcPts val="0"/>
-              </a:spcBef>
-              <a:buClr>
-                <a:srgbClr val="262626"/>
-              </a:buClr>
-              <a:buFont typeface="Wingdings" charset="2"/>
-              <a:buChar char="§"/>
-              <a:defRPr sz="2000" kern="1200">
-                <a:solidFill>
-                  <a:schemeClr val="tx1"/>
-                </a:solidFill>
-                <a:latin typeface="+mn-lt"/>
-                <a:ea typeface="+mn-ea"/>
-                <a:cs typeface="+mn-cs"/>
-              </a:defRPr>
-            </a:lvl2pPr>
-            <a:lvl3pPr marL="455613" indent="-228600" algn="l" defTabSz="457200" rtl="0" eaLnBrk="1" latinLnBrk="0" hangingPunct="1">
-              <a:spcBef>
-                <a:spcPts val="0"/>
-              </a:spcBef>
-              <a:buClr>
-                <a:srgbClr val="262626"/>
-              </a:buClr>
-              <a:buFont typeface="Wingdings" charset="2"/>
-              <a:buChar char="§"/>
-              <a:defRPr sz="2000" kern="1200">
-                <a:solidFill>
-                  <a:schemeClr val="tx1"/>
-                </a:solidFill>
-                <a:latin typeface="+mn-lt"/>
-                <a:ea typeface="+mn-ea"/>
-                <a:cs typeface="+mn-cs"/>
-              </a:defRPr>
-            </a:lvl3pPr>
-            <a:lvl4pPr marL="455613" indent="-228600" algn="l" defTabSz="457200" rtl="0" eaLnBrk="1" latinLnBrk="0" hangingPunct="1">
-              <a:spcBef>
-                <a:spcPts val="0"/>
-              </a:spcBef>
-              <a:buClr>
-                <a:srgbClr val="262626"/>
-              </a:buClr>
-              <a:buFont typeface="Wingdings" charset="2"/>
-              <a:buChar char="§"/>
-              <a:defRPr sz="2000" kern="1200">
-                <a:solidFill>
-                  <a:schemeClr val="tx1"/>
-                </a:solidFill>
-                <a:latin typeface="+mn-lt"/>
-                <a:ea typeface="+mn-ea"/>
-                <a:cs typeface="+mn-cs"/>
-              </a:defRPr>
-            </a:lvl4pPr>
-            <a:lvl5pPr marL="455613" indent="-228600" algn="l" defTabSz="457200" rtl="0" eaLnBrk="1" latinLnBrk="0" hangingPunct="1">
-              <a:spcBef>
-                <a:spcPts val="200"/>
-              </a:spcBef>
-              <a:buClr>
-                <a:srgbClr val="262626"/>
-              </a:buClr>
-              <a:buFont typeface="Wingdings" charset="2"/>
-              <a:buChar char="§"/>
-              <a:defRPr sz="2000" kern="1200">
-                <a:solidFill>
-                  <a:schemeClr val="tx1"/>
-                </a:solidFill>
-                <a:latin typeface="+mn-lt"/>
-                <a:ea typeface="+mn-ea"/>
-                <a:cs typeface="+mn-cs"/>
-              </a:defRPr>
-            </a:lvl5pPr>
-            <a:lvl6pPr marL="2514600" indent="-228600" algn="l" defTabSz="457200" rtl="0" eaLnBrk="1" latinLnBrk="0" hangingPunct="1">
-              <a:spcBef>
-                <a:spcPct val="20000"/>
-              </a:spcBef>
-              <a:buFont typeface="Arial"/>
+            <a:r>
+              <a:rPr lang="en-US" dirty="0"/>
+              <a:t>java</a:t>
+            </a:r>
+          </a:p>
+          <a:p>
+            <a:pPr marL="342900" indent="-342900">
+              <a:buFont typeface="Arial" charset="0"/>
               <a:buChar char="•"/>
-              <a:defRPr sz="2000" kern="1200">
-                <a:solidFill>
-                  <a:schemeClr val="tx1"/>
-                </a:solidFill>
-                <a:latin typeface="+mn-lt"/>
-                <a:ea typeface="+mn-ea"/>
-                <a:cs typeface="+mn-cs"/>
-              </a:defRPr>
-            </a:lvl6pPr>
-            <a:lvl7pPr marL="2971800" indent="-228600" algn="l" defTabSz="457200" rtl="0" eaLnBrk="1" latinLnBrk="0" hangingPunct="1">
-              <a:spcBef>
-                <a:spcPct val="20000"/>
-              </a:spcBef>
-              <a:buFont typeface="Arial"/>
+            </a:pPr>
+            <a:r>
+              <a:rPr lang="en-US" dirty="0"/>
+              <a:t>node</a:t>
+            </a:r>
+          </a:p>
+          <a:p>
+            <a:pPr marL="342900" indent="-342900">
+              <a:buFont typeface="Arial" charset="0"/>
               <a:buChar char="•"/>
-              <a:defRPr sz="2000" kern="1200">
-                <a:solidFill>
-                  <a:schemeClr val="tx1"/>
-                </a:solidFill>
-                <a:latin typeface="+mn-lt"/>
-                <a:ea typeface="+mn-ea"/>
-                <a:cs typeface="+mn-cs"/>
-              </a:defRPr>
-            </a:lvl7pPr>
-            <a:lvl8pPr marL="3429000" indent="-228600" algn="l" defTabSz="457200" rtl="0" eaLnBrk="1" latinLnBrk="0" hangingPunct="1">
-              <a:spcBef>
-                <a:spcPct val="20000"/>
-              </a:spcBef>
-              <a:buFont typeface="Arial"/>
+            </a:pPr>
+            <a:endParaRPr lang="en-US" dirty="0"/>
+          </a:p>
+          <a:p>
+            <a:pPr marL="342900" indent="-342900">
+              <a:buFont typeface="Arial" charset="0"/>
               <a:buChar char="•"/>
-              <a:defRPr sz="2000" kern="1200">
-                <a:solidFill>
-                  <a:schemeClr val="tx1"/>
-                </a:solidFill>
-                <a:latin typeface="+mn-lt"/>
-                <a:ea typeface="+mn-ea"/>
-                <a:cs typeface="+mn-cs"/>
-              </a:defRPr>
-            </a:lvl8pPr>
-            <a:lvl9pPr marL="3886200" indent="-228600" algn="l" defTabSz="457200" rtl="0" eaLnBrk="1" latinLnBrk="0" hangingPunct="1">
-              <a:spcBef>
-                <a:spcPct val="20000"/>
-              </a:spcBef>
-              <a:buFont typeface="Arial"/>
+            </a:pPr>
+            <a:r>
+              <a:rPr lang="en-US" dirty="0"/>
+              <a:t>Insert document(s)</a:t>
+            </a:r>
+          </a:p>
+          <a:p>
+            <a:pPr marL="342900" indent="-342900">
+              <a:buFont typeface="Arial" charset="0"/>
               <a:buChar char="•"/>
-              <a:defRPr sz="2000" kern="1200">
-                <a:solidFill>
-                  <a:schemeClr val="tx1"/>
-                </a:solidFill>
-                <a:latin typeface="+mn-lt"/>
-                <a:ea typeface="+mn-ea"/>
-                <a:cs typeface="+mn-cs"/>
-              </a:defRPr>
-            </a:lvl9pPr>
-          </a:lstStyle>
-          <a:p>
-            <a:pPr marL="0" indent="0">
-              <a:buNone/>
-              <a:defRPr sz="1800">
-                <a:solidFill>
-                  <a:srgbClr val="000000"/>
-                </a:solidFill>
-              </a:defRPr>
             </a:pPr>
             <a:r>
-              <a:rPr lang="en-US" sz="1100" dirty="0">
-                <a:solidFill>
-                  <a:srgbClr val="1BB2E2"/>
-                </a:solidFill>
-                <a:latin typeface="Courier" charset="0"/>
-                <a:ea typeface="Courier" charset="0"/>
-                <a:cs typeface="Courier" charset="0"/>
-                <a:sym typeface="Consolas"/>
-              </a:rPr>
-              <a:t>//connecting to a </a:t>
-            </a:r>
-            <a:r>
-              <a:rPr lang="en-US" sz="1100" dirty="0" err="1">
-                <a:solidFill>
-                  <a:srgbClr val="1BB2E2"/>
-                </a:solidFill>
-                <a:latin typeface="Courier" charset="0"/>
-                <a:ea typeface="Courier" charset="0"/>
-                <a:cs typeface="Courier" charset="0"/>
-                <a:sym typeface="Consolas"/>
-              </a:rPr>
-              <a:t>Couchbase</a:t>
-            </a:r>
-            <a:r>
-              <a:rPr lang="en-US" sz="1100" dirty="0">
-                <a:solidFill>
-                  <a:srgbClr val="1BB2E2"/>
-                </a:solidFill>
-                <a:latin typeface="Courier" charset="0"/>
-                <a:ea typeface="Courier" charset="0"/>
-                <a:cs typeface="Courier" charset="0"/>
-                <a:sym typeface="Consolas"/>
-              </a:rPr>
-              <a:t> cluster</a:t>
-            </a:r>
-          </a:p>
-          <a:p>
-            <a:pPr marL="0" indent="0">
-              <a:buNone/>
-              <a:defRPr sz="1800">
-                <a:solidFill>
-                  <a:srgbClr val="000000"/>
-                </a:solidFill>
-              </a:defRPr>
-            </a:pPr>
-            <a:r>
-              <a:rPr lang="en-US" sz="1100" dirty="0" err="1">
-                <a:solidFill>
-                  <a:srgbClr val="1E1C1C"/>
-                </a:solidFill>
-                <a:latin typeface="Courier" charset="0"/>
-                <a:ea typeface="Courier" charset="0"/>
-                <a:cs typeface="Courier" charset="0"/>
-                <a:sym typeface="Consolas"/>
-              </a:rPr>
-              <a:t>var</a:t>
-            </a:r>
-            <a:r>
-              <a:rPr lang="en-US" sz="1100" dirty="0">
-                <a:solidFill>
-                  <a:srgbClr val="1E1C1C"/>
-                </a:solidFill>
-                <a:latin typeface="Courier" charset="0"/>
-                <a:ea typeface="Courier" charset="0"/>
-                <a:cs typeface="Courier" charset="0"/>
-                <a:sym typeface="Consolas"/>
-              </a:rPr>
-              <a:t> </a:t>
-            </a:r>
-            <a:r>
-              <a:rPr lang="en-US" sz="1100" dirty="0" err="1">
-                <a:solidFill>
-                  <a:srgbClr val="1E1C1C"/>
-                </a:solidFill>
-                <a:latin typeface="Courier" charset="0"/>
-                <a:ea typeface="Courier" charset="0"/>
-                <a:cs typeface="Courier" charset="0"/>
-                <a:sym typeface="Consolas"/>
-              </a:rPr>
-              <a:t>config</a:t>
-            </a:r>
-            <a:r>
-              <a:rPr lang="en-US" sz="1100" dirty="0">
-                <a:solidFill>
-                  <a:srgbClr val="1E1C1C"/>
-                </a:solidFill>
-                <a:latin typeface="Courier" charset="0"/>
-                <a:ea typeface="Courier" charset="0"/>
-                <a:cs typeface="Courier" charset="0"/>
-                <a:sym typeface="Consolas"/>
-              </a:rPr>
-              <a:t> = new </a:t>
-            </a:r>
-            <a:r>
-              <a:rPr lang="en-US" sz="1100" dirty="0" err="1">
-                <a:solidFill>
-                  <a:srgbClr val="1E1C1C"/>
-                </a:solidFill>
-                <a:latin typeface="Courier" charset="0"/>
-                <a:ea typeface="Courier" charset="0"/>
-                <a:cs typeface="Courier" charset="0"/>
-                <a:sym typeface="Consolas"/>
-              </a:rPr>
-              <a:t>ClientConfiguration</a:t>
-            </a:r>
-            <a:r>
-              <a:rPr lang="en-US" sz="1100" dirty="0">
-                <a:solidFill>
-                  <a:srgbClr val="1E1C1C"/>
-                </a:solidFill>
-                <a:latin typeface="Courier" charset="0"/>
-                <a:ea typeface="Courier" charset="0"/>
-                <a:cs typeface="Courier" charset="0"/>
-                <a:sym typeface="Consolas"/>
-              </a:rPr>
-              <a:t>();</a:t>
-            </a:r>
-          </a:p>
-          <a:p>
-            <a:pPr marL="0" indent="0">
-              <a:buNone/>
-              <a:defRPr sz="1800">
-                <a:solidFill>
-                  <a:srgbClr val="000000"/>
-                </a:solidFill>
-              </a:defRPr>
-            </a:pPr>
-            <a:r>
-              <a:rPr lang="en-US" sz="1100" dirty="0" err="1">
-                <a:solidFill>
-                  <a:srgbClr val="1E1C1C"/>
-                </a:solidFill>
-                <a:latin typeface="Courier" charset="0"/>
-                <a:ea typeface="Courier" charset="0"/>
-                <a:cs typeface="Courier" charset="0"/>
-                <a:sym typeface="Consolas"/>
-              </a:rPr>
-              <a:t>config.Services</a:t>
-            </a:r>
-            <a:r>
-              <a:rPr lang="en-US" sz="1100" dirty="0">
-                <a:solidFill>
-                  <a:srgbClr val="1E1C1C"/>
-                </a:solidFill>
-                <a:latin typeface="Courier" charset="0"/>
-                <a:ea typeface="Courier" charset="0"/>
-                <a:cs typeface="Courier" charset="0"/>
-                <a:sym typeface="Consolas"/>
-              </a:rPr>
-              <a:t> = new List&lt;Uri&gt; { “</a:t>
-            </a:r>
-            <a:r>
-              <a:rPr lang="en-US" sz="1100" dirty="0" err="1">
-                <a:solidFill>
-                  <a:srgbClr val="1E1C1C"/>
-                </a:solidFill>
-                <a:latin typeface="Courier" charset="0"/>
-                <a:ea typeface="Courier" charset="0"/>
-                <a:cs typeface="Courier" charset="0"/>
-                <a:sym typeface="Consolas"/>
-              </a:rPr>
-              <a:t>couchbase</a:t>
-            </a:r>
-            <a:r>
-              <a:rPr lang="en-US" sz="1100" dirty="0">
-                <a:solidFill>
-                  <a:srgbClr val="1E1C1C"/>
-                </a:solidFill>
-                <a:latin typeface="Courier" charset="0"/>
-                <a:ea typeface="Courier" charset="0"/>
-                <a:cs typeface="Courier" charset="0"/>
-                <a:sym typeface="Consolas"/>
-              </a:rPr>
-              <a:t>://localhost” };</a:t>
-            </a:r>
-          </a:p>
-          <a:p>
-            <a:pPr marL="0" indent="0">
-              <a:buNone/>
-              <a:defRPr sz="1800">
-                <a:solidFill>
-                  <a:srgbClr val="000000"/>
-                </a:solidFill>
-              </a:defRPr>
-            </a:pPr>
-            <a:r>
-              <a:rPr lang="en-US" sz="1100" dirty="0" err="1">
-                <a:solidFill>
-                  <a:srgbClr val="1E1C1C"/>
-                </a:solidFill>
-                <a:latin typeface="Courier" charset="0"/>
-                <a:ea typeface="Courier" charset="0"/>
-                <a:cs typeface="Courier" charset="0"/>
-                <a:sym typeface="Consolas"/>
-              </a:rPr>
-              <a:t>ClusterHelper.Initialize</a:t>
-            </a:r>
-            <a:r>
-              <a:rPr lang="en-US" sz="1100" dirty="0">
-                <a:solidFill>
-                  <a:srgbClr val="1E1C1C"/>
-                </a:solidFill>
-                <a:latin typeface="Courier" charset="0"/>
-                <a:ea typeface="Courier" charset="0"/>
-                <a:cs typeface="Courier" charset="0"/>
-                <a:sym typeface="Consolas"/>
-              </a:rPr>
-              <a:t>(</a:t>
-            </a:r>
-            <a:r>
-              <a:rPr lang="en-US" sz="1100" dirty="0" err="1">
-                <a:solidFill>
-                  <a:srgbClr val="1E1C1C"/>
-                </a:solidFill>
-                <a:latin typeface="Courier" charset="0"/>
-                <a:ea typeface="Courier" charset="0"/>
-                <a:cs typeface="Courier" charset="0"/>
-                <a:sym typeface="Consolas"/>
-              </a:rPr>
-              <a:t>config</a:t>
-            </a:r>
-            <a:r>
-              <a:rPr lang="en-US" sz="1100" dirty="0">
-                <a:solidFill>
-                  <a:srgbClr val="1E1C1C"/>
-                </a:solidFill>
-                <a:latin typeface="Courier" charset="0"/>
-                <a:ea typeface="Courier" charset="0"/>
-                <a:cs typeface="Courier" charset="0"/>
-                <a:sym typeface="Consolas"/>
-              </a:rPr>
-              <a:t>);</a:t>
-            </a:r>
-          </a:p>
-          <a:p>
-            <a:pPr marL="0" indent="0">
-              <a:buNone/>
-              <a:defRPr sz="1800">
-                <a:solidFill>
-                  <a:srgbClr val="000000"/>
-                </a:solidFill>
-              </a:defRPr>
-            </a:pPr>
-            <a:endParaRPr lang="en-US" sz="1100" dirty="0">
-              <a:solidFill>
-                <a:srgbClr val="1E1C1C"/>
-              </a:solidFill>
-              <a:latin typeface="Courier" charset="0"/>
-              <a:ea typeface="Courier" charset="0"/>
-              <a:cs typeface="Courier" charset="0"/>
-              <a:sym typeface="Consolas"/>
-            </a:endParaRPr>
-          </a:p>
-          <a:p>
-            <a:pPr marL="0" indent="0">
-              <a:buNone/>
-              <a:defRPr sz="1800">
-                <a:solidFill>
-                  <a:srgbClr val="000000"/>
-                </a:solidFill>
-              </a:defRPr>
-            </a:pPr>
-            <a:r>
-              <a:rPr lang="en-US" sz="1100" dirty="0">
-                <a:solidFill>
-                  <a:srgbClr val="1BB2E2"/>
-                </a:solidFill>
-                <a:latin typeface="Courier" charset="0"/>
-                <a:ea typeface="Courier" charset="0"/>
-                <a:cs typeface="Courier" charset="0"/>
-                <a:sym typeface="Consolas"/>
-              </a:rPr>
-              <a:t>//opening a bucket in the cluster</a:t>
-            </a:r>
-          </a:p>
-          <a:p>
-            <a:pPr marL="0" indent="0">
-              <a:buNone/>
-              <a:defRPr sz="1800">
-                <a:solidFill>
-                  <a:srgbClr val="000000"/>
-                </a:solidFill>
-              </a:defRPr>
-            </a:pPr>
-            <a:r>
-              <a:rPr lang="en-US" sz="1100" dirty="0">
-                <a:solidFill>
-                  <a:srgbClr val="1E1C1C"/>
-                </a:solidFill>
-                <a:latin typeface="Courier" charset="0"/>
-                <a:ea typeface="Courier" charset="0"/>
-                <a:cs typeface="Courier" charset="0"/>
-                <a:sym typeface="Consolas"/>
-              </a:rPr>
-              <a:t>_bucket = </a:t>
-            </a:r>
-            <a:r>
-              <a:rPr lang="en-US" sz="1100" dirty="0" err="1">
-                <a:solidFill>
-                  <a:srgbClr val="1E1C1C"/>
-                </a:solidFill>
-                <a:latin typeface="Courier" charset="0"/>
-                <a:ea typeface="Courier" charset="0"/>
-                <a:cs typeface="Courier" charset="0"/>
-                <a:sym typeface="Consolas"/>
-              </a:rPr>
-              <a:t>ClusterHelper.GetBucket</a:t>
-            </a:r>
-            <a:r>
-              <a:rPr lang="en-US" sz="1100" dirty="0">
-                <a:solidFill>
-                  <a:srgbClr val="1E1C1C"/>
-                </a:solidFill>
-                <a:latin typeface="Courier" charset="0"/>
-                <a:ea typeface="Courier" charset="0"/>
-                <a:cs typeface="Courier" charset="0"/>
-                <a:sym typeface="Consolas"/>
-              </a:rPr>
-              <a:t>(</a:t>
-            </a:r>
-            <a:r>
-              <a:rPr lang="en-US" sz="1100" dirty="0">
-                <a:solidFill>
-                  <a:srgbClr val="E40121"/>
-                </a:solidFill>
-                <a:latin typeface="Courier" charset="0"/>
-                <a:ea typeface="Courier" charset="0"/>
-                <a:cs typeface="Courier" charset="0"/>
-                <a:sym typeface="Consolas"/>
-              </a:rPr>
-              <a:t>"travel-sample"</a:t>
-            </a:r>
-            <a:r>
-              <a:rPr lang="en-US" sz="1100" dirty="0">
-                <a:solidFill>
-                  <a:srgbClr val="1E1C1C"/>
-                </a:solidFill>
-                <a:latin typeface="Courier" charset="0"/>
-                <a:ea typeface="Courier" charset="0"/>
-                <a:cs typeface="Courier" charset="0"/>
-                <a:sym typeface="Consolas"/>
-              </a:rPr>
-              <a:t>, </a:t>
-            </a:r>
-            <a:r>
-              <a:rPr lang="en-US" sz="1100" dirty="0">
-                <a:solidFill>
-                  <a:srgbClr val="E40121"/>
-                </a:solidFill>
-                <a:latin typeface="Courier" charset="0"/>
-                <a:ea typeface="Courier" charset="0"/>
-                <a:cs typeface="Courier" charset="0"/>
-                <a:sym typeface="Consolas"/>
-              </a:rPr>
-              <a:t>“password"</a:t>
-            </a:r>
-            <a:r>
-              <a:rPr lang="en-US" sz="1100" dirty="0">
-                <a:solidFill>
-                  <a:srgbClr val="1E1C1C"/>
-                </a:solidFill>
-                <a:latin typeface="Courier" charset="0"/>
-                <a:ea typeface="Courier" charset="0"/>
-                <a:cs typeface="Courier" charset="0"/>
-                <a:sym typeface="Consolas"/>
-              </a:rPr>
-              <a:t>);</a:t>
-            </a:r>
-          </a:p>
-          <a:p>
-            <a:pPr marL="0" indent="0">
-              <a:buNone/>
-              <a:defRPr sz="1800">
-                <a:solidFill>
-                  <a:srgbClr val="000000"/>
-                </a:solidFill>
-              </a:defRPr>
-            </a:pPr>
-            <a:endParaRPr lang="en-US" sz="1100" dirty="0">
-              <a:solidFill>
-                <a:srgbClr val="1E1C1C"/>
-              </a:solidFill>
-              <a:latin typeface="Courier" charset="0"/>
-              <a:ea typeface="Courier" charset="0"/>
-              <a:cs typeface="Courier" charset="0"/>
-              <a:sym typeface="Consolas"/>
-            </a:endParaRPr>
-          </a:p>
-          <a:p>
-            <a:pPr marL="0" indent="0">
-              <a:buNone/>
-              <a:defRPr sz="1800">
-                <a:solidFill>
-                  <a:srgbClr val="000000"/>
-                </a:solidFill>
-              </a:defRPr>
-            </a:pPr>
-            <a:r>
-              <a:rPr lang="en-US" sz="1100" dirty="0">
-                <a:solidFill>
-                  <a:srgbClr val="1BB2E2"/>
-                </a:solidFill>
-                <a:latin typeface="Courier" charset="0"/>
-                <a:ea typeface="Courier" charset="0"/>
-                <a:cs typeface="Courier" charset="0"/>
-                <a:sym typeface="Consolas"/>
-              </a:rPr>
-              <a:t>//preparing N1ql</a:t>
-            </a:r>
-          </a:p>
-          <a:p>
-            <a:pPr marL="0" indent="0">
-              <a:buNone/>
-              <a:defRPr sz="1800">
-                <a:solidFill>
-                  <a:srgbClr val="000000"/>
-                </a:solidFill>
-              </a:defRPr>
-            </a:pPr>
-            <a:r>
-              <a:rPr lang="en-US" sz="1100" dirty="0" err="1">
-                <a:solidFill>
-                  <a:srgbClr val="2E2E2C"/>
-                </a:solidFill>
-                <a:latin typeface="Courier" charset="0"/>
-                <a:ea typeface="Courier" charset="0"/>
-                <a:cs typeface="Courier" charset="0"/>
-                <a:sym typeface="Consolas"/>
-              </a:rPr>
-              <a:t>var</a:t>
-            </a:r>
-            <a:r>
-              <a:rPr lang="en-US" sz="1100" dirty="0">
-                <a:solidFill>
-                  <a:srgbClr val="2E2E2C"/>
-                </a:solidFill>
-                <a:latin typeface="Courier" charset="0"/>
-                <a:ea typeface="Courier" charset="0"/>
-                <a:cs typeface="Courier" charset="0"/>
-                <a:sym typeface="Consolas"/>
-              </a:rPr>
-              <a:t> </a:t>
-            </a:r>
-            <a:r>
-              <a:rPr lang="en-US" sz="1100" dirty="0" err="1">
-                <a:solidFill>
-                  <a:srgbClr val="2E2E2C"/>
-                </a:solidFill>
-                <a:latin typeface="Courier" charset="0"/>
-                <a:ea typeface="Courier" charset="0"/>
-                <a:cs typeface="Courier" charset="0"/>
-                <a:sym typeface="Consolas"/>
-              </a:rPr>
-              <a:t>myQuery</a:t>
-            </a:r>
-            <a:r>
-              <a:rPr lang="en-US" sz="1100" dirty="0">
-                <a:solidFill>
-                  <a:srgbClr val="2E2E2C"/>
-                </a:solidFill>
-                <a:latin typeface="Courier" charset="0"/>
-                <a:ea typeface="Courier" charset="0"/>
-                <a:cs typeface="Courier" charset="0"/>
-                <a:sym typeface="Consolas"/>
-              </a:rPr>
-              <a:t> = </a:t>
-            </a:r>
-            <a:r>
-              <a:rPr lang="en-US" sz="1100" dirty="0" err="1">
-                <a:solidFill>
-                  <a:srgbClr val="2E2E2C"/>
-                </a:solidFill>
-                <a:latin typeface="Courier" charset="0"/>
-                <a:ea typeface="Courier" charset="0"/>
-                <a:cs typeface="Courier" charset="0"/>
-                <a:sym typeface="Consolas"/>
-              </a:rPr>
-              <a:t>QueryRequest.Create</a:t>
-            </a:r>
-            <a:r>
-              <a:rPr lang="en-US" sz="1100" dirty="0">
-                <a:solidFill>
-                  <a:srgbClr val="2E2E2C"/>
-                </a:solidFill>
-                <a:latin typeface="Courier" charset="0"/>
-                <a:ea typeface="Courier" charset="0"/>
-                <a:cs typeface="Courier" charset="0"/>
-                <a:sym typeface="Consolas"/>
-              </a:rPr>
-              <a:t>(</a:t>
-            </a:r>
-            <a:r>
-              <a:rPr lang="en-US" sz="1100" dirty="0">
-                <a:solidFill>
-                  <a:srgbClr val="E40121"/>
-                </a:solidFill>
-                <a:latin typeface="Courier" charset="0"/>
-                <a:ea typeface="Courier" charset="0"/>
-                <a:cs typeface="Courier" charset="0"/>
-                <a:sym typeface="Consolas"/>
-              </a:rPr>
-              <a:t>“SELECT * FROM `travel-sample`“</a:t>
-            </a:r>
-            <a:r>
-              <a:rPr lang="en-US" sz="1100" dirty="0">
-                <a:solidFill>
-                  <a:srgbClr val="2E2E2C"/>
-                </a:solidFill>
-                <a:latin typeface="Courier" charset="0"/>
-                <a:ea typeface="Courier" charset="0"/>
-                <a:cs typeface="Courier" charset="0"/>
-                <a:sym typeface="Consolas"/>
-              </a:rPr>
-              <a:t>);</a:t>
-            </a:r>
-          </a:p>
-          <a:p>
-            <a:pPr marL="0" indent="0">
-              <a:buNone/>
-              <a:defRPr sz="1800">
-                <a:solidFill>
-                  <a:srgbClr val="000000"/>
-                </a:solidFill>
-              </a:defRPr>
-            </a:pPr>
-            <a:endParaRPr lang="en-US" sz="1100" dirty="0">
-              <a:solidFill>
-                <a:srgbClr val="1E1C1C"/>
-              </a:solidFill>
-              <a:latin typeface="Courier" charset="0"/>
-              <a:ea typeface="Courier" charset="0"/>
-              <a:cs typeface="Courier" charset="0"/>
-              <a:sym typeface="Consolas"/>
-            </a:endParaRPr>
-          </a:p>
-          <a:p>
-            <a:pPr marL="0" indent="0">
-              <a:buNone/>
-              <a:defRPr sz="1800">
-                <a:solidFill>
-                  <a:srgbClr val="000000"/>
-                </a:solidFill>
-              </a:defRPr>
-            </a:pPr>
-            <a:r>
-              <a:rPr lang="en-US" sz="1100" dirty="0">
-                <a:solidFill>
-                  <a:srgbClr val="1BB2E2"/>
-                </a:solidFill>
-                <a:latin typeface="Courier" charset="0"/>
-                <a:ea typeface="Courier" charset="0"/>
-                <a:cs typeface="Courier" charset="0"/>
-                <a:sym typeface="Consolas"/>
-              </a:rPr>
-              <a:t>//creating and saving a Document</a:t>
-            </a:r>
-          </a:p>
-          <a:p>
-            <a:pPr marL="0" indent="0">
-              <a:buNone/>
-              <a:defRPr sz="1800">
-                <a:solidFill>
-                  <a:srgbClr val="000000"/>
-                </a:solidFill>
-              </a:defRPr>
-            </a:pPr>
-            <a:r>
-              <a:rPr lang="en-US" sz="1100" dirty="0" err="1">
-                <a:solidFill>
-                  <a:srgbClr val="2E2E2C"/>
-                </a:solidFill>
-                <a:latin typeface="Courier" charset="0"/>
-                <a:ea typeface="Courier" charset="0"/>
-                <a:cs typeface="Courier" charset="0"/>
-                <a:sym typeface="Consolas"/>
-              </a:rPr>
-              <a:t>var</a:t>
-            </a:r>
-            <a:r>
-              <a:rPr lang="en-US" sz="1100" dirty="0">
-                <a:solidFill>
-                  <a:srgbClr val="2E2E2C"/>
-                </a:solidFill>
-                <a:latin typeface="Courier" charset="0"/>
-                <a:ea typeface="Courier" charset="0"/>
-                <a:cs typeface="Courier" charset="0"/>
-                <a:sym typeface="Consolas"/>
-              </a:rPr>
-              <a:t> document = new Document&lt;</a:t>
-            </a:r>
-            <a:r>
-              <a:rPr lang="en-US" sz="1100" dirty="0" err="1">
-                <a:solidFill>
-                  <a:srgbClr val="2E2E2C"/>
-                </a:solidFill>
-                <a:latin typeface="Courier" charset="0"/>
-                <a:ea typeface="Courier" charset="0"/>
-                <a:cs typeface="Courier" charset="0"/>
-                <a:sym typeface="Consolas"/>
-              </a:rPr>
-              <a:t>MyType</a:t>
-            </a:r>
-            <a:r>
-              <a:rPr lang="en-US" sz="1100" dirty="0">
-                <a:solidFill>
-                  <a:srgbClr val="2E2E2C"/>
-                </a:solidFill>
-                <a:latin typeface="Courier" charset="0"/>
-                <a:ea typeface="Courier" charset="0"/>
-                <a:cs typeface="Courier" charset="0"/>
-                <a:sym typeface="Consolas"/>
-              </a:rPr>
-              <a:t>&gt; { Id = “123”, Content = new </a:t>
-            </a:r>
-            <a:r>
-              <a:rPr lang="en-US" sz="1100" dirty="0" err="1">
-                <a:solidFill>
-                  <a:srgbClr val="2E2E2C"/>
-                </a:solidFill>
-                <a:latin typeface="Courier" charset="0"/>
-                <a:ea typeface="Courier" charset="0"/>
-                <a:cs typeface="Courier" charset="0"/>
-                <a:sym typeface="Consolas"/>
-              </a:rPr>
-              <a:t>MyType</a:t>
-            </a:r>
-            <a:r>
-              <a:rPr lang="en-US" sz="1100" dirty="0">
-                <a:solidFill>
-                  <a:srgbClr val="2E2E2C"/>
-                </a:solidFill>
-                <a:latin typeface="Courier" charset="0"/>
-                <a:ea typeface="Courier" charset="0"/>
-                <a:cs typeface="Courier" charset="0"/>
-                <a:sym typeface="Consolas"/>
-              </a:rPr>
-              <a:t>() };</a:t>
-            </a:r>
-          </a:p>
-          <a:p>
-            <a:pPr marL="0" indent="0">
-              <a:buNone/>
-              <a:defRPr sz="1800">
-                <a:solidFill>
-                  <a:srgbClr val="000000"/>
-                </a:solidFill>
-              </a:defRPr>
-            </a:pPr>
-            <a:r>
-              <a:rPr lang="en-US" sz="1100" dirty="0">
-                <a:solidFill>
-                  <a:srgbClr val="2E2E2C"/>
-                </a:solidFill>
-                <a:latin typeface="Courier" charset="0"/>
-                <a:ea typeface="Courier" charset="0"/>
-                <a:cs typeface="Courier" charset="0"/>
-                <a:sym typeface="Consolas"/>
-              </a:rPr>
-              <a:t>_</a:t>
-            </a:r>
-            <a:r>
-              <a:rPr lang="en-US" sz="1100" dirty="0" err="1">
-                <a:solidFill>
-                  <a:srgbClr val="2E2E2C"/>
-                </a:solidFill>
-                <a:latin typeface="Courier" charset="0"/>
-                <a:ea typeface="Courier" charset="0"/>
-                <a:cs typeface="Courier" charset="0"/>
-                <a:sym typeface="Consolas"/>
-              </a:rPr>
-              <a:t>bucket.Insert</a:t>
-            </a:r>
-            <a:r>
-              <a:rPr lang="en-US" sz="1100" dirty="0">
-                <a:solidFill>
-                  <a:srgbClr val="2E2E2C"/>
-                </a:solidFill>
-                <a:latin typeface="Courier" charset="0"/>
-                <a:ea typeface="Courier" charset="0"/>
-                <a:cs typeface="Courier" charset="0"/>
-                <a:sym typeface="Consolas"/>
-              </a:rPr>
-              <a:t>(document);</a:t>
-            </a:r>
+              <a:rPr lang="en-US" dirty="0"/>
+              <a:t>Select documents with N1QL</a:t>
+            </a:r>
+          </a:p>
+          <a:p>
+            <a:endParaRPr lang="en-US" dirty="0"/>
           </a:p>
         </p:txBody>
       </p:sp>
     </p:spTree>
     <p:extLst>
       <p:ext uri="{BB962C8B-B14F-4D97-AF65-F5344CB8AC3E}">
-        <p14:creationId xmlns:p14="http://schemas.microsoft.com/office/powerpoint/2010/main" val="731843618"/>
+        <p14:creationId xmlns:p14="http://schemas.microsoft.com/office/powerpoint/2010/main" val="3386954043"/>
       </p:ext>
     </p:extLst>
   </p:cSld>
@@ -8952,7 +7956,7 @@
           <a:p>
             <a:r>
               <a:rPr lang="en-US" dirty="0"/>
-              <a:t>SDK: Node</a:t>
+              <a:t>SDK: .NET</a:t>
             </a:r>
           </a:p>
         </p:txBody>
@@ -8967,8 +7971,8 @@
         </p:nvSpPr>
         <p:spPr>
           <a:xfrm>
-            <a:off x="609600" y="676275"/>
-            <a:ext cx="8007739" cy="2009775"/>
+            <a:off x="609600" y="838200"/>
+            <a:ext cx="8007739" cy="1924050"/>
           </a:xfrm>
           <a:prstGeom prst="rect">
             <a:avLst/>
@@ -9134,83 +8138,103 @@
               <a:buChar char="•"/>
             </a:pPr>
             <a:r>
-              <a:rPr lang="en-US" dirty="0"/>
-              <a:t>How to install</a:t>
-            </a:r>
+              <a:rPr lang="en-US" sz="2000" dirty="0"/>
+              <a:t>How to install </a:t>
+            </a:r>
+          </a:p>
+          <a:p>
+            <a:pPr marL="569913" lvl="1" indent="-342900">
+              <a:buFont typeface="Arial" charset="0"/>
+              <a:buChar char="•"/>
+            </a:pPr>
+            <a:endParaRPr lang="en-US" sz="1800" dirty="0"/>
+          </a:p>
+          <a:p>
+            <a:pPr marL="569913" lvl="1" indent="-342900">
+              <a:buFont typeface="Arial" charset="0"/>
+              <a:buChar char="•"/>
+            </a:pPr>
+            <a:r>
+              <a:rPr lang="en-US" sz="1800" dirty="0" err="1"/>
+              <a:t>NuGet</a:t>
+            </a:r>
+            <a:r>
+              <a:rPr lang="en-US" sz="1800" dirty="0"/>
+              <a:t>: Install-Package </a:t>
+            </a:r>
+            <a:r>
+              <a:rPr lang="en-US" sz="1800" dirty="0" err="1"/>
+              <a:t>CouchbaseNetClient</a:t>
+            </a:r>
+            <a:endParaRPr lang="en-US" sz="1800" dirty="0"/>
+          </a:p>
+          <a:p>
+            <a:pPr marL="569913" lvl="1" indent="-342900">
+              <a:buFont typeface="Arial" charset="0"/>
+              <a:buChar char="•"/>
+            </a:pPr>
+            <a:endParaRPr lang="en-US" sz="1800" dirty="0"/>
           </a:p>
           <a:p>
             <a:pPr marL="342900" indent="-342900">
               <a:buFont typeface="Arial" charset="0"/>
               <a:buChar char="•"/>
             </a:pPr>
-            <a:endParaRPr lang="en-US" dirty="0"/>
+            <a:r>
+              <a:rPr lang="en-US" sz="2000" dirty="0"/>
+              <a:t>How to connect to a </a:t>
+            </a:r>
+            <a:r>
+              <a:rPr lang="en-US" sz="2000" dirty="0" err="1"/>
+              <a:t>Couchbase</a:t>
+            </a:r>
+            <a:r>
+              <a:rPr lang="en-US" sz="2000" dirty="0"/>
+              <a:t> cluster</a:t>
+            </a:r>
+          </a:p>
+          <a:p>
+            <a:pPr marL="342900" indent="-342900">
+              <a:buFont typeface="Arial" charset="0"/>
+              <a:buChar char="•"/>
+            </a:pPr>
+            <a:endParaRPr lang="en-US" sz="2000" dirty="0"/>
           </a:p>
           <a:p>
             <a:pPr marL="569913" lvl="1" indent="-342900">
               <a:buFont typeface="Arial" charset="0"/>
               <a:buChar char="•"/>
             </a:pPr>
-            <a:r>
-              <a:rPr lang="en-US" dirty="0" err="1"/>
-              <a:t>npm</a:t>
-            </a:r>
-            <a:r>
-              <a:rPr lang="en-US" dirty="0"/>
-              <a:t> install </a:t>
-            </a:r>
-            <a:r>
-              <a:rPr lang="en-US" dirty="0" err="1"/>
-              <a:t>couchbase</a:t>
-            </a:r>
-            <a:endParaRPr lang="en-US" dirty="0"/>
+            <a:endParaRPr lang="en-US" sz="1800" dirty="0"/>
+          </a:p>
+          <a:p>
+            <a:pPr marL="0" indent="0">
+              <a:buNone/>
+            </a:pPr>
+            <a:endParaRPr lang="en-US" sz="1400" dirty="0"/>
           </a:p>
           <a:p>
             <a:pPr marL="569913" lvl="1" indent="-342900">
               <a:buFont typeface="Arial" charset="0"/>
               <a:buChar char="•"/>
             </a:pPr>
-            <a:endParaRPr lang="en-US" dirty="0"/>
+            <a:endParaRPr lang="en-US" sz="1800" dirty="0"/>
           </a:p>
           <a:p>
             <a:pPr marL="342900" indent="-342900">
               <a:buFont typeface="Arial" charset="0"/>
               <a:buChar char="•"/>
             </a:pPr>
-            <a:r>
-              <a:rPr lang="en-US" dirty="0"/>
-              <a:t>How to connect to a </a:t>
-            </a:r>
-            <a:r>
-              <a:rPr lang="en-US" dirty="0" err="1"/>
-              <a:t>Couchbase</a:t>
-            </a:r>
-            <a:r>
-              <a:rPr lang="en-US" dirty="0"/>
-              <a:t> cluster</a:t>
-            </a:r>
-          </a:p>
-          <a:p>
-            <a:pPr marL="342900" indent="-342900">
-              <a:buFont typeface="Arial" charset="0"/>
-              <a:buChar char="•"/>
-            </a:pPr>
-            <a:endParaRPr lang="en-US" dirty="0"/>
-          </a:p>
-          <a:p>
-            <a:pPr marL="342900" indent="-342900">
-              <a:buFont typeface="Arial" charset="0"/>
-              <a:buChar char="•"/>
-            </a:pPr>
-            <a:endParaRPr lang="en-US" dirty="0"/>
-          </a:p>
-          <a:p>
-            <a:endParaRPr lang="en-US" dirty="0"/>
+            <a:endParaRPr lang="en-US" sz="2000" dirty="0"/>
+          </a:p>
+          <a:p>
+            <a:endParaRPr lang="en-US" sz="2000" dirty="0"/>
           </a:p>
         </p:txBody>
       </p:sp>
       <p:sp>
         <p:nvSpPr>
-          <p:cNvPr id="4" name="Shape 1658"/>
+          <p:cNvPr id="5" name="Shape 1658"/>
           <p:cNvSpPr txBox="1">
             <a:spLocks/>
           </p:cNvSpPr>
@@ -9218,8 +8242,8 @@
         </p:nvSpPr>
         <p:spPr>
           <a:xfrm>
-            <a:off x="1288661" y="2419349"/>
-            <a:ext cx="6236089" cy="2420551"/>
+            <a:off x="1546418" y="2409825"/>
+            <a:ext cx="6854631" cy="2409825"/>
           </a:xfrm>
           <a:prstGeom prst="rect">
             <a:avLst/>
@@ -9400,42 +8424,42 @@
                 <a:cs typeface="Courier" charset="0"/>
                 <a:sym typeface="Consolas"/>
               </a:rPr>
-              <a:t>//including the Node.js dependency</a:t>
-            </a:r>
-          </a:p>
-          <a:p>
-            <a:pPr marL="0" indent="0">
-              <a:buNone/>
-              <a:defRPr sz="1800">
-                <a:solidFill>
-                  <a:srgbClr val="000000"/>
-                </a:solidFill>
-              </a:defRPr>
-            </a:pPr>
+              <a:t>//connecting to a </a:t>
+            </a:r>
             <a:r>
               <a:rPr lang="en-US" sz="1100" dirty="0" err="1">
                 <a:solidFill>
-                  <a:srgbClr val="1E1C1C"/>
+                  <a:srgbClr val="1BB2E2"/>
                 </a:solidFill>
                 <a:latin typeface="Courier" charset="0"/>
                 <a:ea typeface="Courier" charset="0"/>
                 <a:cs typeface="Courier" charset="0"/>
                 <a:sym typeface="Consolas"/>
               </a:rPr>
-              <a:t>var</a:t>
+              <a:t>Couchbase</a:t>
             </a:r>
             <a:r>
               <a:rPr lang="en-US" sz="1100" dirty="0">
                 <a:solidFill>
-                  <a:srgbClr val="1E1C1C"/>
+                  <a:srgbClr val="1BB2E2"/>
                 </a:solidFill>
                 <a:latin typeface="Courier" charset="0"/>
                 <a:ea typeface="Courier" charset="0"/>
                 <a:cs typeface="Courier" charset="0"/>
                 <a:sym typeface="Consolas"/>
               </a:rPr>
-              <a:t> </a:t>
-            </a:r>
+              <a:t> cluster</a:t>
+            </a:r>
+          </a:p>
+          <a:p>
+            <a:pPr marL="0" indent="0">
+              <a:buNone/>
+              <a:defRPr sz="1800">
+                <a:solidFill>
+                  <a:srgbClr val="000000"/>
+                </a:solidFill>
+              </a:defRPr>
+            </a:pPr>
             <a:r>
               <a:rPr lang="en-US" sz="1100" dirty="0" err="1">
                 <a:solidFill>
@@ -9446,7 +8470,7 @@
                 <a:cs typeface="Courier" charset="0"/>
                 <a:sym typeface="Consolas"/>
               </a:rPr>
-              <a:t>Couchbase</a:t>
+              <a:t>var</a:t>
             </a:r>
             <a:r>
               <a:rPr lang="en-US" sz="1100" dirty="0">
@@ -9458,43 +8482,159 @@
                 <a:cs typeface="Courier" charset="0"/>
                 <a:sym typeface="Consolas"/>
               </a:rPr>
-              <a:t> = require(</a:t>
-            </a:r>
-            <a:r>
-              <a:rPr lang="en-US" sz="1100" dirty="0">
-                <a:solidFill>
-                  <a:srgbClr val="E40121"/>
+              <a:t> </a:t>
+            </a:r>
+            <a:r>
+              <a:rPr lang="en-US" sz="1100" dirty="0" err="1">
+                <a:solidFill>
+                  <a:srgbClr val="1E1C1C"/>
                 </a:solidFill>
                 <a:latin typeface="Courier" charset="0"/>
                 <a:ea typeface="Courier" charset="0"/>
                 <a:cs typeface="Courier" charset="0"/>
                 <a:sym typeface="Consolas"/>
               </a:rPr>
-              <a:t>”</a:t>
-            </a:r>
-            <a:r>
-              <a:rPr lang="en-US" sz="1100" dirty="0" err="1">
-                <a:solidFill>
-                  <a:srgbClr val="E40121"/>
+              <a:t>config</a:t>
+            </a:r>
+            <a:r>
+              <a:rPr lang="en-US" sz="1100" dirty="0">
+                <a:solidFill>
+                  <a:srgbClr val="1E1C1C"/>
                 </a:solidFill>
                 <a:latin typeface="Courier" charset="0"/>
                 <a:ea typeface="Courier" charset="0"/>
                 <a:cs typeface="Courier" charset="0"/>
                 <a:sym typeface="Consolas"/>
               </a:rPr>
-              <a:t>couchbase</a:t>
-            </a:r>
-            <a:r>
-              <a:rPr lang="en-US" sz="1100" dirty="0">
-                <a:solidFill>
-                  <a:srgbClr val="E40121"/>
+              <a:t> = new </a:t>
+            </a:r>
+            <a:r>
+              <a:rPr lang="en-US" sz="1100" dirty="0" err="1">
+                <a:solidFill>
+                  <a:srgbClr val="1E1C1C"/>
                 </a:solidFill>
                 <a:latin typeface="Courier" charset="0"/>
                 <a:ea typeface="Courier" charset="0"/>
                 <a:cs typeface="Courier" charset="0"/>
                 <a:sym typeface="Consolas"/>
               </a:rPr>
-              <a:t>"</a:t>
+              <a:t>ClientConfiguration</a:t>
+            </a:r>
+            <a:r>
+              <a:rPr lang="en-US" sz="1100" dirty="0">
+                <a:solidFill>
+                  <a:srgbClr val="1E1C1C"/>
+                </a:solidFill>
+                <a:latin typeface="Courier" charset="0"/>
+                <a:ea typeface="Courier" charset="0"/>
+                <a:cs typeface="Courier" charset="0"/>
+                <a:sym typeface="Consolas"/>
+              </a:rPr>
+              <a:t>();</a:t>
+            </a:r>
+          </a:p>
+          <a:p>
+            <a:pPr marL="0" indent="0">
+              <a:buNone/>
+              <a:defRPr sz="1800">
+                <a:solidFill>
+                  <a:srgbClr val="000000"/>
+                </a:solidFill>
+              </a:defRPr>
+            </a:pPr>
+            <a:r>
+              <a:rPr lang="en-US" sz="1100" dirty="0" err="1">
+                <a:solidFill>
+                  <a:srgbClr val="1E1C1C"/>
+                </a:solidFill>
+                <a:latin typeface="Courier" charset="0"/>
+                <a:ea typeface="Courier" charset="0"/>
+                <a:cs typeface="Courier" charset="0"/>
+                <a:sym typeface="Consolas"/>
+              </a:rPr>
+              <a:t>config.Services</a:t>
+            </a:r>
+            <a:r>
+              <a:rPr lang="en-US" sz="1100" dirty="0">
+                <a:solidFill>
+                  <a:srgbClr val="1E1C1C"/>
+                </a:solidFill>
+                <a:latin typeface="Courier" charset="0"/>
+                <a:ea typeface="Courier" charset="0"/>
+                <a:cs typeface="Courier" charset="0"/>
+                <a:sym typeface="Consolas"/>
+              </a:rPr>
+              <a:t> = new List&lt;Uri&gt; { “</a:t>
+            </a:r>
+            <a:r>
+              <a:rPr lang="en-US" sz="1100" dirty="0" err="1">
+                <a:solidFill>
+                  <a:srgbClr val="1E1C1C"/>
+                </a:solidFill>
+                <a:latin typeface="Courier" charset="0"/>
+                <a:ea typeface="Courier" charset="0"/>
+                <a:cs typeface="Courier" charset="0"/>
+                <a:sym typeface="Consolas"/>
+              </a:rPr>
+              <a:t>couchbase</a:t>
+            </a:r>
+            <a:r>
+              <a:rPr lang="en-US" sz="1100" dirty="0">
+                <a:solidFill>
+                  <a:srgbClr val="1E1C1C"/>
+                </a:solidFill>
+                <a:latin typeface="Courier" charset="0"/>
+                <a:ea typeface="Courier" charset="0"/>
+                <a:cs typeface="Courier" charset="0"/>
+                <a:sym typeface="Consolas"/>
+              </a:rPr>
+              <a:t>://localhost” };</a:t>
+            </a:r>
+          </a:p>
+          <a:p>
+            <a:pPr marL="0" indent="0">
+              <a:buNone/>
+              <a:defRPr sz="1800">
+                <a:solidFill>
+                  <a:srgbClr val="000000"/>
+                </a:solidFill>
+              </a:defRPr>
+            </a:pPr>
+            <a:r>
+              <a:rPr lang="en-US" sz="1100" dirty="0" err="1">
+                <a:solidFill>
+                  <a:srgbClr val="1E1C1C"/>
+                </a:solidFill>
+                <a:latin typeface="Courier" charset="0"/>
+                <a:ea typeface="Courier" charset="0"/>
+                <a:cs typeface="Courier" charset="0"/>
+                <a:sym typeface="Consolas"/>
+              </a:rPr>
+              <a:t>ClusterHelper.Initialize</a:t>
+            </a:r>
+            <a:r>
+              <a:rPr lang="en-US" sz="1100" dirty="0">
+                <a:solidFill>
+                  <a:srgbClr val="1E1C1C"/>
+                </a:solidFill>
+                <a:latin typeface="Courier" charset="0"/>
+                <a:ea typeface="Courier" charset="0"/>
+                <a:cs typeface="Courier" charset="0"/>
+                <a:sym typeface="Consolas"/>
+              </a:rPr>
+              <a:t>(</a:t>
+            </a:r>
+            <a:r>
+              <a:rPr lang="en-US" sz="1100" dirty="0" err="1">
+                <a:solidFill>
+                  <a:srgbClr val="1E1C1C"/>
+                </a:solidFill>
+                <a:latin typeface="Courier" charset="0"/>
+                <a:ea typeface="Courier" charset="0"/>
+                <a:cs typeface="Courier" charset="0"/>
+                <a:sym typeface="Consolas"/>
+              </a:rPr>
+              <a:t>config</a:t>
             </a:r>
             <a:r>
               <a:rPr lang="en-US" sz="1100" dirty="0">
@@ -9547,44 +8687,44 @@
                 <a:cs typeface="Courier" charset="0"/>
                 <a:sym typeface="Consolas"/>
               </a:rPr>
-              <a:t>//connecting to a </a:t>
-            </a:r>
-            <a:r>
-              <a:rPr lang="en-US" sz="1100" dirty="0" err="1">
-                <a:solidFill>
-                  <a:srgbClr val="1BB2E2"/>
+              <a:t>//opening a bucket in the cluster</a:t>
+            </a:r>
+          </a:p>
+          <a:p>
+            <a:pPr marL="0" indent="0">
+              <a:buNone/>
+              <a:defRPr sz="1800">
+                <a:solidFill>
+                  <a:srgbClr val="000000"/>
+                </a:solidFill>
+              </a:defRPr>
+            </a:pPr>
+            <a:r>
+              <a:rPr lang="en-US" sz="1100" dirty="0">
+                <a:solidFill>
+                  <a:srgbClr val="1E1C1C"/>
                 </a:solidFill>
                 <a:latin typeface="Courier" charset="0"/>
                 <a:ea typeface="Courier" charset="0"/>
                 <a:cs typeface="Courier" charset="0"/>
                 <a:sym typeface="Consolas"/>
               </a:rPr>
-              <a:t>Couchbase</a:t>
-            </a:r>
-            <a:r>
-              <a:rPr lang="en-US" sz="1100" dirty="0">
-                <a:solidFill>
-                  <a:srgbClr val="1BB2E2"/>
+              <a:t>_bucket = </a:t>
+            </a:r>
+            <a:r>
+              <a:rPr lang="en-US" sz="1100" dirty="0" err="1">
+                <a:solidFill>
+                  <a:srgbClr val="1E1C1C"/>
                 </a:solidFill>
                 <a:latin typeface="Courier" charset="0"/>
                 <a:ea typeface="Courier" charset="0"/>
                 <a:cs typeface="Courier" charset="0"/>
                 <a:sym typeface="Consolas"/>
               </a:rPr>
-              <a:t> cluster</a:t>
-            </a:r>
-          </a:p>
-          <a:p>
-            <a:pPr marL="0" indent="0">
-              <a:buNone/>
-              <a:defRPr sz="1800">
-                <a:solidFill>
-                  <a:srgbClr val="000000"/>
-                </a:solidFill>
-              </a:defRPr>
-            </a:pPr>
-            <a:r>
-              <a:rPr lang="en-US" sz="1100" dirty="0" err="1">
+              <a:t>ClusterHelper.GetBucket</a:t>
+            </a:r>
+            <a:r>
+              <a:rPr lang="en-US" sz="1100" dirty="0">
                 <a:solidFill>
                   <a:srgbClr val="1E1C1C"/>
                 </a:solidFill>
@@ -9593,22 +8733,22 @@
                 <a:cs typeface="Courier" charset="0"/>
                 <a:sym typeface="Consolas"/>
               </a:rPr>
-              <a:t>var</a:t>
+              <a:t>(</a:t>
             </a:r>
             <a:r>
               <a:rPr lang="en-US" sz="1100" dirty="0">
                 <a:solidFill>
-                  <a:srgbClr val="1E1C1C"/>
+                  <a:srgbClr val="E40121"/>
                 </a:solidFill>
                 <a:latin typeface="Courier" charset="0"/>
                 <a:ea typeface="Courier" charset="0"/>
                 <a:cs typeface="Courier" charset="0"/>
                 <a:sym typeface="Consolas"/>
               </a:rPr>
-              <a:t> cluster = new </a:t>
-            </a:r>
-            <a:r>
-              <a:rPr lang="en-US" sz="1100" dirty="0" err="1">
+              <a:t>"travel-sample"</a:t>
+            </a:r>
+            <a:r>
+              <a:rPr lang="en-US" sz="1100" dirty="0">
                 <a:solidFill>
                   <a:srgbClr val="1E1C1C"/>
                 </a:solidFill>
@@ -9617,55 +8757,19 @@
                 <a:cs typeface="Courier" charset="0"/>
                 <a:sym typeface="Consolas"/>
               </a:rPr>
-              <a:t>Couchbase.Cluster</a:t>
+              <a:t>, </a:t>
             </a:r>
             <a:r>
               <a:rPr lang="en-US" sz="1100" dirty="0">
                 <a:solidFill>
-                  <a:srgbClr val="1E1C1C"/>
+                  <a:srgbClr val="E40121"/>
                 </a:solidFill>
                 <a:latin typeface="Courier" charset="0"/>
                 <a:ea typeface="Courier" charset="0"/>
                 <a:cs typeface="Courier" charset="0"/>
                 <a:sym typeface="Consolas"/>
               </a:rPr>
-              <a:t>(</a:t>
-            </a:r>
-            <a:r>
-              <a:rPr lang="en-US" sz="1100" dirty="0">
-                <a:solidFill>
-                  <a:srgbClr val="E40121"/>
-                </a:solidFill>
-                <a:latin typeface="Courier" charset="0"/>
-                <a:ea typeface="Courier" charset="0"/>
-                <a:cs typeface="Courier" charset="0"/>
-                <a:sym typeface="Consolas"/>
-              </a:rPr>
-              <a:t>"</a:t>
-            </a:r>
-            <a:r>
-              <a:rPr lang="en-US" sz="1100" dirty="0" err="1">
-                <a:solidFill>
-                  <a:srgbClr val="E40121"/>
-                </a:solidFill>
-                <a:latin typeface="Courier" charset="0"/>
-                <a:ea typeface="Courier" charset="0"/>
-                <a:cs typeface="Courier" charset="0"/>
-                <a:sym typeface="Consolas"/>
-              </a:rPr>
-              <a:t>couchbase</a:t>
-            </a:r>
-            <a:r>
-              <a:rPr lang="en-US" sz="1100" dirty="0">
-                <a:solidFill>
-                  <a:srgbClr val="E40121"/>
-                </a:solidFill>
-                <a:latin typeface="Courier" charset="0"/>
-                <a:ea typeface="Courier" charset="0"/>
-                <a:cs typeface="Courier" charset="0"/>
-                <a:sym typeface="Consolas"/>
-              </a:rPr>
-              <a:t>://localhost:8091"</a:t>
+              <a:t>“password"</a:t>
             </a:r>
             <a:r>
               <a:rPr lang="en-US" sz="1100" dirty="0">
@@ -9718,7 +8822,7 @@
                 <a:cs typeface="Courier" charset="0"/>
                 <a:sym typeface="Consolas"/>
               </a:rPr>
-              <a:t>//opening a bucket in the cluster</a:t>
+              <a:t>//preparing N1ql</a:t>
             </a:r>
           </a:p>
           <a:p>
@@ -9733,7 +8837,7 @@
             <a:r>
               <a:rPr lang="en-US" sz="1100" dirty="0" err="1">
                 <a:solidFill>
-                  <a:srgbClr val="1E1C1C"/>
+                  <a:srgbClr val="2E2E2C"/>
                 </a:solidFill>
                 <a:latin typeface="Courier" charset="0"/>
                 <a:ea typeface="Courier" charset="0"/>
@@ -9745,7 +8849,7 @@
             <a:r>
               <a:rPr lang="en-US" sz="1100" dirty="0">
                 <a:solidFill>
-                  <a:srgbClr val="1E1C1C"/>
+                  <a:srgbClr val="2E2E2C"/>
                 </a:solidFill>
                 <a:latin typeface="Courier" charset="0"/>
                 <a:ea typeface="Courier" charset="0"/>
@@ -9757,19 +8861,19 @@
             <a:r>
               <a:rPr lang="en-US" sz="1100" dirty="0" err="1">
                 <a:solidFill>
-                  <a:srgbClr val="1E1C1C"/>
+                  <a:srgbClr val="2E2E2C"/>
                 </a:solidFill>
                 <a:latin typeface="Courier" charset="0"/>
                 <a:ea typeface="Courier" charset="0"/>
                 <a:cs typeface="Courier" charset="0"/>
                 <a:sym typeface="Consolas"/>
               </a:rPr>
-              <a:t>myBucket</a:t>
+              <a:t>myQuery</a:t>
             </a:r>
             <a:r>
               <a:rPr lang="en-US" sz="1100" dirty="0">
                 <a:solidFill>
-                  <a:srgbClr val="1E1C1C"/>
+                  <a:srgbClr val="2E2E2C"/>
                 </a:solidFill>
                 <a:latin typeface="Courier" charset="0"/>
                 <a:ea typeface="Courier" charset="0"/>
@@ -9781,19 +8885,19 @@
             <a:r>
               <a:rPr lang="en-US" sz="1100" dirty="0" err="1">
                 <a:solidFill>
-                  <a:srgbClr val="1E1C1C"/>
+                  <a:srgbClr val="2E2E2C"/>
                 </a:solidFill>
                 <a:latin typeface="Courier" charset="0"/>
                 <a:ea typeface="Courier" charset="0"/>
                 <a:cs typeface="Courier" charset="0"/>
                 <a:sym typeface="Consolas"/>
               </a:rPr>
-              <a:t>cluster.openBucket</a:t>
+              <a:t>QueryRequest.Create</a:t>
             </a:r>
             <a:r>
               <a:rPr lang="en-US" sz="1100" dirty="0">
                 <a:solidFill>
-                  <a:srgbClr val="1E1C1C"/>
+                  <a:srgbClr val="2E2E2C"/>
                 </a:solidFill>
                 <a:latin typeface="Courier" charset="0"/>
                 <a:ea typeface="Courier" charset="0"/>
@@ -9812,36 +8916,12 @@
                 <a:cs typeface="Courier" charset="0"/>
                 <a:sym typeface="Consolas"/>
               </a:rPr>
-              <a:t>"travel-sample"</a:t>
+              <a:t>“SELECT * FROM `travel-sample`“</a:t>
             </a:r>
             <a:r>
               <a:rPr lang="en-US" sz="1100" dirty="0">
                 <a:solidFill>
-                  <a:srgbClr val="1E1C1C"/>
-                </a:solidFill>
-                <a:latin typeface="Courier" charset="0"/>
-                <a:ea typeface="Courier" charset="0"/>
-                <a:cs typeface="Courier" charset="0"/>
-                <a:sym typeface="Consolas"/>
-              </a:rPr>
-              <a:t>, </a:t>
-            </a:r>
-            <a:r>
-              <a:rPr lang="en-US" sz="1100" dirty="0">
-                <a:solidFill>
-                  <a:srgbClr val="E40121"/>
-                </a:solidFill>
-                <a:latin typeface="Courier" charset="0"/>
-                <a:ea typeface="Courier" charset="0"/>
-                <a:cs typeface="Courier" charset="0"/>
-                <a:sym typeface="Consolas"/>
-              </a:rPr>
-              <a:t>“password"</a:t>
-            </a:r>
-            <a:r>
-              <a:rPr lang="en-US" sz="1100" dirty="0">
-                <a:solidFill>
-                  <a:srgbClr val="1E1C1C"/>
+                  <a:srgbClr val="2E2E2C"/>
                 </a:solidFill>
                 <a:latin typeface="Courier" charset="0"/>
                 <a:ea typeface="Courier" charset="0"/>
@@ -9889,7 +8969,7 @@
                 <a:cs typeface="Courier" charset="0"/>
                 <a:sym typeface="Consolas"/>
               </a:rPr>
-              <a:t>//preparing N1ql</a:t>
+              <a:t>//creating and saving a Document</a:t>
             </a:r>
           </a:p>
           <a:p>
@@ -9923,7 +9003,7 @@
                 <a:cs typeface="Courier" charset="0"/>
                 <a:sym typeface="Consolas"/>
               </a:rPr>
-              <a:t> </a:t>
+              <a:t> document = new Document&lt;</a:t>
             </a:r>
             <a:r>
               <a:rPr lang="en-US" sz="1100" dirty="0" err="1">
@@ -9935,7 +9015,7 @@
                 <a:cs typeface="Courier" charset="0"/>
                 <a:sym typeface="Consolas"/>
               </a:rPr>
-              <a:t>myQuery</a:t>
+              <a:t>MyType</a:t>
             </a:r>
             <a:r>
               <a:rPr lang="en-US" sz="1100" dirty="0">
@@ -9947,61 +9027,22 @@
                 <a:cs typeface="Courier" charset="0"/>
                 <a:sym typeface="Consolas"/>
               </a:rPr>
-              <a:t> = Couchbase.N1qlQuery();</a:t>
-            </a:r>
-          </a:p>
-          <a:p>
-            <a:pPr marL="0" indent="0">
-              <a:buNone/>
-              <a:defRPr sz="1800">
-                <a:solidFill>
-                  <a:srgbClr val="000000"/>
-                </a:solidFill>
-              </a:defRPr>
-            </a:pPr>
-            <a:endParaRPr lang="en-US" sz="1100" dirty="0">
-              <a:solidFill>
-                <a:srgbClr val="1E1C1C"/>
-              </a:solidFill>
-              <a:latin typeface="Courier" charset="0"/>
-              <a:ea typeface="Courier" charset="0"/>
-              <a:cs typeface="Courier" charset="0"/>
-              <a:sym typeface="Consolas"/>
-            </a:endParaRPr>
-          </a:p>
-          <a:p>
-            <a:pPr marL="0" indent="0">
-              <a:buNone/>
-              <a:defRPr sz="1800">
-                <a:solidFill>
-                  <a:srgbClr val="000000"/>
-                </a:solidFill>
-              </a:defRPr>
-            </a:pPr>
-            <a:r>
-              <a:rPr lang="en-US" sz="1100" dirty="0">
-                <a:solidFill>
-                  <a:srgbClr val="1BB2E2"/>
+              <a:t>&gt; { Id = “123”, Content = new </a:t>
+            </a:r>
+            <a:r>
+              <a:rPr lang="en-US" sz="1100" dirty="0" err="1">
+                <a:solidFill>
+                  <a:srgbClr val="2E2E2C"/>
                 </a:solidFill>
                 <a:latin typeface="Courier" charset="0"/>
                 <a:ea typeface="Courier" charset="0"/>
                 <a:cs typeface="Courier" charset="0"/>
                 <a:sym typeface="Consolas"/>
               </a:rPr>
-              <a:t>//creating and saving a Document</a:t>
-            </a:r>
-          </a:p>
-          <a:p>
-            <a:pPr marL="0" indent="0">
-              <a:buNone/>
-              <a:defRPr sz="1800">
-                <a:solidFill>
-                  <a:srgbClr val="000000"/>
-                </a:solidFill>
-              </a:defRPr>
-            </a:pPr>
-            <a:r>
-              <a:rPr lang="en-US" sz="1100" dirty="0" err="1">
+              <a:t>MyType</a:t>
+            </a:r>
+            <a:r>
+              <a:rPr lang="en-US" sz="1100" dirty="0">
                 <a:solidFill>
                   <a:srgbClr val="2E2E2C"/>
                 </a:solidFill>
@@ -10010,8 +9051,18 @@
                 <a:cs typeface="Courier" charset="0"/>
                 <a:sym typeface="Consolas"/>
               </a:rPr>
-              <a:t>var</a:t>
-            </a:r>
+              <a:t>() };</a:t>
+            </a:r>
+          </a:p>
+          <a:p>
+            <a:pPr marL="0" indent="0">
+              <a:buNone/>
+              <a:defRPr sz="1800">
+                <a:solidFill>
+                  <a:srgbClr val="000000"/>
+                </a:solidFill>
+              </a:defRPr>
+            </a:pPr>
             <a:r>
               <a:rPr lang="en-US" sz="1100" dirty="0">
                 <a:solidFill>
@@ -10022,7 +9073,7 @@
                 <a:cs typeface="Courier" charset="0"/>
                 <a:sym typeface="Consolas"/>
               </a:rPr>
-              <a:t> document = { </a:t>
+              <a:t>_</a:t>
             </a:r>
             <a:r>
               <a:rPr lang="en-US" sz="1100" dirty="0" err="1">
@@ -10034,7 +9085,7 @@
                 <a:cs typeface="Courier" charset="0"/>
                 <a:sym typeface="Consolas"/>
               </a:rPr>
-              <a:t>firstname</a:t>
+              <a:t>bucket.Insert</a:t>
             </a:r>
             <a:r>
               <a:rPr lang="en-US" sz="1100" dirty="0">
@@ -10046,137 +9097,7 @@
                 <a:cs typeface="Courier" charset="0"/>
                 <a:sym typeface="Consolas"/>
               </a:rPr>
-              <a:t>: </a:t>
-            </a:r>
-            <a:r>
-              <a:rPr lang="en-US" sz="1100" dirty="0">
-                <a:solidFill>
-                  <a:srgbClr val="E40121"/>
-                </a:solidFill>
-                <a:latin typeface="Courier" charset="0"/>
-                <a:ea typeface="Courier" charset="0"/>
-                <a:cs typeface="Courier" charset="0"/>
-                <a:sym typeface="Consolas"/>
-              </a:rPr>
-              <a:t>“Matt"</a:t>
-            </a:r>
-            <a:r>
-              <a:rPr lang="en-US" sz="1100" dirty="0">
-                <a:solidFill>
-                  <a:srgbClr val="2E2E2C"/>
-                </a:solidFill>
-                <a:latin typeface="Courier" charset="0"/>
-                <a:ea typeface="Courier" charset="0"/>
-                <a:cs typeface="Courier" charset="0"/>
-                <a:sym typeface="Consolas"/>
-              </a:rPr>
-              <a:t>, </a:t>
-            </a:r>
-            <a:r>
-              <a:rPr lang="en-US" sz="1100" dirty="0" err="1">
-                <a:solidFill>
-                  <a:srgbClr val="2E2E2C"/>
-                </a:solidFill>
-                <a:latin typeface="Courier" charset="0"/>
-                <a:ea typeface="Courier" charset="0"/>
-                <a:cs typeface="Courier" charset="0"/>
-                <a:sym typeface="Consolas"/>
-              </a:rPr>
-              <a:t>lastname</a:t>
-            </a:r>
-            <a:r>
-              <a:rPr lang="en-US" sz="1100" dirty="0">
-                <a:solidFill>
-                  <a:srgbClr val="2E2E2C"/>
-                </a:solidFill>
-                <a:latin typeface="Courier" charset="0"/>
-                <a:ea typeface="Courier" charset="0"/>
-                <a:cs typeface="Courier" charset="0"/>
-                <a:sym typeface="Consolas"/>
-              </a:rPr>
-              <a:t>: </a:t>
-            </a:r>
-            <a:r>
-              <a:rPr lang="en-US" sz="1100" dirty="0">
-                <a:solidFill>
-                  <a:srgbClr val="E40121"/>
-                </a:solidFill>
-                <a:latin typeface="Courier" charset="0"/>
-                <a:ea typeface="Courier" charset="0"/>
-                <a:cs typeface="Courier" charset="0"/>
-                <a:sym typeface="Consolas"/>
-              </a:rPr>
-              <a:t>“Groves“ </a:t>
-            </a:r>
-            <a:r>
-              <a:rPr lang="en-US" sz="1100" dirty="0">
-                <a:solidFill>
-                  <a:srgbClr val="2E2E2C"/>
-                </a:solidFill>
-                <a:latin typeface="Courier" charset="0"/>
-                <a:ea typeface="Courier" charset="0"/>
-                <a:cs typeface="Courier" charset="0"/>
-                <a:sym typeface="Consolas"/>
-              </a:rPr>
-              <a:t>};</a:t>
-            </a:r>
-          </a:p>
-          <a:p>
-            <a:pPr marL="0" indent="0">
-              <a:buNone/>
-              <a:defRPr sz="1800">
-                <a:solidFill>
-                  <a:srgbClr val="000000"/>
-                </a:solidFill>
-              </a:defRPr>
-            </a:pPr>
-            <a:r>
-              <a:rPr lang="en-US" sz="1100" dirty="0" err="1">
-                <a:solidFill>
-                  <a:srgbClr val="2E2E2C"/>
-                </a:solidFill>
-                <a:latin typeface="Courier" charset="0"/>
-                <a:ea typeface="Courier" charset="0"/>
-                <a:cs typeface="Courier" charset="0"/>
-                <a:sym typeface="Consolas"/>
-              </a:rPr>
-              <a:t>myBucket.insert</a:t>
-            </a:r>
-            <a:r>
-              <a:rPr lang="en-US" sz="1100" dirty="0">
-                <a:solidFill>
-                  <a:srgbClr val="2E2E2C"/>
-                </a:solidFill>
-                <a:latin typeface="Courier" charset="0"/>
-                <a:ea typeface="Courier" charset="0"/>
-                <a:cs typeface="Courier" charset="0"/>
-                <a:sym typeface="Consolas"/>
-              </a:rPr>
-              <a:t>(</a:t>
-            </a:r>
-            <a:r>
-              <a:rPr lang="en-US" sz="1100" dirty="0">
-                <a:solidFill>
-                  <a:srgbClr val="E40121"/>
-                </a:solidFill>
-                <a:latin typeface="Courier" charset="0"/>
-                <a:ea typeface="Courier" charset="0"/>
-                <a:cs typeface="Courier" charset="0"/>
-                <a:sym typeface="Consolas"/>
-              </a:rPr>
-              <a:t>"my-key"</a:t>
-            </a:r>
-            <a:r>
-              <a:rPr lang="en-US" sz="1100" dirty="0">
-                <a:solidFill>
-                  <a:srgbClr val="2E2E2C"/>
-                </a:solidFill>
-                <a:latin typeface="Courier" charset="0"/>
-                <a:ea typeface="Courier" charset="0"/>
-                <a:cs typeface="Courier" charset="0"/>
-                <a:sym typeface="Consolas"/>
-              </a:rPr>
-              <a:t>, document, function(error, result) {});</a:t>
+              <a:t>(document);</a:t>
             </a:r>
           </a:p>
         </p:txBody>
@@ -10184,7 +9105,7 @@
     </p:spTree>
     <p:extLst>
       <p:ext uri="{BB962C8B-B14F-4D97-AF65-F5344CB8AC3E}">
-        <p14:creationId xmlns:p14="http://schemas.microsoft.com/office/powerpoint/2010/main" val="181234665"/>
+        <p14:creationId xmlns:p14="http://schemas.microsoft.com/office/powerpoint/2010/main" val="731843618"/>
       </p:ext>
     </p:extLst>
   </p:cSld>
@@ -10228,7 +9149,7 @@
           <a:p>
             <a:r>
               <a:rPr lang="en-US" dirty="0"/>
-              <a:t>SDK: Java</a:t>
+              <a:t>SDK: Node</a:t>
             </a:r>
           </a:p>
         </p:txBody>
@@ -10243,7 +9164,1283 @@
         </p:nvSpPr>
         <p:spPr>
           <a:xfrm>
-            <a:off x="609600" y="838200"/>
+            <a:off x="609600" y="676275"/>
+            <a:ext cx="8007739" cy="2009775"/>
+          </a:xfrm>
+          <a:prstGeom prst="rect">
+            <a:avLst/>
+          </a:prstGeom>
+        </p:spPr>
+        <p:txBody>
+          <a:bodyPr/>
+          <a:lstStyle>
+            <a:lvl1pPr marL="228600" indent="-228600" algn="l" defTabSz="457200" rtl="0" eaLnBrk="1" latinLnBrk="0" hangingPunct="1">
+              <a:spcBef>
+                <a:spcPts val="0"/>
+              </a:spcBef>
+              <a:buClr>
+                <a:schemeClr val="accent1"/>
+              </a:buClr>
+              <a:buFont typeface="Wingdings" charset="2"/>
+              <a:buChar char="§"/>
+              <a:defRPr sz="2400" kern="1200">
+                <a:solidFill>
+                  <a:schemeClr val="tx1"/>
+                </a:solidFill>
+                <a:latin typeface="+mn-lt"/>
+                <a:ea typeface="+mn-ea"/>
+                <a:cs typeface="+mn-cs"/>
+              </a:defRPr>
+            </a:lvl1pPr>
+            <a:lvl2pPr marL="455613" indent="-227013" algn="l" defTabSz="457200" rtl="0" eaLnBrk="1" latinLnBrk="0" hangingPunct="1">
+              <a:spcBef>
+                <a:spcPts val="0"/>
+              </a:spcBef>
+              <a:buClr>
+                <a:srgbClr val="262626"/>
+              </a:buClr>
+              <a:buFont typeface="Wingdings" charset="2"/>
+              <a:buChar char="§"/>
+              <a:defRPr sz="2000" kern="1200">
+                <a:solidFill>
+                  <a:schemeClr val="tx1"/>
+                </a:solidFill>
+                <a:latin typeface="+mn-lt"/>
+                <a:ea typeface="+mn-ea"/>
+                <a:cs typeface="+mn-cs"/>
+              </a:defRPr>
+            </a:lvl2pPr>
+            <a:lvl3pPr marL="455613" indent="-228600" algn="l" defTabSz="457200" rtl="0" eaLnBrk="1" latinLnBrk="0" hangingPunct="1">
+              <a:spcBef>
+                <a:spcPts val="0"/>
+              </a:spcBef>
+              <a:buClr>
+                <a:srgbClr val="262626"/>
+              </a:buClr>
+              <a:buFont typeface="Wingdings" charset="2"/>
+              <a:buChar char="§"/>
+              <a:defRPr sz="2000" kern="1200">
+                <a:solidFill>
+                  <a:schemeClr val="tx1"/>
+                </a:solidFill>
+                <a:latin typeface="+mn-lt"/>
+                <a:ea typeface="+mn-ea"/>
+                <a:cs typeface="+mn-cs"/>
+              </a:defRPr>
+            </a:lvl3pPr>
+            <a:lvl4pPr marL="455613" indent="-228600" algn="l" defTabSz="457200" rtl="0" eaLnBrk="1" latinLnBrk="0" hangingPunct="1">
+              <a:spcBef>
+                <a:spcPts val="0"/>
+              </a:spcBef>
+              <a:buClr>
+                <a:srgbClr val="262626"/>
+              </a:buClr>
+              <a:buFont typeface="Wingdings" charset="2"/>
+              <a:buChar char="§"/>
+              <a:defRPr sz="2000" kern="1200">
+                <a:solidFill>
+                  <a:schemeClr val="tx1"/>
+                </a:solidFill>
+                <a:latin typeface="+mn-lt"/>
+                <a:ea typeface="+mn-ea"/>
+                <a:cs typeface="+mn-cs"/>
+              </a:defRPr>
+            </a:lvl4pPr>
+            <a:lvl5pPr marL="455613" indent="-228600" algn="l" defTabSz="457200" rtl="0" eaLnBrk="1" latinLnBrk="0" hangingPunct="1">
+              <a:spcBef>
+                <a:spcPts val="200"/>
+              </a:spcBef>
+              <a:buClr>
+                <a:srgbClr val="262626"/>
+              </a:buClr>
+              <a:buFont typeface="Wingdings" charset="2"/>
+              <a:buChar char="§"/>
+              <a:defRPr sz="2000" kern="1200">
+                <a:solidFill>
+                  <a:schemeClr val="tx1"/>
+                </a:solidFill>
+                <a:latin typeface="+mn-lt"/>
+                <a:ea typeface="+mn-ea"/>
+                <a:cs typeface="+mn-cs"/>
+              </a:defRPr>
+            </a:lvl5pPr>
+            <a:lvl6pPr marL="2514600" indent="-228600" algn="l" defTabSz="457200" rtl="0" eaLnBrk="1" latinLnBrk="0" hangingPunct="1">
+              <a:spcBef>
+                <a:spcPct val="20000"/>
+              </a:spcBef>
+              <a:buFont typeface="Arial"/>
+              <a:buChar char="•"/>
+              <a:defRPr sz="2000" kern="1200">
+                <a:solidFill>
+                  <a:schemeClr val="tx1"/>
+                </a:solidFill>
+                <a:latin typeface="+mn-lt"/>
+                <a:ea typeface="+mn-ea"/>
+                <a:cs typeface="+mn-cs"/>
+              </a:defRPr>
+            </a:lvl6pPr>
+            <a:lvl7pPr marL="2971800" indent="-228600" algn="l" defTabSz="457200" rtl="0" eaLnBrk="1" latinLnBrk="0" hangingPunct="1">
+              <a:spcBef>
+                <a:spcPct val="20000"/>
+              </a:spcBef>
+              <a:buFont typeface="Arial"/>
+              <a:buChar char="•"/>
+              <a:defRPr sz="2000" kern="1200">
+                <a:solidFill>
+                  <a:schemeClr val="tx1"/>
+                </a:solidFill>
+                <a:latin typeface="+mn-lt"/>
+                <a:ea typeface="+mn-ea"/>
+                <a:cs typeface="+mn-cs"/>
+              </a:defRPr>
+            </a:lvl7pPr>
+            <a:lvl8pPr marL="3429000" indent="-228600" algn="l" defTabSz="457200" rtl="0" eaLnBrk="1" latinLnBrk="0" hangingPunct="1">
+              <a:spcBef>
+                <a:spcPct val="20000"/>
+              </a:spcBef>
+              <a:buFont typeface="Arial"/>
+              <a:buChar char="•"/>
+              <a:defRPr sz="2000" kern="1200">
+                <a:solidFill>
+                  <a:schemeClr val="tx1"/>
+                </a:solidFill>
+                <a:latin typeface="+mn-lt"/>
+                <a:ea typeface="+mn-ea"/>
+                <a:cs typeface="+mn-cs"/>
+              </a:defRPr>
+            </a:lvl8pPr>
+            <a:lvl9pPr marL="3886200" indent="-228600" algn="l" defTabSz="457200" rtl="0" eaLnBrk="1" latinLnBrk="0" hangingPunct="1">
+              <a:spcBef>
+                <a:spcPct val="20000"/>
+              </a:spcBef>
+              <a:buFont typeface="Arial"/>
+              <a:buChar char="•"/>
+              <a:defRPr sz="2000" kern="1200">
+                <a:solidFill>
+                  <a:schemeClr val="tx1"/>
+                </a:solidFill>
+                <a:latin typeface="+mn-lt"/>
+                <a:ea typeface="+mn-ea"/>
+                <a:cs typeface="+mn-cs"/>
+              </a:defRPr>
+            </a:lvl9pPr>
+          </a:lstStyle>
+          <a:p>
+            <a:pPr marL="342900" indent="-342900">
+              <a:buFont typeface="Arial" charset="0"/>
+              <a:buChar char="•"/>
+            </a:pPr>
+            <a:r>
+              <a:rPr lang="en-US" dirty="0"/>
+              <a:t>How to install</a:t>
+            </a:r>
+          </a:p>
+          <a:p>
+            <a:pPr marL="342900" indent="-342900">
+              <a:buFont typeface="Arial" charset="0"/>
+              <a:buChar char="•"/>
+            </a:pPr>
+            <a:endParaRPr lang="en-US" dirty="0"/>
+          </a:p>
+          <a:p>
+            <a:pPr marL="569913" lvl="1" indent="-342900">
+              <a:buFont typeface="Arial" charset="0"/>
+              <a:buChar char="•"/>
+            </a:pPr>
+            <a:r>
+              <a:rPr lang="en-US" dirty="0" err="1"/>
+              <a:t>npm</a:t>
+            </a:r>
+            <a:r>
+              <a:rPr lang="en-US" dirty="0"/>
+              <a:t> install </a:t>
+            </a:r>
+            <a:r>
+              <a:rPr lang="en-US" dirty="0" err="1"/>
+              <a:t>couchbase</a:t>
+            </a:r>
+            <a:endParaRPr lang="en-US" dirty="0"/>
+          </a:p>
+          <a:p>
+            <a:pPr marL="569913" lvl="1" indent="-342900">
+              <a:buFont typeface="Arial" charset="0"/>
+              <a:buChar char="•"/>
+            </a:pPr>
+            <a:endParaRPr lang="en-US" dirty="0"/>
+          </a:p>
+          <a:p>
+            <a:pPr marL="342900" indent="-342900">
+              <a:buFont typeface="Arial" charset="0"/>
+              <a:buChar char="•"/>
+            </a:pPr>
+            <a:r>
+              <a:rPr lang="en-US" dirty="0"/>
+              <a:t>How to connect to a </a:t>
+            </a:r>
+            <a:r>
+              <a:rPr lang="en-US" dirty="0" err="1"/>
+              <a:t>Couchbase</a:t>
+            </a:r>
+            <a:r>
+              <a:rPr lang="en-US" dirty="0"/>
+              <a:t> cluster</a:t>
+            </a:r>
+          </a:p>
+          <a:p>
+            <a:pPr marL="342900" indent="-342900">
+              <a:buFont typeface="Arial" charset="0"/>
+              <a:buChar char="•"/>
+            </a:pPr>
+            <a:endParaRPr lang="en-US" dirty="0"/>
+          </a:p>
+          <a:p>
+            <a:pPr marL="342900" indent="-342900">
+              <a:buFont typeface="Arial" charset="0"/>
+              <a:buChar char="•"/>
+            </a:pPr>
+            <a:endParaRPr lang="en-US" dirty="0"/>
+          </a:p>
+          <a:p>
+            <a:endParaRPr lang="en-US" dirty="0"/>
+          </a:p>
+        </p:txBody>
+      </p:sp>
+      <p:sp>
+        <p:nvSpPr>
+          <p:cNvPr id="4" name="Shape 1658"/>
+          <p:cNvSpPr txBox="1">
+            <a:spLocks/>
+          </p:cNvSpPr>
+          <p:nvPr/>
+        </p:nvSpPr>
+        <p:spPr>
+          <a:xfrm>
+            <a:off x="1288661" y="2419349"/>
+            <a:ext cx="6236089" cy="2420551"/>
+          </a:xfrm>
+          <a:prstGeom prst="rect">
+            <a:avLst/>
+          </a:prstGeom>
+        </p:spPr>
+        <p:txBody>
+          <a:bodyPr lIns="0" tIns="0" rIns="0" bIns="0">
+            <a:noAutofit/>
+          </a:bodyPr>
+          <a:lstStyle>
+            <a:lvl1pPr marL="228600" indent="-228600" algn="l" defTabSz="457200" rtl="0" eaLnBrk="1" latinLnBrk="0" hangingPunct="1">
+              <a:spcBef>
+                <a:spcPts val="0"/>
+              </a:spcBef>
+              <a:buClr>
+                <a:schemeClr val="accent1"/>
+              </a:buClr>
+              <a:buFont typeface="Wingdings" charset="2"/>
+              <a:buChar char="§"/>
+              <a:defRPr sz="2400" kern="1200">
+                <a:solidFill>
+                  <a:schemeClr val="tx1"/>
+                </a:solidFill>
+                <a:latin typeface="+mn-lt"/>
+                <a:ea typeface="+mn-ea"/>
+                <a:cs typeface="+mn-cs"/>
+              </a:defRPr>
+            </a:lvl1pPr>
+            <a:lvl2pPr marL="455613" indent="-227013" algn="l" defTabSz="457200" rtl="0" eaLnBrk="1" latinLnBrk="0" hangingPunct="1">
+              <a:spcBef>
+                <a:spcPts val="0"/>
+              </a:spcBef>
+              <a:buClr>
+                <a:srgbClr val="262626"/>
+              </a:buClr>
+              <a:buFont typeface="Wingdings" charset="2"/>
+              <a:buChar char="§"/>
+              <a:defRPr sz="2000" kern="1200">
+                <a:solidFill>
+                  <a:schemeClr val="tx1"/>
+                </a:solidFill>
+                <a:latin typeface="+mn-lt"/>
+                <a:ea typeface="+mn-ea"/>
+                <a:cs typeface="+mn-cs"/>
+              </a:defRPr>
+            </a:lvl2pPr>
+            <a:lvl3pPr marL="455613" indent="-228600" algn="l" defTabSz="457200" rtl="0" eaLnBrk="1" latinLnBrk="0" hangingPunct="1">
+              <a:spcBef>
+                <a:spcPts val="0"/>
+              </a:spcBef>
+              <a:buClr>
+                <a:srgbClr val="262626"/>
+              </a:buClr>
+              <a:buFont typeface="Wingdings" charset="2"/>
+              <a:buChar char="§"/>
+              <a:defRPr sz="2000" kern="1200">
+                <a:solidFill>
+                  <a:schemeClr val="tx1"/>
+                </a:solidFill>
+                <a:latin typeface="+mn-lt"/>
+                <a:ea typeface="+mn-ea"/>
+                <a:cs typeface="+mn-cs"/>
+              </a:defRPr>
+            </a:lvl3pPr>
+            <a:lvl4pPr marL="455613" indent="-228600" algn="l" defTabSz="457200" rtl="0" eaLnBrk="1" latinLnBrk="0" hangingPunct="1">
+              <a:spcBef>
+                <a:spcPts val="0"/>
+              </a:spcBef>
+              <a:buClr>
+                <a:srgbClr val="262626"/>
+              </a:buClr>
+              <a:buFont typeface="Wingdings" charset="2"/>
+              <a:buChar char="§"/>
+              <a:defRPr sz="2000" kern="1200">
+                <a:solidFill>
+                  <a:schemeClr val="tx1"/>
+                </a:solidFill>
+                <a:latin typeface="+mn-lt"/>
+                <a:ea typeface="+mn-ea"/>
+                <a:cs typeface="+mn-cs"/>
+              </a:defRPr>
+            </a:lvl4pPr>
+            <a:lvl5pPr marL="455613" indent="-228600" algn="l" defTabSz="457200" rtl="0" eaLnBrk="1" latinLnBrk="0" hangingPunct="1">
+              <a:spcBef>
+                <a:spcPts val="200"/>
+              </a:spcBef>
+              <a:buClr>
+                <a:srgbClr val="262626"/>
+              </a:buClr>
+              <a:buFont typeface="Wingdings" charset="2"/>
+              <a:buChar char="§"/>
+              <a:defRPr sz="2000" kern="1200">
+                <a:solidFill>
+                  <a:schemeClr val="tx1"/>
+                </a:solidFill>
+                <a:latin typeface="+mn-lt"/>
+                <a:ea typeface="+mn-ea"/>
+                <a:cs typeface="+mn-cs"/>
+              </a:defRPr>
+            </a:lvl5pPr>
+            <a:lvl6pPr marL="2514600" indent="-228600" algn="l" defTabSz="457200" rtl="0" eaLnBrk="1" latinLnBrk="0" hangingPunct="1">
+              <a:spcBef>
+                <a:spcPct val="20000"/>
+              </a:spcBef>
+              <a:buFont typeface="Arial"/>
+              <a:buChar char="•"/>
+              <a:defRPr sz="2000" kern="1200">
+                <a:solidFill>
+                  <a:schemeClr val="tx1"/>
+                </a:solidFill>
+                <a:latin typeface="+mn-lt"/>
+                <a:ea typeface="+mn-ea"/>
+                <a:cs typeface="+mn-cs"/>
+              </a:defRPr>
+            </a:lvl6pPr>
+            <a:lvl7pPr marL="2971800" indent="-228600" algn="l" defTabSz="457200" rtl="0" eaLnBrk="1" latinLnBrk="0" hangingPunct="1">
+              <a:spcBef>
+                <a:spcPct val="20000"/>
+              </a:spcBef>
+              <a:buFont typeface="Arial"/>
+              <a:buChar char="•"/>
+              <a:defRPr sz="2000" kern="1200">
+                <a:solidFill>
+                  <a:schemeClr val="tx1"/>
+                </a:solidFill>
+                <a:latin typeface="+mn-lt"/>
+                <a:ea typeface="+mn-ea"/>
+                <a:cs typeface="+mn-cs"/>
+              </a:defRPr>
+            </a:lvl7pPr>
+            <a:lvl8pPr marL="3429000" indent="-228600" algn="l" defTabSz="457200" rtl="0" eaLnBrk="1" latinLnBrk="0" hangingPunct="1">
+              <a:spcBef>
+                <a:spcPct val="20000"/>
+              </a:spcBef>
+              <a:buFont typeface="Arial"/>
+              <a:buChar char="•"/>
+              <a:defRPr sz="2000" kern="1200">
+                <a:solidFill>
+                  <a:schemeClr val="tx1"/>
+                </a:solidFill>
+                <a:latin typeface="+mn-lt"/>
+                <a:ea typeface="+mn-ea"/>
+                <a:cs typeface="+mn-cs"/>
+              </a:defRPr>
+            </a:lvl8pPr>
+            <a:lvl9pPr marL="3886200" indent="-228600" algn="l" defTabSz="457200" rtl="0" eaLnBrk="1" latinLnBrk="0" hangingPunct="1">
+              <a:spcBef>
+                <a:spcPct val="20000"/>
+              </a:spcBef>
+              <a:buFont typeface="Arial"/>
+              <a:buChar char="•"/>
+              <a:defRPr sz="2000" kern="1200">
+                <a:solidFill>
+                  <a:schemeClr val="tx1"/>
+                </a:solidFill>
+                <a:latin typeface="+mn-lt"/>
+                <a:ea typeface="+mn-ea"/>
+                <a:cs typeface="+mn-cs"/>
+              </a:defRPr>
+            </a:lvl9pPr>
+          </a:lstStyle>
+          <a:p>
+            <a:pPr marL="0" indent="0">
+              <a:buNone/>
+              <a:defRPr sz="1800">
+                <a:solidFill>
+                  <a:srgbClr val="000000"/>
+                </a:solidFill>
+              </a:defRPr>
+            </a:pPr>
+            <a:r>
+              <a:rPr lang="en-US" sz="1100" dirty="0">
+                <a:solidFill>
+                  <a:srgbClr val="1BB2E2"/>
+                </a:solidFill>
+                <a:latin typeface="Courier" charset="0"/>
+                <a:ea typeface="Courier" charset="0"/>
+                <a:cs typeface="Courier" charset="0"/>
+                <a:sym typeface="Consolas"/>
+              </a:rPr>
+              <a:t>//including the Node.js dependency</a:t>
+            </a:r>
+          </a:p>
+          <a:p>
+            <a:pPr marL="0" indent="0">
+              <a:buNone/>
+              <a:defRPr sz="1800">
+                <a:solidFill>
+                  <a:srgbClr val="000000"/>
+                </a:solidFill>
+              </a:defRPr>
+            </a:pPr>
+            <a:r>
+              <a:rPr lang="en-US" sz="1100" dirty="0" err="1">
+                <a:solidFill>
+                  <a:srgbClr val="1E1C1C"/>
+                </a:solidFill>
+                <a:latin typeface="Courier" charset="0"/>
+                <a:ea typeface="Courier" charset="0"/>
+                <a:cs typeface="Courier" charset="0"/>
+                <a:sym typeface="Consolas"/>
+              </a:rPr>
+              <a:t>var</a:t>
+            </a:r>
+            <a:r>
+              <a:rPr lang="en-US" sz="1100" dirty="0">
+                <a:solidFill>
+                  <a:srgbClr val="1E1C1C"/>
+                </a:solidFill>
+                <a:latin typeface="Courier" charset="0"/>
+                <a:ea typeface="Courier" charset="0"/>
+                <a:cs typeface="Courier" charset="0"/>
+                <a:sym typeface="Consolas"/>
+              </a:rPr>
+              <a:t> </a:t>
+            </a:r>
+            <a:r>
+              <a:rPr lang="en-US" sz="1100" dirty="0" err="1">
+                <a:solidFill>
+                  <a:srgbClr val="1E1C1C"/>
+                </a:solidFill>
+                <a:latin typeface="Courier" charset="0"/>
+                <a:ea typeface="Courier" charset="0"/>
+                <a:cs typeface="Courier" charset="0"/>
+                <a:sym typeface="Consolas"/>
+              </a:rPr>
+              <a:t>Couchbase</a:t>
+            </a:r>
+            <a:r>
+              <a:rPr lang="en-US" sz="1100" dirty="0">
+                <a:solidFill>
+                  <a:srgbClr val="1E1C1C"/>
+                </a:solidFill>
+                <a:latin typeface="Courier" charset="0"/>
+                <a:ea typeface="Courier" charset="0"/>
+                <a:cs typeface="Courier" charset="0"/>
+                <a:sym typeface="Consolas"/>
+              </a:rPr>
+              <a:t> = require(</a:t>
+            </a:r>
+            <a:r>
+              <a:rPr lang="en-US" sz="1100" dirty="0">
+                <a:solidFill>
+                  <a:srgbClr val="E40121"/>
+                </a:solidFill>
+                <a:latin typeface="Courier" charset="0"/>
+                <a:ea typeface="Courier" charset="0"/>
+                <a:cs typeface="Courier" charset="0"/>
+                <a:sym typeface="Consolas"/>
+              </a:rPr>
+              <a:t>”</a:t>
+            </a:r>
+            <a:r>
+              <a:rPr lang="en-US" sz="1100" dirty="0" err="1">
+                <a:solidFill>
+                  <a:srgbClr val="E40121"/>
+                </a:solidFill>
+                <a:latin typeface="Courier" charset="0"/>
+                <a:ea typeface="Courier" charset="0"/>
+                <a:cs typeface="Courier" charset="0"/>
+                <a:sym typeface="Consolas"/>
+              </a:rPr>
+              <a:t>couchbase</a:t>
+            </a:r>
+            <a:r>
+              <a:rPr lang="en-US" sz="1100" dirty="0">
+                <a:solidFill>
+                  <a:srgbClr val="E40121"/>
+                </a:solidFill>
+                <a:latin typeface="Courier" charset="0"/>
+                <a:ea typeface="Courier" charset="0"/>
+                <a:cs typeface="Courier" charset="0"/>
+                <a:sym typeface="Consolas"/>
+              </a:rPr>
+              <a:t>"</a:t>
+            </a:r>
+            <a:r>
+              <a:rPr lang="en-US" sz="1100" dirty="0">
+                <a:solidFill>
+                  <a:srgbClr val="1E1C1C"/>
+                </a:solidFill>
+                <a:latin typeface="Courier" charset="0"/>
+                <a:ea typeface="Courier" charset="0"/>
+                <a:cs typeface="Courier" charset="0"/>
+                <a:sym typeface="Consolas"/>
+              </a:rPr>
+              <a:t>);</a:t>
+            </a:r>
+          </a:p>
+          <a:p>
+            <a:pPr marL="0" indent="0">
+              <a:buNone/>
+              <a:defRPr sz="1800">
+                <a:solidFill>
+                  <a:srgbClr val="000000"/>
+                </a:solidFill>
+              </a:defRPr>
+            </a:pPr>
+            <a:endParaRPr lang="en-US" sz="1100" dirty="0">
+              <a:solidFill>
+                <a:srgbClr val="1E1C1C"/>
+              </a:solidFill>
+              <a:latin typeface="Courier" charset="0"/>
+              <a:ea typeface="Courier" charset="0"/>
+              <a:cs typeface="Courier" charset="0"/>
+              <a:sym typeface="Consolas"/>
+            </a:endParaRPr>
+          </a:p>
+          <a:p>
+            <a:pPr marL="0" indent="0">
+              <a:buNone/>
+              <a:defRPr sz="1800">
+                <a:solidFill>
+                  <a:srgbClr val="000000"/>
+                </a:solidFill>
+              </a:defRPr>
+            </a:pPr>
+            <a:r>
+              <a:rPr lang="en-US" sz="1100" dirty="0">
+                <a:solidFill>
+                  <a:srgbClr val="1BB2E2"/>
+                </a:solidFill>
+                <a:latin typeface="Courier" charset="0"/>
+                <a:ea typeface="Courier" charset="0"/>
+                <a:cs typeface="Courier" charset="0"/>
+                <a:sym typeface="Consolas"/>
+              </a:rPr>
+              <a:t>//connecting to a </a:t>
+            </a:r>
+            <a:r>
+              <a:rPr lang="en-US" sz="1100" dirty="0" err="1">
+                <a:solidFill>
+                  <a:srgbClr val="1BB2E2"/>
+                </a:solidFill>
+                <a:latin typeface="Courier" charset="0"/>
+                <a:ea typeface="Courier" charset="0"/>
+                <a:cs typeface="Courier" charset="0"/>
+                <a:sym typeface="Consolas"/>
+              </a:rPr>
+              <a:t>Couchbase</a:t>
+            </a:r>
+            <a:r>
+              <a:rPr lang="en-US" sz="1100" dirty="0">
+                <a:solidFill>
+                  <a:srgbClr val="1BB2E2"/>
+                </a:solidFill>
+                <a:latin typeface="Courier" charset="0"/>
+                <a:ea typeface="Courier" charset="0"/>
+                <a:cs typeface="Courier" charset="0"/>
+                <a:sym typeface="Consolas"/>
+              </a:rPr>
+              <a:t> cluster</a:t>
+            </a:r>
+          </a:p>
+          <a:p>
+            <a:pPr marL="0" indent="0">
+              <a:buNone/>
+              <a:defRPr sz="1800">
+                <a:solidFill>
+                  <a:srgbClr val="000000"/>
+                </a:solidFill>
+              </a:defRPr>
+            </a:pPr>
+            <a:r>
+              <a:rPr lang="en-US" sz="1100" dirty="0" err="1">
+                <a:solidFill>
+                  <a:srgbClr val="1E1C1C"/>
+                </a:solidFill>
+                <a:latin typeface="Courier" charset="0"/>
+                <a:ea typeface="Courier" charset="0"/>
+                <a:cs typeface="Courier" charset="0"/>
+                <a:sym typeface="Consolas"/>
+              </a:rPr>
+              <a:t>var</a:t>
+            </a:r>
+            <a:r>
+              <a:rPr lang="en-US" sz="1100" dirty="0">
+                <a:solidFill>
+                  <a:srgbClr val="1E1C1C"/>
+                </a:solidFill>
+                <a:latin typeface="Courier" charset="0"/>
+                <a:ea typeface="Courier" charset="0"/>
+                <a:cs typeface="Courier" charset="0"/>
+                <a:sym typeface="Consolas"/>
+              </a:rPr>
+              <a:t> cluster = new </a:t>
+            </a:r>
+            <a:r>
+              <a:rPr lang="en-US" sz="1100" dirty="0" err="1">
+                <a:solidFill>
+                  <a:srgbClr val="1E1C1C"/>
+                </a:solidFill>
+                <a:latin typeface="Courier" charset="0"/>
+                <a:ea typeface="Courier" charset="0"/>
+                <a:cs typeface="Courier" charset="0"/>
+                <a:sym typeface="Consolas"/>
+              </a:rPr>
+              <a:t>Couchbase.Cluster</a:t>
+            </a:r>
+            <a:r>
+              <a:rPr lang="en-US" sz="1100" dirty="0">
+                <a:solidFill>
+                  <a:srgbClr val="1E1C1C"/>
+                </a:solidFill>
+                <a:latin typeface="Courier" charset="0"/>
+                <a:ea typeface="Courier" charset="0"/>
+                <a:cs typeface="Courier" charset="0"/>
+                <a:sym typeface="Consolas"/>
+              </a:rPr>
+              <a:t>(</a:t>
+            </a:r>
+            <a:r>
+              <a:rPr lang="en-US" sz="1100" dirty="0">
+                <a:solidFill>
+                  <a:srgbClr val="E40121"/>
+                </a:solidFill>
+                <a:latin typeface="Courier" charset="0"/>
+                <a:ea typeface="Courier" charset="0"/>
+                <a:cs typeface="Courier" charset="0"/>
+                <a:sym typeface="Consolas"/>
+              </a:rPr>
+              <a:t>"</a:t>
+            </a:r>
+            <a:r>
+              <a:rPr lang="en-US" sz="1100" dirty="0" err="1">
+                <a:solidFill>
+                  <a:srgbClr val="E40121"/>
+                </a:solidFill>
+                <a:latin typeface="Courier" charset="0"/>
+                <a:ea typeface="Courier" charset="0"/>
+                <a:cs typeface="Courier" charset="0"/>
+                <a:sym typeface="Consolas"/>
+              </a:rPr>
+              <a:t>couchbase</a:t>
+            </a:r>
+            <a:r>
+              <a:rPr lang="en-US" sz="1100" dirty="0">
+                <a:solidFill>
+                  <a:srgbClr val="E40121"/>
+                </a:solidFill>
+                <a:latin typeface="Courier" charset="0"/>
+                <a:ea typeface="Courier" charset="0"/>
+                <a:cs typeface="Courier" charset="0"/>
+                <a:sym typeface="Consolas"/>
+              </a:rPr>
+              <a:t>://localhost:8091"</a:t>
+            </a:r>
+            <a:r>
+              <a:rPr lang="en-US" sz="1100" dirty="0">
+                <a:solidFill>
+                  <a:srgbClr val="1E1C1C"/>
+                </a:solidFill>
+                <a:latin typeface="Courier" charset="0"/>
+                <a:ea typeface="Courier" charset="0"/>
+                <a:cs typeface="Courier" charset="0"/>
+                <a:sym typeface="Consolas"/>
+              </a:rPr>
+              <a:t>);</a:t>
+            </a:r>
+          </a:p>
+          <a:p>
+            <a:pPr marL="0" indent="0">
+              <a:buNone/>
+              <a:defRPr sz="1800">
+                <a:solidFill>
+                  <a:srgbClr val="000000"/>
+                </a:solidFill>
+              </a:defRPr>
+            </a:pPr>
+            <a:endParaRPr lang="en-US" sz="1100" dirty="0">
+              <a:solidFill>
+                <a:srgbClr val="1E1C1C"/>
+              </a:solidFill>
+              <a:latin typeface="Courier" charset="0"/>
+              <a:ea typeface="Courier" charset="0"/>
+              <a:cs typeface="Courier" charset="0"/>
+              <a:sym typeface="Consolas"/>
+            </a:endParaRPr>
+          </a:p>
+          <a:p>
+            <a:pPr marL="0" indent="0">
+              <a:buNone/>
+              <a:defRPr sz="1800">
+                <a:solidFill>
+                  <a:srgbClr val="000000"/>
+                </a:solidFill>
+              </a:defRPr>
+            </a:pPr>
+            <a:r>
+              <a:rPr lang="en-US" sz="1100" dirty="0">
+                <a:solidFill>
+                  <a:srgbClr val="1BB2E2"/>
+                </a:solidFill>
+                <a:latin typeface="Courier" charset="0"/>
+                <a:ea typeface="Courier" charset="0"/>
+                <a:cs typeface="Courier" charset="0"/>
+                <a:sym typeface="Consolas"/>
+              </a:rPr>
+              <a:t>//opening a bucket in the cluster</a:t>
+            </a:r>
+          </a:p>
+          <a:p>
+            <a:pPr marL="0" indent="0">
+              <a:buNone/>
+              <a:defRPr sz="1800">
+                <a:solidFill>
+                  <a:srgbClr val="000000"/>
+                </a:solidFill>
+              </a:defRPr>
+            </a:pPr>
+            <a:r>
+              <a:rPr lang="en-US" sz="1100" dirty="0" err="1">
+                <a:solidFill>
+                  <a:srgbClr val="1E1C1C"/>
+                </a:solidFill>
+                <a:latin typeface="Courier" charset="0"/>
+                <a:ea typeface="Courier" charset="0"/>
+                <a:cs typeface="Courier" charset="0"/>
+                <a:sym typeface="Consolas"/>
+              </a:rPr>
+              <a:t>var</a:t>
+            </a:r>
+            <a:r>
+              <a:rPr lang="en-US" sz="1100" dirty="0">
+                <a:solidFill>
+                  <a:srgbClr val="1E1C1C"/>
+                </a:solidFill>
+                <a:latin typeface="Courier" charset="0"/>
+                <a:ea typeface="Courier" charset="0"/>
+                <a:cs typeface="Courier" charset="0"/>
+                <a:sym typeface="Consolas"/>
+              </a:rPr>
+              <a:t> </a:t>
+            </a:r>
+            <a:r>
+              <a:rPr lang="en-US" sz="1100" dirty="0" err="1">
+                <a:solidFill>
+                  <a:srgbClr val="1E1C1C"/>
+                </a:solidFill>
+                <a:latin typeface="Courier" charset="0"/>
+                <a:ea typeface="Courier" charset="0"/>
+                <a:cs typeface="Courier" charset="0"/>
+                <a:sym typeface="Consolas"/>
+              </a:rPr>
+              <a:t>myBucket</a:t>
+            </a:r>
+            <a:r>
+              <a:rPr lang="en-US" sz="1100" dirty="0">
+                <a:solidFill>
+                  <a:srgbClr val="1E1C1C"/>
+                </a:solidFill>
+                <a:latin typeface="Courier" charset="0"/>
+                <a:ea typeface="Courier" charset="0"/>
+                <a:cs typeface="Courier" charset="0"/>
+                <a:sym typeface="Consolas"/>
+              </a:rPr>
+              <a:t> = </a:t>
+            </a:r>
+            <a:r>
+              <a:rPr lang="en-US" sz="1100" dirty="0" err="1">
+                <a:solidFill>
+                  <a:srgbClr val="1E1C1C"/>
+                </a:solidFill>
+                <a:latin typeface="Courier" charset="0"/>
+                <a:ea typeface="Courier" charset="0"/>
+                <a:cs typeface="Courier" charset="0"/>
+                <a:sym typeface="Consolas"/>
+              </a:rPr>
+              <a:t>cluster.openBucket</a:t>
+            </a:r>
+            <a:r>
+              <a:rPr lang="en-US" sz="1100" dirty="0">
+                <a:solidFill>
+                  <a:srgbClr val="1E1C1C"/>
+                </a:solidFill>
+                <a:latin typeface="Courier" charset="0"/>
+                <a:ea typeface="Courier" charset="0"/>
+                <a:cs typeface="Courier" charset="0"/>
+                <a:sym typeface="Consolas"/>
+              </a:rPr>
+              <a:t>(</a:t>
+            </a:r>
+            <a:r>
+              <a:rPr lang="en-US" sz="1100" dirty="0">
+                <a:solidFill>
+                  <a:srgbClr val="E40121"/>
+                </a:solidFill>
+                <a:latin typeface="Courier" charset="0"/>
+                <a:ea typeface="Courier" charset="0"/>
+                <a:cs typeface="Courier" charset="0"/>
+                <a:sym typeface="Consolas"/>
+              </a:rPr>
+              <a:t>"travel-sample"</a:t>
+            </a:r>
+            <a:r>
+              <a:rPr lang="en-US" sz="1100" dirty="0">
+                <a:solidFill>
+                  <a:srgbClr val="1E1C1C"/>
+                </a:solidFill>
+                <a:latin typeface="Courier" charset="0"/>
+                <a:ea typeface="Courier" charset="0"/>
+                <a:cs typeface="Courier" charset="0"/>
+                <a:sym typeface="Consolas"/>
+              </a:rPr>
+              <a:t>, </a:t>
+            </a:r>
+            <a:r>
+              <a:rPr lang="en-US" sz="1100" dirty="0">
+                <a:solidFill>
+                  <a:srgbClr val="E40121"/>
+                </a:solidFill>
+                <a:latin typeface="Courier" charset="0"/>
+                <a:ea typeface="Courier" charset="0"/>
+                <a:cs typeface="Courier" charset="0"/>
+                <a:sym typeface="Consolas"/>
+              </a:rPr>
+              <a:t>“password"</a:t>
+            </a:r>
+            <a:r>
+              <a:rPr lang="en-US" sz="1100" dirty="0">
+                <a:solidFill>
+                  <a:srgbClr val="1E1C1C"/>
+                </a:solidFill>
+                <a:latin typeface="Courier" charset="0"/>
+                <a:ea typeface="Courier" charset="0"/>
+                <a:cs typeface="Courier" charset="0"/>
+                <a:sym typeface="Consolas"/>
+              </a:rPr>
+              <a:t>);</a:t>
+            </a:r>
+          </a:p>
+          <a:p>
+            <a:pPr marL="0" indent="0">
+              <a:buNone/>
+              <a:defRPr sz="1800">
+                <a:solidFill>
+                  <a:srgbClr val="000000"/>
+                </a:solidFill>
+              </a:defRPr>
+            </a:pPr>
+            <a:endParaRPr lang="en-US" sz="1100" dirty="0">
+              <a:solidFill>
+                <a:srgbClr val="1E1C1C"/>
+              </a:solidFill>
+              <a:latin typeface="Courier" charset="0"/>
+              <a:ea typeface="Courier" charset="0"/>
+              <a:cs typeface="Courier" charset="0"/>
+              <a:sym typeface="Consolas"/>
+            </a:endParaRPr>
+          </a:p>
+          <a:p>
+            <a:pPr marL="0" indent="0">
+              <a:buNone/>
+              <a:defRPr sz="1800">
+                <a:solidFill>
+                  <a:srgbClr val="000000"/>
+                </a:solidFill>
+              </a:defRPr>
+            </a:pPr>
+            <a:r>
+              <a:rPr lang="en-US" sz="1100" dirty="0">
+                <a:solidFill>
+                  <a:srgbClr val="1BB2E2"/>
+                </a:solidFill>
+                <a:latin typeface="Courier" charset="0"/>
+                <a:ea typeface="Courier" charset="0"/>
+                <a:cs typeface="Courier" charset="0"/>
+                <a:sym typeface="Consolas"/>
+              </a:rPr>
+              <a:t>//preparing N1ql</a:t>
+            </a:r>
+          </a:p>
+          <a:p>
+            <a:pPr marL="0" indent="0">
+              <a:buNone/>
+              <a:defRPr sz="1800">
+                <a:solidFill>
+                  <a:srgbClr val="000000"/>
+                </a:solidFill>
+              </a:defRPr>
+            </a:pPr>
+            <a:r>
+              <a:rPr lang="en-US" sz="1100" dirty="0" err="1">
+                <a:solidFill>
+                  <a:srgbClr val="2E2E2C"/>
+                </a:solidFill>
+                <a:latin typeface="Courier" charset="0"/>
+                <a:ea typeface="Courier" charset="0"/>
+                <a:cs typeface="Courier" charset="0"/>
+                <a:sym typeface="Consolas"/>
+              </a:rPr>
+              <a:t>var</a:t>
+            </a:r>
+            <a:r>
+              <a:rPr lang="en-US" sz="1100" dirty="0">
+                <a:solidFill>
+                  <a:srgbClr val="2E2E2C"/>
+                </a:solidFill>
+                <a:latin typeface="Courier" charset="0"/>
+                <a:ea typeface="Courier" charset="0"/>
+                <a:cs typeface="Courier" charset="0"/>
+                <a:sym typeface="Consolas"/>
+              </a:rPr>
+              <a:t> </a:t>
+            </a:r>
+            <a:r>
+              <a:rPr lang="en-US" sz="1100" dirty="0" err="1">
+                <a:solidFill>
+                  <a:srgbClr val="2E2E2C"/>
+                </a:solidFill>
+                <a:latin typeface="Courier" charset="0"/>
+                <a:ea typeface="Courier" charset="0"/>
+                <a:cs typeface="Courier" charset="0"/>
+                <a:sym typeface="Consolas"/>
+              </a:rPr>
+              <a:t>myQuery</a:t>
+            </a:r>
+            <a:r>
+              <a:rPr lang="en-US" sz="1100" dirty="0">
+                <a:solidFill>
+                  <a:srgbClr val="2E2E2C"/>
+                </a:solidFill>
+                <a:latin typeface="Courier" charset="0"/>
+                <a:ea typeface="Courier" charset="0"/>
+                <a:cs typeface="Courier" charset="0"/>
+                <a:sym typeface="Consolas"/>
+              </a:rPr>
+              <a:t> = Couchbase.N1qlQuery();</a:t>
+            </a:r>
+          </a:p>
+          <a:p>
+            <a:pPr marL="0" indent="0">
+              <a:buNone/>
+              <a:defRPr sz="1800">
+                <a:solidFill>
+                  <a:srgbClr val="000000"/>
+                </a:solidFill>
+              </a:defRPr>
+            </a:pPr>
+            <a:endParaRPr lang="en-US" sz="1100" dirty="0">
+              <a:solidFill>
+                <a:srgbClr val="1E1C1C"/>
+              </a:solidFill>
+              <a:latin typeface="Courier" charset="0"/>
+              <a:ea typeface="Courier" charset="0"/>
+              <a:cs typeface="Courier" charset="0"/>
+              <a:sym typeface="Consolas"/>
+            </a:endParaRPr>
+          </a:p>
+          <a:p>
+            <a:pPr marL="0" indent="0">
+              <a:buNone/>
+              <a:defRPr sz="1800">
+                <a:solidFill>
+                  <a:srgbClr val="000000"/>
+                </a:solidFill>
+              </a:defRPr>
+            </a:pPr>
+            <a:r>
+              <a:rPr lang="en-US" sz="1100" dirty="0">
+                <a:solidFill>
+                  <a:srgbClr val="1BB2E2"/>
+                </a:solidFill>
+                <a:latin typeface="Courier" charset="0"/>
+                <a:ea typeface="Courier" charset="0"/>
+                <a:cs typeface="Courier" charset="0"/>
+                <a:sym typeface="Consolas"/>
+              </a:rPr>
+              <a:t>//creating and saving a Document</a:t>
+            </a:r>
+          </a:p>
+          <a:p>
+            <a:pPr marL="0" indent="0">
+              <a:buNone/>
+              <a:defRPr sz="1800">
+                <a:solidFill>
+                  <a:srgbClr val="000000"/>
+                </a:solidFill>
+              </a:defRPr>
+            </a:pPr>
+            <a:r>
+              <a:rPr lang="en-US" sz="1100" dirty="0" err="1">
+                <a:solidFill>
+                  <a:srgbClr val="2E2E2C"/>
+                </a:solidFill>
+                <a:latin typeface="Courier" charset="0"/>
+                <a:ea typeface="Courier" charset="0"/>
+                <a:cs typeface="Courier" charset="0"/>
+                <a:sym typeface="Consolas"/>
+              </a:rPr>
+              <a:t>var</a:t>
+            </a:r>
+            <a:r>
+              <a:rPr lang="en-US" sz="1100" dirty="0">
+                <a:solidFill>
+                  <a:srgbClr val="2E2E2C"/>
+                </a:solidFill>
+                <a:latin typeface="Courier" charset="0"/>
+                <a:ea typeface="Courier" charset="0"/>
+                <a:cs typeface="Courier" charset="0"/>
+                <a:sym typeface="Consolas"/>
+              </a:rPr>
+              <a:t> document = { </a:t>
+            </a:r>
+            <a:r>
+              <a:rPr lang="en-US" sz="1100" dirty="0" err="1">
+                <a:solidFill>
+                  <a:srgbClr val="2E2E2C"/>
+                </a:solidFill>
+                <a:latin typeface="Courier" charset="0"/>
+                <a:ea typeface="Courier" charset="0"/>
+                <a:cs typeface="Courier" charset="0"/>
+                <a:sym typeface="Consolas"/>
+              </a:rPr>
+              <a:t>firstname</a:t>
+            </a:r>
+            <a:r>
+              <a:rPr lang="en-US" sz="1100" dirty="0">
+                <a:solidFill>
+                  <a:srgbClr val="2E2E2C"/>
+                </a:solidFill>
+                <a:latin typeface="Courier" charset="0"/>
+                <a:ea typeface="Courier" charset="0"/>
+                <a:cs typeface="Courier" charset="0"/>
+                <a:sym typeface="Consolas"/>
+              </a:rPr>
+              <a:t>: </a:t>
+            </a:r>
+            <a:r>
+              <a:rPr lang="en-US" sz="1100" dirty="0">
+                <a:solidFill>
+                  <a:srgbClr val="E40121"/>
+                </a:solidFill>
+                <a:latin typeface="Courier" charset="0"/>
+                <a:ea typeface="Courier" charset="0"/>
+                <a:cs typeface="Courier" charset="0"/>
+                <a:sym typeface="Consolas"/>
+              </a:rPr>
+              <a:t>“Matt"</a:t>
+            </a:r>
+            <a:r>
+              <a:rPr lang="en-US" sz="1100" dirty="0">
+                <a:solidFill>
+                  <a:srgbClr val="2E2E2C"/>
+                </a:solidFill>
+                <a:latin typeface="Courier" charset="0"/>
+                <a:ea typeface="Courier" charset="0"/>
+                <a:cs typeface="Courier" charset="0"/>
+                <a:sym typeface="Consolas"/>
+              </a:rPr>
+              <a:t>, </a:t>
+            </a:r>
+            <a:r>
+              <a:rPr lang="en-US" sz="1100" dirty="0" err="1">
+                <a:solidFill>
+                  <a:srgbClr val="2E2E2C"/>
+                </a:solidFill>
+                <a:latin typeface="Courier" charset="0"/>
+                <a:ea typeface="Courier" charset="0"/>
+                <a:cs typeface="Courier" charset="0"/>
+                <a:sym typeface="Consolas"/>
+              </a:rPr>
+              <a:t>lastname</a:t>
+            </a:r>
+            <a:r>
+              <a:rPr lang="en-US" sz="1100" dirty="0">
+                <a:solidFill>
+                  <a:srgbClr val="2E2E2C"/>
+                </a:solidFill>
+                <a:latin typeface="Courier" charset="0"/>
+                <a:ea typeface="Courier" charset="0"/>
+                <a:cs typeface="Courier" charset="0"/>
+                <a:sym typeface="Consolas"/>
+              </a:rPr>
+              <a:t>: </a:t>
+            </a:r>
+            <a:r>
+              <a:rPr lang="en-US" sz="1100" dirty="0">
+                <a:solidFill>
+                  <a:srgbClr val="E40121"/>
+                </a:solidFill>
+                <a:latin typeface="Courier" charset="0"/>
+                <a:ea typeface="Courier" charset="0"/>
+                <a:cs typeface="Courier" charset="0"/>
+                <a:sym typeface="Consolas"/>
+              </a:rPr>
+              <a:t>“Groves“ </a:t>
+            </a:r>
+            <a:r>
+              <a:rPr lang="en-US" sz="1100" dirty="0">
+                <a:solidFill>
+                  <a:srgbClr val="2E2E2C"/>
+                </a:solidFill>
+                <a:latin typeface="Courier" charset="0"/>
+                <a:ea typeface="Courier" charset="0"/>
+                <a:cs typeface="Courier" charset="0"/>
+                <a:sym typeface="Consolas"/>
+              </a:rPr>
+              <a:t>};</a:t>
+            </a:r>
+          </a:p>
+          <a:p>
+            <a:pPr marL="0" indent="0">
+              <a:buNone/>
+              <a:defRPr sz="1800">
+                <a:solidFill>
+                  <a:srgbClr val="000000"/>
+                </a:solidFill>
+              </a:defRPr>
+            </a:pPr>
+            <a:r>
+              <a:rPr lang="en-US" sz="1100" dirty="0" err="1">
+                <a:solidFill>
+                  <a:srgbClr val="2E2E2C"/>
+                </a:solidFill>
+                <a:latin typeface="Courier" charset="0"/>
+                <a:ea typeface="Courier" charset="0"/>
+                <a:cs typeface="Courier" charset="0"/>
+                <a:sym typeface="Consolas"/>
+              </a:rPr>
+              <a:t>myBucket.insert</a:t>
+            </a:r>
+            <a:r>
+              <a:rPr lang="en-US" sz="1100" dirty="0">
+                <a:solidFill>
+                  <a:srgbClr val="2E2E2C"/>
+                </a:solidFill>
+                <a:latin typeface="Courier" charset="0"/>
+                <a:ea typeface="Courier" charset="0"/>
+                <a:cs typeface="Courier" charset="0"/>
+                <a:sym typeface="Consolas"/>
+              </a:rPr>
+              <a:t>(</a:t>
+            </a:r>
+            <a:r>
+              <a:rPr lang="en-US" sz="1100" dirty="0">
+                <a:solidFill>
+                  <a:srgbClr val="E40121"/>
+                </a:solidFill>
+                <a:latin typeface="Courier" charset="0"/>
+                <a:ea typeface="Courier" charset="0"/>
+                <a:cs typeface="Courier" charset="0"/>
+                <a:sym typeface="Consolas"/>
+              </a:rPr>
+              <a:t>"my-key"</a:t>
+            </a:r>
+            <a:r>
+              <a:rPr lang="en-US" sz="1100" dirty="0">
+                <a:solidFill>
+                  <a:srgbClr val="2E2E2C"/>
+                </a:solidFill>
+                <a:latin typeface="Courier" charset="0"/>
+                <a:ea typeface="Courier" charset="0"/>
+                <a:cs typeface="Courier" charset="0"/>
+                <a:sym typeface="Consolas"/>
+              </a:rPr>
+              <a:t>, document, function(error, result) {});</a:t>
+            </a:r>
+          </a:p>
+        </p:txBody>
+      </p:sp>
+    </p:spTree>
+    <p:extLst>
+      <p:ext uri="{BB962C8B-B14F-4D97-AF65-F5344CB8AC3E}">
+        <p14:creationId xmlns:p14="http://schemas.microsoft.com/office/powerpoint/2010/main" val="181234665"/>
+      </p:ext>
+    </p:extLst>
+  </p:cSld>
+  <p:clrMapOvr>
+    <a:masterClrMapping/>
+  </p:clrMapOvr>
+</p:sld>
+</file>
+
+<file path=ppt/slides/slide15.xml><?xml version="1.0" encoding="utf-8"?>
+<p:sld xmlns:a="http://schemas.openxmlformats.org/drawingml/2006/main" xmlns:r="http://schemas.openxmlformats.org/officeDocument/2006/relationships" xmlns:p="http://schemas.openxmlformats.org/presentationml/2006/main">
+  <p:cSld>
+    <p:spTree>
+      <p:nvGrpSpPr>
+        <p:cNvPr id="1" name=""/>
+        <p:cNvGrpSpPr/>
+        <p:nvPr/>
+      </p:nvGrpSpPr>
+      <p:grpSpPr>
+        <a:xfrm>
+          <a:off x="0" y="0"/>
+          <a:ext cx="0" cy="0"/>
+          <a:chOff x="0" y="0"/>
+          <a:chExt cx="0" cy="0"/>
+        </a:xfrm>
+      </p:grpSpPr>
+      <p:sp>
+        <p:nvSpPr>
+          <p:cNvPr id="2" name="Title 1"/>
+          <p:cNvSpPr>
+            <a:spLocks noGrp="1"/>
+          </p:cNvSpPr>
+          <p:nvPr>
+            <p:ph type="title"/>
+          </p:nvPr>
+        </p:nvSpPr>
+        <p:spPr/>
+        <p:txBody>
+          <a:bodyPr/>
+          <a:lstStyle/>
+          <a:p>
+            <a:r>
+              <a:rPr lang="en-US" dirty="0"/>
+              <a:t>SDK: Java</a:t>
+            </a:r>
+          </a:p>
+        </p:txBody>
+      </p:sp>
+      <p:sp>
+        <p:nvSpPr>
+          <p:cNvPr id="3" name="Content Placeholder 2"/>
+          <p:cNvSpPr txBox="1">
+            <a:spLocks/>
+          </p:cNvSpPr>
+          <p:nvPr/>
+        </p:nvSpPr>
+        <p:spPr>
+          <a:xfrm>
+            <a:off x="609600" y="704850"/>
             <a:ext cx="8007739" cy="3394472"/>
           </a:xfrm>
           <a:prstGeom prst="rect">
@@ -10427,12 +10624,8 @@
               <a:buChar char="•"/>
             </a:pPr>
             <a:r>
-              <a:rPr lang="en-US" dirty="0" err="1"/>
-              <a:t>mvn</a:t>
-            </a:r>
-            <a:r>
               <a:rPr lang="en-US" dirty="0"/>
-              <a:t> compile</a:t>
+              <a:t>Edit the pom.xml file</a:t>
             </a:r>
           </a:p>
           <a:p>
@@ -10675,643 +10868,1101 @@
       </p:sp>
       <p:sp>
         <p:nvSpPr>
-          <p:cNvPr id="5" name="Shape 1658"/>
-          <p:cNvSpPr txBox="1">
-            <a:spLocks/>
-          </p:cNvSpPr>
+          <p:cNvPr id="6" name="Rectangle 5"/>
+          <p:cNvSpPr/>
           <p:nvPr/>
         </p:nvSpPr>
         <p:spPr>
           <a:xfrm>
-            <a:off x="1424797" y="2631270"/>
-            <a:ext cx="6779014" cy="2420551"/>
+            <a:off x="1638883" y="2403872"/>
+            <a:ext cx="6432161" cy="2354491"/>
           </a:xfrm>
           <a:prstGeom prst="rect">
             <a:avLst/>
           </a:prstGeom>
         </p:spPr>
         <p:txBody>
-          <a:bodyPr lIns="0" tIns="0" rIns="0" bIns="0">
-            <a:noAutofit/>
+          <a:bodyPr wrap="square">
+            <a:spAutoFit/>
           </a:bodyPr>
-          <a:lstStyle>
-            <a:lvl1pPr marL="228600" indent="-228600" algn="l" defTabSz="457200" rtl="0" eaLnBrk="1" latinLnBrk="0" hangingPunct="1">
-              <a:spcBef>
-                <a:spcPts val="0"/>
-              </a:spcBef>
-              <a:buClr>
-                <a:schemeClr val="accent1"/>
-              </a:buClr>
-              <a:buFont typeface="Wingdings" charset="2"/>
-              <a:buChar char="§"/>
-              <a:defRPr sz="2400" kern="1200">
-                <a:solidFill>
-                  <a:schemeClr val="tx1"/>
-                </a:solidFill>
-                <a:latin typeface="+mn-lt"/>
-                <a:ea typeface="+mn-ea"/>
-                <a:cs typeface="+mn-cs"/>
-              </a:defRPr>
-            </a:lvl1pPr>
-            <a:lvl2pPr marL="455613" indent="-227013" algn="l" defTabSz="457200" rtl="0" eaLnBrk="1" latinLnBrk="0" hangingPunct="1">
-              <a:spcBef>
-                <a:spcPts val="0"/>
-              </a:spcBef>
-              <a:buClr>
-                <a:srgbClr val="262626"/>
-              </a:buClr>
-              <a:buFont typeface="Wingdings" charset="2"/>
-              <a:buChar char="§"/>
-              <a:defRPr sz="2000" kern="1200">
-                <a:solidFill>
-                  <a:schemeClr val="tx1"/>
-                </a:solidFill>
-                <a:latin typeface="+mn-lt"/>
-                <a:ea typeface="+mn-ea"/>
-                <a:cs typeface="+mn-cs"/>
-              </a:defRPr>
-            </a:lvl2pPr>
-            <a:lvl3pPr marL="455613" indent="-228600" algn="l" defTabSz="457200" rtl="0" eaLnBrk="1" latinLnBrk="0" hangingPunct="1">
-              <a:spcBef>
-                <a:spcPts val="0"/>
-              </a:spcBef>
-              <a:buClr>
-                <a:srgbClr val="262626"/>
-              </a:buClr>
-              <a:buFont typeface="Wingdings" charset="2"/>
-              <a:buChar char="§"/>
-              <a:defRPr sz="2000" kern="1200">
-                <a:solidFill>
-                  <a:schemeClr val="tx1"/>
-                </a:solidFill>
-                <a:latin typeface="+mn-lt"/>
-                <a:ea typeface="+mn-ea"/>
-                <a:cs typeface="+mn-cs"/>
-              </a:defRPr>
-            </a:lvl3pPr>
-            <a:lvl4pPr marL="455613" indent="-228600" algn="l" defTabSz="457200" rtl="0" eaLnBrk="1" latinLnBrk="0" hangingPunct="1">
-              <a:spcBef>
-                <a:spcPts val="0"/>
-              </a:spcBef>
-              <a:buClr>
-                <a:srgbClr val="262626"/>
-              </a:buClr>
-              <a:buFont typeface="Wingdings" charset="2"/>
-              <a:buChar char="§"/>
-              <a:defRPr sz="2000" kern="1200">
-                <a:solidFill>
-                  <a:schemeClr val="tx1"/>
-                </a:solidFill>
-                <a:latin typeface="+mn-lt"/>
-                <a:ea typeface="+mn-ea"/>
-                <a:cs typeface="+mn-cs"/>
-              </a:defRPr>
-            </a:lvl4pPr>
-            <a:lvl5pPr marL="455613" indent="-228600" algn="l" defTabSz="457200" rtl="0" eaLnBrk="1" latinLnBrk="0" hangingPunct="1">
-              <a:spcBef>
-                <a:spcPts val="200"/>
-              </a:spcBef>
-              <a:buClr>
-                <a:srgbClr val="262626"/>
-              </a:buClr>
-              <a:buFont typeface="Wingdings" charset="2"/>
-              <a:buChar char="§"/>
-              <a:defRPr sz="2000" kern="1200">
-                <a:solidFill>
-                  <a:schemeClr val="tx1"/>
-                </a:solidFill>
-                <a:latin typeface="+mn-lt"/>
-                <a:ea typeface="+mn-ea"/>
-                <a:cs typeface="+mn-cs"/>
-              </a:defRPr>
-            </a:lvl5pPr>
-            <a:lvl6pPr marL="2514600" indent="-228600" algn="l" defTabSz="457200" rtl="0" eaLnBrk="1" latinLnBrk="0" hangingPunct="1">
-              <a:spcBef>
-                <a:spcPct val="20000"/>
-              </a:spcBef>
-              <a:buFont typeface="Arial"/>
-              <a:buChar char="•"/>
-              <a:defRPr sz="2000" kern="1200">
-                <a:solidFill>
-                  <a:schemeClr val="tx1"/>
-                </a:solidFill>
-                <a:latin typeface="+mn-lt"/>
-                <a:ea typeface="+mn-ea"/>
-                <a:cs typeface="+mn-cs"/>
-              </a:defRPr>
-            </a:lvl6pPr>
-            <a:lvl7pPr marL="2971800" indent="-228600" algn="l" defTabSz="457200" rtl="0" eaLnBrk="1" latinLnBrk="0" hangingPunct="1">
-              <a:spcBef>
-                <a:spcPct val="20000"/>
-              </a:spcBef>
-              <a:buFont typeface="Arial"/>
-              <a:buChar char="•"/>
-              <a:defRPr sz="2000" kern="1200">
-                <a:solidFill>
-                  <a:schemeClr val="tx1"/>
-                </a:solidFill>
-                <a:latin typeface="+mn-lt"/>
-                <a:ea typeface="+mn-ea"/>
-                <a:cs typeface="+mn-cs"/>
-              </a:defRPr>
-            </a:lvl7pPr>
-            <a:lvl8pPr marL="3429000" indent="-228600" algn="l" defTabSz="457200" rtl="0" eaLnBrk="1" latinLnBrk="0" hangingPunct="1">
-              <a:spcBef>
-                <a:spcPct val="20000"/>
-              </a:spcBef>
-              <a:buFont typeface="Arial"/>
-              <a:buChar char="•"/>
-              <a:defRPr sz="2000" kern="1200">
-                <a:solidFill>
-                  <a:schemeClr val="tx1"/>
-                </a:solidFill>
-                <a:latin typeface="+mn-lt"/>
-                <a:ea typeface="+mn-ea"/>
-                <a:cs typeface="+mn-cs"/>
-              </a:defRPr>
-            </a:lvl8pPr>
-            <a:lvl9pPr marL="3886200" indent="-228600" algn="l" defTabSz="457200" rtl="0" eaLnBrk="1" latinLnBrk="0" hangingPunct="1">
-              <a:spcBef>
-                <a:spcPct val="20000"/>
-              </a:spcBef>
-              <a:buFont typeface="Arial"/>
-              <a:buChar char="•"/>
-              <a:defRPr sz="2000" kern="1200">
-                <a:solidFill>
-                  <a:schemeClr val="tx1"/>
-                </a:solidFill>
-                <a:latin typeface="+mn-lt"/>
-                <a:ea typeface="+mn-ea"/>
-                <a:cs typeface="+mn-cs"/>
-              </a:defRPr>
-            </a:lvl9pPr>
-          </a:lstStyle>
-          <a:p>
-            <a:pPr marL="0" indent="0">
-              <a:buNone/>
-              <a:defRPr sz="1800">
+          <a:lstStyle/>
+          <a:p>
+            <a:r>
+              <a:rPr lang="en-US" sz="1050" dirty="0">
+                <a:solidFill>
+                  <a:srgbClr val="008000"/>
+                </a:solidFill>
+                <a:highlight>
+                  <a:srgbClr val="FFFFFF"/>
+                </a:highlight>
+                <a:latin typeface="Consolas" panose="020B0609020204030204" pitchFamily="49" charset="0"/>
+              </a:rPr>
+              <a:t>// connecting to a cluster</a:t>
+            </a:r>
+          </a:p>
+          <a:p>
+            <a:r>
+              <a:rPr lang="en-US" sz="1050" dirty="0">
                 <a:solidFill>
                   <a:srgbClr val="000000"/>
                 </a:solidFill>
-              </a:defRPr>
-            </a:pPr>
-            <a:r>
-              <a:rPr lang="en-US" sz="1100" dirty="0">
-                <a:latin typeface="Courier" charset="0"/>
-                <a:ea typeface="Courier" charset="0"/>
-                <a:cs typeface="Courier" charset="0"/>
-                <a:sym typeface="Consolas"/>
-              </a:rPr>
-              <a:t>// connecting to a cluster</a:t>
-            </a:r>
-          </a:p>
-          <a:p>
-            <a:pPr marL="0" indent="0">
-              <a:buNone/>
-              <a:defRPr sz="1800">
+                <a:highlight>
+                  <a:srgbClr val="FFFFFF"/>
+                </a:highlight>
+                <a:latin typeface="Consolas" panose="020B0609020204030204" pitchFamily="49" charset="0"/>
+              </a:rPr>
+              <a:t>Cluster </a:t>
+            </a:r>
+            <a:r>
+              <a:rPr lang="en-US" sz="1050" dirty="0" err="1">
                 <a:solidFill>
                   <a:srgbClr val="000000"/>
                 </a:solidFill>
-              </a:defRPr>
-            </a:pPr>
-            <a:r>
-              <a:rPr lang="en-US" sz="1100" dirty="0">
-                <a:latin typeface="Courier" charset="0"/>
-                <a:ea typeface="Courier" charset="0"/>
-                <a:cs typeface="Courier" charset="0"/>
-                <a:sym typeface="Consolas"/>
-              </a:rPr>
-              <a:t>Cluster </a:t>
-            </a:r>
-            <a:r>
-              <a:rPr lang="en-US" sz="1100" dirty="0" err="1">
-                <a:latin typeface="Courier" charset="0"/>
-                <a:ea typeface="Courier" charset="0"/>
-                <a:cs typeface="Courier" charset="0"/>
-                <a:sym typeface="Consolas"/>
+                <a:highlight>
+                  <a:srgbClr val="FFFFFF"/>
+                </a:highlight>
+                <a:latin typeface="Consolas" panose="020B0609020204030204" pitchFamily="49" charset="0"/>
               </a:rPr>
               <a:t>cluster</a:t>
             </a:r>
             <a:r>
-              <a:rPr lang="en-US" sz="1100" dirty="0">
-                <a:latin typeface="Courier" charset="0"/>
-                <a:ea typeface="Courier" charset="0"/>
-                <a:cs typeface="Courier" charset="0"/>
-                <a:sym typeface="Consolas"/>
-              </a:rPr>
-              <a:t> = </a:t>
-            </a:r>
-            <a:r>
-              <a:rPr lang="en-US" sz="1100" dirty="0" err="1">
-                <a:latin typeface="Courier" charset="0"/>
-                <a:ea typeface="Courier" charset="0"/>
-                <a:cs typeface="Courier" charset="0"/>
-                <a:sym typeface="Consolas"/>
-              </a:rPr>
-              <a:t>CouchbaseCluster.create</a:t>
-            </a:r>
-            <a:r>
-              <a:rPr lang="en-US" sz="1100" dirty="0">
-                <a:latin typeface="Courier" charset="0"/>
-                <a:ea typeface="Courier" charset="0"/>
-                <a:cs typeface="Courier" charset="0"/>
-                <a:sym typeface="Consolas"/>
-              </a:rPr>
-              <a:t>("localhost");</a:t>
-            </a:r>
-          </a:p>
-          <a:p>
-            <a:pPr marL="0" indent="0">
-              <a:buNone/>
-              <a:defRPr sz="1800">
+              <a:rPr lang="en-US" sz="1050" dirty="0">
                 <a:solidFill>
                   <a:srgbClr val="000000"/>
                 </a:solidFill>
-              </a:defRPr>
-            </a:pPr>
-            <a:endParaRPr lang="en-US" sz="1100" dirty="0">
-              <a:latin typeface="Courier" charset="0"/>
-              <a:ea typeface="Courier" charset="0"/>
-              <a:cs typeface="Courier" charset="0"/>
-              <a:sym typeface="Consolas"/>
+                <a:highlight>
+                  <a:srgbClr val="FFFFFF"/>
+                </a:highlight>
+                <a:latin typeface="Consolas" panose="020B0609020204030204" pitchFamily="49" charset="0"/>
+              </a:rPr>
+              <a:t> </a:t>
+            </a:r>
+            <a:r>
+              <a:rPr lang="en-US" sz="1050" b="1" dirty="0">
+                <a:solidFill>
+                  <a:srgbClr val="000080"/>
+                </a:solidFill>
+                <a:highlight>
+                  <a:srgbClr val="FFFFFF"/>
+                </a:highlight>
+                <a:latin typeface="Consolas" panose="020B0609020204030204" pitchFamily="49" charset="0"/>
+              </a:rPr>
+              <a:t>=</a:t>
+            </a:r>
+            <a:r>
+              <a:rPr lang="en-US" sz="1050" dirty="0">
+                <a:solidFill>
+                  <a:srgbClr val="000000"/>
+                </a:solidFill>
+                <a:highlight>
+                  <a:srgbClr val="FFFFFF"/>
+                </a:highlight>
+                <a:latin typeface="Consolas" panose="020B0609020204030204" pitchFamily="49" charset="0"/>
+              </a:rPr>
+              <a:t> </a:t>
+            </a:r>
+            <a:r>
+              <a:rPr lang="en-US" sz="1050" dirty="0" err="1">
+                <a:solidFill>
+                  <a:srgbClr val="000000"/>
+                </a:solidFill>
+                <a:highlight>
+                  <a:srgbClr val="FFFFFF"/>
+                </a:highlight>
+                <a:latin typeface="Consolas" panose="020B0609020204030204" pitchFamily="49" charset="0"/>
+              </a:rPr>
+              <a:t>CouchbaseCluster</a:t>
+            </a:r>
+            <a:r>
+              <a:rPr lang="en-US" sz="1050" b="1" dirty="0" err="1">
+                <a:solidFill>
+                  <a:srgbClr val="000080"/>
+                </a:solidFill>
+                <a:highlight>
+                  <a:srgbClr val="FFFFFF"/>
+                </a:highlight>
+                <a:latin typeface="Consolas" panose="020B0609020204030204" pitchFamily="49" charset="0"/>
+              </a:rPr>
+              <a:t>.</a:t>
+            </a:r>
+            <a:r>
+              <a:rPr lang="en-US" sz="1050" dirty="0" err="1">
+                <a:solidFill>
+                  <a:srgbClr val="000000"/>
+                </a:solidFill>
+                <a:highlight>
+                  <a:srgbClr val="FFFFFF"/>
+                </a:highlight>
+                <a:latin typeface="Consolas" panose="020B0609020204030204" pitchFamily="49" charset="0"/>
+              </a:rPr>
+              <a:t>create</a:t>
+            </a:r>
+            <a:r>
+              <a:rPr lang="en-US" sz="1050" b="1" dirty="0">
+                <a:solidFill>
+                  <a:srgbClr val="000080"/>
+                </a:solidFill>
+                <a:highlight>
+                  <a:srgbClr val="FFFFFF"/>
+                </a:highlight>
+                <a:latin typeface="Consolas" panose="020B0609020204030204" pitchFamily="49" charset="0"/>
+              </a:rPr>
+              <a:t>(</a:t>
+            </a:r>
+            <a:r>
+              <a:rPr lang="en-US" sz="1050" dirty="0">
+                <a:solidFill>
+                  <a:srgbClr val="808080"/>
+                </a:solidFill>
+                <a:highlight>
+                  <a:srgbClr val="FFFFFF"/>
+                </a:highlight>
+                <a:latin typeface="Consolas" panose="020B0609020204030204" pitchFamily="49" charset="0"/>
+              </a:rPr>
+              <a:t>"localhost"</a:t>
+            </a:r>
+            <a:r>
+              <a:rPr lang="en-US" sz="1050" b="1" dirty="0">
+                <a:solidFill>
+                  <a:srgbClr val="000080"/>
+                </a:solidFill>
+                <a:highlight>
+                  <a:srgbClr val="FFFFFF"/>
+                </a:highlight>
+                <a:latin typeface="Consolas" panose="020B0609020204030204" pitchFamily="49" charset="0"/>
+              </a:rPr>
+              <a:t>);</a:t>
+            </a:r>
+            <a:endParaRPr lang="en-US" sz="1050" dirty="0">
+              <a:solidFill>
+                <a:srgbClr val="000000"/>
+              </a:solidFill>
+              <a:highlight>
+                <a:srgbClr val="FFFFFF"/>
+              </a:highlight>
+              <a:latin typeface="Consolas" panose="020B0609020204030204" pitchFamily="49" charset="0"/>
             </a:endParaRPr>
           </a:p>
           <a:p>
-            <a:pPr marL="0" indent="0">
-              <a:buNone/>
-              <a:defRPr sz="1800">
+            <a:endParaRPr lang="en-US" sz="1050" dirty="0">
+              <a:solidFill>
+                <a:srgbClr val="000000"/>
+              </a:solidFill>
+              <a:highlight>
+                <a:srgbClr val="FFFFFF"/>
+              </a:highlight>
+              <a:latin typeface="Consolas" panose="020B0609020204030204" pitchFamily="49" charset="0"/>
+            </a:endParaRPr>
+          </a:p>
+          <a:p>
+            <a:r>
+              <a:rPr lang="en-US" sz="1050" dirty="0">
+                <a:solidFill>
+                  <a:srgbClr val="008000"/>
+                </a:solidFill>
+                <a:highlight>
+                  <a:srgbClr val="FFFFFF"/>
+                </a:highlight>
+                <a:latin typeface="Consolas" panose="020B0609020204030204" pitchFamily="49" charset="0"/>
+              </a:rPr>
+              <a:t>// opening a bucket in the cluster</a:t>
+            </a:r>
+          </a:p>
+          <a:p>
+            <a:r>
+              <a:rPr lang="en-US" sz="1050" dirty="0">
                 <a:solidFill>
                   <a:srgbClr val="000000"/>
                 </a:solidFill>
-              </a:defRPr>
-            </a:pPr>
-            <a:r>
-              <a:rPr lang="en-US" sz="1100" dirty="0">
-                <a:latin typeface="Courier" charset="0"/>
-                <a:ea typeface="Courier" charset="0"/>
-                <a:cs typeface="Courier" charset="0"/>
-                <a:sym typeface="Consolas"/>
-              </a:rPr>
-              <a:t>// opening a bucket in the cluster</a:t>
-            </a:r>
-          </a:p>
-          <a:p>
-            <a:pPr marL="0" indent="0">
-              <a:buNone/>
-              <a:defRPr sz="1800">
+                <a:highlight>
+                  <a:srgbClr val="FFFFFF"/>
+                </a:highlight>
+                <a:latin typeface="Consolas" panose="020B0609020204030204" pitchFamily="49" charset="0"/>
+              </a:rPr>
+              <a:t>Bucket </a:t>
+            </a:r>
+            <a:r>
+              <a:rPr lang="en-US" sz="1050" dirty="0" err="1">
                 <a:solidFill>
                   <a:srgbClr val="000000"/>
                 </a:solidFill>
-              </a:defRPr>
-            </a:pPr>
-            <a:r>
-              <a:rPr lang="en-US" sz="1100" dirty="0">
-                <a:latin typeface="Courier" charset="0"/>
-                <a:ea typeface="Courier" charset="0"/>
-                <a:cs typeface="Courier" charset="0"/>
-                <a:sym typeface="Consolas"/>
-              </a:rPr>
-              <a:t>Bucket </a:t>
-            </a:r>
-            <a:r>
-              <a:rPr lang="en-US" sz="1100" dirty="0" err="1">
-                <a:latin typeface="Courier" charset="0"/>
-                <a:ea typeface="Courier" charset="0"/>
-                <a:cs typeface="Courier" charset="0"/>
-                <a:sym typeface="Consolas"/>
+                <a:highlight>
+                  <a:srgbClr val="FFFFFF"/>
+                </a:highlight>
+                <a:latin typeface="Consolas" panose="020B0609020204030204" pitchFamily="49" charset="0"/>
               </a:rPr>
               <a:t>bucket</a:t>
             </a:r>
             <a:r>
-              <a:rPr lang="en-US" sz="1100" dirty="0">
-                <a:latin typeface="Courier" charset="0"/>
-                <a:ea typeface="Courier" charset="0"/>
-                <a:cs typeface="Courier" charset="0"/>
-                <a:sym typeface="Consolas"/>
-              </a:rPr>
-              <a:t> = </a:t>
-            </a:r>
-            <a:r>
-              <a:rPr lang="en-US" sz="1100" dirty="0" err="1">
-                <a:latin typeface="Courier" charset="0"/>
-                <a:ea typeface="Courier" charset="0"/>
-                <a:cs typeface="Courier" charset="0"/>
-                <a:sym typeface="Consolas"/>
-              </a:rPr>
-              <a:t>cluster.openBucket</a:t>
-            </a:r>
-            <a:r>
-              <a:rPr lang="en-US" sz="1100" dirty="0">
-                <a:latin typeface="Courier" charset="0"/>
-                <a:ea typeface="Courier" charset="0"/>
-                <a:cs typeface="Courier" charset="0"/>
-                <a:sym typeface="Consolas"/>
-              </a:rPr>
-              <a:t>("default");</a:t>
-            </a:r>
-          </a:p>
-          <a:p>
-            <a:pPr marL="0" indent="0">
-              <a:buNone/>
-              <a:defRPr sz="1800">
+              <a:rPr lang="en-US" sz="1050" dirty="0">
                 <a:solidFill>
                   <a:srgbClr val="000000"/>
                 </a:solidFill>
-              </a:defRPr>
-            </a:pPr>
-            <a:endParaRPr lang="en-US" sz="1100" dirty="0">
-              <a:latin typeface="Courier" charset="0"/>
-              <a:ea typeface="Courier" charset="0"/>
-              <a:cs typeface="Courier" charset="0"/>
-              <a:sym typeface="Consolas"/>
+                <a:highlight>
+                  <a:srgbClr val="FFFFFF"/>
+                </a:highlight>
+                <a:latin typeface="Consolas" panose="020B0609020204030204" pitchFamily="49" charset="0"/>
+              </a:rPr>
+              <a:t> </a:t>
+            </a:r>
+            <a:r>
+              <a:rPr lang="en-US" sz="1050" b="1" dirty="0">
+                <a:solidFill>
+                  <a:srgbClr val="000080"/>
+                </a:solidFill>
+                <a:highlight>
+                  <a:srgbClr val="FFFFFF"/>
+                </a:highlight>
+                <a:latin typeface="Consolas" panose="020B0609020204030204" pitchFamily="49" charset="0"/>
+              </a:rPr>
+              <a:t>=</a:t>
+            </a:r>
+            <a:r>
+              <a:rPr lang="en-US" sz="1050" dirty="0">
+                <a:solidFill>
+                  <a:srgbClr val="000000"/>
+                </a:solidFill>
+                <a:highlight>
+                  <a:srgbClr val="FFFFFF"/>
+                </a:highlight>
+                <a:latin typeface="Consolas" panose="020B0609020204030204" pitchFamily="49" charset="0"/>
+              </a:rPr>
+              <a:t> </a:t>
+            </a:r>
+            <a:r>
+              <a:rPr lang="en-US" sz="1050" dirty="0" err="1">
+                <a:solidFill>
+                  <a:srgbClr val="000000"/>
+                </a:solidFill>
+                <a:highlight>
+                  <a:srgbClr val="FFFFFF"/>
+                </a:highlight>
+                <a:latin typeface="Consolas" panose="020B0609020204030204" pitchFamily="49" charset="0"/>
+              </a:rPr>
+              <a:t>cluster</a:t>
+            </a:r>
+            <a:r>
+              <a:rPr lang="en-US" sz="1050" b="1" dirty="0" err="1">
+                <a:solidFill>
+                  <a:srgbClr val="000080"/>
+                </a:solidFill>
+                <a:highlight>
+                  <a:srgbClr val="FFFFFF"/>
+                </a:highlight>
+                <a:latin typeface="Consolas" panose="020B0609020204030204" pitchFamily="49" charset="0"/>
+              </a:rPr>
+              <a:t>.</a:t>
+            </a:r>
+            <a:r>
+              <a:rPr lang="en-US" sz="1050" dirty="0" err="1">
+                <a:solidFill>
+                  <a:srgbClr val="000000"/>
+                </a:solidFill>
+                <a:highlight>
+                  <a:srgbClr val="FFFFFF"/>
+                </a:highlight>
+                <a:latin typeface="Consolas" panose="020B0609020204030204" pitchFamily="49" charset="0"/>
+              </a:rPr>
+              <a:t>openBucket</a:t>
+            </a:r>
+            <a:r>
+              <a:rPr lang="en-US" sz="1050" b="1" dirty="0">
+                <a:solidFill>
+                  <a:srgbClr val="000080"/>
+                </a:solidFill>
+                <a:highlight>
+                  <a:srgbClr val="FFFFFF"/>
+                </a:highlight>
+                <a:latin typeface="Consolas" panose="020B0609020204030204" pitchFamily="49" charset="0"/>
+              </a:rPr>
+              <a:t>(</a:t>
+            </a:r>
+            <a:r>
+              <a:rPr lang="en-US" sz="1050" dirty="0">
+                <a:solidFill>
+                  <a:srgbClr val="808080"/>
+                </a:solidFill>
+                <a:highlight>
+                  <a:srgbClr val="FFFFFF"/>
+                </a:highlight>
+                <a:latin typeface="Consolas" panose="020B0609020204030204" pitchFamily="49" charset="0"/>
+              </a:rPr>
+              <a:t>"default"</a:t>
+            </a:r>
+            <a:r>
+              <a:rPr lang="en-US" sz="1050" b="1" dirty="0">
+                <a:solidFill>
+                  <a:srgbClr val="000080"/>
+                </a:solidFill>
+                <a:highlight>
+                  <a:srgbClr val="FFFFFF"/>
+                </a:highlight>
+                <a:latin typeface="Consolas" panose="020B0609020204030204" pitchFamily="49" charset="0"/>
+              </a:rPr>
+              <a:t>);</a:t>
+            </a:r>
+            <a:endParaRPr lang="en-US" sz="1050" dirty="0">
+              <a:solidFill>
+                <a:srgbClr val="000000"/>
+              </a:solidFill>
+              <a:highlight>
+                <a:srgbClr val="FFFFFF"/>
+              </a:highlight>
+              <a:latin typeface="Consolas" panose="020B0609020204030204" pitchFamily="49" charset="0"/>
             </a:endParaRPr>
           </a:p>
           <a:p>
-            <a:pPr marL="0" indent="0">
-              <a:buNone/>
-              <a:defRPr sz="1800">
+            <a:endParaRPr lang="en-US" sz="1050" dirty="0">
+              <a:solidFill>
+                <a:srgbClr val="000000"/>
+              </a:solidFill>
+              <a:highlight>
+                <a:srgbClr val="FFFFFF"/>
+              </a:highlight>
+              <a:latin typeface="Consolas" panose="020B0609020204030204" pitchFamily="49" charset="0"/>
+            </a:endParaRPr>
+          </a:p>
+          <a:p>
+            <a:r>
+              <a:rPr lang="en-US" sz="1050" dirty="0">
+                <a:solidFill>
+                  <a:srgbClr val="008000"/>
+                </a:solidFill>
+                <a:highlight>
+                  <a:srgbClr val="FFFFFF"/>
+                </a:highlight>
+                <a:latin typeface="Consolas" panose="020B0609020204030204" pitchFamily="49" charset="0"/>
+              </a:rPr>
+              <a:t>// preparing N1QL</a:t>
+            </a:r>
+          </a:p>
+          <a:p>
+            <a:r>
+              <a:rPr lang="en-US" sz="1050" dirty="0">
                 <a:solidFill>
                   <a:srgbClr val="000000"/>
                 </a:solidFill>
-              </a:defRPr>
-            </a:pPr>
-            <a:r>
-              <a:rPr lang="en-US" sz="1100" dirty="0">
-                <a:latin typeface="Courier" charset="0"/>
-                <a:ea typeface="Courier" charset="0"/>
-                <a:cs typeface="Courier" charset="0"/>
-                <a:sym typeface="Consolas"/>
-              </a:rPr>
-              <a:t>// preparing N1QL</a:t>
-            </a:r>
-          </a:p>
-          <a:p>
-            <a:pPr marL="0" indent="0">
-              <a:buNone/>
-              <a:defRPr sz="1800">
+                <a:highlight>
+                  <a:srgbClr val="FFFFFF"/>
+                </a:highlight>
+                <a:latin typeface="Consolas" panose="020B0609020204030204" pitchFamily="49" charset="0"/>
+              </a:rPr>
+              <a:t>N1qlQuery query </a:t>
+            </a:r>
+            <a:r>
+              <a:rPr lang="en-US" sz="1050" b="1" dirty="0">
+                <a:solidFill>
+                  <a:srgbClr val="000080"/>
+                </a:solidFill>
+                <a:highlight>
+                  <a:srgbClr val="FFFFFF"/>
+                </a:highlight>
+                <a:latin typeface="Consolas" panose="020B0609020204030204" pitchFamily="49" charset="0"/>
+              </a:rPr>
+              <a:t>=</a:t>
+            </a:r>
+            <a:r>
+              <a:rPr lang="en-US" sz="1050" dirty="0">
                 <a:solidFill>
                   <a:srgbClr val="000000"/>
                 </a:solidFill>
-              </a:defRPr>
-            </a:pPr>
-            <a:r>
-              <a:rPr lang="en-US" sz="1100" dirty="0">
-                <a:latin typeface="Courier" charset="0"/>
-                <a:ea typeface="Courier" charset="0"/>
-                <a:cs typeface="Courier" charset="0"/>
-                <a:sym typeface="Consolas"/>
-              </a:rPr>
-              <a:t>N1qlQuery query =  N1qlQuery.parameterized(“SELECT * FROM `travel-sample`”);</a:t>
-            </a:r>
-          </a:p>
-          <a:p>
-            <a:pPr marL="0" indent="0">
-              <a:buNone/>
-              <a:defRPr sz="1800">
+                <a:highlight>
+                  <a:srgbClr val="FFFFFF"/>
+                </a:highlight>
+                <a:latin typeface="Consolas" panose="020B0609020204030204" pitchFamily="49" charset="0"/>
+              </a:rPr>
+              <a:t>  N1qlQuery</a:t>
+            </a:r>
+            <a:r>
+              <a:rPr lang="en-US" sz="1050" b="1" dirty="0">
+                <a:solidFill>
+                  <a:srgbClr val="000080"/>
+                </a:solidFill>
+                <a:highlight>
+                  <a:srgbClr val="FFFFFF"/>
+                </a:highlight>
+                <a:latin typeface="Consolas" panose="020B0609020204030204" pitchFamily="49" charset="0"/>
+              </a:rPr>
+              <a:t>.</a:t>
+            </a:r>
+            <a:r>
+              <a:rPr lang="en-US" sz="1050" dirty="0">
                 <a:solidFill>
                   <a:srgbClr val="000000"/>
                 </a:solidFill>
-              </a:defRPr>
-            </a:pPr>
-            <a:endParaRPr lang="en-US" sz="1100" dirty="0">
+                <a:highlight>
+                  <a:srgbClr val="FFFFFF"/>
+                </a:highlight>
+                <a:latin typeface="Consolas" panose="020B0609020204030204" pitchFamily="49" charset="0"/>
+              </a:rPr>
+              <a:t>parameterized</a:t>
+            </a:r>
+            <a:r>
+              <a:rPr lang="en-US" sz="1050" b="1" dirty="0">
+                <a:solidFill>
+                  <a:srgbClr val="000080"/>
+                </a:solidFill>
+                <a:highlight>
+                  <a:srgbClr val="FFFFFF"/>
+                </a:highlight>
+                <a:latin typeface="Consolas" panose="020B0609020204030204" pitchFamily="49" charset="0"/>
+              </a:rPr>
+              <a:t>(</a:t>
+            </a:r>
+            <a:r>
+              <a:rPr lang="en-US" sz="1050" dirty="0">
+                <a:solidFill>
+                  <a:srgbClr val="000000"/>
+                </a:solidFill>
+                <a:highlight>
+                  <a:srgbClr val="FFFFFF"/>
+                </a:highlight>
+                <a:latin typeface="Consolas" panose="020B0609020204030204" pitchFamily="49" charset="0"/>
+              </a:rPr>
+              <a:t>“SELECT </a:t>
+            </a:r>
+            <a:r>
+              <a:rPr lang="en-US" sz="1050" b="1" dirty="0">
+                <a:solidFill>
+                  <a:srgbClr val="000080"/>
+                </a:solidFill>
+                <a:highlight>
+                  <a:srgbClr val="FFFFFF"/>
+                </a:highlight>
+                <a:latin typeface="Consolas" panose="020B0609020204030204" pitchFamily="49" charset="0"/>
+              </a:rPr>
+              <a:t>*</a:t>
+            </a:r>
+            <a:r>
+              <a:rPr lang="en-US" sz="1050" dirty="0">
+                <a:solidFill>
+                  <a:srgbClr val="000000"/>
+                </a:solidFill>
+                <a:highlight>
+                  <a:srgbClr val="FFFFFF"/>
+                </a:highlight>
+                <a:latin typeface="Consolas" panose="020B0609020204030204" pitchFamily="49" charset="0"/>
+              </a:rPr>
+              <a:t> FROM `travel</a:t>
+            </a:r>
+            <a:r>
+              <a:rPr lang="en-US" sz="1050" b="1" dirty="0">
+                <a:solidFill>
+                  <a:srgbClr val="000080"/>
+                </a:solidFill>
+                <a:highlight>
+                  <a:srgbClr val="FFFFFF"/>
+                </a:highlight>
+                <a:latin typeface="Consolas" panose="020B0609020204030204" pitchFamily="49" charset="0"/>
+              </a:rPr>
+              <a:t>-</a:t>
+            </a:r>
+            <a:r>
+              <a:rPr lang="en-US" sz="1050" dirty="0">
+                <a:solidFill>
+                  <a:srgbClr val="000000"/>
+                </a:solidFill>
+                <a:highlight>
+                  <a:srgbClr val="FFFFFF"/>
+                </a:highlight>
+                <a:latin typeface="Consolas" panose="020B0609020204030204" pitchFamily="49" charset="0"/>
+              </a:rPr>
+              <a:t>sample`”</a:t>
+            </a:r>
+            <a:r>
+              <a:rPr lang="en-US" sz="1050" b="1" dirty="0">
+                <a:solidFill>
+                  <a:srgbClr val="000080"/>
+                </a:solidFill>
+                <a:highlight>
+                  <a:srgbClr val="FFFFFF"/>
+                </a:highlight>
+                <a:latin typeface="Consolas" panose="020B0609020204030204" pitchFamily="49" charset="0"/>
+              </a:rPr>
+              <a:t>);</a:t>
+            </a:r>
+            <a:endParaRPr lang="en-US" sz="1050" dirty="0">
               <a:solidFill>
-                <a:srgbClr val="2E2E2C"/>
+                <a:srgbClr val="000000"/>
               </a:solidFill>
-              <a:latin typeface="Courier" charset="0"/>
-              <a:ea typeface="Courier" charset="0"/>
-              <a:cs typeface="Courier" charset="0"/>
-              <a:sym typeface="Consolas"/>
+              <a:highlight>
+                <a:srgbClr val="FFFFFF"/>
+              </a:highlight>
+              <a:latin typeface="Consolas" panose="020B0609020204030204" pitchFamily="49" charset="0"/>
             </a:endParaRPr>
           </a:p>
           <a:p>
-            <a:pPr marL="0" indent="0">
-              <a:buNone/>
-              <a:defRPr sz="1800">
+            <a:endParaRPr lang="en-US" sz="1050" dirty="0">
+              <a:solidFill>
+                <a:srgbClr val="000000"/>
+              </a:solidFill>
+              <a:highlight>
+                <a:srgbClr val="FFFFFF"/>
+              </a:highlight>
+              <a:latin typeface="Consolas" panose="020B0609020204030204" pitchFamily="49" charset="0"/>
+            </a:endParaRPr>
+          </a:p>
+          <a:p>
+            <a:r>
+              <a:rPr lang="en-US" sz="1050" dirty="0">
+                <a:solidFill>
+                  <a:srgbClr val="008000"/>
+                </a:solidFill>
+                <a:highlight>
+                  <a:srgbClr val="FFFFFF"/>
+                </a:highlight>
+                <a:latin typeface="Consolas" panose="020B0609020204030204" pitchFamily="49" charset="0"/>
+              </a:rPr>
+              <a:t>// creating and saving a document</a:t>
+            </a:r>
+          </a:p>
+          <a:p>
+            <a:r>
+              <a:rPr lang="en-US" sz="1050" dirty="0" err="1">
                 <a:solidFill>
                   <a:srgbClr val="000000"/>
                 </a:solidFill>
-              </a:defRPr>
-            </a:pPr>
-            <a:r>
-              <a:rPr lang="en-US" sz="1100" dirty="0">
-                <a:solidFill>
-                  <a:srgbClr val="2E2E2C"/>
-                </a:solidFill>
-                <a:latin typeface="Courier" charset="0"/>
-                <a:ea typeface="Courier" charset="0"/>
-                <a:cs typeface="Courier" charset="0"/>
-                <a:sym typeface="Consolas"/>
-              </a:rPr>
-              <a:t>// creating and saving a document</a:t>
-            </a:r>
-          </a:p>
-          <a:p>
-            <a:pPr marL="0" indent="0">
-              <a:buNone/>
-              <a:defRPr sz="1800">
+                <a:highlight>
+                  <a:srgbClr val="FFFFFF"/>
+                </a:highlight>
+                <a:latin typeface="Consolas" panose="020B0609020204030204" pitchFamily="49" charset="0"/>
+              </a:rPr>
+              <a:t>JsonObject</a:t>
+            </a:r>
+            <a:r>
+              <a:rPr lang="en-US" sz="1050" dirty="0">
                 <a:solidFill>
                   <a:srgbClr val="000000"/>
                 </a:solidFill>
-              </a:defRPr>
-            </a:pPr>
-            <a:r>
-              <a:rPr lang="en-US" sz="1100" dirty="0" err="1">
-                <a:solidFill>
-                  <a:srgbClr val="2E2E2C"/>
-                </a:solidFill>
-                <a:latin typeface="Courier" charset="0"/>
-                <a:ea typeface="Courier" charset="0"/>
-                <a:cs typeface="Courier" charset="0"/>
-                <a:sym typeface="Consolas"/>
+                <a:highlight>
+                  <a:srgbClr val="FFFFFF"/>
+                </a:highlight>
+                <a:latin typeface="Consolas" panose="020B0609020204030204" pitchFamily="49" charset="0"/>
+              </a:rPr>
+              <a:t> person </a:t>
+            </a:r>
+            <a:r>
+              <a:rPr lang="en-US" sz="1050" b="1" dirty="0">
+                <a:solidFill>
+                  <a:srgbClr val="000080"/>
+                </a:solidFill>
+                <a:highlight>
+                  <a:srgbClr val="FFFFFF"/>
+                </a:highlight>
+                <a:latin typeface="Consolas" panose="020B0609020204030204" pitchFamily="49" charset="0"/>
+              </a:rPr>
+              <a:t>=</a:t>
+            </a:r>
+            <a:r>
+              <a:rPr lang="en-US" sz="1050" dirty="0">
+                <a:solidFill>
+                  <a:srgbClr val="000000"/>
+                </a:solidFill>
+                <a:highlight>
+                  <a:srgbClr val="FFFFFF"/>
+                </a:highlight>
+                <a:latin typeface="Consolas" panose="020B0609020204030204" pitchFamily="49" charset="0"/>
+              </a:rPr>
+              <a:t> </a:t>
+            </a:r>
+            <a:r>
+              <a:rPr lang="en-US" sz="1050" dirty="0" err="1">
+                <a:solidFill>
+                  <a:srgbClr val="000000"/>
+                </a:solidFill>
+                <a:highlight>
+                  <a:srgbClr val="FFFFFF"/>
+                </a:highlight>
+                <a:latin typeface="Consolas" panose="020B0609020204030204" pitchFamily="49" charset="0"/>
               </a:rPr>
               <a:t>JsonObject</a:t>
             </a:r>
             <a:r>
-              <a:rPr lang="en-US" sz="1100" dirty="0">
-                <a:solidFill>
-                  <a:srgbClr val="2E2E2C"/>
-                </a:solidFill>
-                <a:latin typeface="Courier" charset="0"/>
-                <a:ea typeface="Courier" charset="0"/>
-                <a:cs typeface="Courier" charset="0"/>
-                <a:sym typeface="Consolas"/>
-              </a:rPr>
-              <a:t> person = </a:t>
-            </a:r>
-            <a:r>
-              <a:rPr lang="en-US" sz="1100" dirty="0" err="1">
-                <a:solidFill>
-                  <a:srgbClr val="2E2E2C"/>
-                </a:solidFill>
-                <a:latin typeface="Courier" charset="0"/>
-                <a:ea typeface="Courier" charset="0"/>
-                <a:cs typeface="Courier" charset="0"/>
-                <a:sym typeface="Consolas"/>
-              </a:rPr>
-              <a:t>JsonObject.create</a:t>
-            </a:r>
-            <a:r>
-              <a:rPr lang="en-US" sz="1100" dirty="0">
-                <a:solidFill>
-                  <a:srgbClr val="2E2E2C"/>
-                </a:solidFill>
-                <a:latin typeface="Courier" charset="0"/>
-                <a:ea typeface="Courier" charset="0"/>
-                <a:cs typeface="Courier" charset="0"/>
-                <a:sym typeface="Consolas"/>
+              <a:rPr lang="en-US" sz="1050" b="1" dirty="0" err="1">
+                <a:solidFill>
+                  <a:srgbClr val="000080"/>
+                </a:solidFill>
+                <a:highlight>
+                  <a:srgbClr val="FFFFFF"/>
+                </a:highlight>
+                <a:latin typeface="Consolas" panose="020B0609020204030204" pitchFamily="49" charset="0"/>
+              </a:rPr>
+              <a:t>.</a:t>
+            </a:r>
+            <a:r>
+              <a:rPr lang="en-US" sz="1050" dirty="0" err="1">
+                <a:solidFill>
+                  <a:srgbClr val="000000"/>
+                </a:solidFill>
+                <a:highlight>
+                  <a:srgbClr val="FFFFFF"/>
+                </a:highlight>
+                <a:latin typeface="Consolas" panose="020B0609020204030204" pitchFamily="49" charset="0"/>
+              </a:rPr>
+              <a:t>create</a:t>
+            </a:r>
+            <a:r>
+              <a:rPr lang="en-US" sz="1050" b="1" dirty="0">
+                <a:solidFill>
+                  <a:srgbClr val="000080"/>
+                </a:solidFill>
+                <a:highlight>
+                  <a:srgbClr val="FFFFFF"/>
+                </a:highlight>
+                <a:latin typeface="Consolas" panose="020B0609020204030204" pitchFamily="49" charset="0"/>
               </a:rPr>
               <a:t>()</a:t>
             </a:r>
-          </a:p>
-          <a:p>
-            <a:pPr marL="0" indent="0">
-              <a:buNone/>
-              <a:defRPr sz="1800">
+            <a:endParaRPr lang="en-US" sz="1050" dirty="0">
+              <a:solidFill>
+                <a:srgbClr val="000000"/>
+              </a:solidFill>
+              <a:highlight>
+                <a:srgbClr val="FFFFFF"/>
+              </a:highlight>
+              <a:latin typeface="Consolas" panose="020B0609020204030204" pitchFamily="49" charset="0"/>
+            </a:endParaRPr>
+          </a:p>
+          <a:p>
+            <a:r>
+              <a:rPr lang="en-US" sz="1050" dirty="0">
                 <a:solidFill>
                   <a:srgbClr val="000000"/>
                 </a:solidFill>
-              </a:defRPr>
-            </a:pPr>
-            <a:r>
-              <a:rPr lang="en-US" sz="1100" dirty="0">
-                <a:solidFill>
-                  <a:srgbClr val="2E2E2C"/>
-                </a:solidFill>
-                <a:latin typeface="Courier" charset="0"/>
-                <a:ea typeface="Courier" charset="0"/>
-                <a:cs typeface="Courier" charset="0"/>
-                <a:sym typeface="Consolas"/>
-              </a:rPr>
-              <a:t>                .put("</a:t>
-            </a:r>
-            <a:r>
-              <a:rPr lang="en-US" sz="1100" dirty="0" err="1">
-                <a:solidFill>
-                  <a:srgbClr val="2E2E2C"/>
-                </a:solidFill>
-                <a:latin typeface="Courier" charset="0"/>
-                <a:ea typeface="Courier" charset="0"/>
-                <a:cs typeface="Courier" charset="0"/>
-                <a:sym typeface="Consolas"/>
+                <a:highlight>
+                  <a:srgbClr val="FFFFFF"/>
+                </a:highlight>
+                <a:latin typeface="Consolas" panose="020B0609020204030204" pitchFamily="49" charset="0"/>
+              </a:rPr>
+              <a:t>                </a:t>
+            </a:r>
+            <a:r>
+              <a:rPr lang="en-US" sz="1050" b="1" dirty="0">
+                <a:solidFill>
+                  <a:srgbClr val="000080"/>
+                </a:solidFill>
+                <a:highlight>
+                  <a:srgbClr val="FFFFFF"/>
+                </a:highlight>
+                <a:latin typeface="Consolas" panose="020B0609020204030204" pitchFamily="49" charset="0"/>
+              </a:rPr>
+              <a:t>.</a:t>
+            </a:r>
+            <a:r>
+              <a:rPr lang="en-US" sz="1050" dirty="0">
+                <a:solidFill>
+                  <a:srgbClr val="000000"/>
+                </a:solidFill>
+                <a:highlight>
+                  <a:srgbClr val="FFFFFF"/>
+                </a:highlight>
+                <a:latin typeface="Consolas" panose="020B0609020204030204" pitchFamily="49" charset="0"/>
+              </a:rPr>
+              <a:t>put</a:t>
+            </a:r>
+            <a:r>
+              <a:rPr lang="en-US" sz="1050" b="1" dirty="0">
+                <a:solidFill>
+                  <a:srgbClr val="000080"/>
+                </a:solidFill>
+                <a:highlight>
+                  <a:srgbClr val="FFFFFF"/>
+                </a:highlight>
+                <a:latin typeface="Consolas" panose="020B0609020204030204" pitchFamily="49" charset="0"/>
+              </a:rPr>
+              <a:t>(</a:t>
+            </a:r>
+            <a:r>
+              <a:rPr lang="en-US" sz="1050" dirty="0">
+                <a:solidFill>
+                  <a:srgbClr val="808080"/>
+                </a:solidFill>
+                <a:highlight>
+                  <a:srgbClr val="FFFFFF"/>
+                </a:highlight>
+                <a:latin typeface="Consolas" panose="020B0609020204030204" pitchFamily="49" charset="0"/>
+              </a:rPr>
+              <a:t>"</a:t>
+            </a:r>
+            <a:r>
+              <a:rPr lang="en-US" sz="1050" dirty="0" err="1">
+                <a:solidFill>
+                  <a:srgbClr val="808080"/>
+                </a:solidFill>
+                <a:highlight>
+                  <a:srgbClr val="FFFFFF"/>
+                </a:highlight>
+                <a:latin typeface="Consolas" panose="020B0609020204030204" pitchFamily="49" charset="0"/>
               </a:rPr>
               <a:t>firstName</a:t>
             </a:r>
             <a:r>
-              <a:rPr lang="en-US" sz="1100" dirty="0">
-                <a:solidFill>
-                  <a:srgbClr val="2E2E2C"/>
-                </a:solidFill>
-                <a:latin typeface="Courier" charset="0"/>
-                <a:ea typeface="Courier" charset="0"/>
-                <a:cs typeface="Courier" charset="0"/>
-                <a:sym typeface="Consolas"/>
-              </a:rPr>
-              <a:t>", "John")</a:t>
-            </a:r>
-          </a:p>
-          <a:p>
-            <a:pPr marL="0" indent="0">
-              <a:buNone/>
-              <a:defRPr sz="1800">
+              <a:rPr lang="en-US" sz="1050" dirty="0">
+                <a:solidFill>
+                  <a:srgbClr val="808080"/>
+                </a:solidFill>
+                <a:highlight>
+                  <a:srgbClr val="FFFFFF"/>
+                </a:highlight>
+                <a:latin typeface="Consolas" panose="020B0609020204030204" pitchFamily="49" charset="0"/>
+              </a:rPr>
+              <a:t>"</a:t>
+            </a:r>
+            <a:r>
+              <a:rPr lang="en-US" sz="1050" b="1" dirty="0">
+                <a:solidFill>
+                  <a:srgbClr val="000080"/>
+                </a:solidFill>
+                <a:highlight>
+                  <a:srgbClr val="FFFFFF"/>
+                </a:highlight>
+                <a:latin typeface="Consolas" panose="020B0609020204030204" pitchFamily="49" charset="0"/>
+              </a:rPr>
+              <a:t>,</a:t>
+            </a:r>
+            <a:r>
+              <a:rPr lang="en-US" sz="1050" dirty="0">
                 <a:solidFill>
                   <a:srgbClr val="000000"/>
                 </a:solidFill>
-              </a:defRPr>
-            </a:pPr>
-            <a:r>
-              <a:rPr lang="en-US" sz="1100" dirty="0">
-                <a:solidFill>
-                  <a:srgbClr val="2E2E2C"/>
-                </a:solidFill>
-                <a:latin typeface="Courier" charset="0"/>
-                <a:ea typeface="Courier" charset="0"/>
-                <a:cs typeface="Courier" charset="0"/>
-                <a:sym typeface="Consolas"/>
-              </a:rPr>
-              <a:t>                .put("</a:t>
-            </a:r>
-            <a:r>
-              <a:rPr lang="en-US" sz="1100" dirty="0" err="1">
-                <a:solidFill>
-                  <a:srgbClr val="2E2E2C"/>
-                </a:solidFill>
-                <a:latin typeface="Courier" charset="0"/>
-                <a:ea typeface="Courier" charset="0"/>
-                <a:cs typeface="Courier" charset="0"/>
-                <a:sym typeface="Consolas"/>
+                <a:highlight>
+                  <a:srgbClr val="FFFFFF"/>
+                </a:highlight>
+                <a:latin typeface="Consolas" panose="020B0609020204030204" pitchFamily="49" charset="0"/>
+              </a:rPr>
+              <a:t> </a:t>
+            </a:r>
+            <a:r>
+              <a:rPr lang="en-US" sz="1050" dirty="0">
+                <a:solidFill>
+                  <a:srgbClr val="808080"/>
+                </a:solidFill>
+                <a:highlight>
+                  <a:srgbClr val="FFFFFF"/>
+                </a:highlight>
+                <a:latin typeface="Consolas" panose="020B0609020204030204" pitchFamily="49" charset="0"/>
+              </a:rPr>
+              <a:t>"John"</a:t>
+            </a:r>
+            <a:r>
+              <a:rPr lang="en-US" sz="1050" b="1" dirty="0">
+                <a:solidFill>
+                  <a:srgbClr val="000080"/>
+                </a:solidFill>
+                <a:highlight>
+                  <a:srgbClr val="FFFFFF"/>
+                </a:highlight>
+                <a:latin typeface="Consolas" panose="020B0609020204030204" pitchFamily="49" charset="0"/>
+              </a:rPr>
+              <a:t>)</a:t>
+            </a:r>
+            <a:endParaRPr lang="en-US" sz="1050" dirty="0">
+              <a:solidFill>
+                <a:srgbClr val="000000"/>
+              </a:solidFill>
+              <a:highlight>
+                <a:srgbClr val="FFFFFF"/>
+              </a:highlight>
+              <a:latin typeface="Consolas" panose="020B0609020204030204" pitchFamily="49" charset="0"/>
+            </a:endParaRPr>
+          </a:p>
+          <a:p>
+            <a:r>
+              <a:rPr lang="en-US" sz="1050" dirty="0">
+                <a:solidFill>
+                  <a:srgbClr val="000000"/>
+                </a:solidFill>
+                <a:highlight>
+                  <a:srgbClr val="FFFFFF"/>
+                </a:highlight>
+                <a:latin typeface="Consolas" panose="020B0609020204030204" pitchFamily="49" charset="0"/>
+              </a:rPr>
+              <a:t>                </a:t>
+            </a:r>
+            <a:r>
+              <a:rPr lang="en-US" sz="1050" b="1" dirty="0">
+                <a:solidFill>
+                  <a:srgbClr val="000080"/>
+                </a:solidFill>
+                <a:highlight>
+                  <a:srgbClr val="FFFFFF"/>
+                </a:highlight>
+                <a:latin typeface="Consolas" panose="020B0609020204030204" pitchFamily="49" charset="0"/>
+              </a:rPr>
+              <a:t>.</a:t>
+            </a:r>
+            <a:r>
+              <a:rPr lang="en-US" sz="1050" dirty="0">
+                <a:solidFill>
+                  <a:srgbClr val="000000"/>
+                </a:solidFill>
+                <a:highlight>
+                  <a:srgbClr val="FFFFFF"/>
+                </a:highlight>
+                <a:latin typeface="Consolas" panose="020B0609020204030204" pitchFamily="49" charset="0"/>
+              </a:rPr>
+              <a:t>put</a:t>
+            </a:r>
+            <a:r>
+              <a:rPr lang="en-US" sz="1050" b="1" dirty="0">
+                <a:solidFill>
+                  <a:srgbClr val="000080"/>
+                </a:solidFill>
+                <a:highlight>
+                  <a:srgbClr val="FFFFFF"/>
+                </a:highlight>
+                <a:latin typeface="Consolas" panose="020B0609020204030204" pitchFamily="49" charset="0"/>
+              </a:rPr>
+              <a:t>(</a:t>
+            </a:r>
+            <a:r>
+              <a:rPr lang="en-US" sz="1050" dirty="0">
+                <a:solidFill>
+                  <a:srgbClr val="808080"/>
+                </a:solidFill>
+                <a:highlight>
+                  <a:srgbClr val="FFFFFF"/>
+                </a:highlight>
+                <a:latin typeface="Consolas" panose="020B0609020204030204" pitchFamily="49" charset="0"/>
+              </a:rPr>
+              <a:t>"</a:t>
+            </a:r>
+            <a:r>
+              <a:rPr lang="en-US" sz="1050" dirty="0" err="1">
+                <a:solidFill>
+                  <a:srgbClr val="808080"/>
+                </a:solidFill>
+                <a:highlight>
+                  <a:srgbClr val="FFFFFF"/>
+                </a:highlight>
+                <a:latin typeface="Consolas" panose="020B0609020204030204" pitchFamily="49" charset="0"/>
               </a:rPr>
               <a:t>lastName</a:t>
             </a:r>
             <a:r>
-              <a:rPr lang="en-US" sz="1100" dirty="0">
-                <a:solidFill>
-                  <a:srgbClr val="2E2E2C"/>
-                </a:solidFill>
-                <a:latin typeface="Courier" charset="0"/>
-                <a:ea typeface="Courier" charset="0"/>
-                <a:cs typeface="Courier" charset="0"/>
-                <a:sym typeface="Consolas"/>
-              </a:rPr>
-              <a:t>", "Doe");</a:t>
-            </a:r>
-          </a:p>
-          <a:p>
-            <a:pPr marL="0" indent="0">
-              <a:buNone/>
-              <a:defRPr sz="1800">
+              <a:rPr lang="en-US" sz="1050" dirty="0">
+                <a:solidFill>
+                  <a:srgbClr val="808080"/>
+                </a:solidFill>
+                <a:highlight>
+                  <a:srgbClr val="FFFFFF"/>
+                </a:highlight>
+                <a:latin typeface="Consolas" panose="020B0609020204030204" pitchFamily="49" charset="0"/>
+              </a:rPr>
+              <a:t>"</a:t>
+            </a:r>
+            <a:r>
+              <a:rPr lang="en-US" sz="1050" b="1" dirty="0">
+                <a:solidFill>
+                  <a:srgbClr val="000080"/>
+                </a:solidFill>
+                <a:highlight>
+                  <a:srgbClr val="FFFFFF"/>
+                </a:highlight>
+                <a:latin typeface="Consolas" panose="020B0609020204030204" pitchFamily="49" charset="0"/>
+              </a:rPr>
+              <a:t>,</a:t>
+            </a:r>
+            <a:r>
+              <a:rPr lang="en-US" sz="1050" dirty="0">
                 <a:solidFill>
                   <a:srgbClr val="000000"/>
                 </a:solidFill>
-              </a:defRPr>
-            </a:pPr>
-            <a:r>
-              <a:rPr lang="en-US" sz="1100" dirty="0" err="1">
-                <a:solidFill>
-                  <a:srgbClr val="2E2E2C"/>
-                </a:solidFill>
-                <a:latin typeface="Courier" charset="0"/>
-                <a:ea typeface="Courier" charset="0"/>
-                <a:cs typeface="Courier" charset="0"/>
-                <a:sym typeface="Consolas"/>
-              </a:rPr>
-              <a:t>bucket.upsert</a:t>
-            </a:r>
-            <a:r>
-              <a:rPr lang="en-US" sz="1100" dirty="0">
-                <a:solidFill>
-                  <a:srgbClr val="2E2E2C"/>
-                </a:solidFill>
-                <a:latin typeface="Courier" charset="0"/>
-                <a:ea typeface="Courier" charset="0"/>
-                <a:cs typeface="Courier" charset="0"/>
-                <a:sym typeface="Consolas"/>
+                <a:highlight>
+                  <a:srgbClr val="FFFFFF"/>
+                </a:highlight>
+                <a:latin typeface="Consolas" panose="020B0609020204030204" pitchFamily="49" charset="0"/>
+              </a:rPr>
+              <a:t> </a:t>
+            </a:r>
+            <a:r>
+              <a:rPr lang="en-US" sz="1050" dirty="0">
+                <a:solidFill>
+                  <a:srgbClr val="808080"/>
+                </a:solidFill>
+                <a:highlight>
+                  <a:srgbClr val="FFFFFF"/>
+                </a:highlight>
+                <a:latin typeface="Consolas" panose="020B0609020204030204" pitchFamily="49" charset="0"/>
+              </a:rPr>
+              <a:t>"Doe"</a:t>
+            </a:r>
+            <a:r>
+              <a:rPr lang="en-US" sz="1050" b="1" dirty="0">
+                <a:solidFill>
+                  <a:srgbClr val="000080"/>
+                </a:solidFill>
+                <a:highlight>
+                  <a:srgbClr val="FFFFFF"/>
+                </a:highlight>
+                <a:latin typeface="Consolas" panose="020B0609020204030204" pitchFamily="49" charset="0"/>
+              </a:rPr>
+              <a:t>);</a:t>
+            </a:r>
+            <a:endParaRPr lang="en-US" sz="1050" dirty="0">
+              <a:solidFill>
+                <a:srgbClr val="000000"/>
+              </a:solidFill>
+              <a:highlight>
+                <a:srgbClr val="FFFFFF"/>
+              </a:highlight>
+              <a:latin typeface="Consolas" panose="020B0609020204030204" pitchFamily="49" charset="0"/>
+            </a:endParaRPr>
+          </a:p>
+          <a:p>
+            <a:r>
+              <a:rPr lang="en-US" sz="1050" dirty="0" err="1">
+                <a:solidFill>
+                  <a:srgbClr val="000000"/>
+                </a:solidFill>
+                <a:highlight>
+                  <a:srgbClr val="FFFFFF"/>
+                </a:highlight>
+                <a:latin typeface="Consolas" panose="020B0609020204030204" pitchFamily="49" charset="0"/>
+              </a:rPr>
+              <a:t>bucket</a:t>
+            </a:r>
+            <a:r>
+              <a:rPr lang="en-US" sz="1050" b="1" dirty="0" err="1">
+                <a:solidFill>
+                  <a:srgbClr val="000080"/>
+                </a:solidFill>
+                <a:highlight>
+                  <a:srgbClr val="FFFFFF"/>
+                </a:highlight>
+                <a:latin typeface="Consolas" panose="020B0609020204030204" pitchFamily="49" charset="0"/>
+              </a:rPr>
+              <a:t>.</a:t>
+            </a:r>
+            <a:r>
+              <a:rPr lang="en-US" sz="1050" dirty="0" err="1">
+                <a:solidFill>
+                  <a:srgbClr val="000000"/>
+                </a:solidFill>
+                <a:highlight>
+                  <a:srgbClr val="FFFFFF"/>
+                </a:highlight>
+                <a:latin typeface="Consolas" panose="020B0609020204030204" pitchFamily="49" charset="0"/>
+              </a:rPr>
+              <a:t>upsert</a:t>
+            </a:r>
+            <a:r>
+              <a:rPr lang="en-US" sz="1050" b="1" dirty="0">
+                <a:solidFill>
+                  <a:srgbClr val="000080"/>
+                </a:solidFill>
+                <a:highlight>
+                  <a:srgbClr val="FFFFFF"/>
+                </a:highlight>
+                <a:latin typeface="Consolas" panose="020B0609020204030204" pitchFamily="49" charset="0"/>
               </a:rPr>
               <a:t>(</a:t>
             </a:r>
             <a:r>
-              <a:rPr lang="en-US" sz="1100" dirty="0" err="1">
-                <a:solidFill>
-                  <a:srgbClr val="2E2E2C"/>
-                </a:solidFill>
-                <a:latin typeface="Courier" charset="0"/>
-                <a:ea typeface="Courier" charset="0"/>
-                <a:cs typeface="Courier" charset="0"/>
-                <a:sym typeface="Consolas"/>
-              </a:rPr>
-              <a:t>JsonDocument.create</a:t>
-            </a:r>
-            <a:r>
-              <a:rPr lang="en-US" sz="1100" dirty="0">
-                <a:solidFill>
-                  <a:srgbClr val="2E2E2C"/>
-                </a:solidFill>
-                <a:latin typeface="Courier" charset="0"/>
-                <a:ea typeface="Courier" charset="0"/>
-                <a:cs typeface="Courier" charset="0"/>
-                <a:sym typeface="Consolas"/>
-              </a:rPr>
-              <a:t>(key, person));</a:t>
-            </a:r>
+              <a:rPr lang="en-US" sz="1050" dirty="0" err="1">
+                <a:solidFill>
+                  <a:srgbClr val="000000"/>
+                </a:solidFill>
+                <a:highlight>
+                  <a:srgbClr val="FFFFFF"/>
+                </a:highlight>
+                <a:latin typeface="Consolas" panose="020B0609020204030204" pitchFamily="49" charset="0"/>
+              </a:rPr>
+              <a:t>JsonDocument</a:t>
+            </a:r>
+            <a:r>
+              <a:rPr lang="en-US" sz="1050" b="1" dirty="0" err="1">
+                <a:solidFill>
+                  <a:srgbClr val="000080"/>
+                </a:solidFill>
+                <a:highlight>
+                  <a:srgbClr val="FFFFFF"/>
+                </a:highlight>
+                <a:latin typeface="Consolas" panose="020B0609020204030204" pitchFamily="49" charset="0"/>
+              </a:rPr>
+              <a:t>.</a:t>
+            </a:r>
+            <a:r>
+              <a:rPr lang="en-US" sz="1050" dirty="0" err="1">
+                <a:solidFill>
+                  <a:srgbClr val="000000"/>
+                </a:solidFill>
+                <a:highlight>
+                  <a:srgbClr val="FFFFFF"/>
+                </a:highlight>
+                <a:latin typeface="Consolas" panose="020B0609020204030204" pitchFamily="49" charset="0"/>
+              </a:rPr>
+              <a:t>create</a:t>
+            </a:r>
+            <a:r>
+              <a:rPr lang="en-US" sz="1050" b="1" dirty="0">
+                <a:solidFill>
+                  <a:srgbClr val="000080"/>
+                </a:solidFill>
+                <a:highlight>
+                  <a:srgbClr val="FFFFFF"/>
+                </a:highlight>
+                <a:latin typeface="Consolas" panose="020B0609020204030204" pitchFamily="49" charset="0"/>
+              </a:rPr>
+              <a:t>(</a:t>
+            </a:r>
+            <a:r>
+              <a:rPr lang="en-US" sz="1050" dirty="0">
+                <a:solidFill>
+                  <a:srgbClr val="000000"/>
+                </a:solidFill>
+                <a:highlight>
+                  <a:srgbClr val="FFFFFF"/>
+                </a:highlight>
+                <a:latin typeface="Consolas" panose="020B0609020204030204" pitchFamily="49" charset="0"/>
+              </a:rPr>
+              <a:t>key</a:t>
+            </a:r>
+            <a:r>
+              <a:rPr lang="en-US" sz="1050" b="1" dirty="0">
+                <a:solidFill>
+                  <a:srgbClr val="000080"/>
+                </a:solidFill>
+                <a:highlight>
+                  <a:srgbClr val="FFFFFF"/>
+                </a:highlight>
+                <a:latin typeface="Consolas" panose="020B0609020204030204" pitchFamily="49" charset="0"/>
+              </a:rPr>
+              <a:t>,</a:t>
+            </a:r>
+            <a:r>
+              <a:rPr lang="en-US" sz="1050" dirty="0">
+                <a:solidFill>
+                  <a:srgbClr val="000000"/>
+                </a:solidFill>
+                <a:highlight>
+                  <a:srgbClr val="FFFFFF"/>
+                </a:highlight>
+                <a:latin typeface="Consolas" panose="020B0609020204030204" pitchFamily="49" charset="0"/>
+              </a:rPr>
+              <a:t> person</a:t>
+            </a:r>
+            <a:r>
+              <a:rPr lang="en-US" sz="1050" b="1" dirty="0">
+                <a:solidFill>
+                  <a:srgbClr val="000080"/>
+                </a:solidFill>
+                <a:highlight>
+                  <a:srgbClr val="FFFFFF"/>
+                </a:highlight>
+                <a:latin typeface="Consolas" panose="020B0609020204030204" pitchFamily="49" charset="0"/>
+              </a:rPr>
+              <a:t>));</a:t>
+            </a:r>
+            <a:endParaRPr lang="en-US" sz="1050" dirty="0">
+              <a:solidFill>
+                <a:srgbClr val="000000"/>
+              </a:solidFill>
+              <a:highlight>
+                <a:srgbClr val="FFFFFF"/>
+              </a:highlight>
+              <a:latin typeface="Consolas" panose="020B0609020204030204" pitchFamily="49" charset="0"/>
+            </a:endParaRPr>
           </a:p>
         </p:txBody>
       </p:sp>
@@ -11328,7 +11979,7 @@
 </p:sld>
 </file>
 
-<file path=ppt/slides/slide15.xml><?xml version="1.0" encoding="utf-8"?>
+<file path=ppt/slides/slide16.xml><?xml version="1.0" encoding="utf-8"?>
 <p:sld xmlns:a="http://schemas.openxmlformats.org/drawingml/2006/main" xmlns:r="http://schemas.openxmlformats.org/officeDocument/2006/relationships" xmlns:p="http://schemas.openxmlformats.org/presentationml/2006/main">
   <p:cSld>
     <p:spTree>
@@ -11564,6 +12215,107 @@
           <a:p>
             <a:r>
               <a:rPr lang="en-US" dirty="0"/>
+              <a:t>Open source FTW</a:t>
+            </a:r>
+          </a:p>
+        </p:txBody>
+      </p:sp>
+      <p:sp>
+        <p:nvSpPr>
+          <p:cNvPr id="3" name="Content Placeholder 2"/>
+          <p:cNvSpPr>
+            <a:spLocks noGrp="1"/>
+          </p:cNvSpPr>
+          <p:nvPr>
+            <p:ph idx="1"/>
+          </p:nvPr>
+        </p:nvSpPr>
+        <p:spPr/>
+        <p:txBody>
+          <a:bodyPr/>
+          <a:lstStyle/>
+          <a:p>
+            <a:pPr marL="342900" indent="-342900">
+              <a:buFont typeface="Arial" panose="020B0604020202020204" pitchFamily="34" charset="0"/>
+              <a:buChar char="•"/>
+            </a:pPr>
+            <a:r>
+              <a:rPr lang="en-US" dirty="0">
+                <a:hlinkClick r:id="rId3"/>
+              </a:rPr>
+              <a:t>https://github.com/couchbaselabs/workshop</a:t>
+            </a:r>
+            <a:endParaRPr lang="en-US" dirty="0"/>
+          </a:p>
+          <a:p>
+            <a:pPr marL="342900" indent="-342900">
+              <a:buFont typeface="Arial" panose="020B0604020202020204" pitchFamily="34" charset="0"/>
+              <a:buChar char="•"/>
+            </a:pPr>
+            <a:endParaRPr lang="en-US" dirty="0"/>
+          </a:p>
+          <a:p>
+            <a:pPr marL="342900" indent="-342900">
+              <a:buFont typeface="Arial" panose="020B0604020202020204" pitchFamily="34" charset="0"/>
+              <a:buChar char="•"/>
+            </a:pPr>
+            <a:r>
+              <a:rPr lang="en-US" dirty="0"/>
+              <a:t>If you find a typo, mistake, or spot an improvement, please send a pull request!</a:t>
+            </a:r>
+          </a:p>
+          <a:p>
+            <a:endParaRPr lang="en-US" dirty="0"/>
+          </a:p>
+        </p:txBody>
+      </p:sp>
+    </p:spTree>
+    <p:extLst>
+      <p:ext uri="{BB962C8B-B14F-4D97-AF65-F5344CB8AC3E}">
+        <p14:creationId xmlns:p14="http://schemas.microsoft.com/office/powerpoint/2010/main" val="1037776296"/>
+      </p:ext>
+    </p:extLst>
+  </p:cSld>
+  <p:clrMapOvr>
+    <a:masterClrMapping/>
+  </p:clrMapOvr>
+</p:sld>
+</file>
+
+<file path=ppt/slides/slide4.xml><?xml version="1.0" encoding="utf-8"?>
+<p:sld xmlns:a="http://schemas.openxmlformats.org/drawingml/2006/main" xmlns:r="http://schemas.openxmlformats.org/officeDocument/2006/relationships" xmlns:p="http://schemas.openxmlformats.org/presentationml/2006/main">
+  <p:cSld>
+    <p:spTree>
+      <p:nvGrpSpPr>
+        <p:cNvPr id="1" name=""/>
+        <p:cNvGrpSpPr/>
+        <p:nvPr/>
+      </p:nvGrpSpPr>
+      <p:grpSpPr>
+        <a:xfrm>
+          <a:off x="0" y="0"/>
+          <a:ext cx="0" cy="0"/>
+          <a:chOff x="0" y="0"/>
+          <a:chExt cx="0" cy="0"/>
+        </a:xfrm>
+      </p:grpSpPr>
+      <p:sp>
+        <p:nvSpPr>
+          <p:cNvPr id="2" name="Title 1"/>
+          <p:cNvSpPr>
+            <a:spLocks noGrp="1"/>
+          </p:cNvSpPr>
+          <p:nvPr>
+            <p:ph type="title"/>
+          </p:nvPr>
+        </p:nvSpPr>
+        <p:spPr/>
+        <p:txBody>
+          <a:bodyPr/>
+          <a:lstStyle/>
+          <a:p>
+            <a:r>
+              <a:rPr lang="en-US" dirty="0"/>
               <a:t>Query Workbench</a:t>
             </a:r>
           </a:p>
@@ -11641,7 +12393,7 @@
 </p:sld>
 </file>
 
-<file path=ppt/slides/slide4.xml><?xml version="1.0" encoding="utf-8"?>
+<file path=ppt/slides/slide5.xml><?xml version="1.0" encoding="utf-8"?>
 <p:sld xmlns:a="http://schemas.openxmlformats.org/drawingml/2006/main" xmlns:r="http://schemas.openxmlformats.org/officeDocument/2006/relationships" xmlns:p="http://schemas.openxmlformats.org/presentationml/2006/main">
   <p:cSld>
     <p:spTree>
@@ -12017,6 +12769,55 @@
             </a:endParaRPr>
           </a:p>
           <a:p>
+            <a:pPr marL="342900" indent="-342900">
+              <a:buFont typeface="Arial" charset="0"/>
+              <a:buChar char="•"/>
+            </a:pPr>
+            <a:endParaRPr lang="en-US" sz="2000" dirty="0">
+              <a:latin typeface="Consolas" panose="020B0609020204030204" pitchFamily="49" charset="0"/>
+            </a:endParaRPr>
+          </a:p>
+          <a:p>
+            <a:pPr marL="342900" indent="-342900">
+              <a:buFont typeface="Arial" charset="0"/>
+              <a:buChar char="•"/>
+            </a:pPr>
+            <a:r>
+              <a:rPr lang="en-US" b="1" dirty="0"/>
+              <a:t>Docker</a:t>
+            </a:r>
+            <a:r>
+              <a:rPr lang="en-US" sz="2000" dirty="0">
+                <a:latin typeface="Consolas" panose="020B0609020204030204" pitchFamily="49" charset="0"/>
+              </a:rPr>
+              <a:t>: </a:t>
+            </a:r>
+            <a:r>
+              <a:rPr lang="en-US" sz="2000" dirty="0" err="1">
+                <a:latin typeface="Consolas" panose="020B0609020204030204" pitchFamily="49" charset="0"/>
+              </a:rPr>
+              <a:t>docker</a:t>
+            </a:r>
+            <a:r>
+              <a:rPr lang="en-US" sz="2000" dirty="0">
+                <a:latin typeface="Consolas" panose="020B0609020204030204" pitchFamily="49" charset="0"/>
+              </a:rPr>
+              <a:t> exec –it </a:t>
+            </a:r>
+            <a:r>
+              <a:rPr lang="en-US" sz="2000" dirty="0" err="1">
+                <a:latin typeface="Consolas" panose="020B0609020204030204" pitchFamily="49" charset="0"/>
+              </a:rPr>
+              <a:t>db</a:t>
+            </a:r>
+            <a:r>
+              <a:rPr lang="en-US" sz="2000" dirty="0">
+                <a:latin typeface="Consolas" panose="020B0609020204030204" pitchFamily="49" charset="0"/>
+              </a:rPr>
+              <a:t> /bin/bash</a:t>
+            </a:r>
+          </a:p>
+          <a:p>
             <a:endParaRPr lang="en-US" dirty="0"/>
           </a:p>
         </p:txBody>
@@ -12042,7 +12843,7 @@
 </p:sld>
 </file>
 
-<file path=ppt/slides/slide5.xml><?xml version="1.0" encoding="utf-8"?>
+<file path=ppt/slides/slide6.xml><?xml version="1.0" encoding="utf-8"?>
 <p:sld xmlns:a="http://schemas.openxmlformats.org/drawingml/2006/main" xmlns:r="http://schemas.openxmlformats.org/officeDocument/2006/relationships" xmlns:p="http://schemas.openxmlformats.org/presentationml/2006/main">
   <p:cSld>
     <p:spTree>
@@ -12309,351 +13110,6 @@
     <p:extLst>
       <p:ext uri="{BB962C8B-B14F-4D97-AF65-F5344CB8AC3E}">
         <p14:creationId xmlns:p14="http://schemas.microsoft.com/office/powerpoint/2010/main" val="2407907180"/>
-      </p:ext>
-    </p:extLst>
-  </p:cSld>
-  <p:clrMapOvr>
-    <a:masterClrMapping/>
-  </p:clrMapOvr>
-</p:sld>
-</file>
-
-<file path=ppt/slides/slide6.xml><?xml version="1.0" encoding="utf-8"?>
-<p:sld xmlns:a="http://schemas.openxmlformats.org/drawingml/2006/main" xmlns:r="http://schemas.openxmlformats.org/officeDocument/2006/relationships" xmlns:p="http://schemas.openxmlformats.org/presentationml/2006/main">
-  <p:cSld>
-    <p:spTree>
-      <p:nvGrpSpPr>
-        <p:cNvPr id="1" name=""/>
-        <p:cNvGrpSpPr/>
-        <p:nvPr/>
-      </p:nvGrpSpPr>
-      <p:grpSpPr>
-        <a:xfrm>
-          <a:off x="0" y="0"/>
-          <a:ext cx="0" cy="0"/>
-          <a:chOff x="0" y="0"/>
-          <a:chExt cx="0" cy="0"/>
-        </a:xfrm>
-      </p:grpSpPr>
-      <p:sp>
-        <p:nvSpPr>
-          <p:cNvPr id="2" name="Title 1"/>
-          <p:cNvSpPr>
-            <a:spLocks noGrp="1"/>
-          </p:cNvSpPr>
-          <p:nvPr>
-            <p:ph type="title"/>
-          </p:nvPr>
-        </p:nvSpPr>
-        <p:spPr/>
-        <p:txBody>
-          <a:bodyPr/>
-          <a:lstStyle/>
-          <a:p>
-            <a:r>
-              <a:rPr lang="en-US" dirty="0"/>
-              <a:t>REST API</a:t>
-            </a:r>
-          </a:p>
-        </p:txBody>
-      </p:sp>
-      <p:sp>
-        <p:nvSpPr>
-          <p:cNvPr id="3" name="Content Placeholder 2"/>
-          <p:cNvSpPr txBox="1">
-            <a:spLocks/>
-          </p:cNvSpPr>
-          <p:nvPr/>
-        </p:nvSpPr>
-        <p:spPr>
-          <a:xfrm>
-            <a:off x="609600" y="695325"/>
-            <a:ext cx="8007739" cy="3394472"/>
-          </a:xfrm>
-          <a:prstGeom prst="rect">
-            <a:avLst/>
-          </a:prstGeom>
-        </p:spPr>
-        <p:txBody>
-          <a:bodyPr/>
-          <a:lstStyle>
-            <a:lvl1pPr marL="228600" indent="-228600" algn="l" defTabSz="457200" rtl="0" eaLnBrk="1" latinLnBrk="0" hangingPunct="1">
-              <a:spcBef>
-                <a:spcPts val="0"/>
-              </a:spcBef>
-              <a:buClr>
-                <a:schemeClr val="accent1"/>
-              </a:buClr>
-              <a:buFont typeface="Wingdings" charset="2"/>
-              <a:buChar char="§"/>
-              <a:defRPr sz="2400" kern="1200">
-                <a:solidFill>
-                  <a:schemeClr val="tx1"/>
-                </a:solidFill>
-                <a:latin typeface="+mn-lt"/>
-                <a:ea typeface="+mn-ea"/>
-                <a:cs typeface="+mn-cs"/>
-              </a:defRPr>
-            </a:lvl1pPr>
-            <a:lvl2pPr marL="455613" indent="-227013" algn="l" defTabSz="457200" rtl="0" eaLnBrk="1" latinLnBrk="0" hangingPunct="1">
-              <a:spcBef>
-                <a:spcPts val="0"/>
-              </a:spcBef>
-              <a:buClr>
-                <a:srgbClr val="262626"/>
-              </a:buClr>
-              <a:buFont typeface="Wingdings" charset="2"/>
-              <a:buChar char="§"/>
-              <a:defRPr sz="2000" kern="1200">
-                <a:solidFill>
-                  <a:schemeClr val="tx1"/>
-                </a:solidFill>
-                <a:latin typeface="+mn-lt"/>
-                <a:ea typeface="+mn-ea"/>
-                <a:cs typeface="+mn-cs"/>
-              </a:defRPr>
-            </a:lvl2pPr>
-            <a:lvl3pPr marL="455613" indent="-228600" algn="l" defTabSz="457200" rtl="0" eaLnBrk="1" latinLnBrk="0" hangingPunct="1">
-              <a:spcBef>
-                <a:spcPts val="0"/>
-              </a:spcBef>
-              <a:buClr>
-                <a:srgbClr val="262626"/>
-              </a:buClr>
-              <a:buFont typeface="Wingdings" charset="2"/>
-              <a:buChar char="§"/>
-              <a:defRPr sz="2000" kern="1200">
-                <a:solidFill>
-                  <a:schemeClr val="tx1"/>
-                </a:solidFill>
-                <a:latin typeface="+mn-lt"/>
-                <a:ea typeface="+mn-ea"/>
-                <a:cs typeface="+mn-cs"/>
-              </a:defRPr>
-            </a:lvl3pPr>
-            <a:lvl4pPr marL="455613" indent="-228600" algn="l" defTabSz="457200" rtl="0" eaLnBrk="1" latinLnBrk="0" hangingPunct="1">
-              <a:spcBef>
-                <a:spcPts val="0"/>
-              </a:spcBef>
-              <a:buClr>
-                <a:srgbClr val="262626"/>
-              </a:buClr>
-              <a:buFont typeface="Wingdings" charset="2"/>
-              <a:buChar char="§"/>
-              <a:defRPr sz="2000" kern="1200">
-                <a:solidFill>
-                  <a:schemeClr val="tx1"/>
-                </a:solidFill>
-                <a:latin typeface="+mn-lt"/>
-                <a:ea typeface="+mn-ea"/>
-                <a:cs typeface="+mn-cs"/>
-              </a:defRPr>
-            </a:lvl4pPr>
-            <a:lvl5pPr marL="455613" indent="-228600" algn="l" defTabSz="457200" rtl="0" eaLnBrk="1" latinLnBrk="0" hangingPunct="1">
-              <a:spcBef>
-                <a:spcPts val="200"/>
-              </a:spcBef>
-              <a:buClr>
-                <a:srgbClr val="262626"/>
-              </a:buClr>
-              <a:buFont typeface="Wingdings" charset="2"/>
-              <a:buChar char="§"/>
-              <a:defRPr sz="2000" kern="1200">
-                <a:solidFill>
-                  <a:schemeClr val="tx1"/>
-                </a:solidFill>
-                <a:latin typeface="+mn-lt"/>
-                <a:ea typeface="+mn-ea"/>
-                <a:cs typeface="+mn-cs"/>
-              </a:defRPr>
-            </a:lvl5pPr>
-            <a:lvl6pPr marL="2514600" indent="-228600" algn="l" defTabSz="457200" rtl="0" eaLnBrk="1" latinLnBrk="0" hangingPunct="1">
-              <a:spcBef>
-                <a:spcPct val="20000"/>
-              </a:spcBef>
-              <a:buFont typeface="Arial"/>
-              <a:buChar char="•"/>
-              <a:defRPr sz="2000" kern="1200">
-                <a:solidFill>
-                  <a:schemeClr val="tx1"/>
-                </a:solidFill>
-                <a:latin typeface="+mn-lt"/>
-                <a:ea typeface="+mn-ea"/>
-                <a:cs typeface="+mn-cs"/>
-              </a:defRPr>
-            </a:lvl6pPr>
-            <a:lvl7pPr marL="2971800" indent="-228600" algn="l" defTabSz="457200" rtl="0" eaLnBrk="1" latinLnBrk="0" hangingPunct="1">
-              <a:spcBef>
-                <a:spcPct val="20000"/>
-              </a:spcBef>
-              <a:buFont typeface="Arial"/>
-              <a:buChar char="•"/>
-              <a:defRPr sz="2000" kern="1200">
-                <a:solidFill>
-                  <a:schemeClr val="tx1"/>
-                </a:solidFill>
-                <a:latin typeface="+mn-lt"/>
-                <a:ea typeface="+mn-ea"/>
-                <a:cs typeface="+mn-cs"/>
-              </a:defRPr>
-            </a:lvl7pPr>
-            <a:lvl8pPr marL="3429000" indent="-228600" algn="l" defTabSz="457200" rtl="0" eaLnBrk="1" latinLnBrk="0" hangingPunct="1">
-              <a:spcBef>
-                <a:spcPct val="20000"/>
-              </a:spcBef>
-              <a:buFont typeface="Arial"/>
-              <a:buChar char="•"/>
-              <a:defRPr sz="2000" kern="1200">
-                <a:solidFill>
-                  <a:schemeClr val="tx1"/>
-                </a:solidFill>
-                <a:latin typeface="+mn-lt"/>
-                <a:ea typeface="+mn-ea"/>
-                <a:cs typeface="+mn-cs"/>
-              </a:defRPr>
-            </a:lvl8pPr>
-            <a:lvl9pPr marL="3886200" indent="-228600" algn="l" defTabSz="457200" rtl="0" eaLnBrk="1" latinLnBrk="0" hangingPunct="1">
-              <a:spcBef>
-                <a:spcPct val="20000"/>
-              </a:spcBef>
-              <a:buFont typeface="Arial"/>
-              <a:buChar char="•"/>
-              <a:defRPr sz="2000" kern="1200">
-                <a:solidFill>
-                  <a:schemeClr val="tx1"/>
-                </a:solidFill>
-                <a:latin typeface="+mn-lt"/>
-                <a:ea typeface="+mn-ea"/>
-                <a:cs typeface="+mn-cs"/>
-              </a:defRPr>
-            </a:lvl9pPr>
-          </a:lstStyle>
-          <a:p>
-            <a:pPr marL="342900" indent="-342900">
-              <a:buFont typeface="Arial" charset="0"/>
-              <a:buChar char="•"/>
-            </a:pPr>
-            <a:r>
-              <a:rPr lang="en-US" dirty="0"/>
-              <a:t>Cluster</a:t>
-            </a:r>
-          </a:p>
-          <a:p>
-            <a:pPr marL="342900" indent="-342900">
-              <a:buFont typeface="Arial" charset="0"/>
-              <a:buChar char="•"/>
-            </a:pPr>
-            <a:r>
-              <a:rPr lang="en-US" dirty="0"/>
-              <a:t>Nodes</a:t>
-            </a:r>
-          </a:p>
-          <a:p>
-            <a:pPr marL="342900" indent="-342900">
-              <a:buFont typeface="Arial" charset="0"/>
-              <a:buChar char="•"/>
-            </a:pPr>
-            <a:r>
-              <a:rPr lang="en-US" dirty="0"/>
-              <a:t>Server Group</a:t>
-            </a:r>
-          </a:p>
-          <a:p>
-            <a:pPr marL="342900" indent="-342900">
-              <a:buFont typeface="Arial" charset="0"/>
-              <a:buChar char="•"/>
-            </a:pPr>
-            <a:r>
-              <a:rPr lang="en-US" dirty="0"/>
-              <a:t>Buckets</a:t>
-            </a:r>
-          </a:p>
-          <a:p>
-            <a:pPr marL="342900" indent="-342900">
-              <a:buFont typeface="Arial" charset="0"/>
-              <a:buChar char="•"/>
-            </a:pPr>
-            <a:r>
-              <a:rPr lang="en-US" dirty="0"/>
-              <a:t>Indexes</a:t>
-            </a:r>
-          </a:p>
-          <a:p>
-            <a:pPr marL="342900" indent="-342900">
-              <a:buFont typeface="Arial" charset="0"/>
-              <a:buChar char="•"/>
-            </a:pPr>
-            <a:r>
-              <a:rPr lang="en-US" dirty="0"/>
-              <a:t>Views</a:t>
-            </a:r>
-          </a:p>
-          <a:p>
-            <a:pPr marL="342900" indent="-342900">
-              <a:buFont typeface="Arial" charset="0"/>
-              <a:buChar char="•"/>
-            </a:pPr>
-            <a:r>
-              <a:rPr lang="en-US" dirty="0"/>
-              <a:t>XDCR</a:t>
-            </a:r>
-          </a:p>
-          <a:p>
-            <a:pPr marL="342900" indent="-342900">
-              <a:buFont typeface="Arial" charset="0"/>
-              <a:buChar char="•"/>
-            </a:pPr>
-            <a:r>
-              <a:rPr lang="en-US" dirty="0"/>
-              <a:t>Compaction</a:t>
-            </a:r>
-          </a:p>
-          <a:p>
-            <a:pPr marL="342900" indent="-342900">
-              <a:buFont typeface="Arial" charset="0"/>
-              <a:buChar char="•"/>
-            </a:pPr>
-            <a:r>
-              <a:rPr lang="en-US" dirty="0"/>
-              <a:t>Log</a:t>
-            </a:r>
-          </a:p>
-          <a:p>
-            <a:pPr marL="342900" indent="-342900">
-              <a:buFont typeface="Arial" charset="0"/>
-              <a:buChar char="•"/>
-            </a:pPr>
-            <a:r>
-              <a:rPr lang="en-US" dirty="0"/>
-              <a:t>User/Security</a:t>
-            </a:r>
-          </a:p>
-          <a:p>
-            <a:pPr marL="342900" indent="-342900">
-              <a:buFont typeface="Arial" charset="0"/>
-              <a:buChar char="•"/>
-            </a:pPr>
-            <a:r>
-              <a:rPr lang="en-US" dirty="0"/>
-              <a:t>N1QL</a:t>
-            </a:r>
-          </a:p>
-          <a:p>
-            <a:pPr marL="342900" indent="-342900">
-              <a:buFont typeface="Arial" charset="0"/>
-              <a:buChar char="•"/>
-            </a:pPr>
-            <a:endParaRPr lang="en-US" dirty="0"/>
-          </a:p>
-          <a:p>
-            <a:endParaRPr lang="en-US" dirty="0"/>
-          </a:p>
-        </p:txBody>
-      </p:sp>
-    </p:spTree>
-    <p:extLst>
-      <p:ext uri="{BB962C8B-B14F-4D97-AF65-F5344CB8AC3E}">
-        <p14:creationId xmlns:p14="http://schemas.microsoft.com/office/powerpoint/2010/main" val="3571174370"/>
       </p:ext>
     </p:extLst>
   </p:cSld>
@@ -12697,7 +13153,7 @@
           <a:p>
             <a:r>
               <a:rPr lang="en-US" dirty="0"/>
-              <a:t>Exercise 1: N1QL</a:t>
+              <a:t>REST API</a:t>
             </a:r>
           </a:p>
         </p:txBody>
@@ -12712,7 +13168,7 @@
         </p:nvSpPr>
         <p:spPr>
           <a:xfrm>
-            <a:off x="609600" y="838200"/>
+            <a:off x="609600" y="695325"/>
             <a:ext cx="8007739" cy="3394472"/>
           </a:xfrm>
           <a:prstGeom prst="rect">
@@ -12880,7 +13336,107 @@
             </a:pPr>
             <a:r>
               <a:rPr lang="en-US" dirty="0"/>
-              <a:t>Create a primary index on default bucket</a:t>
+              <a:t>Cluster</a:t>
+            </a:r>
+          </a:p>
+          <a:p>
+            <a:pPr marL="342900" indent="-342900">
+              <a:buFont typeface="Arial" charset="0"/>
+              <a:buChar char="•"/>
+            </a:pPr>
+            <a:r>
+              <a:rPr lang="en-US" dirty="0"/>
+              <a:t>Nodes</a:t>
+            </a:r>
+          </a:p>
+          <a:p>
+            <a:pPr marL="342900" indent="-342900">
+              <a:buFont typeface="Arial" charset="0"/>
+              <a:buChar char="•"/>
+            </a:pPr>
+            <a:r>
+              <a:rPr lang="en-US" dirty="0"/>
+              <a:t>Server Group</a:t>
+            </a:r>
+          </a:p>
+          <a:p>
+            <a:pPr marL="342900" indent="-342900">
+              <a:buFont typeface="Arial" charset="0"/>
+              <a:buChar char="•"/>
+            </a:pPr>
+            <a:r>
+              <a:rPr lang="en-US" dirty="0"/>
+              <a:t>Buckets</a:t>
+            </a:r>
+          </a:p>
+          <a:p>
+            <a:pPr marL="342900" indent="-342900">
+              <a:buFont typeface="Arial" charset="0"/>
+              <a:buChar char="•"/>
+            </a:pPr>
+            <a:r>
+              <a:rPr lang="en-US" dirty="0"/>
+              <a:t>Indexes</a:t>
+            </a:r>
+          </a:p>
+          <a:p>
+            <a:pPr marL="342900" indent="-342900">
+              <a:buFont typeface="Arial" charset="0"/>
+              <a:buChar char="•"/>
+            </a:pPr>
+            <a:r>
+              <a:rPr lang="en-US" dirty="0"/>
+              <a:t>Views</a:t>
+            </a:r>
+          </a:p>
+          <a:p>
+            <a:pPr marL="342900" indent="-342900">
+              <a:buFont typeface="Arial" charset="0"/>
+              <a:buChar char="•"/>
+            </a:pPr>
+            <a:r>
+              <a:rPr lang="en-US" dirty="0"/>
+              <a:t>XDCR</a:t>
+            </a:r>
+          </a:p>
+          <a:p>
+            <a:pPr marL="342900" indent="-342900">
+              <a:buFont typeface="Arial" charset="0"/>
+              <a:buChar char="•"/>
+            </a:pPr>
+            <a:r>
+              <a:rPr lang="en-US" dirty="0"/>
+              <a:t>Compaction</a:t>
+            </a:r>
+          </a:p>
+          <a:p>
+            <a:pPr marL="342900" indent="-342900">
+              <a:buFont typeface="Arial" charset="0"/>
+              <a:buChar char="•"/>
+            </a:pPr>
+            <a:r>
+              <a:rPr lang="en-US" dirty="0"/>
+              <a:t>Log</a:t>
+            </a:r>
+          </a:p>
+          <a:p>
+            <a:pPr marL="342900" indent="-342900">
+              <a:buFont typeface="Arial" charset="0"/>
+              <a:buChar char="•"/>
+            </a:pPr>
+            <a:r>
+              <a:rPr lang="en-US" dirty="0"/>
+              <a:t>User/Security</a:t>
+            </a:r>
+          </a:p>
+          <a:p>
+            <a:pPr marL="342900" indent="-342900">
+              <a:buFont typeface="Arial" charset="0"/>
+              <a:buChar char="•"/>
+            </a:pPr>
+            <a:r>
+              <a:rPr lang="en-US" dirty="0"/>
+              <a:t>N1QL</a:t>
             </a:r>
           </a:p>
           <a:p>
@@ -12891,89 +13447,6 @@
             <a:endParaRPr lang="en-US" dirty="0"/>
           </a:p>
           <a:p>
-            <a:pPr marL="227013" lvl="1" indent="0">
-              <a:buNone/>
-            </a:pPr>
-            <a:r>
-              <a:rPr lang="en-US" dirty="0"/>
-              <a:t>          CREATE PRIMARY INDEX on `default`</a:t>
-            </a:r>
-          </a:p>
-          <a:p>
-            <a:pPr marL="342900" indent="-342900">
-              <a:buFont typeface="Arial" charset="0"/>
-              <a:buChar char="•"/>
-            </a:pPr>
-            <a:endParaRPr lang="en-US" dirty="0"/>
-          </a:p>
-          <a:p>
-            <a:pPr marL="342900" indent="-342900">
-              <a:buFont typeface="Arial" charset="0"/>
-              <a:buChar char="•"/>
-            </a:pPr>
-            <a:r>
-              <a:rPr lang="en-US" dirty="0"/>
-              <a:t>Add document(s) to default bucket</a:t>
-            </a:r>
-          </a:p>
-          <a:p>
-            <a:pPr marL="342900" indent="-342900">
-              <a:buFont typeface="Arial" charset="0"/>
-              <a:buChar char="•"/>
-            </a:pPr>
-            <a:endParaRPr lang="en-US" dirty="0"/>
-          </a:p>
-          <a:p>
-            <a:pPr marL="569913" lvl="1" indent="-342900">
-              <a:buFont typeface="Arial" charset="0"/>
-              <a:buChar char="•"/>
-            </a:pPr>
-            <a:r>
-              <a:rPr lang="en-US" dirty="0"/>
-              <a:t>Use “Create Document” button in Documents view</a:t>
-            </a:r>
-          </a:p>
-          <a:p>
-            <a:pPr marL="342900" indent="-342900">
-              <a:buFont typeface="Arial" charset="0"/>
-              <a:buChar char="•"/>
-            </a:pPr>
-            <a:endParaRPr lang="en-US" dirty="0"/>
-          </a:p>
-          <a:p>
-            <a:pPr marL="342900" indent="-342900">
-              <a:buFont typeface="Arial" charset="0"/>
-              <a:buChar char="•"/>
-            </a:pPr>
-            <a:r>
-              <a:rPr lang="en-US" dirty="0"/>
-              <a:t>SELECT documents</a:t>
-            </a:r>
-          </a:p>
-          <a:p>
-            <a:pPr marL="342900" indent="-342900">
-              <a:buFont typeface="Arial" charset="0"/>
-              <a:buChar char="•"/>
-            </a:pPr>
-            <a:endParaRPr lang="en-US" dirty="0"/>
-          </a:p>
-          <a:p>
-            <a:pPr marL="227013" lvl="1" indent="0">
-              <a:buNone/>
-            </a:pPr>
-            <a:r>
-              <a:rPr lang="en-US" dirty="0"/>
-              <a:t>          SELECT d.* FROM `default` d</a:t>
-            </a:r>
-          </a:p>
-          <a:p>
-            <a:pPr marL="342900" indent="-342900">
-              <a:buFont typeface="Arial" charset="0"/>
-              <a:buChar char="•"/>
-            </a:pPr>
-            <a:endParaRPr lang="en-US" dirty="0"/>
-          </a:p>
-          <a:p>
             <a:endParaRPr lang="en-US" dirty="0"/>
           </a:p>
         </p:txBody>
@@ -12981,7 +13454,7 @@
     </p:spTree>
     <p:extLst>
       <p:ext uri="{BB962C8B-B14F-4D97-AF65-F5344CB8AC3E}">
-        <p14:creationId xmlns:p14="http://schemas.microsoft.com/office/powerpoint/2010/main" val="4131121896"/>
+        <p14:creationId xmlns:p14="http://schemas.microsoft.com/office/powerpoint/2010/main" val="3571174370"/>
       </p:ext>
     </p:extLst>
   </p:cSld>
@@ -13025,39 +13498,291 @@
           <a:p>
             <a:r>
               <a:rPr lang="en-US" dirty="0"/>
-              <a:t>Query Workbench</a:t>
+              <a:t>Exercise 1: N1QL</a:t>
             </a:r>
           </a:p>
         </p:txBody>
       </p:sp>
-      <p:pic>
-        <p:nvPicPr>
-          <p:cNvPr id="4" name="Picture 3"/>
-          <p:cNvPicPr>
-            <a:picLocks noChangeAspect="1"/>
-          </p:cNvPicPr>
+      <p:sp>
+        <p:nvSpPr>
+          <p:cNvPr id="3" name="Content Placeholder 2"/>
+          <p:cNvSpPr txBox="1">
+            <a:spLocks/>
+          </p:cNvSpPr>
           <p:nvPr/>
-        </p:nvPicPr>
-        <p:blipFill>
-          <a:blip r:embed="rId3"/>
-          <a:stretch>
-            <a:fillRect/>
-          </a:stretch>
-        </p:blipFill>
+        </p:nvSpPr>
         <p:spPr>
           <a:xfrm>
-            <a:off x="590550" y="752759"/>
-            <a:ext cx="8020050" cy="3965053"/>
+            <a:off x="609600" y="838200"/>
+            <a:ext cx="8007739" cy="3394472"/>
           </a:xfrm>
           <a:prstGeom prst="rect">
             <a:avLst/>
           </a:prstGeom>
         </p:spPr>
-      </p:pic>
+        <p:txBody>
+          <a:bodyPr/>
+          <a:lstStyle>
+            <a:lvl1pPr marL="228600" indent="-228600" algn="l" defTabSz="457200" rtl="0" eaLnBrk="1" latinLnBrk="0" hangingPunct="1">
+              <a:spcBef>
+                <a:spcPts val="0"/>
+              </a:spcBef>
+              <a:buClr>
+                <a:schemeClr val="accent1"/>
+              </a:buClr>
+              <a:buFont typeface="Wingdings" charset="2"/>
+              <a:buChar char="§"/>
+              <a:defRPr sz="2400" kern="1200">
+                <a:solidFill>
+                  <a:schemeClr val="tx1"/>
+                </a:solidFill>
+                <a:latin typeface="+mn-lt"/>
+                <a:ea typeface="+mn-ea"/>
+                <a:cs typeface="+mn-cs"/>
+              </a:defRPr>
+            </a:lvl1pPr>
+            <a:lvl2pPr marL="455613" indent="-227013" algn="l" defTabSz="457200" rtl="0" eaLnBrk="1" latinLnBrk="0" hangingPunct="1">
+              <a:spcBef>
+                <a:spcPts val="0"/>
+              </a:spcBef>
+              <a:buClr>
+                <a:srgbClr val="262626"/>
+              </a:buClr>
+              <a:buFont typeface="Wingdings" charset="2"/>
+              <a:buChar char="§"/>
+              <a:defRPr sz="2000" kern="1200">
+                <a:solidFill>
+                  <a:schemeClr val="tx1"/>
+                </a:solidFill>
+                <a:latin typeface="+mn-lt"/>
+                <a:ea typeface="+mn-ea"/>
+                <a:cs typeface="+mn-cs"/>
+              </a:defRPr>
+            </a:lvl2pPr>
+            <a:lvl3pPr marL="455613" indent="-228600" algn="l" defTabSz="457200" rtl="0" eaLnBrk="1" latinLnBrk="0" hangingPunct="1">
+              <a:spcBef>
+                <a:spcPts val="0"/>
+              </a:spcBef>
+              <a:buClr>
+                <a:srgbClr val="262626"/>
+              </a:buClr>
+              <a:buFont typeface="Wingdings" charset="2"/>
+              <a:buChar char="§"/>
+              <a:defRPr sz="2000" kern="1200">
+                <a:solidFill>
+                  <a:schemeClr val="tx1"/>
+                </a:solidFill>
+                <a:latin typeface="+mn-lt"/>
+                <a:ea typeface="+mn-ea"/>
+                <a:cs typeface="+mn-cs"/>
+              </a:defRPr>
+            </a:lvl3pPr>
+            <a:lvl4pPr marL="455613" indent="-228600" algn="l" defTabSz="457200" rtl="0" eaLnBrk="1" latinLnBrk="0" hangingPunct="1">
+              <a:spcBef>
+                <a:spcPts val="0"/>
+              </a:spcBef>
+              <a:buClr>
+                <a:srgbClr val="262626"/>
+              </a:buClr>
+              <a:buFont typeface="Wingdings" charset="2"/>
+              <a:buChar char="§"/>
+              <a:defRPr sz="2000" kern="1200">
+                <a:solidFill>
+                  <a:schemeClr val="tx1"/>
+                </a:solidFill>
+                <a:latin typeface="+mn-lt"/>
+                <a:ea typeface="+mn-ea"/>
+                <a:cs typeface="+mn-cs"/>
+              </a:defRPr>
+            </a:lvl4pPr>
+            <a:lvl5pPr marL="455613" indent="-228600" algn="l" defTabSz="457200" rtl="0" eaLnBrk="1" latinLnBrk="0" hangingPunct="1">
+              <a:spcBef>
+                <a:spcPts val="200"/>
+              </a:spcBef>
+              <a:buClr>
+                <a:srgbClr val="262626"/>
+              </a:buClr>
+              <a:buFont typeface="Wingdings" charset="2"/>
+              <a:buChar char="§"/>
+              <a:defRPr sz="2000" kern="1200">
+                <a:solidFill>
+                  <a:schemeClr val="tx1"/>
+                </a:solidFill>
+                <a:latin typeface="+mn-lt"/>
+                <a:ea typeface="+mn-ea"/>
+                <a:cs typeface="+mn-cs"/>
+              </a:defRPr>
+            </a:lvl5pPr>
+            <a:lvl6pPr marL="2514600" indent="-228600" algn="l" defTabSz="457200" rtl="0" eaLnBrk="1" latinLnBrk="0" hangingPunct="1">
+              <a:spcBef>
+                <a:spcPct val="20000"/>
+              </a:spcBef>
+              <a:buFont typeface="Arial"/>
+              <a:buChar char="•"/>
+              <a:defRPr sz="2000" kern="1200">
+                <a:solidFill>
+                  <a:schemeClr val="tx1"/>
+                </a:solidFill>
+                <a:latin typeface="+mn-lt"/>
+                <a:ea typeface="+mn-ea"/>
+                <a:cs typeface="+mn-cs"/>
+              </a:defRPr>
+            </a:lvl6pPr>
+            <a:lvl7pPr marL="2971800" indent="-228600" algn="l" defTabSz="457200" rtl="0" eaLnBrk="1" latinLnBrk="0" hangingPunct="1">
+              <a:spcBef>
+                <a:spcPct val="20000"/>
+              </a:spcBef>
+              <a:buFont typeface="Arial"/>
+              <a:buChar char="•"/>
+              <a:defRPr sz="2000" kern="1200">
+                <a:solidFill>
+                  <a:schemeClr val="tx1"/>
+                </a:solidFill>
+                <a:latin typeface="+mn-lt"/>
+                <a:ea typeface="+mn-ea"/>
+                <a:cs typeface="+mn-cs"/>
+              </a:defRPr>
+            </a:lvl7pPr>
+            <a:lvl8pPr marL="3429000" indent="-228600" algn="l" defTabSz="457200" rtl="0" eaLnBrk="1" latinLnBrk="0" hangingPunct="1">
+              <a:spcBef>
+                <a:spcPct val="20000"/>
+              </a:spcBef>
+              <a:buFont typeface="Arial"/>
+              <a:buChar char="•"/>
+              <a:defRPr sz="2000" kern="1200">
+                <a:solidFill>
+                  <a:schemeClr val="tx1"/>
+                </a:solidFill>
+                <a:latin typeface="+mn-lt"/>
+                <a:ea typeface="+mn-ea"/>
+                <a:cs typeface="+mn-cs"/>
+              </a:defRPr>
+            </a:lvl8pPr>
+            <a:lvl9pPr marL="3886200" indent="-228600" algn="l" defTabSz="457200" rtl="0" eaLnBrk="1" latinLnBrk="0" hangingPunct="1">
+              <a:spcBef>
+                <a:spcPct val="20000"/>
+              </a:spcBef>
+              <a:buFont typeface="Arial"/>
+              <a:buChar char="•"/>
+              <a:defRPr sz="2000" kern="1200">
+                <a:solidFill>
+                  <a:schemeClr val="tx1"/>
+                </a:solidFill>
+                <a:latin typeface="+mn-lt"/>
+                <a:ea typeface="+mn-ea"/>
+                <a:cs typeface="+mn-cs"/>
+              </a:defRPr>
+            </a:lvl9pPr>
+          </a:lstStyle>
+          <a:p>
+            <a:pPr marL="342900" indent="-342900">
+              <a:buFont typeface="Arial" charset="0"/>
+              <a:buChar char="•"/>
+            </a:pPr>
+            <a:r>
+              <a:rPr lang="en-US" dirty="0"/>
+              <a:t>Create a primary index on default bucket</a:t>
+            </a:r>
+          </a:p>
+          <a:p>
+            <a:pPr marL="342900" indent="-342900">
+              <a:buFont typeface="Arial" charset="0"/>
+              <a:buChar char="•"/>
+            </a:pPr>
+            <a:endParaRPr lang="en-US" dirty="0"/>
+          </a:p>
+          <a:p>
+            <a:pPr marL="227013" lvl="1" indent="0">
+              <a:buNone/>
+            </a:pPr>
+            <a:r>
+              <a:rPr lang="en-US" dirty="0"/>
+              <a:t>          CREATE PRIMARY INDEX on `default`</a:t>
+            </a:r>
+          </a:p>
+          <a:p>
+            <a:pPr marL="342900" indent="-342900">
+              <a:buFont typeface="Arial" charset="0"/>
+              <a:buChar char="•"/>
+            </a:pPr>
+            <a:endParaRPr lang="en-US" dirty="0"/>
+          </a:p>
+          <a:p>
+            <a:pPr marL="342900" indent="-342900">
+              <a:buFont typeface="Arial" charset="0"/>
+              <a:buChar char="•"/>
+            </a:pPr>
+            <a:r>
+              <a:rPr lang="en-US" dirty="0"/>
+              <a:t>Add document(s) to default bucket</a:t>
+            </a:r>
+          </a:p>
+          <a:p>
+            <a:pPr marL="342900" indent="-342900">
+              <a:buFont typeface="Arial" charset="0"/>
+              <a:buChar char="•"/>
+            </a:pPr>
+            <a:endParaRPr lang="en-US" dirty="0"/>
+          </a:p>
+          <a:p>
+            <a:pPr marL="569913" lvl="1" indent="-342900">
+              <a:buFont typeface="Arial" charset="0"/>
+              <a:buChar char="•"/>
+            </a:pPr>
+            <a:r>
+              <a:rPr lang="en-US" dirty="0"/>
+              <a:t>Use “Create Document” button in Documents view</a:t>
+            </a:r>
+          </a:p>
+          <a:p>
+            <a:pPr marL="342900" indent="-342900">
+              <a:buFont typeface="Arial" charset="0"/>
+              <a:buChar char="•"/>
+            </a:pPr>
+            <a:endParaRPr lang="en-US" dirty="0"/>
+          </a:p>
+          <a:p>
+            <a:pPr marL="342900" indent="-342900">
+              <a:buFont typeface="Arial" charset="0"/>
+              <a:buChar char="•"/>
+            </a:pPr>
+            <a:r>
+              <a:rPr lang="en-US" dirty="0"/>
+              <a:t>SELECT documents</a:t>
+            </a:r>
+          </a:p>
+          <a:p>
+            <a:pPr marL="342900" indent="-342900">
+              <a:buFont typeface="Arial" charset="0"/>
+              <a:buChar char="•"/>
+            </a:pPr>
+            <a:endParaRPr lang="en-US" dirty="0"/>
+          </a:p>
+          <a:p>
+            <a:pPr marL="227013" lvl="1" indent="0">
+              <a:buNone/>
+            </a:pPr>
+            <a:r>
+              <a:rPr lang="en-US" dirty="0"/>
+              <a:t>          SELECT d.* FROM `default` d</a:t>
+            </a:r>
+          </a:p>
+          <a:p>
+            <a:pPr marL="342900" indent="-342900">
+              <a:buFont typeface="Arial" charset="0"/>
+              <a:buChar char="•"/>
+            </a:pPr>
+            <a:endParaRPr lang="en-US" dirty="0"/>
+          </a:p>
+          <a:p>
+            <a:endParaRPr lang="en-US" dirty="0"/>
+          </a:p>
+        </p:txBody>
+      </p:sp>
     </p:spTree>
     <p:extLst>
       <p:ext uri="{BB962C8B-B14F-4D97-AF65-F5344CB8AC3E}">
-        <p14:creationId xmlns:p14="http://schemas.microsoft.com/office/powerpoint/2010/main" val="59992013"/>
+        <p14:creationId xmlns:p14="http://schemas.microsoft.com/office/powerpoint/2010/main" val="4131121896"/>
       </p:ext>
     </p:extLst>
   </p:cSld>
@@ -13101,50 +13826,39 @@
           <a:p>
             <a:r>
               <a:rPr lang="en-US" dirty="0"/>
-              <a:t>Exercise 2: REST API</a:t>
+              <a:t>Query Workbench</a:t>
             </a:r>
           </a:p>
         </p:txBody>
       </p:sp>
-      <p:sp>
-        <p:nvSpPr>
-          <p:cNvPr id="3" name="Rectangle 2"/>
-          <p:cNvSpPr/>
+      <p:pic>
+        <p:nvPicPr>
+          <p:cNvPr id="4" name="Picture 3"/>
+          <p:cNvPicPr>
+            <a:picLocks noChangeAspect="1"/>
+          </p:cNvPicPr>
           <p:nvPr/>
-        </p:nvSpPr>
+        </p:nvPicPr>
+        <p:blipFill>
+          <a:blip r:embed="rId3"/>
+          <a:stretch>
+            <a:fillRect/>
+          </a:stretch>
+        </p:blipFill>
         <p:spPr>
           <a:xfrm>
-            <a:off x="342900" y="1067485"/>
-            <a:ext cx="7239000" cy="461665"/>
+            <a:off x="590550" y="752759"/>
+            <a:ext cx="8020050" cy="3965053"/>
           </a:xfrm>
           <a:prstGeom prst="rect">
             <a:avLst/>
           </a:prstGeom>
         </p:spPr>
-        <p:txBody>
-          <a:bodyPr wrap="square">
-            <a:spAutoFit/>
-          </a:bodyPr>
-          <a:lstStyle/>
-          <a:p>
-            <a:r>
-              <a:rPr lang="en-US" sz="2400" dirty="0"/>
-              <a:t>Cluster details: </a:t>
-            </a:r>
-            <a:r>
-              <a:rPr lang="en-US" sz="2400" dirty="0">
-                <a:hlinkClick r:id="rId2"/>
-              </a:rPr>
-              <a:t>http://localhost:8091/pools/default</a:t>
-            </a:r>
-            <a:endParaRPr lang="en-US" sz="2400" dirty="0"/>
-          </a:p>
-        </p:txBody>
-      </p:sp>
+      </p:pic>
     </p:spTree>
     <p:extLst>
       <p:ext uri="{BB962C8B-B14F-4D97-AF65-F5344CB8AC3E}">
-        <p14:creationId xmlns:p14="http://schemas.microsoft.com/office/powerpoint/2010/main" val="491559436"/>
+        <p14:creationId xmlns:p14="http://schemas.microsoft.com/office/powerpoint/2010/main" val="59992013"/>
       </p:ext>
     </p:extLst>
   </p:cSld>

--- a/connect2016/developer/02/02.pptx
+++ b/connect2016/developer/02/02.pptx
@@ -275,7 +275,7 @@
           <a:p>
             <a:fld id="{B5389E1E-C654-E943-9883-792E99AD7287}" type="datetimeFigureOut">
               <a:rPr lang="en-US" smtClean="0"/>
-              <a:t>10/24/2016</a:t>
+              <a:t>10/25/2016</a:t>
             </a:fld>
             <a:endParaRPr lang="en-US"/>
           </a:p>
@@ -441,7 +441,7 @@
           <a:p>
             <a:fld id="{9920D99B-2862-464A-984E-65BFC5FC0BBC}" type="datetimeFigureOut">
               <a:rPr lang="en-US" smtClean="0"/>
-              <a:t>10/24/2016</a:t>
+              <a:t>10/25/2016</a:t>
             </a:fld>
             <a:endParaRPr lang="en-US"/>
           </a:p>
@@ -7903,6 +7903,28 @@
               <a:rPr lang="en-US" dirty="0"/>
               <a:t>Select documents with N1QL</a:t>
             </a:r>
+          </a:p>
+          <a:p>
+            <a:pPr marL="342900" indent="-342900">
+              <a:buFont typeface="Arial" charset="0"/>
+              <a:buChar char="•"/>
+            </a:pPr>
+            <a:endParaRPr lang="en-US" dirty="0"/>
+          </a:p>
+          <a:p>
+            <a:pPr marL="342900" indent="-342900">
+              <a:buFont typeface="Arial" charset="0"/>
+              <a:buChar char="•"/>
+            </a:pPr>
+            <a:r>
+              <a:rPr lang="en-US" dirty="0"/>
+              <a:t>Fill in </a:t>
+            </a:r>
+            <a:r>
+              <a:rPr lang="en-US"/>
+              <a:t>the blanks: look for “TODO”</a:t>
+            </a:r>
+            <a:endParaRPr lang="en-US" dirty="0"/>
           </a:p>
           <a:p>
             <a:endParaRPr lang="en-US" dirty="0"/>
